--- a/Docs/Survive Axon Demo v2.pptx
+++ b/Docs/Survive Axon Demo v2.pptx
@@ -13,10 +13,9 @@
     <p:sldId id="276" r:id="rId7"/>
     <p:sldId id="275" r:id="rId8"/>
     <p:sldId id="268" r:id="rId9"/>
-    <p:sldId id="277" r:id="rId10"/>
-    <p:sldId id="278" r:id="rId11"/>
-    <p:sldId id="274" r:id="rId12"/>
-    <p:sldId id="270" r:id="rId13"/>
+    <p:sldId id="278" r:id="rId10"/>
+    <p:sldId id="274" r:id="rId11"/>
+    <p:sldId id="270" r:id="rId12"/>
   </p:sldIdLst>
   <p:sldSz cx="12192000" cy="6858000"/>
   <p:notesSz cx="6858000" cy="9144000"/>
@@ -117,7 +116,7 @@
   </p:defaultTextStyle>
   <p:extLst>
     <p:ext uri="{EFAFB233-063F-42B5-8137-9DF3F51BA10A}">
-      <p15:sldGuideLst xmlns="" xmlns:p15="http://schemas.microsoft.com/office/powerpoint/2012/main"/>
+      <p15:sldGuideLst xmlns:p15="http://schemas.microsoft.com/office/powerpoint/2012/main" xmlns=""/>
     </p:ext>
   </p:extLst>
 </p:presentation>
@@ -128,7 +127,7 @@
   <p:cmAuthor id="1" name="Patrick M" initials="PM" lastIdx="1" clrIdx="0">
     <p:extLst>
       <p:ext uri="{19B8F6BF-5375-455C-9EA6-DF929625EA0E}">
-        <p15:presenceInfo xmlns="" xmlns:p15="http://schemas.microsoft.com/office/powerpoint/2012/main" userId="293365ab57c4ddb0" providerId="Windows Live"/>
+        <p15:presenceInfo xmlns:p15="http://schemas.microsoft.com/office/powerpoint/2012/main" xmlns="" userId="293365ab57c4ddb0" providerId="Windows Live"/>
       </p:ext>
     </p:extLst>
   </p:cmAuthor>
@@ -265,7 +264,7 @@
             <a:fld id="{37724C19-980F-4321-AACF-69E1510F1043}" type="datetimeFigureOut">
               <a:rPr lang="en-US" smtClean="0"/>
               <a:pPr/>
-              <a:t>11/15/2016</a:t>
+              <a:t>11/21/2016</a:t>
             </a:fld>
             <a:endParaRPr lang="en-US" dirty="0"/>
           </a:p>
@@ -317,7 +316,7 @@
     </p:spTree>
     <p:extLst>
       <p:ext uri="{BB962C8B-B14F-4D97-AF65-F5344CB8AC3E}">
-        <p14:creationId xmlns="" xmlns:p14="http://schemas.microsoft.com/office/powerpoint/2010/main" val="4276609490"/>
+        <p14:creationId xmlns:p14="http://schemas.microsoft.com/office/powerpoint/2010/main" xmlns="" val="4276609490"/>
       </p:ext>
     </p:extLst>
   </p:cSld>
@@ -435,7 +434,7 @@
             <a:fld id="{37724C19-980F-4321-AACF-69E1510F1043}" type="datetimeFigureOut">
               <a:rPr lang="en-US" smtClean="0"/>
               <a:pPr/>
-              <a:t>11/15/2016</a:t>
+              <a:t>11/21/2016</a:t>
             </a:fld>
             <a:endParaRPr lang="en-US" dirty="0"/>
           </a:p>
@@ -487,7 +486,7 @@
     </p:spTree>
     <p:extLst>
       <p:ext uri="{BB962C8B-B14F-4D97-AF65-F5344CB8AC3E}">
-        <p14:creationId xmlns="" xmlns:p14="http://schemas.microsoft.com/office/powerpoint/2010/main" val="1177722305"/>
+        <p14:creationId xmlns:p14="http://schemas.microsoft.com/office/powerpoint/2010/main" xmlns="" val="1177722305"/>
       </p:ext>
     </p:extLst>
   </p:cSld>
@@ -615,7 +614,7 @@
             <a:fld id="{37724C19-980F-4321-AACF-69E1510F1043}" type="datetimeFigureOut">
               <a:rPr lang="en-US" smtClean="0"/>
               <a:pPr/>
-              <a:t>11/15/2016</a:t>
+              <a:t>11/21/2016</a:t>
             </a:fld>
             <a:endParaRPr lang="en-US" dirty="0"/>
           </a:p>
@@ -667,7 +666,7 @@
     </p:spTree>
     <p:extLst>
       <p:ext uri="{BB962C8B-B14F-4D97-AF65-F5344CB8AC3E}">
-        <p14:creationId xmlns="" xmlns:p14="http://schemas.microsoft.com/office/powerpoint/2010/main" val="3097804831"/>
+        <p14:creationId xmlns:p14="http://schemas.microsoft.com/office/powerpoint/2010/main" xmlns="" val="3097804831"/>
       </p:ext>
     </p:extLst>
   </p:cSld>
@@ -785,7 +784,7 @@
             <a:fld id="{37724C19-980F-4321-AACF-69E1510F1043}" type="datetimeFigureOut">
               <a:rPr lang="en-US" smtClean="0"/>
               <a:pPr/>
-              <a:t>11/15/2016</a:t>
+              <a:t>11/21/2016</a:t>
             </a:fld>
             <a:endParaRPr lang="en-US" dirty="0"/>
           </a:p>
@@ -837,7 +836,7 @@
     </p:spTree>
     <p:extLst>
       <p:ext uri="{BB962C8B-B14F-4D97-AF65-F5344CB8AC3E}">
-        <p14:creationId xmlns="" xmlns:p14="http://schemas.microsoft.com/office/powerpoint/2010/main" val="137394816"/>
+        <p14:creationId xmlns:p14="http://schemas.microsoft.com/office/powerpoint/2010/main" xmlns="" val="137394816"/>
       </p:ext>
     </p:extLst>
   </p:cSld>
@@ -1032,7 +1031,7 @@
             <a:fld id="{37724C19-980F-4321-AACF-69E1510F1043}" type="datetimeFigureOut">
               <a:rPr lang="en-US" smtClean="0"/>
               <a:pPr/>
-              <a:t>11/15/2016</a:t>
+              <a:t>11/21/2016</a:t>
             </a:fld>
             <a:endParaRPr lang="en-US" dirty="0"/>
           </a:p>
@@ -1084,7 +1083,7 @@
     </p:spTree>
     <p:extLst>
       <p:ext uri="{BB962C8B-B14F-4D97-AF65-F5344CB8AC3E}">
-        <p14:creationId xmlns="" xmlns:p14="http://schemas.microsoft.com/office/powerpoint/2010/main" val="3748074609"/>
+        <p14:creationId xmlns:p14="http://schemas.microsoft.com/office/powerpoint/2010/main" xmlns="" val="3748074609"/>
       </p:ext>
     </p:extLst>
   </p:cSld>
@@ -1263,7 +1262,7 @@
             <a:fld id="{37724C19-980F-4321-AACF-69E1510F1043}" type="datetimeFigureOut">
               <a:rPr lang="en-US" smtClean="0"/>
               <a:pPr/>
-              <a:t>11/15/2016</a:t>
+              <a:t>11/21/2016</a:t>
             </a:fld>
             <a:endParaRPr lang="en-US" dirty="0"/>
           </a:p>
@@ -1315,7 +1314,7 @@
     </p:spTree>
     <p:extLst>
       <p:ext uri="{BB962C8B-B14F-4D97-AF65-F5344CB8AC3E}">
-        <p14:creationId xmlns="" xmlns:p14="http://schemas.microsoft.com/office/powerpoint/2010/main" val="1654182424"/>
+        <p14:creationId xmlns:p14="http://schemas.microsoft.com/office/powerpoint/2010/main" xmlns="" val="1654182424"/>
       </p:ext>
     </p:extLst>
   </p:cSld>
@@ -1629,7 +1628,7 @@
             <a:fld id="{37724C19-980F-4321-AACF-69E1510F1043}" type="datetimeFigureOut">
               <a:rPr lang="en-US" smtClean="0"/>
               <a:pPr/>
-              <a:t>11/15/2016</a:t>
+              <a:t>11/21/2016</a:t>
             </a:fld>
             <a:endParaRPr lang="en-US" dirty="0"/>
           </a:p>
@@ -1681,7 +1680,7 @@
     </p:spTree>
     <p:extLst>
       <p:ext uri="{BB962C8B-B14F-4D97-AF65-F5344CB8AC3E}">
-        <p14:creationId xmlns="" xmlns:p14="http://schemas.microsoft.com/office/powerpoint/2010/main" val="4245890323"/>
+        <p14:creationId xmlns:p14="http://schemas.microsoft.com/office/powerpoint/2010/main" xmlns="" val="4245890323"/>
       </p:ext>
     </p:extLst>
   </p:cSld>
@@ -1748,7 +1747,7 @@
             <a:fld id="{37724C19-980F-4321-AACF-69E1510F1043}" type="datetimeFigureOut">
               <a:rPr lang="en-US" smtClean="0"/>
               <a:pPr/>
-              <a:t>11/15/2016</a:t>
+              <a:t>11/21/2016</a:t>
             </a:fld>
             <a:endParaRPr lang="en-US" dirty="0"/>
           </a:p>
@@ -1800,7 +1799,7 @@
     </p:spTree>
     <p:extLst>
       <p:ext uri="{BB962C8B-B14F-4D97-AF65-F5344CB8AC3E}">
-        <p14:creationId xmlns="" xmlns:p14="http://schemas.microsoft.com/office/powerpoint/2010/main" val="4136871283"/>
+        <p14:creationId xmlns:p14="http://schemas.microsoft.com/office/powerpoint/2010/main" xmlns="" val="4136871283"/>
       </p:ext>
     </p:extLst>
   </p:cSld>
@@ -1845,7 +1844,7 @@
             <a:fld id="{37724C19-980F-4321-AACF-69E1510F1043}" type="datetimeFigureOut">
               <a:rPr lang="en-US" smtClean="0"/>
               <a:pPr/>
-              <a:t>11/15/2016</a:t>
+              <a:t>11/21/2016</a:t>
             </a:fld>
             <a:endParaRPr lang="en-US" dirty="0"/>
           </a:p>
@@ -1897,7 +1896,7 @@
     </p:spTree>
     <p:extLst>
       <p:ext uri="{BB962C8B-B14F-4D97-AF65-F5344CB8AC3E}">
-        <p14:creationId xmlns="" xmlns:p14="http://schemas.microsoft.com/office/powerpoint/2010/main" val="2409841877"/>
+        <p14:creationId xmlns:p14="http://schemas.microsoft.com/office/powerpoint/2010/main" xmlns="" val="2409841877"/>
       </p:ext>
     </p:extLst>
   </p:cSld>
@@ -2122,7 +2121,7 @@
             <a:fld id="{37724C19-980F-4321-AACF-69E1510F1043}" type="datetimeFigureOut">
               <a:rPr lang="en-US" smtClean="0"/>
               <a:pPr/>
-              <a:t>11/15/2016</a:t>
+              <a:t>11/21/2016</a:t>
             </a:fld>
             <a:endParaRPr lang="en-US" dirty="0"/>
           </a:p>
@@ -2174,7 +2173,7 @@
     </p:spTree>
     <p:extLst>
       <p:ext uri="{BB962C8B-B14F-4D97-AF65-F5344CB8AC3E}">
-        <p14:creationId xmlns="" xmlns:p14="http://schemas.microsoft.com/office/powerpoint/2010/main" val="827629637"/>
+        <p14:creationId xmlns:p14="http://schemas.microsoft.com/office/powerpoint/2010/main" xmlns="" val="827629637"/>
       </p:ext>
     </p:extLst>
   </p:cSld>
@@ -2376,7 +2375,7 @@
             <a:fld id="{37724C19-980F-4321-AACF-69E1510F1043}" type="datetimeFigureOut">
               <a:rPr lang="en-US" smtClean="0"/>
               <a:pPr/>
-              <a:t>11/15/2016</a:t>
+              <a:t>11/21/2016</a:t>
             </a:fld>
             <a:endParaRPr lang="en-US" dirty="0"/>
           </a:p>
@@ -2428,7 +2427,7 @@
     </p:spTree>
     <p:extLst>
       <p:ext uri="{BB962C8B-B14F-4D97-AF65-F5344CB8AC3E}">
-        <p14:creationId xmlns="" xmlns:p14="http://schemas.microsoft.com/office/powerpoint/2010/main" val="3514816148"/>
+        <p14:creationId xmlns:p14="http://schemas.microsoft.com/office/powerpoint/2010/main" xmlns="" val="3514816148"/>
       </p:ext>
     </p:extLst>
   </p:cSld>
@@ -2589,7 +2588,7 @@
             <a:fld id="{37724C19-980F-4321-AACF-69E1510F1043}" type="datetimeFigureOut">
               <a:rPr lang="en-US" smtClean="0"/>
               <a:pPr/>
-              <a:t>11/15/2016</a:t>
+              <a:t>11/21/2016</a:t>
             </a:fld>
             <a:endParaRPr lang="en-US" dirty="0"/>
           </a:p>
@@ -2677,7 +2676,7 @@
     </p:spTree>
     <p:extLst>
       <p:ext uri="{BB962C8B-B14F-4D97-AF65-F5344CB8AC3E}">
-        <p14:creationId xmlns="" xmlns:p14="http://schemas.microsoft.com/office/powerpoint/2010/main" val="4213530645"/>
+        <p14:creationId xmlns:p14="http://schemas.microsoft.com/office/powerpoint/2010/main" xmlns="" val="4213530645"/>
       </p:ext>
     </p:extLst>
   </p:cSld>
@@ -3206,7 +3205,7 @@
             <a:avLst/>
           </a:prstGeom>
           <a:solidFill>
-            <a:srgbClr val="FF9797"/>
+            <a:srgbClr val="FB9E79"/>
           </a:solidFill>
           <a:ln w="19050">
             <a:solidFill>
@@ -3256,7 +3255,7 @@
             <a:avLst/>
           </a:prstGeom>
           <a:solidFill>
-            <a:srgbClr val="FDC199"/>
+            <a:srgbClr val="FBE29B"/>
           </a:solidFill>
           <a:ln w="19050">
             <a:solidFill>
@@ -3291,7 +3290,7 @@
       </p:sp>
       <p:sp>
         <p:nvSpPr>
-          <p:cNvPr id="19" name="Rectangle 36">
+          <p:cNvPr id="20" name="Rectangle 36">
             <a:hlinkClick r:id="rId3" action="ppaction://hlinksldjump"/>
           </p:cNvPr>
           <p:cNvSpPr/>
@@ -3299,14 +3298,14 @@
         </p:nvSpPr>
         <p:spPr>
           <a:xfrm>
-            <a:off x="4965031" y="4146885"/>
+            <a:off x="4965031" y="4154906"/>
             <a:ext cx="2310063" cy="561474"/>
           </a:xfrm>
           <a:prstGeom prst="rect">
             <a:avLst/>
           </a:prstGeom>
           <a:solidFill>
-            <a:srgbClr val="FBE29B"/>
+            <a:srgbClr val="C9F99D"/>
           </a:solidFill>
           <a:ln w="19050">
             <a:solidFill>
@@ -3339,56 +3338,6 @@
           </a:p>
         </p:txBody>
       </p:sp>
-      <p:sp>
-        <p:nvSpPr>
-          <p:cNvPr id="20" name="Rectangle 36">
-            <a:hlinkClick r:id="rId3" action="ppaction://hlinksldjump"/>
-          </p:cNvPr>
-          <p:cNvSpPr/>
-          <p:nvPr/>
-        </p:nvSpPr>
-        <p:spPr>
-          <a:xfrm>
-            <a:off x="4965031" y="4804611"/>
-            <a:ext cx="2310063" cy="561474"/>
-          </a:xfrm>
-          <a:prstGeom prst="rect">
-            <a:avLst/>
-          </a:prstGeom>
-          <a:solidFill>
-            <a:srgbClr val="C9F99D"/>
-          </a:solidFill>
-          <a:ln w="19050">
-            <a:solidFill>
-              <a:srgbClr val="D8D8D8"/>
-            </a:solidFill>
-          </a:ln>
-        </p:spPr>
-        <p:style>
-          <a:lnRef idx="2">
-            <a:schemeClr val="accent1">
-              <a:shade val="50000"/>
-            </a:schemeClr>
-          </a:lnRef>
-          <a:fillRef idx="1003">
-            <a:schemeClr val="lt1"/>
-          </a:fillRef>
-          <a:effectRef idx="0">
-            <a:schemeClr val="accent1"/>
-          </a:effectRef>
-          <a:fontRef idx="minor">
-            <a:schemeClr val="lt1"/>
-          </a:fontRef>
-        </p:style>
-        <p:txBody>
-          <a:bodyPr rtlCol="0" anchor="ctr"/>
-          <a:lstStyle/>
-          <a:p>
-            <a:pPr algn="ctr"/>
-            <a:endParaRPr lang="en-US" dirty="0"/>
-          </a:p>
-        </p:txBody>
-      </p:sp>
       <p:pic>
         <p:nvPicPr>
           <p:cNvPr id="21" name="20 Imagen" descr="StateBar.png"/>
@@ -3563,7 +3512,7 @@
         </p:nvSpPr>
         <p:spPr>
           <a:xfrm>
-            <a:off x="5470359" y="1692442"/>
+            <a:off x="5694949" y="1676400"/>
             <a:ext cx="393030" cy="264695"/>
           </a:xfrm>
           <a:prstGeom prst="roundRect">
@@ -3609,14 +3558,14 @@
       </p:sp>
       <p:sp>
         <p:nvSpPr>
-          <p:cNvPr id="29" name="28 Rectángulo redondeado"/>
-          <p:cNvSpPr/>
-          <p:nvPr/>
-        </p:nvSpPr>
-        <p:spPr>
-          <a:xfrm>
-            <a:off x="5895475" y="1700463"/>
-            <a:ext cx="393030" cy="264695"/>
+          <p:cNvPr id="30" name="29 Rectángulo redondeado"/>
+          <p:cNvSpPr/>
+          <p:nvPr/>
+        </p:nvSpPr>
+        <p:spPr>
+          <a:xfrm>
+            <a:off x="6208296" y="1700463"/>
+            <a:ext cx="409072" cy="264695"/>
           </a:xfrm>
           <a:prstGeom prst="roundRect">
             <a:avLst/>
@@ -3661,14 +3610,14 @@
       </p:sp>
       <p:sp>
         <p:nvSpPr>
-          <p:cNvPr id="30" name="29 Rectángulo redondeado"/>
-          <p:cNvSpPr/>
-          <p:nvPr/>
-        </p:nvSpPr>
-        <p:spPr>
-          <a:xfrm>
-            <a:off x="6328612" y="1700463"/>
-            <a:ext cx="409072" cy="264695"/>
+          <p:cNvPr id="32" name="31 Rectángulo redondeado"/>
+          <p:cNvSpPr/>
+          <p:nvPr/>
+        </p:nvSpPr>
+        <p:spPr>
+          <a:xfrm>
+            <a:off x="6785811" y="1676400"/>
+            <a:ext cx="368968" cy="264695"/>
           </a:xfrm>
           <a:prstGeom prst="roundRect">
             <a:avLst/>
@@ -3713,21 +3662,21 @@
       </p:sp>
       <p:sp>
         <p:nvSpPr>
-          <p:cNvPr id="32" name="31 Rectángulo redondeado"/>
-          <p:cNvSpPr/>
-          <p:nvPr/>
-        </p:nvSpPr>
-        <p:spPr>
-          <a:xfrm>
-            <a:off x="6785811" y="1676400"/>
-            <a:ext cx="368968" cy="264695"/>
+          <p:cNvPr id="33" name="32 Rectángulo redondeado"/>
+          <p:cNvSpPr/>
+          <p:nvPr/>
+        </p:nvSpPr>
+        <p:spPr>
+          <a:xfrm>
+            <a:off x="5117432" y="1692442"/>
+            <a:ext cx="401052" cy="264695"/>
           </a:xfrm>
           <a:prstGeom prst="roundRect">
             <a:avLst/>
           </a:prstGeom>
           <a:solidFill>
             <a:schemeClr val="bg2">
-              <a:alpha val="45000"/>
+              <a:alpha val="0"/>
             </a:schemeClr>
           </a:solidFill>
           <a:ln>
@@ -3765,58 +3714,6 @@
       </p:sp>
       <p:sp>
         <p:nvSpPr>
-          <p:cNvPr id="33" name="32 Rectángulo redondeado"/>
-          <p:cNvSpPr/>
-          <p:nvPr/>
-        </p:nvSpPr>
-        <p:spPr>
-          <a:xfrm>
-            <a:off x="5013159" y="1700463"/>
-            <a:ext cx="401052" cy="264695"/>
-          </a:xfrm>
-          <a:prstGeom prst="roundRect">
-            <a:avLst/>
-          </a:prstGeom>
-          <a:solidFill>
-            <a:schemeClr val="bg2">
-              <a:alpha val="0"/>
-            </a:schemeClr>
-          </a:solidFill>
-          <a:ln>
-            <a:solidFill>
-              <a:schemeClr val="bg2">
-                <a:alpha val="61000"/>
-              </a:schemeClr>
-            </a:solidFill>
-          </a:ln>
-        </p:spPr>
-        <p:style>
-          <a:lnRef idx="2">
-            <a:schemeClr val="accent1">
-              <a:shade val="50000"/>
-            </a:schemeClr>
-          </a:lnRef>
-          <a:fillRef idx="1">
-            <a:schemeClr val="accent1"/>
-          </a:fillRef>
-          <a:effectRef idx="0">
-            <a:schemeClr val="accent1"/>
-          </a:effectRef>
-          <a:fontRef idx="minor">
-            <a:schemeClr val="lt1"/>
-          </a:fontRef>
-        </p:style>
-        <p:txBody>
-          <a:bodyPr rtlCol="0" anchor="ctr"/>
-          <a:lstStyle/>
-          <a:p>
-            <a:pPr algn="ctr"/>
-            <a:endParaRPr lang="es-ES"/>
-          </a:p>
-        </p:txBody>
-      </p:sp>
-      <p:sp>
-        <p:nvSpPr>
           <p:cNvPr id="34" name="Rectangle 12">
             <a:hlinkClick r:id="rId5" action="ppaction://hlinksldjump"/>
           </p:cNvPr>
@@ -3868,53 +3765,6 @@
       </p:sp>
       <p:sp>
         <p:nvSpPr>
-          <p:cNvPr id="39" name="Rectangle 12">
-            <a:hlinkClick r:id="rId5" action="ppaction://hlinksldjump"/>
-          </p:cNvPr>
-          <p:cNvSpPr/>
-          <p:nvPr/>
-        </p:nvSpPr>
-        <p:spPr>
-          <a:xfrm>
-            <a:off x="5382126" y="4239719"/>
-            <a:ext cx="1477287" cy="370800"/>
-          </a:xfrm>
-          <a:prstGeom prst="rect">
-            <a:avLst/>
-          </a:prstGeom>
-          <a:noFill/>
-          <a:ln>
-            <a:noFill/>
-          </a:ln>
-        </p:spPr>
-        <p:style>
-          <a:lnRef idx="2">
-            <a:schemeClr val="dk1"/>
-          </a:lnRef>
-          <a:fillRef idx="1">
-            <a:schemeClr val="lt1"/>
-          </a:fillRef>
-          <a:effectRef idx="0">
-            <a:schemeClr val="dk1"/>
-          </a:effectRef>
-          <a:fontRef idx="minor">
-            <a:schemeClr val="dk1"/>
-          </a:fontRef>
-        </p:style>
-        <p:txBody>
-          <a:bodyPr rtlCol="0" anchor="ctr"/>
-          <a:lstStyle/>
-          <a:p>
-            <a:pPr algn="ctr"/>
-            <a:r>
-              <a:rPr lang="en-GB" sz="1100" dirty="0" smtClean="0"/>
-              <a:t>Disaster specific information</a:t>
-            </a:r>
-          </a:p>
-        </p:txBody>
-      </p:sp>
-      <p:sp>
-        <p:nvSpPr>
           <p:cNvPr id="40" name="Rectangle 12">
             <a:hlinkClick r:id="rId5" action="ppaction://hlinksldjump"/>
           </p:cNvPr>
@@ -3923,7 +3773,7 @@
         </p:nvSpPr>
         <p:spPr>
           <a:xfrm>
-            <a:off x="5358063" y="4913488"/>
+            <a:off x="5358063" y="4263783"/>
             <a:ext cx="1477287" cy="370800"/>
           </a:xfrm>
           <a:prstGeom prst="rect">
@@ -4038,14 +3888,13 @@
               <a:rPr lang="en-GB" sz="1100" dirty="0" smtClean="0"/>
               <a:t>First screen always quiz. To change, go to menu -&gt;</a:t>
             </a:r>
-            <a:endParaRPr lang="en-GB" sz="1100" dirty="0" smtClean="0"/>
           </a:p>
         </p:txBody>
       </p:sp>
     </p:spTree>
     <p:extLst>
       <p:ext uri="{BB962C8B-B14F-4D97-AF65-F5344CB8AC3E}">
-        <p14:creationId xmlns="" xmlns:p14="http://schemas.microsoft.com/office/powerpoint/2010/main" val="283767647"/>
+        <p14:creationId xmlns:p14="http://schemas.microsoft.com/office/powerpoint/2010/main" xmlns="" val="283767647"/>
       </p:ext>
     </p:extLst>
   </p:cSld>
@@ -4053,7 +3902,7 @@
     <a:masterClrMapping/>
   </p:clrMapOvr>
   <mc:AlternateContent xmlns:mc="http://schemas.openxmlformats.org/markup-compatibility/2006">
-    <mc:Choice xmlns="" xmlns:p14="http://schemas.microsoft.com/office/powerpoint/2010/main" Requires="p14">
+    <mc:Choice xmlns:p14="http://schemas.microsoft.com/office/powerpoint/2010/main" xmlns="" Requires="p14">
       <p:transition spd="slow" p14:dur="2000" advClick="0"/>
     </mc:Choice>
     <mc:Fallback>
@@ -4119,14 +3968,17 @@
         </p:nvSpPr>
         <p:spPr>
           <a:xfrm>
-            <a:off x="4827311" y="1507587"/>
+            <a:off x="4803248" y="1515608"/>
             <a:ext cx="2618278" cy="398254"/>
           </a:xfrm>
           <a:prstGeom prst="rect">
             <a:avLst/>
           </a:prstGeom>
           <a:solidFill>
-            <a:srgbClr val="FDC199"/>
+            <a:schemeClr val="accent4">
+              <a:lumMod val="40000"/>
+              <a:lumOff val="60000"/>
+            </a:schemeClr>
           </a:solidFill>
           <a:ln>
             <a:solidFill>
@@ -4206,8 +4058,8 @@
         </p:nvSpPr>
         <p:spPr>
           <a:xfrm>
-            <a:off x="5449821" y="1549335"/>
-            <a:ext cx="1432241" cy="370800"/>
+            <a:off x="5217211" y="1549335"/>
+            <a:ext cx="1809231" cy="370800"/>
           </a:xfrm>
           <a:prstGeom prst="rect">
             <a:avLst/>
@@ -4237,835 +4089,12 @@
           <a:p>
             <a:pPr algn="ctr"/>
             <a:r>
+              <a:rPr lang="en-GB" sz="1100" dirty="0" err="1" smtClean="0"/>
+              <a:t>Surrondings</a:t>
+            </a:r>
+            <a:r>
               <a:rPr lang="en-GB" sz="1100" dirty="0" smtClean="0"/>
-              <a:t>Surroundings state</a:t>
-            </a:r>
-            <a:endParaRPr lang="en-US" sz="1100" dirty="0"/>
-          </a:p>
-        </p:txBody>
-      </p:sp>
-      <p:sp>
-        <p:nvSpPr>
-          <p:cNvPr id="51" name="Rectangle 50"/>
-          <p:cNvSpPr/>
-          <p:nvPr/>
-        </p:nvSpPr>
-        <p:spPr>
-          <a:xfrm>
-            <a:off x="6515067" y="1803218"/>
-            <a:ext cx="1066800" cy="370800"/>
-          </a:xfrm>
-          <a:prstGeom prst="rect">
-            <a:avLst/>
-          </a:prstGeom>
-          <a:noFill/>
-          <a:ln>
-            <a:noFill/>
-          </a:ln>
-        </p:spPr>
-        <p:style>
-          <a:lnRef idx="2">
-            <a:schemeClr val="dk1"/>
-          </a:lnRef>
-          <a:fillRef idx="1">
-            <a:schemeClr val="lt1"/>
-          </a:fillRef>
-          <a:effectRef idx="0">
-            <a:schemeClr val="dk1"/>
-          </a:effectRef>
-          <a:fontRef idx="minor">
-            <a:schemeClr val="dk1"/>
-          </a:fontRef>
-        </p:style>
-        <p:txBody>
-          <a:bodyPr rtlCol="0" anchor="ctr"/>
-          <a:lstStyle/>
-          <a:p>
-            <a:pPr marL="171450" indent="-171450" algn="ctr">
-              <a:buFont typeface="Wingdings" panose="05000000000000000000" pitchFamily="2" charset="2"/>
-              <a:buChar char="ü"/>
-            </a:pPr>
-            <a:endParaRPr lang="en-US" sz="1100" dirty="0"/>
-          </a:p>
-        </p:txBody>
-      </p:sp>
-      <p:pic>
-        <p:nvPicPr>
-          <p:cNvPr id="62" name="Picture 61"/>
-          <p:cNvPicPr>
-            <a:picLocks noChangeAspect="1"/>
-          </p:cNvPicPr>
-          <p:nvPr/>
-        </p:nvPicPr>
-        <p:blipFill rotWithShape="1">
-          <a:blip r:embed="rId2" cstate="print"/>
-          <a:srcRect t="85496"/>
-          <a:stretch/>
-        </p:blipFill>
-        <p:spPr>
-          <a:xfrm>
-            <a:off x="4547970" y="5691187"/>
-            <a:ext cx="3096057" cy="924369"/>
-          </a:xfrm>
-          <a:prstGeom prst="rect">
-            <a:avLst/>
-          </a:prstGeom>
-        </p:spPr>
-      </p:pic>
-      <p:sp>
-        <p:nvSpPr>
-          <p:cNvPr id="65" name="Rectangle 64">
-            <a:hlinkClick r:id="rId3" action="ppaction://hlinksldjump"/>
-          </p:cNvPr>
-          <p:cNvSpPr/>
-          <p:nvPr/>
-        </p:nvSpPr>
-        <p:spPr>
-          <a:xfrm>
-            <a:off x="5822950" y="5842000"/>
-            <a:ext cx="539750" cy="567918"/>
-          </a:xfrm>
-          <a:prstGeom prst="rect">
-            <a:avLst/>
-          </a:prstGeom>
-          <a:solidFill>
-            <a:schemeClr val="bg1">
-              <a:alpha val="0"/>
-            </a:schemeClr>
-          </a:solidFill>
-          <a:ln>
-            <a:solidFill>
-              <a:schemeClr val="bg1">
-                <a:alpha val="0"/>
-              </a:schemeClr>
-            </a:solidFill>
-          </a:ln>
-        </p:spPr>
-        <p:style>
-          <a:lnRef idx="2">
-            <a:schemeClr val="accent1">
-              <a:shade val="50000"/>
-            </a:schemeClr>
-          </a:lnRef>
-          <a:fillRef idx="1">
-            <a:schemeClr val="accent1"/>
-          </a:fillRef>
-          <a:effectRef idx="0">
-            <a:schemeClr val="accent1"/>
-          </a:effectRef>
-          <a:fontRef idx="minor">
-            <a:schemeClr val="lt1"/>
-          </a:fontRef>
-        </p:style>
-        <p:txBody>
-          <a:bodyPr rtlCol="0" anchor="ctr"/>
-          <a:lstStyle/>
-          <a:p>
-            <a:pPr algn="ctr"/>
-            <a:endParaRPr lang="en-US" dirty="0"/>
-          </a:p>
-        </p:txBody>
-      </p:sp>
-      <p:sp>
-        <p:nvSpPr>
-          <p:cNvPr id="17" name="Rectangle 33"/>
-          <p:cNvSpPr/>
-          <p:nvPr/>
-        </p:nvSpPr>
-        <p:spPr>
-          <a:xfrm>
-            <a:off x="4819981" y="1913860"/>
-            <a:ext cx="2580280" cy="3774559"/>
-          </a:xfrm>
-          <a:prstGeom prst="rect">
-            <a:avLst/>
-          </a:prstGeom>
-          <a:solidFill>
-            <a:schemeClr val="bg1"/>
-          </a:solidFill>
-          <a:ln>
-            <a:solidFill>
-              <a:schemeClr val="tx1"/>
-            </a:solidFill>
-          </a:ln>
-        </p:spPr>
-        <p:style>
-          <a:lnRef idx="2">
-            <a:schemeClr val="accent1">
-              <a:shade val="50000"/>
-            </a:schemeClr>
-          </a:lnRef>
-          <a:fillRef idx="1">
-            <a:schemeClr val="accent1"/>
-          </a:fillRef>
-          <a:effectRef idx="0">
-            <a:schemeClr val="accent1"/>
-          </a:effectRef>
-          <a:fontRef idx="minor">
-            <a:schemeClr val="lt1"/>
-          </a:fontRef>
-        </p:style>
-        <p:txBody>
-          <a:bodyPr rtlCol="0" anchor="ctr"/>
-          <a:lstStyle/>
-          <a:p>
-            <a:pPr marL="171450" indent="-171450" algn="ctr">
-              <a:buFont typeface="Wingdings" panose="05000000000000000000" pitchFamily="2" charset="2"/>
-              <a:buChar char="ü"/>
-            </a:pPr>
-            <a:r>
-              <a:rPr lang="en-GB" dirty="0" smtClean="0"/>
-              <a:t> </a:t>
-            </a:r>
-            <a:endParaRPr lang="en-US" dirty="0"/>
-          </a:p>
-        </p:txBody>
-      </p:sp>
-      <p:sp>
-        <p:nvSpPr>
-          <p:cNvPr id="18" name="Rectangle 33"/>
-          <p:cNvSpPr/>
-          <p:nvPr/>
-        </p:nvSpPr>
-        <p:spPr>
-          <a:xfrm>
-            <a:off x="7070651" y="2083981"/>
-            <a:ext cx="159488" cy="148856"/>
-          </a:xfrm>
-          <a:prstGeom prst="rect">
-            <a:avLst/>
-          </a:prstGeom>
-          <a:solidFill>
-            <a:schemeClr val="bg1"/>
-          </a:solidFill>
-          <a:ln>
-            <a:solidFill>
-              <a:schemeClr val="tx1"/>
-            </a:solidFill>
-          </a:ln>
-        </p:spPr>
-        <p:style>
-          <a:lnRef idx="2">
-            <a:schemeClr val="accent1">
-              <a:shade val="50000"/>
-            </a:schemeClr>
-          </a:lnRef>
-          <a:fillRef idx="1">
-            <a:schemeClr val="accent1"/>
-          </a:fillRef>
-          <a:effectRef idx="0">
-            <a:schemeClr val="accent1"/>
-          </a:effectRef>
-          <a:fontRef idx="minor">
-            <a:schemeClr val="lt1"/>
-          </a:fontRef>
-        </p:style>
-        <p:txBody>
-          <a:bodyPr rtlCol="0" anchor="ctr"/>
-          <a:lstStyle/>
-          <a:p>
-            <a:pPr algn="ctr"/>
-            <a:endParaRPr lang="en-US" dirty="0">
-              <a:solidFill>
-                <a:schemeClr val="tx1"/>
-              </a:solidFill>
-            </a:endParaRPr>
-          </a:p>
-        </p:txBody>
-      </p:sp>
-      <p:sp>
-        <p:nvSpPr>
-          <p:cNvPr id="20" name="Rectangle 33"/>
-          <p:cNvSpPr/>
-          <p:nvPr/>
-        </p:nvSpPr>
-        <p:spPr>
-          <a:xfrm>
-            <a:off x="7074195" y="2395869"/>
-            <a:ext cx="159488" cy="148856"/>
-          </a:xfrm>
-          <a:prstGeom prst="rect">
-            <a:avLst/>
-          </a:prstGeom>
-          <a:solidFill>
-            <a:schemeClr val="bg1"/>
-          </a:solidFill>
-          <a:ln>
-            <a:solidFill>
-              <a:schemeClr val="tx1"/>
-            </a:solidFill>
-          </a:ln>
-        </p:spPr>
-        <p:style>
-          <a:lnRef idx="2">
-            <a:schemeClr val="accent1">
-              <a:shade val="50000"/>
-            </a:schemeClr>
-          </a:lnRef>
-          <a:fillRef idx="1">
-            <a:schemeClr val="accent1"/>
-          </a:fillRef>
-          <a:effectRef idx="0">
-            <a:schemeClr val="accent1"/>
-          </a:effectRef>
-          <a:fontRef idx="minor">
-            <a:schemeClr val="lt1"/>
-          </a:fontRef>
-        </p:style>
-        <p:txBody>
-          <a:bodyPr rtlCol="0" anchor="ctr"/>
-          <a:lstStyle/>
-          <a:p>
-            <a:pPr algn="ctr"/>
-            <a:endParaRPr lang="en-US" dirty="0">
-              <a:solidFill>
-                <a:schemeClr val="tx1"/>
-              </a:solidFill>
-            </a:endParaRPr>
-          </a:p>
-        </p:txBody>
-      </p:sp>
-      <p:sp>
-        <p:nvSpPr>
-          <p:cNvPr id="21" name="Rectangle 33"/>
-          <p:cNvSpPr/>
-          <p:nvPr/>
-        </p:nvSpPr>
-        <p:spPr>
-          <a:xfrm>
-            <a:off x="7074196" y="2682948"/>
-            <a:ext cx="159488" cy="148856"/>
-          </a:xfrm>
-          <a:prstGeom prst="rect">
-            <a:avLst/>
-          </a:prstGeom>
-          <a:solidFill>
-            <a:schemeClr val="bg1"/>
-          </a:solidFill>
-          <a:ln>
-            <a:solidFill>
-              <a:schemeClr val="tx1"/>
-            </a:solidFill>
-          </a:ln>
-        </p:spPr>
-        <p:style>
-          <a:lnRef idx="2">
-            <a:schemeClr val="accent1">
-              <a:shade val="50000"/>
-            </a:schemeClr>
-          </a:lnRef>
-          <a:fillRef idx="1">
-            <a:schemeClr val="accent1"/>
-          </a:fillRef>
-          <a:effectRef idx="0">
-            <a:schemeClr val="accent1"/>
-          </a:effectRef>
-          <a:fontRef idx="minor">
-            <a:schemeClr val="lt1"/>
-          </a:fontRef>
-        </p:style>
-        <p:txBody>
-          <a:bodyPr rtlCol="0" anchor="ctr"/>
-          <a:lstStyle/>
-          <a:p>
-            <a:pPr algn="ctr"/>
-            <a:endParaRPr lang="en-US" dirty="0">
-              <a:solidFill>
-                <a:schemeClr val="tx1"/>
-              </a:solidFill>
-            </a:endParaRPr>
-          </a:p>
-        </p:txBody>
-      </p:sp>
-      <p:sp>
-        <p:nvSpPr>
-          <p:cNvPr id="26" name="25 Rectángulo"/>
-          <p:cNvSpPr/>
-          <p:nvPr/>
-        </p:nvSpPr>
-        <p:spPr>
-          <a:xfrm>
-            <a:off x="7046284" y="2290872"/>
-            <a:ext cx="244549" cy="369332"/>
-          </a:xfrm>
-          <a:prstGeom prst="rect">
-            <a:avLst/>
-          </a:prstGeom>
-        </p:spPr>
-        <p:txBody>
-          <a:bodyPr wrap="square">
-            <a:spAutoFit/>
-          </a:bodyPr>
-          <a:lstStyle/>
-          <a:p>
-            <a:pPr marL="171450" indent="-171450" algn="ctr">
-              <a:buFont typeface="Wingdings" panose="05000000000000000000" pitchFamily="2" charset="2"/>
-              <a:buChar char="ü"/>
-            </a:pPr>
-            <a:r>
-              <a:rPr lang="en-GB" dirty="0" smtClean="0"/>
-              <a:t> </a:t>
-            </a:r>
-            <a:endParaRPr lang="en-US" dirty="0"/>
-          </a:p>
-        </p:txBody>
-      </p:sp>
-      <p:sp>
-        <p:nvSpPr>
-          <p:cNvPr id="81" name="Rectangle 27">
-            <a:hlinkClick r:id="rId3" action="ppaction://hlinksldjump"/>
-          </p:cNvPr>
-          <p:cNvSpPr/>
-          <p:nvPr/>
-        </p:nvSpPr>
-        <p:spPr>
-          <a:xfrm>
-            <a:off x="4820653" y="5382126"/>
-            <a:ext cx="2574758" cy="293610"/>
-          </a:xfrm>
-          <a:prstGeom prst="rect">
-            <a:avLst/>
-          </a:prstGeom>
-          <a:solidFill>
-            <a:srgbClr val="FDC199"/>
-          </a:solidFill>
-          <a:ln>
-            <a:solidFill>
-              <a:schemeClr val="tx1"/>
-            </a:solidFill>
-          </a:ln>
-        </p:spPr>
-        <p:style>
-          <a:lnRef idx="1">
-            <a:schemeClr val="accent6"/>
-          </a:lnRef>
-          <a:fillRef idx="2">
-            <a:schemeClr val="accent6"/>
-          </a:fillRef>
-          <a:effectRef idx="1">
-            <a:schemeClr val="accent6"/>
-          </a:effectRef>
-          <a:fontRef idx="minor">
-            <a:schemeClr val="dk1"/>
-          </a:fontRef>
-        </p:style>
-        <p:txBody>
-          <a:bodyPr rtlCol="0" anchor="ctr"/>
-          <a:lstStyle/>
-          <a:p>
-            <a:pPr algn="ctr"/>
-            <a:endParaRPr lang="en-US" dirty="0"/>
-          </a:p>
-        </p:txBody>
-      </p:sp>
-      <p:sp>
-        <p:nvSpPr>
-          <p:cNvPr id="67" name="Rectangle 12"/>
-          <p:cNvSpPr/>
-          <p:nvPr/>
-        </p:nvSpPr>
-        <p:spPr>
-          <a:xfrm>
-            <a:off x="5257317" y="5335272"/>
-            <a:ext cx="1664852" cy="370800"/>
-          </a:xfrm>
-          <a:prstGeom prst="rect">
-            <a:avLst/>
-          </a:prstGeom>
-          <a:noFill/>
-          <a:ln>
-            <a:noFill/>
-          </a:ln>
-        </p:spPr>
-        <p:style>
-          <a:lnRef idx="2">
-            <a:schemeClr val="dk1"/>
-          </a:lnRef>
-          <a:fillRef idx="1">
-            <a:schemeClr val="lt1"/>
-          </a:fillRef>
-          <a:effectRef idx="0">
-            <a:schemeClr val="dk1"/>
-          </a:effectRef>
-          <a:fontRef idx="minor">
-            <a:schemeClr val="dk1"/>
-          </a:fontRef>
-        </p:style>
-        <p:txBody>
-          <a:bodyPr rtlCol="0" anchor="ctr"/>
-          <a:lstStyle/>
-          <a:p>
-            <a:pPr algn="ctr"/>
-            <a:r>
-              <a:rPr lang="en-GB" sz="1100" dirty="0" smtClean="0"/>
-              <a:t>Send </a:t>
-            </a:r>
-            <a:endParaRPr lang="en-US" sz="1100" dirty="0"/>
-          </a:p>
-        </p:txBody>
-      </p:sp>
-      <p:sp>
-        <p:nvSpPr>
-          <p:cNvPr id="22" name="Rectangle 12"/>
-          <p:cNvSpPr/>
-          <p:nvPr/>
-        </p:nvSpPr>
-        <p:spPr>
-          <a:xfrm>
-            <a:off x="4757153" y="2008951"/>
-            <a:ext cx="1650441" cy="370800"/>
-          </a:xfrm>
-          <a:prstGeom prst="rect">
-            <a:avLst/>
-          </a:prstGeom>
-          <a:noFill/>
-          <a:ln>
-            <a:noFill/>
-          </a:ln>
-        </p:spPr>
-        <p:style>
-          <a:lnRef idx="2">
-            <a:schemeClr val="dk1"/>
-          </a:lnRef>
-          <a:fillRef idx="1">
-            <a:schemeClr val="lt1"/>
-          </a:fillRef>
-          <a:effectRef idx="0">
-            <a:schemeClr val="dk1"/>
-          </a:effectRef>
-          <a:fontRef idx="minor">
-            <a:schemeClr val="dk1"/>
-          </a:fontRef>
-        </p:style>
-        <p:txBody>
-          <a:bodyPr rtlCol="0" anchor="ctr"/>
-          <a:lstStyle/>
-          <a:p>
-            <a:pPr algn="ctr"/>
-            <a:r>
-              <a:rPr lang="es-ES" sz="1100" dirty="0" err="1" smtClean="0"/>
-              <a:t>Add</a:t>
-            </a:r>
-            <a:r>
-              <a:rPr lang="es-ES" sz="1100" dirty="0" smtClean="0"/>
-              <a:t> </a:t>
-            </a:r>
-            <a:r>
-              <a:rPr lang="es-ES" sz="1100" dirty="0" err="1" smtClean="0"/>
-              <a:t>question</a:t>
-            </a:r>
-            <a:endParaRPr lang="en-US" sz="1100" dirty="0"/>
-          </a:p>
-        </p:txBody>
-      </p:sp>
-      <p:sp>
-        <p:nvSpPr>
-          <p:cNvPr id="23" name="Rectangle 12"/>
-          <p:cNvSpPr/>
-          <p:nvPr/>
-        </p:nvSpPr>
-        <p:spPr>
-          <a:xfrm>
-            <a:off x="4755398" y="2280329"/>
-            <a:ext cx="1658102" cy="370800"/>
-          </a:xfrm>
-          <a:prstGeom prst="rect">
-            <a:avLst/>
-          </a:prstGeom>
-          <a:noFill/>
-          <a:ln>
-            <a:noFill/>
-          </a:ln>
-        </p:spPr>
-        <p:style>
-          <a:lnRef idx="2">
-            <a:schemeClr val="dk1"/>
-          </a:lnRef>
-          <a:fillRef idx="1">
-            <a:schemeClr val="lt1"/>
-          </a:fillRef>
-          <a:effectRef idx="0">
-            <a:schemeClr val="dk1"/>
-          </a:effectRef>
-          <a:fontRef idx="minor">
-            <a:schemeClr val="dk1"/>
-          </a:fontRef>
-        </p:style>
-        <p:txBody>
-          <a:bodyPr rtlCol="0" anchor="ctr"/>
-          <a:lstStyle/>
-          <a:p>
-            <a:pPr algn="ctr"/>
-            <a:r>
-              <a:rPr lang="es-ES" sz="1100" dirty="0" err="1" smtClean="0"/>
-              <a:t>Add</a:t>
-            </a:r>
-            <a:r>
-              <a:rPr lang="es-ES" sz="1100" dirty="0" smtClean="0"/>
-              <a:t> </a:t>
-            </a:r>
-            <a:r>
-              <a:rPr lang="es-ES" sz="1100" dirty="0" err="1" smtClean="0"/>
-              <a:t>question</a:t>
-            </a:r>
-            <a:endParaRPr lang="en-US" sz="1100" dirty="0"/>
-          </a:p>
-        </p:txBody>
-      </p:sp>
-      <p:sp>
-        <p:nvSpPr>
-          <p:cNvPr id="24" name="Rectangle 12"/>
-          <p:cNvSpPr/>
-          <p:nvPr/>
-        </p:nvSpPr>
-        <p:spPr>
-          <a:xfrm>
-            <a:off x="4625323" y="2566079"/>
-            <a:ext cx="1948597" cy="370800"/>
-          </a:xfrm>
-          <a:prstGeom prst="rect">
-            <a:avLst/>
-          </a:prstGeom>
-          <a:noFill/>
-          <a:ln>
-            <a:noFill/>
-          </a:ln>
-        </p:spPr>
-        <p:style>
-          <a:lnRef idx="2">
-            <a:schemeClr val="dk1"/>
-          </a:lnRef>
-          <a:fillRef idx="1">
-            <a:schemeClr val="lt1"/>
-          </a:fillRef>
-          <a:effectRef idx="0">
-            <a:schemeClr val="dk1"/>
-          </a:effectRef>
-          <a:fontRef idx="minor">
-            <a:schemeClr val="dk1"/>
-          </a:fontRef>
-        </p:style>
-        <p:txBody>
-          <a:bodyPr rtlCol="0" anchor="ctr"/>
-          <a:lstStyle/>
-          <a:p>
-            <a:pPr algn="ctr"/>
-            <a:r>
-              <a:rPr lang="es-ES" sz="1100" dirty="0" err="1" smtClean="0"/>
-              <a:t>Add</a:t>
-            </a:r>
-            <a:r>
-              <a:rPr lang="es-ES" sz="1100" dirty="0" smtClean="0"/>
-              <a:t> </a:t>
-            </a:r>
-            <a:r>
-              <a:rPr lang="es-ES" sz="1100" dirty="0" err="1" smtClean="0"/>
-              <a:t>question</a:t>
-            </a:r>
-            <a:endParaRPr lang="en-US" sz="1100" dirty="0"/>
-          </a:p>
-        </p:txBody>
-      </p:sp>
-    </p:spTree>
-    <p:extLst>
-      <p:ext uri="{BB962C8B-B14F-4D97-AF65-F5344CB8AC3E}">
-        <p14:creationId xmlns="" xmlns:p14="http://schemas.microsoft.com/office/powerpoint/2010/main" val="283767647"/>
-      </p:ext>
-    </p:extLst>
-  </p:cSld>
-  <p:clrMapOvr>
-    <a:masterClrMapping/>
-  </p:clrMapOvr>
-  <mc:AlternateContent xmlns:mc="http://schemas.openxmlformats.org/markup-compatibility/2006">
-    <mc:Choice xmlns="" xmlns:p14="http://schemas.microsoft.com/office/powerpoint/2010/main" Requires="p14">
-      <p:transition spd="slow" p14:dur="2000" advClick="0"/>
-    </mc:Choice>
-    <mc:Fallback>
-      <p:transition spd="slow" advClick="0"/>
-    </mc:Fallback>
-  </mc:AlternateContent>
-  <p:timing>
-    <p:tnLst>
-      <p:par>
-        <p:cTn id="1" dur="indefinite" restart="never" nodeType="tmRoot"/>
-      </p:par>
-    </p:tnLst>
-  </p:timing>
-</p:sld>
-</file>
-
-<file path=ppt/slides/slide11.xml><?xml version="1.0" encoding="utf-8"?>
-<p:sld xmlns:a="http://schemas.openxmlformats.org/drawingml/2006/main" xmlns:r="http://schemas.openxmlformats.org/officeDocument/2006/relationships" xmlns:p="http://schemas.openxmlformats.org/presentationml/2006/main">
-  <p:cSld>
-    <p:spTree>
-      <p:nvGrpSpPr>
-        <p:cNvPr id="1" name=""/>
-        <p:cNvGrpSpPr/>
-        <p:nvPr/>
-      </p:nvGrpSpPr>
-      <p:grpSpPr>
-        <a:xfrm>
-          <a:off x="0" y="0"/>
-          <a:ext cx="0" cy="0"/>
-          <a:chOff x="0" y="0"/>
-          <a:chExt cx="0" cy="0"/>
-        </a:xfrm>
-      </p:grpSpPr>
-      <p:pic>
-        <p:nvPicPr>
-          <p:cNvPr id="6" name="Picture 5"/>
-          <p:cNvPicPr>
-            <a:picLocks noChangeAspect="1"/>
-          </p:cNvPicPr>
-          <p:nvPr/>
-        </p:nvPicPr>
-        <p:blipFill>
-          <a:blip r:embed="rId2" cstate="print"/>
-          <a:stretch>
-            <a:fillRect/>
-          </a:stretch>
-        </p:blipFill>
-        <p:spPr>
-          <a:xfrm>
-            <a:off x="4547971" y="242443"/>
-            <a:ext cx="3096057" cy="6373114"/>
-          </a:xfrm>
-          <a:prstGeom prst="rect">
-            <a:avLst/>
-          </a:prstGeom>
-        </p:spPr>
-      </p:pic>
-      <p:sp>
-        <p:nvSpPr>
-          <p:cNvPr id="28" name="Rectangle 27"/>
-          <p:cNvSpPr/>
-          <p:nvPr/>
-        </p:nvSpPr>
-        <p:spPr>
-          <a:xfrm>
-            <a:off x="4803248" y="1515608"/>
-            <a:ext cx="2618278" cy="398254"/>
-          </a:xfrm>
-          <a:prstGeom prst="rect">
-            <a:avLst/>
-          </a:prstGeom>
-          <a:solidFill>
-            <a:schemeClr val="accent4">
-              <a:lumMod val="40000"/>
-              <a:lumOff val="60000"/>
-            </a:schemeClr>
-          </a:solidFill>
-          <a:ln>
-            <a:solidFill>
-              <a:schemeClr val="tx1"/>
-            </a:solidFill>
-          </a:ln>
-        </p:spPr>
-        <p:style>
-          <a:lnRef idx="1">
-            <a:schemeClr val="accent6"/>
-          </a:lnRef>
-          <a:fillRef idx="2">
-            <a:schemeClr val="accent6"/>
-          </a:fillRef>
-          <a:effectRef idx="1">
-            <a:schemeClr val="accent6"/>
-          </a:effectRef>
-          <a:fontRef idx="minor">
-            <a:schemeClr val="dk1"/>
-          </a:fontRef>
-        </p:style>
-        <p:txBody>
-          <a:bodyPr rtlCol="0" anchor="ctr"/>
-          <a:lstStyle/>
-          <a:p>
-            <a:pPr algn="ctr"/>
-            <a:endParaRPr lang="en-US" dirty="0"/>
-          </a:p>
-        </p:txBody>
-      </p:sp>
-      <p:sp>
-        <p:nvSpPr>
-          <p:cNvPr id="48" name="TextBox 47"/>
-          <p:cNvSpPr txBox="1"/>
-          <p:nvPr/>
-        </p:nvSpPr>
-        <p:spPr>
-          <a:xfrm>
-            <a:off x="4813300" y="1175561"/>
-            <a:ext cx="2628900" cy="369332"/>
-          </a:xfrm>
-          <a:prstGeom prst="rect">
-            <a:avLst/>
-          </a:prstGeom>
-          <a:solidFill>
-            <a:schemeClr val="accent2"/>
-          </a:solidFill>
-        </p:spPr>
-        <p:txBody>
-          <a:bodyPr wrap="square" rtlCol="0">
-            <a:spAutoFit/>
-          </a:bodyPr>
-          <a:lstStyle/>
-          <a:p>
-            <a:pPr algn="ctr"/>
-            <a:r>
-              <a:rPr lang="en-GB" dirty="0" smtClean="0">
-                <a:solidFill>
-                  <a:schemeClr val="bg1"/>
-                </a:solidFill>
-              </a:rPr>
-              <a:t>Survive</a:t>
-            </a:r>
-            <a:endParaRPr lang="en-US" dirty="0">
-              <a:solidFill>
-                <a:schemeClr val="bg1"/>
-              </a:solidFill>
-            </a:endParaRPr>
-          </a:p>
-        </p:txBody>
-      </p:sp>
-      <p:sp>
-        <p:nvSpPr>
-          <p:cNvPr id="13" name="Rectangle 12"/>
-          <p:cNvSpPr/>
-          <p:nvPr/>
-        </p:nvSpPr>
-        <p:spPr>
-          <a:xfrm>
-            <a:off x="5217211" y="1549335"/>
-            <a:ext cx="1809231" cy="370800"/>
-          </a:xfrm>
-          <a:prstGeom prst="rect">
-            <a:avLst/>
-          </a:prstGeom>
-          <a:noFill/>
-          <a:ln>
-            <a:noFill/>
-          </a:ln>
-        </p:spPr>
-        <p:style>
-          <a:lnRef idx="2">
-            <a:schemeClr val="dk1"/>
-          </a:lnRef>
-          <a:fillRef idx="1">
-            <a:schemeClr val="lt1"/>
-          </a:fillRef>
-          <a:effectRef idx="0">
-            <a:schemeClr val="dk1"/>
-          </a:effectRef>
-          <a:fontRef idx="minor">
-            <a:schemeClr val="dk1"/>
-          </a:fontRef>
-        </p:style>
-        <p:txBody>
-          <a:bodyPr rtlCol="0" anchor="ctr"/>
-          <a:lstStyle/>
-          <a:p>
-            <a:pPr algn="ctr"/>
-            <a:r>
-              <a:rPr lang="en-GB" sz="1100" dirty="0" smtClean="0"/>
-              <a:t>Disaster Specific Information</a:t>
+              <a:t> state</a:t>
             </a:r>
             <a:endParaRPr lang="en-US" sz="1100" dirty="0"/>
           </a:p>
@@ -6586,7 +5615,7 @@
     </p:spTree>
     <p:extLst>
       <p:ext uri="{BB962C8B-B14F-4D97-AF65-F5344CB8AC3E}">
-        <p14:creationId xmlns="" xmlns:p14="http://schemas.microsoft.com/office/powerpoint/2010/main" val="283767647"/>
+        <p14:creationId xmlns:p14="http://schemas.microsoft.com/office/powerpoint/2010/main" xmlns="" val="283767647"/>
       </p:ext>
     </p:extLst>
   </p:cSld>
@@ -6594,7 +5623,7 @@
     <a:masterClrMapping/>
   </p:clrMapOvr>
   <mc:AlternateContent xmlns:mc="http://schemas.openxmlformats.org/markup-compatibility/2006">
-    <mc:Choice xmlns="" xmlns:p14="http://schemas.microsoft.com/office/powerpoint/2010/main" Requires="p14">
+    <mc:Choice xmlns:p14="http://schemas.microsoft.com/office/powerpoint/2010/main" xmlns="" Requires="p14">
       <p:transition spd="slow" p14:dur="2000" advClick="0"/>
     </mc:Choice>
     <mc:Fallback>
@@ -6611,7 +5640,7 @@
 </p:sld>
 </file>
 
-<file path=ppt/slides/slide12.xml><?xml version="1.0" encoding="utf-8"?>
+<file path=ppt/slides/slide11.xml><?xml version="1.0" encoding="utf-8"?>
 <p:sld xmlns:a="http://schemas.openxmlformats.org/drawingml/2006/main" xmlns:r="http://schemas.openxmlformats.org/officeDocument/2006/relationships" xmlns:p="http://schemas.openxmlformats.org/presentationml/2006/main">
   <p:cSld>
     <p:spTree>
@@ -8730,7 +7759,7 @@
     </p:spTree>
     <p:extLst>
       <p:ext uri="{BB962C8B-B14F-4D97-AF65-F5344CB8AC3E}">
-        <p14:creationId xmlns="" xmlns:p14="http://schemas.microsoft.com/office/powerpoint/2010/main" val="283767647"/>
+        <p14:creationId xmlns:p14="http://schemas.microsoft.com/office/powerpoint/2010/main" xmlns="" val="283767647"/>
       </p:ext>
     </p:extLst>
   </p:cSld>
@@ -8738,7 +7767,7 @@
     <a:masterClrMapping/>
   </p:clrMapOvr>
   <mc:AlternateContent xmlns:mc="http://schemas.openxmlformats.org/markup-compatibility/2006">
-    <mc:Choice xmlns="" xmlns:p14="http://schemas.microsoft.com/office/powerpoint/2010/main" Requires="p14">
+    <mc:Choice xmlns:p14="http://schemas.microsoft.com/office/powerpoint/2010/main" xmlns="" Requires="p14">
       <p:transition spd="slow" p14:dur="2000" advClick="0"/>
     </mc:Choice>
     <mc:Fallback>
@@ -10025,11 +9054,6 @@
               </a:rPr>
               <a:t>Answer quiz</a:t>
             </a:r>
-            <a:endParaRPr lang="en-GB" sz="1100" dirty="0" smtClean="0">
-              <a:solidFill>
-                <a:schemeClr val="bg1"/>
-              </a:solidFill>
-            </a:endParaRPr>
           </a:p>
         </p:txBody>
       </p:sp>
@@ -10138,7 +9162,7 @@
     </p:spTree>
     <p:extLst>
       <p:ext uri="{BB962C8B-B14F-4D97-AF65-F5344CB8AC3E}">
-        <p14:creationId xmlns="" xmlns:p14="http://schemas.microsoft.com/office/powerpoint/2010/main" val="283767647"/>
+        <p14:creationId xmlns:p14="http://schemas.microsoft.com/office/powerpoint/2010/main" xmlns="" val="283767647"/>
       </p:ext>
     </p:extLst>
   </p:cSld>
@@ -10146,7 +9170,7 @@
     <a:masterClrMapping/>
   </p:clrMapOvr>
   <mc:AlternateContent xmlns:mc="http://schemas.openxmlformats.org/markup-compatibility/2006">
-    <mc:Choice xmlns="" xmlns:p14="http://schemas.microsoft.com/office/powerpoint/2010/main" Requires="p14">
+    <mc:Choice xmlns:p14="http://schemas.microsoft.com/office/powerpoint/2010/main" xmlns="" Requires="p14">
       <p:transition spd="slow" p14:dur="2000" advClick="0"/>
     </mc:Choice>
     <mc:Fallback>
@@ -10704,11 +9728,7 @@
           <a:p>
             <a:r>
               <a:rPr lang="en-GB" sz="1200" dirty="0" smtClean="0"/>
-              <a:t>M</a:t>
-            </a:r>
-            <a:r>
-              <a:rPr lang="en-GB" sz="1200" dirty="0" smtClean="0"/>
-              <a:t>edicines</a:t>
+              <a:t>Medicines</a:t>
             </a:r>
             <a:endParaRPr lang="es-ES" sz="1200" dirty="0"/>
           </a:p>
@@ -11040,14 +10060,13 @@
               <a:rPr lang="en-GB" sz="1100" dirty="0" smtClean="0"/>
               <a:t>Swarm Pulse maps -&gt;</a:t>
             </a:r>
-            <a:endParaRPr lang="en-GB" sz="1100" dirty="0" smtClean="0"/>
           </a:p>
         </p:txBody>
       </p:sp>
     </p:spTree>
     <p:extLst>
       <p:ext uri="{BB962C8B-B14F-4D97-AF65-F5344CB8AC3E}">
-        <p14:creationId xmlns="" xmlns:p14="http://schemas.microsoft.com/office/powerpoint/2010/main" val="283767647"/>
+        <p14:creationId xmlns:p14="http://schemas.microsoft.com/office/powerpoint/2010/main" xmlns="" val="283767647"/>
       </p:ext>
     </p:extLst>
   </p:cSld>
@@ -11055,7 +10074,7 @@
     <a:masterClrMapping/>
   </p:clrMapOvr>
   <mc:AlternateContent xmlns:mc="http://schemas.openxmlformats.org/markup-compatibility/2006">
-    <mc:Choice xmlns="" xmlns:p14="http://schemas.microsoft.com/office/powerpoint/2010/main" Requires="p14">
+    <mc:Choice xmlns:p14="http://schemas.microsoft.com/office/powerpoint/2010/main" xmlns="" Requires="p14">
       <p:transition spd="slow" p14:dur="2000" advClick="0"/>
     </mc:Choice>
     <mc:Fallback>
@@ -11732,7 +10751,6 @@
               <a:rPr lang="en-GB" sz="1100" dirty="0" smtClean="0"/>
               <a:t>Tornado</a:t>
             </a:r>
-            <a:endParaRPr lang="en-GB" sz="1100" dirty="0" smtClean="0"/>
           </a:p>
         </p:txBody>
       </p:sp>
@@ -11856,7 +10874,7 @@
     </p:spTree>
     <p:extLst>
       <p:ext uri="{BB962C8B-B14F-4D97-AF65-F5344CB8AC3E}">
-        <p14:creationId xmlns="" xmlns:p14="http://schemas.microsoft.com/office/powerpoint/2010/main" val="283767647"/>
+        <p14:creationId xmlns:p14="http://schemas.microsoft.com/office/powerpoint/2010/main" xmlns="" val="283767647"/>
       </p:ext>
     </p:extLst>
   </p:cSld>
@@ -11864,7 +10882,7 @@
     <a:masterClrMapping/>
   </p:clrMapOvr>
   <mc:AlternateContent xmlns:mc="http://schemas.openxmlformats.org/markup-compatibility/2006">
-    <mc:Choice xmlns="" xmlns:p14="http://schemas.microsoft.com/office/powerpoint/2010/main" Requires="p14">
+    <mc:Choice xmlns:p14="http://schemas.microsoft.com/office/powerpoint/2010/main" xmlns="" Requires="p14">
       <p:transition spd="slow" p14:dur="2000" advClick="0"/>
     </mc:Choice>
     <mc:Fallback>
@@ -12341,7 +11359,6 @@
               <a:rPr lang="en-GB" sz="1100" dirty="0" smtClean="0"/>
               <a:t>Shows useful information regarding this type of natural disaster -&gt;</a:t>
             </a:r>
-            <a:endParaRPr lang="en-GB" sz="1100" dirty="0" smtClean="0"/>
           </a:p>
         </p:txBody>
       </p:sp>
@@ -12623,7 +11640,7 @@
     </p:spTree>
     <p:extLst>
       <p:ext uri="{BB962C8B-B14F-4D97-AF65-F5344CB8AC3E}">
-        <p14:creationId xmlns="" xmlns:p14="http://schemas.microsoft.com/office/powerpoint/2010/main" val="283767647"/>
+        <p14:creationId xmlns:p14="http://schemas.microsoft.com/office/powerpoint/2010/main" xmlns="" val="283767647"/>
       </p:ext>
     </p:extLst>
   </p:cSld>
@@ -12631,7 +11648,7 @@
     <a:masterClrMapping/>
   </p:clrMapOvr>
   <mc:AlternateContent xmlns:mc="http://schemas.openxmlformats.org/markup-compatibility/2006">
-    <mc:Choice xmlns="" xmlns:p14="http://schemas.microsoft.com/office/powerpoint/2010/main" Requires="p14">
+    <mc:Choice xmlns:p14="http://schemas.microsoft.com/office/powerpoint/2010/main" xmlns="" Requires="p14">
       <p:transition spd="slow" p14:dur="2000" advClick="0"/>
     </mc:Choice>
     <mc:Fallback>
@@ -13547,14 +12564,13 @@
               <a:rPr lang="en-GB" sz="1100" dirty="0" smtClean="0"/>
               <a:t>Shows useful information regarding this type of natural disaster -&gt;</a:t>
             </a:r>
-            <a:endParaRPr lang="en-GB" sz="1100" dirty="0" smtClean="0"/>
           </a:p>
         </p:txBody>
       </p:sp>
     </p:spTree>
     <p:extLst>
       <p:ext uri="{BB962C8B-B14F-4D97-AF65-F5344CB8AC3E}">
-        <p14:creationId xmlns="" xmlns:p14="http://schemas.microsoft.com/office/powerpoint/2010/main" val="283767647"/>
+        <p14:creationId xmlns:p14="http://schemas.microsoft.com/office/powerpoint/2010/main" xmlns="" val="283767647"/>
       </p:ext>
     </p:extLst>
   </p:cSld>
@@ -13562,7 +12578,7 @@
     <a:masterClrMapping/>
   </p:clrMapOvr>
   <mc:AlternateContent xmlns:mc="http://schemas.openxmlformats.org/markup-compatibility/2006">
-    <mc:Choice xmlns="" xmlns:p14="http://schemas.microsoft.com/office/powerpoint/2010/main" Requires="p14">
+    <mc:Choice xmlns:p14="http://schemas.microsoft.com/office/powerpoint/2010/main" xmlns="" Requires="p14">
       <p:transition spd="slow" p14:dur="2000" advClick="0"/>
     </mc:Choice>
     <mc:Fallback>
@@ -14484,14 +13500,13 @@
               <a:rPr lang="en-GB" sz="1100" dirty="0" smtClean="0"/>
               <a:t>Shows useful information regarding this type of natural disaster -&gt;</a:t>
             </a:r>
-            <a:endParaRPr lang="en-GB" sz="1100" dirty="0" smtClean="0"/>
           </a:p>
         </p:txBody>
       </p:sp>
     </p:spTree>
     <p:extLst>
       <p:ext uri="{BB962C8B-B14F-4D97-AF65-F5344CB8AC3E}">
-        <p14:creationId xmlns="" xmlns:p14="http://schemas.microsoft.com/office/powerpoint/2010/main" val="283767647"/>
+        <p14:creationId xmlns:p14="http://schemas.microsoft.com/office/powerpoint/2010/main" xmlns="" val="283767647"/>
       </p:ext>
     </p:extLst>
   </p:cSld>
@@ -14499,7 +13514,7 @@
     <a:masterClrMapping/>
   </p:clrMapOvr>
   <mc:AlternateContent xmlns:mc="http://schemas.openxmlformats.org/markup-compatibility/2006">
-    <mc:Choice xmlns="" xmlns:p14="http://schemas.microsoft.com/office/powerpoint/2010/main" Requires="p14">
+    <mc:Choice xmlns:p14="http://schemas.microsoft.com/office/powerpoint/2010/main" xmlns="" Requires="p14">
       <p:transition spd="slow" p14:dur="2000" advClick="0"/>
     </mc:Choice>
     <mc:Fallback>
@@ -15315,7 +14330,7 @@
     </p:spTree>
     <p:extLst>
       <p:ext uri="{BB962C8B-B14F-4D97-AF65-F5344CB8AC3E}">
-        <p14:creationId xmlns="" xmlns:p14="http://schemas.microsoft.com/office/powerpoint/2010/main" val="283767647"/>
+        <p14:creationId xmlns:p14="http://schemas.microsoft.com/office/powerpoint/2010/main" xmlns="" val="283767647"/>
       </p:ext>
     </p:extLst>
   </p:cSld>
@@ -15323,7 +14338,7 @@
     <a:masterClrMapping/>
   </p:clrMapOvr>
   <mc:AlternateContent xmlns:mc="http://schemas.openxmlformats.org/markup-compatibility/2006">
-    <mc:Choice xmlns="" xmlns:p14="http://schemas.microsoft.com/office/powerpoint/2010/main" Requires="p14">
+    <mc:Choice xmlns:p14="http://schemas.microsoft.com/office/powerpoint/2010/main" xmlns="" Requires="p14">
       <p:transition spd="slow" p14:dur="2000" advClick="0"/>
     </mc:Choice>
     <mc:Fallback>
@@ -15396,7 +14411,7 @@
             <a:avLst/>
           </a:prstGeom>
           <a:solidFill>
-            <a:srgbClr val="FF9797"/>
+            <a:srgbClr val="FDC199"/>
           </a:solidFill>
           <a:ln>
             <a:solidFill>
@@ -15897,7 +14912,7 @@
             <a:avLst/>
           </a:prstGeom>
           <a:solidFill>
-            <a:srgbClr val="FF9797"/>
+            <a:srgbClr val="FDC199"/>
           </a:solidFill>
           <a:ln>
             <a:solidFill>
@@ -16139,7 +15154,7 @@
     </p:spTree>
     <p:extLst>
       <p:ext uri="{BB962C8B-B14F-4D97-AF65-F5344CB8AC3E}">
-        <p14:creationId xmlns="" xmlns:p14="http://schemas.microsoft.com/office/powerpoint/2010/main" val="283767647"/>
+        <p14:creationId xmlns:p14="http://schemas.microsoft.com/office/powerpoint/2010/main" xmlns="" val="283767647"/>
       </p:ext>
     </p:extLst>
   </p:cSld>
@@ -16147,7 +15162,7 @@
     <a:masterClrMapping/>
   </p:clrMapOvr>
   <mc:AlternateContent xmlns:mc="http://schemas.openxmlformats.org/markup-compatibility/2006">
-    <mc:Choice xmlns="" xmlns:p14="http://schemas.microsoft.com/office/powerpoint/2010/main" Requires="p14">
+    <mc:Choice xmlns:p14="http://schemas.microsoft.com/office/powerpoint/2010/main" xmlns="" Requires="p14">
       <p:transition spd="slow" p14:dur="2000" advClick="0"/>
     </mc:Choice>
     <mc:Fallback>
@@ -16453,7 +15468,7 @@
   <a:extraClrSchemeLst/>
   <a:extLst>
     <a:ext uri="{05A4C25C-085E-4340-85A3-A5531E510DB2}">
-      <thm15:themeFamily xmlns="" xmlns:thm15="http://schemas.microsoft.com/office/thememl/2012/main" name="Office Theme" id="{62F939B6-93AF-4DB8-9C6B-D6C7DFDC589F}" vid="{4A3C46E8-61CC-4603-A589-7422A47A8E4A}"/>
+      <thm15:themeFamily xmlns:thm15="http://schemas.microsoft.com/office/thememl/2012/main" xmlns="" name="Office Theme" id="{62F939B6-93AF-4DB8-9C6B-D6C7DFDC589F}" vid="{4A3C46E8-61CC-4603-A589-7422A47A8E4A}"/>
     </a:ext>
   </a:extLst>
 </a:theme>

--- a/Docs/Survive Axon Demo v2.pptx
+++ b/Docs/Survive Axon Demo v2.pptx
@@ -6,16 +6,17 @@
   </p:sldMasterIdLst>
   <p:sldIdLst>
     <p:sldId id="271" r:id="rId2"/>
-    <p:sldId id="272" r:id="rId3"/>
-    <p:sldId id="273" r:id="rId4"/>
-    <p:sldId id="266" r:id="rId5"/>
-    <p:sldId id="267" r:id="rId6"/>
-    <p:sldId id="276" r:id="rId7"/>
-    <p:sldId id="275" r:id="rId8"/>
-    <p:sldId id="268" r:id="rId9"/>
-    <p:sldId id="278" r:id="rId10"/>
-    <p:sldId id="274" r:id="rId11"/>
-    <p:sldId id="270" r:id="rId12"/>
+    <p:sldId id="279" r:id="rId3"/>
+    <p:sldId id="272" r:id="rId4"/>
+    <p:sldId id="273" r:id="rId5"/>
+    <p:sldId id="266" r:id="rId6"/>
+    <p:sldId id="267" r:id="rId7"/>
+    <p:sldId id="276" r:id="rId8"/>
+    <p:sldId id="275" r:id="rId9"/>
+    <p:sldId id="268" r:id="rId10"/>
+    <p:sldId id="278" r:id="rId11"/>
+    <p:sldId id="274" r:id="rId12"/>
+    <p:sldId id="270" r:id="rId13"/>
   </p:sldIdLst>
   <p:sldSz cx="12192000" cy="6858000"/>
   <p:notesSz cx="6858000" cy="9144000"/>
@@ -116,7 +117,7 @@
   </p:defaultTextStyle>
   <p:extLst>
     <p:ext uri="{EFAFB233-063F-42B5-8137-9DF3F51BA10A}">
-      <p15:sldGuideLst xmlns:p15="http://schemas.microsoft.com/office/powerpoint/2012/main" xmlns=""/>
+      <p15:sldGuideLst xmlns="" xmlns:p15="http://schemas.microsoft.com/office/powerpoint/2012/main"/>
     </p:ext>
   </p:extLst>
 </p:presentation>
@@ -127,7 +128,7 @@
   <p:cmAuthor id="1" name="Patrick M" initials="PM" lastIdx="1" clrIdx="0">
     <p:extLst>
       <p:ext uri="{19B8F6BF-5375-455C-9EA6-DF929625EA0E}">
-        <p15:presenceInfo xmlns:p15="http://schemas.microsoft.com/office/powerpoint/2012/main" xmlns="" userId="293365ab57c4ddb0" providerId="Windows Live"/>
+        <p15:presenceInfo xmlns="" xmlns:p15="http://schemas.microsoft.com/office/powerpoint/2012/main" userId="293365ab57c4ddb0" providerId="Windows Live"/>
       </p:ext>
     </p:extLst>
   </p:cmAuthor>
@@ -264,7 +265,7 @@
             <a:fld id="{37724C19-980F-4321-AACF-69E1510F1043}" type="datetimeFigureOut">
               <a:rPr lang="en-US" smtClean="0"/>
               <a:pPr/>
-              <a:t>11/21/2016</a:t>
+              <a:t>12/7/2016</a:t>
             </a:fld>
             <a:endParaRPr lang="en-US" dirty="0"/>
           </a:p>
@@ -316,7 +317,7 @@
     </p:spTree>
     <p:extLst>
       <p:ext uri="{BB962C8B-B14F-4D97-AF65-F5344CB8AC3E}">
-        <p14:creationId xmlns:p14="http://schemas.microsoft.com/office/powerpoint/2010/main" xmlns="" val="4276609490"/>
+        <p14:creationId xmlns="" xmlns:p14="http://schemas.microsoft.com/office/powerpoint/2010/main" val="4276609490"/>
       </p:ext>
     </p:extLst>
   </p:cSld>
@@ -434,7 +435,7 @@
             <a:fld id="{37724C19-980F-4321-AACF-69E1510F1043}" type="datetimeFigureOut">
               <a:rPr lang="en-US" smtClean="0"/>
               <a:pPr/>
-              <a:t>11/21/2016</a:t>
+              <a:t>12/7/2016</a:t>
             </a:fld>
             <a:endParaRPr lang="en-US" dirty="0"/>
           </a:p>
@@ -486,7 +487,7 @@
     </p:spTree>
     <p:extLst>
       <p:ext uri="{BB962C8B-B14F-4D97-AF65-F5344CB8AC3E}">
-        <p14:creationId xmlns:p14="http://schemas.microsoft.com/office/powerpoint/2010/main" xmlns="" val="1177722305"/>
+        <p14:creationId xmlns="" xmlns:p14="http://schemas.microsoft.com/office/powerpoint/2010/main" val="1177722305"/>
       </p:ext>
     </p:extLst>
   </p:cSld>
@@ -614,7 +615,7 @@
             <a:fld id="{37724C19-980F-4321-AACF-69E1510F1043}" type="datetimeFigureOut">
               <a:rPr lang="en-US" smtClean="0"/>
               <a:pPr/>
-              <a:t>11/21/2016</a:t>
+              <a:t>12/7/2016</a:t>
             </a:fld>
             <a:endParaRPr lang="en-US" dirty="0"/>
           </a:p>
@@ -666,7 +667,7 @@
     </p:spTree>
     <p:extLst>
       <p:ext uri="{BB962C8B-B14F-4D97-AF65-F5344CB8AC3E}">
-        <p14:creationId xmlns:p14="http://schemas.microsoft.com/office/powerpoint/2010/main" xmlns="" val="3097804831"/>
+        <p14:creationId xmlns="" xmlns:p14="http://schemas.microsoft.com/office/powerpoint/2010/main" val="3097804831"/>
       </p:ext>
     </p:extLst>
   </p:cSld>
@@ -784,7 +785,7 @@
             <a:fld id="{37724C19-980F-4321-AACF-69E1510F1043}" type="datetimeFigureOut">
               <a:rPr lang="en-US" smtClean="0"/>
               <a:pPr/>
-              <a:t>11/21/2016</a:t>
+              <a:t>12/7/2016</a:t>
             </a:fld>
             <a:endParaRPr lang="en-US" dirty="0"/>
           </a:p>
@@ -836,7 +837,7 @@
     </p:spTree>
     <p:extLst>
       <p:ext uri="{BB962C8B-B14F-4D97-AF65-F5344CB8AC3E}">
-        <p14:creationId xmlns:p14="http://schemas.microsoft.com/office/powerpoint/2010/main" xmlns="" val="137394816"/>
+        <p14:creationId xmlns="" xmlns:p14="http://schemas.microsoft.com/office/powerpoint/2010/main" val="137394816"/>
       </p:ext>
     </p:extLst>
   </p:cSld>
@@ -1031,7 +1032,7 @@
             <a:fld id="{37724C19-980F-4321-AACF-69E1510F1043}" type="datetimeFigureOut">
               <a:rPr lang="en-US" smtClean="0"/>
               <a:pPr/>
-              <a:t>11/21/2016</a:t>
+              <a:t>12/7/2016</a:t>
             </a:fld>
             <a:endParaRPr lang="en-US" dirty="0"/>
           </a:p>
@@ -1083,7 +1084,7 @@
     </p:spTree>
     <p:extLst>
       <p:ext uri="{BB962C8B-B14F-4D97-AF65-F5344CB8AC3E}">
-        <p14:creationId xmlns:p14="http://schemas.microsoft.com/office/powerpoint/2010/main" xmlns="" val="3748074609"/>
+        <p14:creationId xmlns="" xmlns:p14="http://schemas.microsoft.com/office/powerpoint/2010/main" val="3748074609"/>
       </p:ext>
     </p:extLst>
   </p:cSld>
@@ -1262,7 +1263,7 @@
             <a:fld id="{37724C19-980F-4321-AACF-69E1510F1043}" type="datetimeFigureOut">
               <a:rPr lang="en-US" smtClean="0"/>
               <a:pPr/>
-              <a:t>11/21/2016</a:t>
+              <a:t>12/7/2016</a:t>
             </a:fld>
             <a:endParaRPr lang="en-US" dirty="0"/>
           </a:p>
@@ -1314,7 +1315,7 @@
     </p:spTree>
     <p:extLst>
       <p:ext uri="{BB962C8B-B14F-4D97-AF65-F5344CB8AC3E}">
-        <p14:creationId xmlns:p14="http://schemas.microsoft.com/office/powerpoint/2010/main" xmlns="" val="1654182424"/>
+        <p14:creationId xmlns="" xmlns:p14="http://schemas.microsoft.com/office/powerpoint/2010/main" val="1654182424"/>
       </p:ext>
     </p:extLst>
   </p:cSld>
@@ -1628,7 +1629,7 @@
             <a:fld id="{37724C19-980F-4321-AACF-69E1510F1043}" type="datetimeFigureOut">
               <a:rPr lang="en-US" smtClean="0"/>
               <a:pPr/>
-              <a:t>11/21/2016</a:t>
+              <a:t>12/7/2016</a:t>
             </a:fld>
             <a:endParaRPr lang="en-US" dirty="0"/>
           </a:p>
@@ -1680,7 +1681,7 @@
     </p:spTree>
     <p:extLst>
       <p:ext uri="{BB962C8B-B14F-4D97-AF65-F5344CB8AC3E}">
-        <p14:creationId xmlns:p14="http://schemas.microsoft.com/office/powerpoint/2010/main" xmlns="" val="4245890323"/>
+        <p14:creationId xmlns="" xmlns:p14="http://schemas.microsoft.com/office/powerpoint/2010/main" val="4245890323"/>
       </p:ext>
     </p:extLst>
   </p:cSld>
@@ -1747,7 +1748,7 @@
             <a:fld id="{37724C19-980F-4321-AACF-69E1510F1043}" type="datetimeFigureOut">
               <a:rPr lang="en-US" smtClean="0"/>
               <a:pPr/>
-              <a:t>11/21/2016</a:t>
+              <a:t>12/7/2016</a:t>
             </a:fld>
             <a:endParaRPr lang="en-US" dirty="0"/>
           </a:p>
@@ -1799,7 +1800,7 @@
     </p:spTree>
     <p:extLst>
       <p:ext uri="{BB962C8B-B14F-4D97-AF65-F5344CB8AC3E}">
-        <p14:creationId xmlns:p14="http://schemas.microsoft.com/office/powerpoint/2010/main" xmlns="" val="4136871283"/>
+        <p14:creationId xmlns="" xmlns:p14="http://schemas.microsoft.com/office/powerpoint/2010/main" val="4136871283"/>
       </p:ext>
     </p:extLst>
   </p:cSld>
@@ -1844,7 +1845,7 @@
             <a:fld id="{37724C19-980F-4321-AACF-69E1510F1043}" type="datetimeFigureOut">
               <a:rPr lang="en-US" smtClean="0"/>
               <a:pPr/>
-              <a:t>11/21/2016</a:t>
+              <a:t>12/7/2016</a:t>
             </a:fld>
             <a:endParaRPr lang="en-US" dirty="0"/>
           </a:p>
@@ -1896,7 +1897,7 @@
     </p:spTree>
     <p:extLst>
       <p:ext uri="{BB962C8B-B14F-4D97-AF65-F5344CB8AC3E}">
-        <p14:creationId xmlns:p14="http://schemas.microsoft.com/office/powerpoint/2010/main" xmlns="" val="2409841877"/>
+        <p14:creationId xmlns="" xmlns:p14="http://schemas.microsoft.com/office/powerpoint/2010/main" val="2409841877"/>
       </p:ext>
     </p:extLst>
   </p:cSld>
@@ -2121,7 +2122,7 @@
             <a:fld id="{37724C19-980F-4321-AACF-69E1510F1043}" type="datetimeFigureOut">
               <a:rPr lang="en-US" smtClean="0"/>
               <a:pPr/>
-              <a:t>11/21/2016</a:t>
+              <a:t>12/7/2016</a:t>
             </a:fld>
             <a:endParaRPr lang="en-US" dirty="0"/>
           </a:p>
@@ -2173,7 +2174,7 @@
     </p:spTree>
     <p:extLst>
       <p:ext uri="{BB962C8B-B14F-4D97-AF65-F5344CB8AC3E}">
-        <p14:creationId xmlns:p14="http://schemas.microsoft.com/office/powerpoint/2010/main" xmlns="" val="827629637"/>
+        <p14:creationId xmlns="" xmlns:p14="http://schemas.microsoft.com/office/powerpoint/2010/main" val="827629637"/>
       </p:ext>
     </p:extLst>
   </p:cSld>
@@ -2375,7 +2376,7 @@
             <a:fld id="{37724C19-980F-4321-AACF-69E1510F1043}" type="datetimeFigureOut">
               <a:rPr lang="en-US" smtClean="0"/>
               <a:pPr/>
-              <a:t>11/21/2016</a:t>
+              <a:t>12/7/2016</a:t>
             </a:fld>
             <a:endParaRPr lang="en-US" dirty="0"/>
           </a:p>
@@ -2427,7 +2428,7 @@
     </p:spTree>
     <p:extLst>
       <p:ext uri="{BB962C8B-B14F-4D97-AF65-F5344CB8AC3E}">
-        <p14:creationId xmlns:p14="http://schemas.microsoft.com/office/powerpoint/2010/main" xmlns="" val="3514816148"/>
+        <p14:creationId xmlns="" xmlns:p14="http://schemas.microsoft.com/office/powerpoint/2010/main" val="3514816148"/>
       </p:ext>
     </p:extLst>
   </p:cSld>
@@ -2588,7 +2589,7 @@
             <a:fld id="{37724C19-980F-4321-AACF-69E1510F1043}" type="datetimeFigureOut">
               <a:rPr lang="en-US" smtClean="0"/>
               <a:pPr/>
-              <a:t>11/21/2016</a:t>
+              <a:t>12/7/2016</a:t>
             </a:fld>
             <a:endParaRPr lang="en-US" dirty="0"/>
           </a:p>
@@ -2676,7 +2677,7 @@
     </p:spTree>
     <p:extLst>
       <p:ext uri="{BB962C8B-B14F-4D97-AF65-F5344CB8AC3E}">
-        <p14:creationId xmlns:p14="http://schemas.microsoft.com/office/powerpoint/2010/main" xmlns="" val="4213530645"/>
+        <p14:creationId xmlns="" xmlns:p14="http://schemas.microsoft.com/office/powerpoint/2010/main" val="4213530645"/>
       </p:ext>
     </p:extLst>
   </p:cSld>
@@ -2996,7 +2997,7 @@
       </p:grpSpPr>
       <p:pic>
         <p:nvPicPr>
-          <p:cNvPr id="6" name="Picture 5"/>
+          <p:cNvPr id="28" name="27 Imagen" descr="SurvivalDiagramQuiz (1).png"/>
           <p:cNvPicPr>
             <a:picLocks noChangeAspect="1"/>
           </p:cNvPicPr>
@@ -3010,891 +3011,18 @@
         </p:blipFill>
         <p:spPr>
           <a:xfrm>
-            <a:off x="4547971" y="242443"/>
-            <a:ext cx="3096057" cy="6373114"/>
+            <a:off x="0" y="1102234"/>
+            <a:ext cx="12192000" cy="4653531"/>
           </a:xfrm>
           <a:prstGeom prst="rect">
             <a:avLst/>
           </a:prstGeom>
         </p:spPr>
       </p:pic>
-      <p:sp>
-        <p:nvSpPr>
-          <p:cNvPr id="51" name="Rectangle 50"/>
-          <p:cNvSpPr/>
-          <p:nvPr/>
-        </p:nvSpPr>
-        <p:spPr>
-          <a:xfrm>
-            <a:off x="6578862" y="1813850"/>
-            <a:ext cx="1066800" cy="370800"/>
-          </a:xfrm>
-          <a:prstGeom prst="rect">
-            <a:avLst/>
-          </a:prstGeom>
-          <a:noFill/>
-          <a:ln>
-            <a:noFill/>
-          </a:ln>
-        </p:spPr>
-        <p:style>
-          <a:lnRef idx="2">
-            <a:schemeClr val="dk1"/>
-          </a:lnRef>
-          <a:fillRef idx="1">
-            <a:schemeClr val="lt1"/>
-          </a:fillRef>
-          <a:effectRef idx="0">
-            <a:schemeClr val="dk1"/>
-          </a:effectRef>
-          <a:fontRef idx="minor">
-            <a:schemeClr val="dk1"/>
-          </a:fontRef>
-        </p:style>
-        <p:txBody>
-          <a:bodyPr rtlCol="0" anchor="ctr"/>
-          <a:lstStyle/>
-          <a:p>
-            <a:pPr marL="171450" indent="-171450" algn="ctr">
-              <a:buFont typeface="Wingdings" panose="05000000000000000000" pitchFamily="2" charset="2"/>
-              <a:buChar char="ü"/>
-            </a:pPr>
-            <a:endParaRPr lang="en-US" sz="1100" dirty="0"/>
-          </a:p>
-        </p:txBody>
-      </p:sp>
-      <p:pic>
-        <p:nvPicPr>
-          <p:cNvPr id="62" name="Picture 61"/>
-          <p:cNvPicPr>
-            <a:picLocks noChangeAspect="1"/>
-          </p:cNvPicPr>
-          <p:nvPr/>
-        </p:nvPicPr>
-        <p:blipFill rotWithShape="1">
-          <a:blip r:embed="rId2" cstate="print"/>
-          <a:srcRect t="85496"/>
-          <a:stretch/>
-        </p:blipFill>
-        <p:spPr>
-          <a:xfrm>
-            <a:off x="4547970" y="5691187"/>
-            <a:ext cx="3096057" cy="924369"/>
-          </a:xfrm>
-          <a:prstGeom prst="rect">
-            <a:avLst/>
-          </a:prstGeom>
-        </p:spPr>
-      </p:pic>
-      <p:sp>
-        <p:nvSpPr>
-          <p:cNvPr id="65" name="Rectangle 64"/>
-          <p:cNvSpPr/>
-          <p:nvPr/>
-        </p:nvSpPr>
-        <p:spPr>
-          <a:xfrm>
-            <a:off x="5822950" y="5842000"/>
-            <a:ext cx="539750" cy="567918"/>
-          </a:xfrm>
-          <a:prstGeom prst="rect">
-            <a:avLst/>
-          </a:prstGeom>
-          <a:solidFill>
-            <a:schemeClr val="bg1">
-              <a:alpha val="0"/>
-            </a:schemeClr>
-          </a:solidFill>
-          <a:ln>
-            <a:solidFill>
-              <a:schemeClr val="bg1">
-                <a:alpha val="0"/>
-              </a:schemeClr>
-            </a:solidFill>
-          </a:ln>
-        </p:spPr>
-        <p:style>
-          <a:lnRef idx="2">
-            <a:schemeClr val="accent1">
-              <a:shade val="50000"/>
-            </a:schemeClr>
-          </a:lnRef>
-          <a:fillRef idx="1">
-            <a:schemeClr val="accent1"/>
-          </a:fillRef>
-          <a:effectRef idx="0">
-            <a:schemeClr val="accent1"/>
-          </a:effectRef>
-          <a:fontRef idx="minor">
-            <a:schemeClr val="lt1"/>
-          </a:fontRef>
-        </p:style>
-        <p:txBody>
-          <a:bodyPr rtlCol="0" anchor="ctr"/>
-          <a:lstStyle/>
-          <a:p>
-            <a:pPr algn="ctr"/>
-            <a:endParaRPr lang="en-US" dirty="0"/>
-          </a:p>
-        </p:txBody>
-      </p:sp>
-      <p:sp>
-        <p:nvSpPr>
-          <p:cNvPr id="16" name="Rectangle 36">
-            <a:hlinkClick r:id="rId3" action="ppaction://hlinksldjump"/>
-          </p:cNvPr>
-          <p:cNvSpPr/>
-          <p:nvPr/>
-        </p:nvSpPr>
-        <p:spPr>
-          <a:xfrm>
-            <a:off x="4957011" y="2149642"/>
-            <a:ext cx="2310063" cy="561474"/>
-          </a:xfrm>
-          <a:prstGeom prst="rect">
-            <a:avLst/>
-          </a:prstGeom>
-          <a:solidFill>
-            <a:srgbClr val="FF5B5B"/>
-          </a:solidFill>
-          <a:ln w="19050">
-            <a:solidFill>
-              <a:srgbClr val="D8D8D8"/>
-            </a:solidFill>
-          </a:ln>
-        </p:spPr>
-        <p:style>
-          <a:lnRef idx="2">
-            <a:schemeClr val="accent1">
-              <a:shade val="50000"/>
-            </a:schemeClr>
-          </a:lnRef>
-          <a:fillRef idx="1003">
-            <a:schemeClr val="lt1"/>
-          </a:fillRef>
-          <a:effectRef idx="0">
-            <a:schemeClr val="accent1"/>
-          </a:effectRef>
-          <a:fontRef idx="minor">
-            <a:schemeClr val="lt1"/>
-          </a:fontRef>
-        </p:style>
-        <p:txBody>
-          <a:bodyPr rtlCol="0" anchor="ctr"/>
-          <a:lstStyle/>
-          <a:p>
-            <a:pPr algn="ctr"/>
-            <a:endParaRPr lang="en-US" dirty="0"/>
-          </a:p>
-        </p:txBody>
-      </p:sp>
-      <p:sp>
-        <p:nvSpPr>
-          <p:cNvPr id="17" name="Rectangle 36">
-            <a:hlinkClick r:id="rId3" action="ppaction://hlinksldjump"/>
-          </p:cNvPr>
-          <p:cNvSpPr/>
-          <p:nvPr/>
-        </p:nvSpPr>
-        <p:spPr>
-          <a:xfrm>
-            <a:off x="4948989" y="2807369"/>
-            <a:ext cx="2310063" cy="561474"/>
-          </a:xfrm>
-          <a:prstGeom prst="rect">
-            <a:avLst/>
-          </a:prstGeom>
-          <a:solidFill>
-            <a:srgbClr val="FB9E79"/>
-          </a:solidFill>
-          <a:ln w="19050">
-            <a:solidFill>
-              <a:srgbClr val="D8D8D8"/>
-            </a:solidFill>
-          </a:ln>
-        </p:spPr>
-        <p:style>
-          <a:lnRef idx="2">
-            <a:schemeClr val="accent1">
-              <a:shade val="50000"/>
-            </a:schemeClr>
-          </a:lnRef>
-          <a:fillRef idx="1003">
-            <a:schemeClr val="lt1"/>
-          </a:fillRef>
-          <a:effectRef idx="0">
-            <a:schemeClr val="accent1"/>
-          </a:effectRef>
-          <a:fontRef idx="minor">
-            <a:schemeClr val="lt1"/>
-          </a:fontRef>
-        </p:style>
-        <p:txBody>
-          <a:bodyPr rtlCol="0" anchor="ctr"/>
-          <a:lstStyle/>
-          <a:p>
-            <a:pPr algn="ctr"/>
-            <a:endParaRPr lang="en-US" dirty="0"/>
-          </a:p>
-        </p:txBody>
-      </p:sp>
-      <p:sp>
-        <p:nvSpPr>
-          <p:cNvPr id="18" name="Rectangle 36">
-            <a:hlinkClick r:id="rId3" action="ppaction://hlinksldjump"/>
-          </p:cNvPr>
-          <p:cNvSpPr/>
-          <p:nvPr/>
-        </p:nvSpPr>
-        <p:spPr>
-          <a:xfrm>
-            <a:off x="4957009" y="3481138"/>
-            <a:ext cx="2310063" cy="561474"/>
-          </a:xfrm>
-          <a:prstGeom prst="rect">
-            <a:avLst/>
-          </a:prstGeom>
-          <a:solidFill>
-            <a:srgbClr val="FBE29B"/>
-          </a:solidFill>
-          <a:ln w="19050">
-            <a:solidFill>
-              <a:srgbClr val="D8D8D8"/>
-            </a:solidFill>
-          </a:ln>
-        </p:spPr>
-        <p:style>
-          <a:lnRef idx="2">
-            <a:schemeClr val="accent1">
-              <a:shade val="50000"/>
-            </a:schemeClr>
-          </a:lnRef>
-          <a:fillRef idx="1003">
-            <a:schemeClr val="lt1"/>
-          </a:fillRef>
-          <a:effectRef idx="0">
-            <a:schemeClr val="accent1"/>
-          </a:effectRef>
-          <a:fontRef idx="minor">
-            <a:schemeClr val="lt1"/>
-          </a:fontRef>
-        </p:style>
-        <p:txBody>
-          <a:bodyPr rtlCol="0" anchor="ctr"/>
-          <a:lstStyle/>
-          <a:p>
-            <a:pPr algn="ctr"/>
-            <a:endParaRPr lang="en-US" dirty="0"/>
-          </a:p>
-        </p:txBody>
-      </p:sp>
-      <p:sp>
-        <p:nvSpPr>
-          <p:cNvPr id="20" name="Rectangle 36">
-            <a:hlinkClick r:id="rId3" action="ppaction://hlinksldjump"/>
-          </p:cNvPr>
-          <p:cNvSpPr/>
-          <p:nvPr/>
-        </p:nvSpPr>
-        <p:spPr>
-          <a:xfrm>
-            <a:off x="4965031" y="4154906"/>
-            <a:ext cx="2310063" cy="561474"/>
-          </a:xfrm>
-          <a:prstGeom prst="rect">
-            <a:avLst/>
-          </a:prstGeom>
-          <a:solidFill>
-            <a:srgbClr val="C9F99D"/>
-          </a:solidFill>
-          <a:ln w="19050">
-            <a:solidFill>
-              <a:srgbClr val="D8D8D8"/>
-            </a:solidFill>
-          </a:ln>
-        </p:spPr>
-        <p:style>
-          <a:lnRef idx="2">
-            <a:schemeClr val="accent1">
-              <a:shade val="50000"/>
-            </a:schemeClr>
-          </a:lnRef>
-          <a:fillRef idx="1003">
-            <a:schemeClr val="lt1"/>
-          </a:fillRef>
-          <a:effectRef idx="0">
-            <a:schemeClr val="accent1"/>
-          </a:effectRef>
-          <a:fontRef idx="minor">
-            <a:schemeClr val="lt1"/>
-          </a:fontRef>
-        </p:style>
-        <p:txBody>
-          <a:bodyPr rtlCol="0" anchor="ctr"/>
-          <a:lstStyle/>
-          <a:p>
-            <a:pPr algn="ctr"/>
-            <a:endParaRPr lang="en-US" dirty="0"/>
-          </a:p>
-        </p:txBody>
-      </p:sp>
-      <p:pic>
-        <p:nvPicPr>
-          <p:cNvPr id="21" name="20 Imagen" descr="StateBar.png"/>
-          <p:cNvPicPr>
-            <a:picLocks noChangeAspect="1"/>
-          </p:cNvPicPr>
-          <p:nvPr/>
-        </p:nvPicPr>
-        <p:blipFill>
-          <a:blip r:embed="rId4" cstate="print"/>
-          <a:srcRect l="10667" t="53918" r="8678" b="36023"/>
-          <a:stretch>
-            <a:fillRect/>
-          </a:stretch>
-        </p:blipFill>
-        <p:spPr>
-          <a:xfrm>
-            <a:off x="4940968" y="1644316"/>
-            <a:ext cx="2269958" cy="393032"/>
-          </a:xfrm>
-          <a:prstGeom prst="rect">
-            <a:avLst/>
-          </a:prstGeom>
-        </p:spPr>
-      </p:pic>
-      <p:sp>
-        <p:nvSpPr>
-          <p:cNvPr id="22" name="Rectangle 12">
-            <a:hlinkClick r:id="rId5" action="ppaction://hlinksldjump"/>
-          </p:cNvPr>
-          <p:cNvSpPr/>
-          <p:nvPr/>
-        </p:nvSpPr>
-        <p:spPr>
-          <a:xfrm>
-            <a:off x="5455728" y="1640897"/>
-            <a:ext cx="1066800" cy="370800"/>
-          </a:xfrm>
-          <a:prstGeom prst="rect">
-            <a:avLst/>
-          </a:prstGeom>
-          <a:noFill/>
-          <a:ln>
-            <a:noFill/>
-          </a:ln>
-        </p:spPr>
-        <p:style>
-          <a:lnRef idx="2">
-            <a:schemeClr val="dk1"/>
-          </a:lnRef>
-          <a:fillRef idx="1">
-            <a:schemeClr val="lt1"/>
-          </a:fillRef>
-          <a:effectRef idx="0">
-            <a:schemeClr val="dk1"/>
-          </a:effectRef>
-          <a:fontRef idx="minor">
-            <a:schemeClr val="dk1"/>
-          </a:fontRef>
-        </p:style>
-        <p:txBody>
-          <a:bodyPr rtlCol="0" anchor="ctr"/>
-          <a:lstStyle/>
-          <a:p>
-            <a:pPr algn="ctr"/>
-            <a:r>
-              <a:rPr lang="en-GB" sz="1100" dirty="0" smtClean="0"/>
-              <a:t>Quiz state</a:t>
-            </a:r>
-          </a:p>
-        </p:txBody>
-      </p:sp>
-      <p:sp>
-        <p:nvSpPr>
-          <p:cNvPr id="23" name="Rectangle 12">
-            <a:hlinkClick r:id="rId5" action="ppaction://hlinksldjump"/>
-          </p:cNvPr>
-          <p:cNvSpPr/>
-          <p:nvPr/>
-        </p:nvSpPr>
-        <p:spPr>
-          <a:xfrm>
-            <a:off x="5519897" y="2242478"/>
-            <a:ext cx="1066800" cy="370800"/>
-          </a:xfrm>
-          <a:prstGeom prst="rect">
-            <a:avLst/>
-          </a:prstGeom>
-          <a:noFill/>
-          <a:ln>
-            <a:noFill/>
-          </a:ln>
-        </p:spPr>
-        <p:style>
-          <a:lnRef idx="2">
-            <a:schemeClr val="dk1"/>
-          </a:lnRef>
-          <a:fillRef idx="1">
-            <a:schemeClr val="lt1"/>
-          </a:fillRef>
-          <a:effectRef idx="0">
-            <a:schemeClr val="dk1"/>
-          </a:effectRef>
-          <a:fontRef idx="minor">
-            <a:schemeClr val="dk1"/>
-          </a:fontRef>
-        </p:style>
-        <p:txBody>
-          <a:bodyPr rtlCol="0" anchor="ctr"/>
-          <a:lstStyle/>
-          <a:p>
-            <a:pPr algn="ctr"/>
-            <a:r>
-              <a:rPr lang="en-GB" sz="1100" dirty="0" smtClean="0"/>
-              <a:t>Basic needs</a:t>
-            </a:r>
-          </a:p>
-        </p:txBody>
-      </p:sp>
-      <p:sp>
-        <p:nvSpPr>
-          <p:cNvPr id="24" name="Rectangle 12">
-            <a:hlinkClick r:id="rId5" action="ppaction://hlinksldjump"/>
-          </p:cNvPr>
-          <p:cNvSpPr/>
-          <p:nvPr/>
-        </p:nvSpPr>
-        <p:spPr>
-          <a:xfrm>
-            <a:off x="5366084" y="2900204"/>
-            <a:ext cx="1477287" cy="370800"/>
-          </a:xfrm>
-          <a:prstGeom prst="rect">
-            <a:avLst/>
-          </a:prstGeom>
-          <a:noFill/>
-          <a:ln>
-            <a:noFill/>
-          </a:ln>
-        </p:spPr>
-        <p:style>
-          <a:lnRef idx="2">
-            <a:schemeClr val="dk1"/>
-          </a:lnRef>
-          <a:fillRef idx="1">
-            <a:schemeClr val="lt1"/>
-          </a:fillRef>
-          <a:effectRef idx="0">
-            <a:schemeClr val="dk1"/>
-          </a:effectRef>
-          <a:fontRef idx="minor">
-            <a:schemeClr val="dk1"/>
-          </a:fontRef>
-        </p:style>
-        <p:txBody>
-          <a:bodyPr rtlCol="0" anchor="ctr"/>
-          <a:lstStyle/>
-          <a:p>
-            <a:pPr algn="ctr"/>
-            <a:r>
-              <a:rPr lang="en-GB" sz="1100" dirty="0" smtClean="0"/>
-              <a:t>Supporting needs</a:t>
-            </a:r>
-          </a:p>
-        </p:txBody>
-      </p:sp>
-      <p:sp>
-        <p:nvSpPr>
-          <p:cNvPr id="26" name="25 Rectángulo redondeado"/>
-          <p:cNvSpPr/>
-          <p:nvPr/>
-        </p:nvSpPr>
-        <p:spPr>
-          <a:xfrm>
-            <a:off x="5694949" y="1676400"/>
-            <a:ext cx="393030" cy="264695"/>
-          </a:xfrm>
-          <a:prstGeom prst="roundRect">
-            <a:avLst/>
-          </a:prstGeom>
-          <a:solidFill>
-            <a:schemeClr val="bg2">
-              <a:alpha val="45000"/>
-            </a:schemeClr>
-          </a:solidFill>
-          <a:ln>
-            <a:solidFill>
-              <a:schemeClr val="bg2">
-                <a:alpha val="61000"/>
-              </a:schemeClr>
-            </a:solidFill>
-          </a:ln>
-        </p:spPr>
-        <p:style>
-          <a:lnRef idx="2">
-            <a:schemeClr val="accent1">
-              <a:shade val="50000"/>
-            </a:schemeClr>
-          </a:lnRef>
-          <a:fillRef idx="1">
-            <a:schemeClr val="accent1"/>
-          </a:fillRef>
-          <a:effectRef idx="0">
-            <a:schemeClr val="accent1"/>
-          </a:effectRef>
-          <a:fontRef idx="minor">
-            <a:schemeClr val="lt1"/>
-          </a:fontRef>
-        </p:style>
-        <p:txBody>
-          <a:bodyPr rtlCol="0" anchor="ctr"/>
-          <a:lstStyle/>
-          <a:p>
-            <a:pPr algn="ctr"/>
-            <a:endParaRPr lang="es-ES"/>
-          </a:p>
-        </p:txBody>
-      </p:sp>
-      <p:sp>
-        <p:nvSpPr>
-          <p:cNvPr id="30" name="29 Rectángulo redondeado"/>
-          <p:cNvSpPr/>
-          <p:nvPr/>
-        </p:nvSpPr>
-        <p:spPr>
-          <a:xfrm>
-            <a:off x="6208296" y="1700463"/>
-            <a:ext cx="409072" cy="264695"/>
-          </a:xfrm>
-          <a:prstGeom prst="roundRect">
-            <a:avLst/>
-          </a:prstGeom>
-          <a:solidFill>
-            <a:schemeClr val="bg2">
-              <a:alpha val="45000"/>
-            </a:schemeClr>
-          </a:solidFill>
-          <a:ln>
-            <a:solidFill>
-              <a:schemeClr val="bg2">
-                <a:alpha val="61000"/>
-              </a:schemeClr>
-            </a:solidFill>
-          </a:ln>
-        </p:spPr>
-        <p:style>
-          <a:lnRef idx="2">
-            <a:schemeClr val="accent1">
-              <a:shade val="50000"/>
-            </a:schemeClr>
-          </a:lnRef>
-          <a:fillRef idx="1">
-            <a:schemeClr val="accent1"/>
-          </a:fillRef>
-          <a:effectRef idx="0">
-            <a:schemeClr val="accent1"/>
-          </a:effectRef>
-          <a:fontRef idx="minor">
-            <a:schemeClr val="lt1"/>
-          </a:fontRef>
-        </p:style>
-        <p:txBody>
-          <a:bodyPr rtlCol="0" anchor="ctr"/>
-          <a:lstStyle/>
-          <a:p>
-            <a:pPr algn="ctr"/>
-            <a:endParaRPr lang="es-ES"/>
-          </a:p>
-        </p:txBody>
-      </p:sp>
-      <p:sp>
-        <p:nvSpPr>
-          <p:cNvPr id="32" name="31 Rectángulo redondeado"/>
-          <p:cNvSpPr/>
-          <p:nvPr/>
-        </p:nvSpPr>
-        <p:spPr>
-          <a:xfrm>
-            <a:off x="6785811" y="1676400"/>
-            <a:ext cx="368968" cy="264695"/>
-          </a:xfrm>
-          <a:prstGeom prst="roundRect">
-            <a:avLst/>
-          </a:prstGeom>
-          <a:solidFill>
-            <a:schemeClr val="bg2">
-              <a:alpha val="45000"/>
-            </a:schemeClr>
-          </a:solidFill>
-          <a:ln>
-            <a:solidFill>
-              <a:schemeClr val="bg2">
-                <a:alpha val="61000"/>
-              </a:schemeClr>
-            </a:solidFill>
-          </a:ln>
-        </p:spPr>
-        <p:style>
-          <a:lnRef idx="2">
-            <a:schemeClr val="accent1">
-              <a:shade val="50000"/>
-            </a:schemeClr>
-          </a:lnRef>
-          <a:fillRef idx="1">
-            <a:schemeClr val="accent1"/>
-          </a:fillRef>
-          <a:effectRef idx="0">
-            <a:schemeClr val="accent1"/>
-          </a:effectRef>
-          <a:fontRef idx="minor">
-            <a:schemeClr val="lt1"/>
-          </a:fontRef>
-        </p:style>
-        <p:txBody>
-          <a:bodyPr rtlCol="0" anchor="ctr"/>
-          <a:lstStyle/>
-          <a:p>
-            <a:pPr algn="ctr"/>
-            <a:endParaRPr lang="es-ES"/>
-          </a:p>
-        </p:txBody>
-      </p:sp>
-      <p:sp>
-        <p:nvSpPr>
-          <p:cNvPr id="33" name="32 Rectángulo redondeado"/>
-          <p:cNvSpPr/>
-          <p:nvPr/>
-        </p:nvSpPr>
-        <p:spPr>
-          <a:xfrm>
-            <a:off x="5117432" y="1692442"/>
-            <a:ext cx="401052" cy="264695"/>
-          </a:xfrm>
-          <a:prstGeom prst="roundRect">
-            <a:avLst/>
-          </a:prstGeom>
-          <a:solidFill>
-            <a:schemeClr val="bg2">
-              <a:alpha val="0"/>
-            </a:schemeClr>
-          </a:solidFill>
-          <a:ln>
-            <a:solidFill>
-              <a:schemeClr val="bg2">
-                <a:alpha val="61000"/>
-              </a:schemeClr>
-            </a:solidFill>
-          </a:ln>
-        </p:spPr>
-        <p:style>
-          <a:lnRef idx="2">
-            <a:schemeClr val="accent1">
-              <a:shade val="50000"/>
-            </a:schemeClr>
-          </a:lnRef>
-          <a:fillRef idx="1">
-            <a:schemeClr val="accent1"/>
-          </a:fillRef>
-          <a:effectRef idx="0">
-            <a:schemeClr val="accent1"/>
-          </a:effectRef>
-          <a:fontRef idx="minor">
-            <a:schemeClr val="lt1"/>
-          </a:fontRef>
-        </p:style>
-        <p:txBody>
-          <a:bodyPr rtlCol="0" anchor="ctr"/>
-          <a:lstStyle/>
-          <a:p>
-            <a:pPr algn="ctr"/>
-            <a:endParaRPr lang="es-ES"/>
-          </a:p>
-        </p:txBody>
-      </p:sp>
-      <p:sp>
-        <p:nvSpPr>
-          <p:cNvPr id="34" name="Rectangle 12">
-            <a:hlinkClick r:id="rId5" action="ppaction://hlinksldjump"/>
-          </p:cNvPr>
-          <p:cNvSpPr/>
-          <p:nvPr/>
-        </p:nvSpPr>
-        <p:spPr>
-          <a:xfrm>
-            <a:off x="5366084" y="3573972"/>
-            <a:ext cx="1477287" cy="370800"/>
-          </a:xfrm>
-          <a:prstGeom prst="rect">
-            <a:avLst/>
-          </a:prstGeom>
-          <a:noFill/>
-          <a:ln>
-            <a:noFill/>
-          </a:ln>
-        </p:spPr>
-        <p:style>
-          <a:lnRef idx="2">
-            <a:schemeClr val="dk1"/>
-          </a:lnRef>
-          <a:fillRef idx="1">
-            <a:schemeClr val="lt1"/>
-          </a:fillRef>
-          <a:effectRef idx="0">
-            <a:schemeClr val="dk1"/>
-          </a:effectRef>
-          <a:fontRef idx="minor">
-            <a:schemeClr val="dk1"/>
-          </a:fontRef>
-        </p:style>
-        <p:txBody>
-          <a:bodyPr rtlCol="0" anchor="ctr"/>
-          <a:lstStyle/>
-          <a:p>
-            <a:pPr algn="ctr"/>
-            <a:r>
-              <a:rPr lang="en-GB" sz="1100" smtClean="0"/>
-              <a:t>Surroundings </a:t>
-            </a:r>
-            <a:r>
-              <a:rPr lang="en-GB" sz="1100" dirty="0" smtClean="0"/>
-              <a:t>state</a:t>
-            </a:r>
-          </a:p>
-        </p:txBody>
-      </p:sp>
-      <p:sp>
-        <p:nvSpPr>
-          <p:cNvPr id="40" name="Rectangle 12">
-            <a:hlinkClick r:id="rId5" action="ppaction://hlinksldjump"/>
-          </p:cNvPr>
-          <p:cNvSpPr/>
-          <p:nvPr/>
-        </p:nvSpPr>
-        <p:spPr>
-          <a:xfrm>
-            <a:off x="5358063" y="4263783"/>
-            <a:ext cx="1477287" cy="370800"/>
-          </a:xfrm>
-          <a:prstGeom prst="rect">
-            <a:avLst/>
-          </a:prstGeom>
-          <a:noFill/>
-          <a:ln>
-            <a:noFill/>
-          </a:ln>
-        </p:spPr>
-        <p:style>
-          <a:lnRef idx="2">
-            <a:schemeClr val="dk1"/>
-          </a:lnRef>
-          <a:fillRef idx="1">
-            <a:schemeClr val="lt1"/>
-          </a:fillRef>
-          <a:effectRef idx="0">
-            <a:schemeClr val="dk1"/>
-          </a:effectRef>
-          <a:fontRef idx="minor">
-            <a:schemeClr val="dk1"/>
-          </a:fontRef>
-        </p:style>
-        <p:txBody>
-          <a:bodyPr rtlCol="0" anchor="ctr"/>
-          <a:lstStyle/>
-          <a:p>
-            <a:pPr algn="ctr"/>
-            <a:r>
-              <a:rPr lang="en-GB" sz="1100" dirty="0" smtClean="0"/>
-              <a:t>Extra information</a:t>
-            </a:r>
-          </a:p>
-        </p:txBody>
-      </p:sp>
-      <p:pic>
-        <p:nvPicPr>
-          <p:cNvPr id="1026" name="Picture 2">
-            <a:hlinkClick r:id="rId6" action="ppaction://hlinksldjump"/>
-          </p:cNvPr>
-          <p:cNvPicPr>
-            <a:picLocks noChangeAspect="1" noChangeArrowheads="1"/>
-          </p:cNvPicPr>
-          <p:nvPr/>
-        </p:nvPicPr>
-        <p:blipFill>
-          <a:blip r:embed="rId7" cstate="print"/>
-          <a:srcRect/>
-          <a:stretch>
-            <a:fillRect/>
-          </a:stretch>
-        </p:blipFill>
-        <p:spPr bwMode="auto">
-          <a:xfrm>
-            <a:off x="4819316" y="1179093"/>
-            <a:ext cx="372060" cy="347663"/>
-          </a:xfrm>
-          <a:prstGeom prst="rect">
-            <a:avLst/>
-          </a:prstGeom>
-          <a:noFill/>
-          <a:ln w="9525">
-            <a:noFill/>
-            <a:miter lim="800000"/>
-            <a:headEnd/>
-            <a:tailEnd/>
-          </a:ln>
-        </p:spPr>
-      </p:pic>
-      <p:sp>
-        <p:nvSpPr>
-          <p:cNvPr id="27" name="Rectangle 12">
-            <a:hlinkClick r:id="rId5" action="ppaction://hlinksldjump"/>
-          </p:cNvPr>
-          <p:cNvSpPr/>
-          <p:nvPr/>
-        </p:nvSpPr>
-        <p:spPr>
-          <a:xfrm>
-            <a:off x="1389055" y="1167658"/>
-            <a:ext cx="3062629" cy="370800"/>
-          </a:xfrm>
-          <a:prstGeom prst="rect">
-            <a:avLst/>
-          </a:prstGeom>
-          <a:noFill/>
-          <a:ln>
-            <a:noFill/>
-          </a:ln>
-        </p:spPr>
-        <p:style>
-          <a:lnRef idx="2">
-            <a:schemeClr val="dk1"/>
-          </a:lnRef>
-          <a:fillRef idx="1">
-            <a:schemeClr val="lt1"/>
-          </a:fillRef>
-          <a:effectRef idx="0">
-            <a:schemeClr val="dk1"/>
-          </a:effectRef>
-          <a:fontRef idx="minor">
-            <a:schemeClr val="dk1"/>
-          </a:fontRef>
-        </p:style>
-        <p:txBody>
-          <a:bodyPr rtlCol="0" anchor="ctr"/>
-          <a:lstStyle/>
-          <a:p>
-            <a:pPr algn="ctr"/>
-            <a:r>
-              <a:rPr lang="en-GB" sz="1100" dirty="0" smtClean="0"/>
-              <a:t>First screen always quiz. To change, go to menu -&gt;</a:t>
-            </a:r>
-          </a:p>
-        </p:txBody>
-      </p:sp>
     </p:spTree>
     <p:extLst>
       <p:ext uri="{BB962C8B-B14F-4D97-AF65-F5344CB8AC3E}">
-        <p14:creationId xmlns:p14="http://schemas.microsoft.com/office/powerpoint/2010/main" xmlns="" val="283767647"/>
+        <p14:creationId xmlns="" xmlns:p14="http://schemas.microsoft.com/office/powerpoint/2010/main" val="283767647"/>
       </p:ext>
     </p:extLst>
   </p:cSld>
@@ -3902,7 +3030,7 @@
     <a:masterClrMapping/>
   </p:clrMapOvr>
   <mc:AlternateContent xmlns:mc="http://schemas.openxmlformats.org/markup-compatibility/2006">
-    <mc:Choice xmlns:p14="http://schemas.microsoft.com/office/powerpoint/2010/main" xmlns="" Requires="p14">
+    <mc:Choice xmlns="" xmlns:p14="http://schemas.microsoft.com/office/powerpoint/2010/main" Requires="p14">
       <p:transition spd="slow" p14:dur="2000" advClick="0"/>
     </mc:Choice>
     <mc:Fallback>
@@ -3920,6 +3048,830 @@
 </file>
 
 <file path=ppt/slides/slide10.xml><?xml version="1.0" encoding="utf-8"?>
+<p:sld xmlns:a="http://schemas.openxmlformats.org/drawingml/2006/main" xmlns:r="http://schemas.openxmlformats.org/officeDocument/2006/relationships" xmlns:p="http://schemas.openxmlformats.org/presentationml/2006/main">
+  <p:cSld>
+    <p:spTree>
+      <p:nvGrpSpPr>
+        <p:cNvPr id="1" name=""/>
+        <p:cNvGrpSpPr/>
+        <p:nvPr/>
+      </p:nvGrpSpPr>
+      <p:grpSpPr>
+        <a:xfrm>
+          <a:off x="0" y="0"/>
+          <a:ext cx="0" cy="0"/>
+          <a:chOff x="0" y="0"/>
+          <a:chExt cx="0" cy="0"/>
+        </a:xfrm>
+      </p:grpSpPr>
+      <p:pic>
+        <p:nvPicPr>
+          <p:cNvPr id="6" name="Picture 5"/>
+          <p:cNvPicPr>
+            <a:picLocks noChangeAspect="1"/>
+          </p:cNvPicPr>
+          <p:nvPr/>
+        </p:nvPicPr>
+        <p:blipFill>
+          <a:blip r:embed="rId2" cstate="print"/>
+          <a:stretch>
+            <a:fillRect/>
+          </a:stretch>
+        </p:blipFill>
+        <p:spPr>
+          <a:xfrm>
+            <a:off x="4547971" y="242443"/>
+            <a:ext cx="3096057" cy="6373114"/>
+          </a:xfrm>
+          <a:prstGeom prst="rect">
+            <a:avLst/>
+          </a:prstGeom>
+        </p:spPr>
+      </p:pic>
+      <p:sp>
+        <p:nvSpPr>
+          <p:cNvPr id="28" name="Rectangle 27"/>
+          <p:cNvSpPr/>
+          <p:nvPr/>
+        </p:nvSpPr>
+        <p:spPr>
+          <a:xfrm>
+            <a:off x="4827311" y="1507587"/>
+            <a:ext cx="2618278" cy="398254"/>
+          </a:xfrm>
+          <a:prstGeom prst="rect">
+            <a:avLst/>
+          </a:prstGeom>
+          <a:solidFill>
+            <a:srgbClr val="FDC199"/>
+          </a:solidFill>
+          <a:ln>
+            <a:solidFill>
+              <a:schemeClr val="tx1"/>
+            </a:solidFill>
+          </a:ln>
+        </p:spPr>
+        <p:style>
+          <a:lnRef idx="1">
+            <a:schemeClr val="accent6"/>
+          </a:lnRef>
+          <a:fillRef idx="2">
+            <a:schemeClr val="accent6"/>
+          </a:fillRef>
+          <a:effectRef idx="1">
+            <a:schemeClr val="accent6"/>
+          </a:effectRef>
+          <a:fontRef idx="minor">
+            <a:schemeClr val="dk1"/>
+          </a:fontRef>
+        </p:style>
+        <p:txBody>
+          <a:bodyPr rtlCol="0" anchor="ctr"/>
+          <a:lstStyle/>
+          <a:p>
+            <a:pPr algn="ctr"/>
+            <a:endParaRPr lang="en-US" dirty="0"/>
+          </a:p>
+        </p:txBody>
+      </p:sp>
+      <p:sp>
+        <p:nvSpPr>
+          <p:cNvPr id="48" name="TextBox 47"/>
+          <p:cNvSpPr txBox="1"/>
+          <p:nvPr/>
+        </p:nvSpPr>
+        <p:spPr>
+          <a:xfrm>
+            <a:off x="4813300" y="1175561"/>
+            <a:ext cx="2628900" cy="369332"/>
+          </a:xfrm>
+          <a:prstGeom prst="rect">
+            <a:avLst/>
+          </a:prstGeom>
+          <a:solidFill>
+            <a:schemeClr val="accent2"/>
+          </a:solidFill>
+        </p:spPr>
+        <p:txBody>
+          <a:bodyPr wrap="square" rtlCol="0">
+            <a:spAutoFit/>
+          </a:bodyPr>
+          <a:lstStyle/>
+          <a:p>
+            <a:pPr algn="ctr"/>
+            <a:r>
+              <a:rPr lang="en-GB" dirty="0" smtClean="0">
+                <a:solidFill>
+                  <a:schemeClr val="bg1"/>
+                </a:solidFill>
+              </a:rPr>
+              <a:t>Survive</a:t>
+            </a:r>
+            <a:endParaRPr lang="en-US" dirty="0">
+              <a:solidFill>
+                <a:schemeClr val="bg1"/>
+              </a:solidFill>
+            </a:endParaRPr>
+          </a:p>
+        </p:txBody>
+      </p:sp>
+      <p:sp>
+        <p:nvSpPr>
+          <p:cNvPr id="13" name="Rectangle 12"/>
+          <p:cNvSpPr/>
+          <p:nvPr/>
+        </p:nvSpPr>
+        <p:spPr>
+          <a:xfrm>
+            <a:off x="5449821" y="1549335"/>
+            <a:ext cx="1432241" cy="370800"/>
+          </a:xfrm>
+          <a:prstGeom prst="rect">
+            <a:avLst/>
+          </a:prstGeom>
+          <a:noFill/>
+          <a:ln>
+            <a:noFill/>
+          </a:ln>
+        </p:spPr>
+        <p:style>
+          <a:lnRef idx="2">
+            <a:schemeClr val="dk1"/>
+          </a:lnRef>
+          <a:fillRef idx="1">
+            <a:schemeClr val="lt1"/>
+          </a:fillRef>
+          <a:effectRef idx="0">
+            <a:schemeClr val="dk1"/>
+          </a:effectRef>
+          <a:fontRef idx="minor">
+            <a:schemeClr val="dk1"/>
+          </a:fontRef>
+        </p:style>
+        <p:txBody>
+          <a:bodyPr rtlCol="0" anchor="ctr"/>
+          <a:lstStyle/>
+          <a:p>
+            <a:pPr algn="ctr"/>
+            <a:r>
+              <a:rPr lang="en-GB" sz="1100" dirty="0" smtClean="0"/>
+              <a:t>Supporting needs</a:t>
+            </a:r>
+            <a:endParaRPr lang="en-US" sz="1100" dirty="0"/>
+          </a:p>
+        </p:txBody>
+      </p:sp>
+      <p:sp>
+        <p:nvSpPr>
+          <p:cNvPr id="51" name="Rectangle 50"/>
+          <p:cNvSpPr/>
+          <p:nvPr/>
+        </p:nvSpPr>
+        <p:spPr>
+          <a:xfrm>
+            <a:off x="6515067" y="1803218"/>
+            <a:ext cx="1066800" cy="370800"/>
+          </a:xfrm>
+          <a:prstGeom prst="rect">
+            <a:avLst/>
+          </a:prstGeom>
+          <a:noFill/>
+          <a:ln>
+            <a:noFill/>
+          </a:ln>
+        </p:spPr>
+        <p:style>
+          <a:lnRef idx="2">
+            <a:schemeClr val="dk1"/>
+          </a:lnRef>
+          <a:fillRef idx="1">
+            <a:schemeClr val="lt1"/>
+          </a:fillRef>
+          <a:effectRef idx="0">
+            <a:schemeClr val="dk1"/>
+          </a:effectRef>
+          <a:fontRef idx="minor">
+            <a:schemeClr val="dk1"/>
+          </a:fontRef>
+        </p:style>
+        <p:txBody>
+          <a:bodyPr rtlCol="0" anchor="ctr"/>
+          <a:lstStyle/>
+          <a:p>
+            <a:pPr marL="171450" indent="-171450" algn="ctr">
+              <a:buFont typeface="Wingdings" panose="05000000000000000000" pitchFamily="2" charset="2"/>
+              <a:buChar char="ü"/>
+            </a:pPr>
+            <a:endParaRPr lang="en-US" sz="1100" dirty="0"/>
+          </a:p>
+        </p:txBody>
+      </p:sp>
+      <p:pic>
+        <p:nvPicPr>
+          <p:cNvPr id="62" name="Picture 61"/>
+          <p:cNvPicPr>
+            <a:picLocks noChangeAspect="1"/>
+          </p:cNvPicPr>
+          <p:nvPr/>
+        </p:nvPicPr>
+        <p:blipFill rotWithShape="1">
+          <a:blip r:embed="rId2" cstate="print"/>
+          <a:srcRect t="85496"/>
+          <a:stretch/>
+        </p:blipFill>
+        <p:spPr>
+          <a:xfrm>
+            <a:off x="4547970" y="5691187"/>
+            <a:ext cx="3096057" cy="924369"/>
+          </a:xfrm>
+          <a:prstGeom prst="rect">
+            <a:avLst/>
+          </a:prstGeom>
+        </p:spPr>
+      </p:pic>
+      <p:sp>
+        <p:nvSpPr>
+          <p:cNvPr id="65" name="Rectangle 64">
+            <a:hlinkClick r:id="rId3" action="ppaction://hlinksldjump"/>
+          </p:cNvPr>
+          <p:cNvSpPr/>
+          <p:nvPr/>
+        </p:nvSpPr>
+        <p:spPr>
+          <a:xfrm>
+            <a:off x="5822950" y="5842000"/>
+            <a:ext cx="539750" cy="567918"/>
+          </a:xfrm>
+          <a:prstGeom prst="rect">
+            <a:avLst/>
+          </a:prstGeom>
+          <a:solidFill>
+            <a:schemeClr val="bg1">
+              <a:alpha val="0"/>
+            </a:schemeClr>
+          </a:solidFill>
+          <a:ln>
+            <a:solidFill>
+              <a:schemeClr val="bg1">
+                <a:alpha val="0"/>
+              </a:schemeClr>
+            </a:solidFill>
+          </a:ln>
+        </p:spPr>
+        <p:style>
+          <a:lnRef idx="2">
+            <a:schemeClr val="accent1">
+              <a:shade val="50000"/>
+            </a:schemeClr>
+          </a:lnRef>
+          <a:fillRef idx="1">
+            <a:schemeClr val="accent1"/>
+          </a:fillRef>
+          <a:effectRef idx="0">
+            <a:schemeClr val="accent1"/>
+          </a:effectRef>
+          <a:fontRef idx="minor">
+            <a:schemeClr val="lt1"/>
+          </a:fontRef>
+        </p:style>
+        <p:txBody>
+          <a:bodyPr rtlCol="0" anchor="ctr"/>
+          <a:lstStyle/>
+          <a:p>
+            <a:pPr algn="ctr"/>
+            <a:endParaRPr lang="en-US" dirty="0"/>
+          </a:p>
+        </p:txBody>
+      </p:sp>
+      <p:sp>
+        <p:nvSpPr>
+          <p:cNvPr id="17" name="Rectangle 33"/>
+          <p:cNvSpPr/>
+          <p:nvPr/>
+        </p:nvSpPr>
+        <p:spPr>
+          <a:xfrm>
+            <a:off x="4819981" y="1913860"/>
+            <a:ext cx="2580280" cy="3774559"/>
+          </a:xfrm>
+          <a:prstGeom prst="rect">
+            <a:avLst/>
+          </a:prstGeom>
+          <a:solidFill>
+            <a:schemeClr val="bg1"/>
+          </a:solidFill>
+          <a:ln>
+            <a:solidFill>
+              <a:schemeClr val="tx1"/>
+            </a:solidFill>
+          </a:ln>
+        </p:spPr>
+        <p:style>
+          <a:lnRef idx="2">
+            <a:schemeClr val="accent1">
+              <a:shade val="50000"/>
+            </a:schemeClr>
+          </a:lnRef>
+          <a:fillRef idx="1">
+            <a:schemeClr val="accent1"/>
+          </a:fillRef>
+          <a:effectRef idx="0">
+            <a:schemeClr val="accent1"/>
+          </a:effectRef>
+          <a:fontRef idx="minor">
+            <a:schemeClr val="lt1"/>
+          </a:fontRef>
+        </p:style>
+        <p:txBody>
+          <a:bodyPr rtlCol="0" anchor="ctr"/>
+          <a:lstStyle/>
+          <a:p>
+            <a:pPr marL="171450" indent="-171450" algn="ctr">
+              <a:buFont typeface="Wingdings" panose="05000000000000000000" pitchFamily="2" charset="2"/>
+              <a:buChar char="ü"/>
+            </a:pPr>
+            <a:r>
+              <a:rPr lang="en-GB" dirty="0" smtClean="0"/>
+              <a:t> </a:t>
+            </a:r>
+            <a:endParaRPr lang="en-US" dirty="0"/>
+          </a:p>
+        </p:txBody>
+      </p:sp>
+      <p:sp>
+        <p:nvSpPr>
+          <p:cNvPr id="18" name="Rectangle 33"/>
+          <p:cNvSpPr/>
+          <p:nvPr/>
+        </p:nvSpPr>
+        <p:spPr>
+          <a:xfrm>
+            <a:off x="7070651" y="2083981"/>
+            <a:ext cx="159488" cy="148856"/>
+          </a:xfrm>
+          <a:prstGeom prst="rect">
+            <a:avLst/>
+          </a:prstGeom>
+          <a:solidFill>
+            <a:schemeClr val="bg1"/>
+          </a:solidFill>
+          <a:ln>
+            <a:solidFill>
+              <a:schemeClr val="tx1"/>
+            </a:solidFill>
+          </a:ln>
+        </p:spPr>
+        <p:style>
+          <a:lnRef idx="2">
+            <a:schemeClr val="accent1">
+              <a:shade val="50000"/>
+            </a:schemeClr>
+          </a:lnRef>
+          <a:fillRef idx="1">
+            <a:schemeClr val="accent1"/>
+          </a:fillRef>
+          <a:effectRef idx="0">
+            <a:schemeClr val="accent1"/>
+          </a:effectRef>
+          <a:fontRef idx="minor">
+            <a:schemeClr val="lt1"/>
+          </a:fontRef>
+        </p:style>
+        <p:txBody>
+          <a:bodyPr rtlCol="0" anchor="ctr"/>
+          <a:lstStyle/>
+          <a:p>
+            <a:pPr algn="ctr"/>
+            <a:endParaRPr lang="en-US" dirty="0">
+              <a:solidFill>
+                <a:schemeClr val="tx1"/>
+              </a:solidFill>
+            </a:endParaRPr>
+          </a:p>
+        </p:txBody>
+      </p:sp>
+      <p:sp>
+        <p:nvSpPr>
+          <p:cNvPr id="20" name="Rectangle 33"/>
+          <p:cNvSpPr/>
+          <p:nvPr/>
+        </p:nvSpPr>
+        <p:spPr>
+          <a:xfrm>
+            <a:off x="7074195" y="2395869"/>
+            <a:ext cx="159488" cy="148856"/>
+          </a:xfrm>
+          <a:prstGeom prst="rect">
+            <a:avLst/>
+          </a:prstGeom>
+          <a:solidFill>
+            <a:schemeClr val="bg1"/>
+          </a:solidFill>
+          <a:ln>
+            <a:solidFill>
+              <a:schemeClr val="tx1"/>
+            </a:solidFill>
+          </a:ln>
+        </p:spPr>
+        <p:style>
+          <a:lnRef idx="2">
+            <a:schemeClr val="accent1">
+              <a:shade val="50000"/>
+            </a:schemeClr>
+          </a:lnRef>
+          <a:fillRef idx="1">
+            <a:schemeClr val="accent1"/>
+          </a:fillRef>
+          <a:effectRef idx="0">
+            <a:schemeClr val="accent1"/>
+          </a:effectRef>
+          <a:fontRef idx="minor">
+            <a:schemeClr val="lt1"/>
+          </a:fontRef>
+        </p:style>
+        <p:txBody>
+          <a:bodyPr rtlCol="0" anchor="ctr"/>
+          <a:lstStyle/>
+          <a:p>
+            <a:pPr algn="ctr"/>
+            <a:endParaRPr lang="en-US" dirty="0">
+              <a:solidFill>
+                <a:schemeClr val="tx1"/>
+              </a:solidFill>
+            </a:endParaRPr>
+          </a:p>
+        </p:txBody>
+      </p:sp>
+      <p:sp>
+        <p:nvSpPr>
+          <p:cNvPr id="21" name="Rectangle 33"/>
+          <p:cNvSpPr/>
+          <p:nvPr/>
+        </p:nvSpPr>
+        <p:spPr>
+          <a:xfrm>
+            <a:off x="7074196" y="2682948"/>
+            <a:ext cx="159488" cy="148856"/>
+          </a:xfrm>
+          <a:prstGeom prst="rect">
+            <a:avLst/>
+          </a:prstGeom>
+          <a:solidFill>
+            <a:schemeClr val="bg1"/>
+          </a:solidFill>
+          <a:ln>
+            <a:solidFill>
+              <a:schemeClr val="tx1"/>
+            </a:solidFill>
+          </a:ln>
+        </p:spPr>
+        <p:style>
+          <a:lnRef idx="2">
+            <a:schemeClr val="accent1">
+              <a:shade val="50000"/>
+            </a:schemeClr>
+          </a:lnRef>
+          <a:fillRef idx="1">
+            <a:schemeClr val="accent1"/>
+          </a:fillRef>
+          <a:effectRef idx="0">
+            <a:schemeClr val="accent1"/>
+          </a:effectRef>
+          <a:fontRef idx="minor">
+            <a:schemeClr val="lt1"/>
+          </a:fontRef>
+        </p:style>
+        <p:txBody>
+          <a:bodyPr rtlCol="0" anchor="ctr"/>
+          <a:lstStyle/>
+          <a:p>
+            <a:pPr algn="ctr"/>
+            <a:endParaRPr lang="en-US" dirty="0">
+              <a:solidFill>
+                <a:schemeClr val="tx1"/>
+              </a:solidFill>
+            </a:endParaRPr>
+          </a:p>
+        </p:txBody>
+      </p:sp>
+      <p:sp>
+        <p:nvSpPr>
+          <p:cNvPr id="26" name="25 Rectángulo"/>
+          <p:cNvSpPr/>
+          <p:nvPr/>
+        </p:nvSpPr>
+        <p:spPr>
+          <a:xfrm>
+            <a:off x="7046284" y="2290872"/>
+            <a:ext cx="244549" cy="369332"/>
+          </a:xfrm>
+          <a:prstGeom prst="rect">
+            <a:avLst/>
+          </a:prstGeom>
+        </p:spPr>
+        <p:txBody>
+          <a:bodyPr wrap="square">
+            <a:spAutoFit/>
+          </a:bodyPr>
+          <a:lstStyle/>
+          <a:p>
+            <a:pPr marL="171450" indent="-171450" algn="ctr">
+              <a:buFont typeface="Wingdings" panose="05000000000000000000" pitchFamily="2" charset="2"/>
+              <a:buChar char="ü"/>
+            </a:pPr>
+            <a:r>
+              <a:rPr lang="en-GB" dirty="0" smtClean="0"/>
+              <a:t> </a:t>
+            </a:r>
+            <a:endParaRPr lang="en-US" dirty="0"/>
+          </a:p>
+        </p:txBody>
+      </p:sp>
+      <p:sp>
+        <p:nvSpPr>
+          <p:cNvPr id="81" name="Rectangle 27">
+            <a:hlinkClick r:id="rId3" action="ppaction://hlinksldjump"/>
+          </p:cNvPr>
+          <p:cNvSpPr/>
+          <p:nvPr/>
+        </p:nvSpPr>
+        <p:spPr>
+          <a:xfrm>
+            <a:off x="4820653" y="5382126"/>
+            <a:ext cx="2574758" cy="293610"/>
+          </a:xfrm>
+          <a:prstGeom prst="rect">
+            <a:avLst/>
+          </a:prstGeom>
+          <a:solidFill>
+            <a:srgbClr val="FDC199"/>
+          </a:solidFill>
+          <a:ln>
+            <a:solidFill>
+              <a:schemeClr val="tx1"/>
+            </a:solidFill>
+          </a:ln>
+        </p:spPr>
+        <p:style>
+          <a:lnRef idx="1">
+            <a:schemeClr val="accent6"/>
+          </a:lnRef>
+          <a:fillRef idx="2">
+            <a:schemeClr val="accent6"/>
+          </a:fillRef>
+          <a:effectRef idx="1">
+            <a:schemeClr val="accent6"/>
+          </a:effectRef>
+          <a:fontRef idx="minor">
+            <a:schemeClr val="dk1"/>
+          </a:fontRef>
+        </p:style>
+        <p:txBody>
+          <a:bodyPr rtlCol="0" anchor="ctr"/>
+          <a:lstStyle/>
+          <a:p>
+            <a:pPr algn="ctr"/>
+            <a:endParaRPr lang="en-US" dirty="0"/>
+          </a:p>
+        </p:txBody>
+      </p:sp>
+      <p:sp>
+        <p:nvSpPr>
+          <p:cNvPr id="67" name="Rectangle 12"/>
+          <p:cNvSpPr/>
+          <p:nvPr/>
+        </p:nvSpPr>
+        <p:spPr>
+          <a:xfrm>
+            <a:off x="5257317" y="5335272"/>
+            <a:ext cx="1664852" cy="370800"/>
+          </a:xfrm>
+          <a:prstGeom prst="rect">
+            <a:avLst/>
+          </a:prstGeom>
+          <a:noFill/>
+          <a:ln>
+            <a:noFill/>
+          </a:ln>
+        </p:spPr>
+        <p:style>
+          <a:lnRef idx="2">
+            <a:schemeClr val="dk1"/>
+          </a:lnRef>
+          <a:fillRef idx="1">
+            <a:schemeClr val="lt1"/>
+          </a:fillRef>
+          <a:effectRef idx="0">
+            <a:schemeClr val="dk1"/>
+          </a:effectRef>
+          <a:fontRef idx="minor">
+            <a:schemeClr val="dk1"/>
+          </a:fontRef>
+        </p:style>
+        <p:txBody>
+          <a:bodyPr rtlCol="0" anchor="ctr"/>
+          <a:lstStyle/>
+          <a:p>
+            <a:pPr algn="ctr"/>
+            <a:r>
+              <a:rPr lang="en-GB" sz="1100" dirty="0" smtClean="0"/>
+              <a:t>Send </a:t>
+            </a:r>
+            <a:endParaRPr lang="en-US" sz="1100" dirty="0"/>
+          </a:p>
+        </p:txBody>
+      </p:sp>
+      <p:sp>
+        <p:nvSpPr>
+          <p:cNvPr id="22" name="Rectangle 12"/>
+          <p:cNvSpPr/>
+          <p:nvPr/>
+        </p:nvSpPr>
+        <p:spPr>
+          <a:xfrm>
+            <a:off x="4757153" y="2008951"/>
+            <a:ext cx="1650441" cy="370800"/>
+          </a:xfrm>
+          <a:prstGeom prst="rect">
+            <a:avLst/>
+          </a:prstGeom>
+          <a:noFill/>
+          <a:ln>
+            <a:noFill/>
+          </a:ln>
+        </p:spPr>
+        <p:style>
+          <a:lnRef idx="2">
+            <a:schemeClr val="dk1"/>
+          </a:lnRef>
+          <a:fillRef idx="1">
+            <a:schemeClr val="lt1"/>
+          </a:fillRef>
+          <a:effectRef idx="0">
+            <a:schemeClr val="dk1"/>
+          </a:effectRef>
+          <a:fontRef idx="minor">
+            <a:schemeClr val="dk1"/>
+          </a:fontRef>
+        </p:style>
+        <p:txBody>
+          <a:bodyPr rtlCol="0" anchor="ctr"/>
+          <a:lstStyle/>
+          <a:p>
+            <a:pPr algn="ctr"/>
+            <a:r>
+              <a:rPr lang="es-ES" sz="1100" dirty="0" err="1" smtClean="0"/>
+              <a:t>Add</a:t>
+            </a:r>
+            <a:r>
+              <a:rPr lang="es-ES" sz="1100" dirty="0" smtClean="0"/>
+              <a:t> </a:t>
+            </a:r>
+            <a:r>
+              <a:rPr lang="es-ES" sz="1100" dirty="0" err="1" smtClean="0"/>
+              <a:t>question</a:t>
+            </a:r>
+            <a:endParaRPr lang="en-US" sz="1100" dirty="0"/>
+          </a:p>
+        </p:txBody>
+      </p:sp>
+      <p:sp>
+        <p:nvSpPr>
+          <p:cNvPr id="23" name="Rectangle 12"/>
+          <p:cNvSpPr/>
+          <p:nvPr/>
+        </p:nvSpPr>
+        <p:spPr>
+          <a:xfrm>
+            <a:off x="4755398" y="2280329"/>
+            <a:ext cx="1658102" cy="370800"/>
+          </a:xfrm>
+          <a:prstGeom prst="rect">
+            <a:avLst/>
+          </a:prstGeom>
+          <a:noFill/>
+          <a:ln>
+            <a:noFill/>
+          </a:ln>
+        </p:spPr>
+        <p:style>
+          <a:lnRef idx="2">
+            <a:schemeClr val="dk1"/>
+          </a:lnRef>
+          <a:fillRef idx="1">
+            <a:schemeClr val="lt1"/>
+          </a:fillRef>
+          <a:effectRef idx="0">
+            <a:schemeClr val="dk1"/>
+          </a:effectRef>
+          <a:fontRef idx="minor">
+            <a:schemeClr val="dk1"/>
+          </a:fontRef>
+        </p:style>
+        <p:txBody>
+          <a:bodyPr rtlCol="0" anchor="ctr"/>
+          <a:lstStyle/>
+          <a:p>
+            <a:pPr algn="ctr"/>
+            <a:r>
+              <a:rPr lang="es-ES" sz="1100" dirty="0" err="1" smtClean="0"/>
+              <a:t>Add</a:t>
+            </a:r>
+            <a:r>
+              <a:rPr lang="es-ES" sz="1100" dirty="0" smtClean="0"/>
+              <a:t> </a:t>
+            </a:r>
+            <a:r>
+              <a:rPr lang="es-ES" sz="1100" dirty="0" err="1" smtClean="0"/>
+              <a:t>question</a:t>
+            </a:r>
+            <a:endParaRPr lang="en-US" sz="1100" dirty="0"/>
+          </a:p>
+        </p:txBody>
+      </p:sp>
+      <p:sp>
+        <p:nvSpPr>
+          <p:cNvPr id="24" name="Rectangle 12"/>
+          <p:cNvSpPr/>
+          <p:nvPr/>
+        </p:nvSpPr>
+        <p:spPr>
+          <a:xfrm>
+            <a:off x="4625323" y="2566079"/>
+            <a:ext cx="1948597" cy="370800"/>
+          </a:xfrm>
+          <a:prstGeom prst="rect">
+            <a:avLst/>
+          </a:prstGeom>
+          <a:noFill/>
+          <a:ln>
+            <a:noFill/>
+          </a:ln>
+        </p:spPr>
+        <p:style>
+          <a:lnRef idx="2">
+            <a:schemeClr val="dk1"/>
+          </a:lnRef>
+          <a:fillRef idx="1">
+            <a:schemeClr val="lt1"/>
+          </a:fillRef>
+          <a:effectRef idx="0">
+            <a:schemeClr val="dk1"/>
+          </a:effectRef>
+          <a:fontRef idx="minor">
+            <a:schemeClr val="dk1"/>
+          </a:fontRef>
+        </p:style>
+        <p:txBody>
+          <a:bodyPr rtlCol="0" anchor="ctr"/>
+          <a:lstStyle/>
+          <a:p>
+            <a:pPr algn="ctr"/>
+            <a:r>
+              <a:rPr lang="es-ES" sz="1100" dirty="0" err="1" smtClean="0"/>
+              <a:t>Add</a:t>
+            </a:r>
+            <a:r>
+              <a:rPr lang="es-ES" sz="1100" dirty="0" smtClean="0"/>
+              <a:t> </a:t>
+            </a:r>
+            <a:r>
+              <a:rPr lang="es-ES" sz="1100" dirty="0" err="1" smtClean="0"/>
+              <a:t>question</a:t>
+            </a:r>
+            <a:endParaRPr lang="en-US" sz="1100" dirty="0"/>
+          </a:p>
+        </p:txBody>
+      </p:sp>
+    </p:spTree>
+    <p:extLst>
+      <p:ext uri="{BB962C8B-B14F-4D97-AF65-F5344CB8AC3E}">
+        <p14:creationId xmlns="" xmlns:p14="http://schemas.microsoft.com/office/powerpoint/2010/main" val="283767647"/>
+      </p:ext>
+    </p:extLst>
+  </p:cSld>
+  <p:clrMapOvr>
+    <a:masterClrMapping/>
+  </p:clrMapOvr>
+  <mc:AlternateContent xmlns:mc="http://schemas.openxmlformats.org/markup-compatibility/2006">
+    <mc:Choice xmlns="" xmlns:p14="http://schemas.microsoft.com/office/powerpoint/2010/main" Requires="p14">
+      <p:transition spd="slow" p14:dur="2000" advClick="0"/>
+    </mc:Choice>
+    <mc:Fallback>
+      <p:transition spd="slow" advClick="0"/>
+    </mc:Fallback>
+  </mc:AlternateContent>
+  <p:timing>
+    <p:tnLst>
+      <p:par>
+        <p:cTn id="1" dur="indefinite" restart="never" nodeType="tmRoot"/>
+      </p:par>
+    </p:tnLst>
+  </p:timing>
+</p:sld>
+</file>
+
+<file path=ppt/slides/slide11.xml><?xml version="1.0" encoding="utf-8"?>
 <p:sld xmlns:a="http://schemas.openxmlformats.org/drawingml/2006/main" xmlns:r="http://schemas.openxmlformats.org/officeDocument/2006/relationships" xmlns:p="http://schemas.openxmlformats.org/presentationml/2006/main">
   <p:cSld>
     <p:spTree>
@@ -5615,7 +5567,7 @@
     </p:spTree>
     <p:extLst>
       <p:ext uri="{BB962C8B-B14F-4D97-AF65-F5344CB8AC3E}">
-        <p14:creationId xmlns:p14="http://schemas.microsoft.com/office/powerpoint/2010/main" xmlns="" val="283767647"/>
+        <p14:creationId xmlns="" xmlns:p14="http://schemas.microsoft.com/office/powerpoint/2010/main" val="283767647"/>
       </p:ext>
     </p:extLst>
   </p:cSld>
@@ -5623,7 +5575,7 @@
     <a:masterClrMapping/>
   </p:clrMapOvr>
   <mc:AlternateContent xmlns:mc="http://schemas.openxmlformats.org/markup-compatibility/2006">
-    <mc:Choice xmlns:p14="http://schemas.microsoft.com/office/powerpoint/2010/main" xmlns="" Requires="p14">
+    <mc:Choice xmlns="" xmlns:p14="http://schemas.microsoft.com/office/powerpoint/2010/main" Requires="p14">
       <p:transition spd="slow" p14:dur="2000" advClick="0"/>
     </mc:Choice>
     <mc:Fallback>
@@ -5640,7 +5592,7 @@
 </p:sld>
 </file>
 
-<file path=ppt/slides/slide11.xml><?xml version="1.0" encoding="utf-8"?>
+<file path=ppt/slides/slide12.xml><?xml version="1.0" encoding="utf-8"?>
 <p:sld xmlns:a="http://schemas.openxmlformats.org/drawingml/2006/main" xmlns:r="http://schemas.openxmlformats.org/officeDocument/2006/relationships" xmlns:p="http://schemas.openxmlformats.org/presentationml/2006/main">
   <p:cSld>
     <p:spTree>
@@ -7759,7 +7711,7 @@
     </p:spTree>
     <p:extLst>
       <p:ext uri="{BB962C8B-B14F-4D97-AF65-F5344CB8AC3E}">
-        <p14:creationId xmlns:p14="http://schemas.microsoft.com/office/powerpoint/2010/main" xmlns="" val="283767647"/>
+        <p14:creationId xmlns="" xmlns:p14="http://schemas.microsoft.com/office/powerpoint/2010/main" val="283767647"/>
       </p:ext>
     </p:extLst>
   </p:cSld>
@@ -7767,7 +7719,7 @@
     <a:masterClrMapping/>
   </p:clrMapOvr>
   <mc:AlternateContent xmlns:mc="http://schemas.openxmlformats.org/markup-compatibility/2006">
-    <mc:Choice xmlns:p14="http://schemas.microsoft.com/office/powerpoint/2010/main" xmlns="" Requires="p14">
+    <mc:Choice xmlns="" xmlns:p14="http://schemas.microsoft.com/office/powerpoint/2010/main" Requires="p14">
       <p:transition spd="slow" p14:dur="2000" advClick="0"/>
     </mc:Choice>
     <mc:Fallback>
@@ -8012,7 +7964,7 @@
             <a:avLst/>
           </a:prstGeom>
           <a:solidFill>
-            <a:srgbClr val="FF9797"/>
+            <a:srgbClr val="FB9E79"/>
           </a:solidFill>
           <a:ln w="19050">
             <a:solidFill>
@@ -8062,7 +8014,7 @@
             <a:avLst/>
           </a:prstGeom>
           <a:solidFill>
-            <a:srgbClr val="FDC199"/>
+            <a:srgbClr val="FBE29B"/>
           </a:solidFill>
           <a:ln w="19050">
             <a:solidFill>
@@ -8097,7 +8049,7 @@
       </p:sp>
       <p:sp>
         <p:nvSpPr>
-          <p:cNvPr id="19" name="Rectangle 36">
+          <p:cNvPr id="20" name="Rectangle 36">
             <a:hlinkClick r:id="rId3" action="ppaction://hlinksldjump"/>
           </p:cNvPr>
           <p:cNvSpPr/>
@@ -8105,14 +8057,14 @@
         </p:nvSpPr>
         <p:spPr>
           <a:xfrm>
-            <a:off x="4965031" y="4146885"/>
+            <a:off x="4965031" y="4154906"/>
             <a:ext cx="2310063" cy="561474"/>
           </a:xfrm>
           <a:prstGeom prst="rect">
             <a:avLst/>
           </a:prstGeom>
           <a:solidFill>
-            <a:srgbClr val="FBE29B"/>
+            <a:srgbClr val="C9F99D"/>
           </a:solidFill>
           <a:ln w="19050">
             <a:solidFill>
@@ -8145,56 +8097,6 @@
           </a:p>
         </p:txBody>
       </p:sp>
-      <p:sp>
-        <p:nvSpPr>
-          <p:cNvPr id="20" name="Rectangle 36">
-            <a:hlinkClick r:id="rId3" action="ppaction://hlinksldjump"/>
-          </p:cNvPr>
-          <p:cNvSpPr/>
-          <p:nvPr/>
-        </p:nvSpPr>
-        <p:spPr>
-          <a:xfrm>
-            <a:off x="4965031" y="4804611"/>
-            <a:ext cx="2310063" cy="561474"/>
-          </a:xfrm>
-          <a:prstGeom prst="rect">
-            <a:avLst/>
-          </a:prstGeom>
-          <a:solidFill>
-            <a:srgbClr val="C9F99D"/>
-          </a:solidFill>
-          <a:ln w="19050">
-            <a:solidFill>
-              <a:srgbClr val="D8D8D8"/>
-            </a:solidFill>
-          </a:ln>
-        </p:spPr>
-        <p:style>
-          <a:lnRef idx="2">
-            <a:schemeClr val="accent1">
-              <a:shade val="50000"/>
-            </a:schemeClr>
-          </a:lnRef>
-          <a:fillRef idx="1003">
-            <a:schemeClr val="lt1"/>
-          </a:fillRef>
-          <a:effectRef idx="0">
-            <a:schemeClr val="accent1"/>
-          </a:effectRef>
-          <a:fontRef idx="minor">
-            <a:schemeClr val="lt1"/>
-          </a:fontRef>
-        </p:style>
-        <p:txBody>
-          <a:bodyPr rtlCol="0" anchor="ctr"/>
-          <a:lstStyle/>
-          <a:p>
-            <a:pPr algn="ctr"/>
-            <a:endParaRPr lang="en-US" dirty="0"/>
-          </a:p>
-        </p:txBody>
-      </p:sp>
       <p:pic>
         <p:nvPicPr>
           <p:cNvPr id="21" name="20 Imagen" descr="StateBar.png"/>
@@ -8369,7 +8271,7 @@
         </p:nvSpPr>
         <p:spPr>
           <a:xfrm>
-            <a:off x="5470359" y="1692442"/>
+            <a:off x="5694949" y="1676400"/>
             <a:ext cx="393030" cy="264695"/>
           </a:xfrm>
           <a:prstGeom prst="roundRect">
@@ -8415,14 +8317,14 @@
       </p:sp>
       <p:sp>
         <p:nvSpPr>
-          <p:cNvPr id="29" name="28 Rectángulo redondeado"/>
-          <p:cNvSpPr/>
-          <p:nvPr/>
-        </p:nvSpPr>
-        <p:spPr>
-          <a:xfrm>
-            <a:off x="5895475" y="1700463"/>
-            <a:ext cx="393030" cy="264695"/>
+          <p:cNvPr id="30" name="29 Rectángulo redondeado"/>
+          <p:cNvSpPr/>
+          <p:nvPr/>
+        </p:nvSpPr>
+        <p:spPr>
+          <a:xfrm>
+            <a:off x="6208296" y="1700463"/>
+            <a:ext cx="409072" cy="264695"/>
           </a:xfrm>
           <a:prstGeom prst="roundRect">
             <a:avLst/>
@@ -8467,14 +8369,14 @@
       </p:sp>
       <p:sp>
         <p:nvSpPr>
-          <p:cNvPr id="30" name="29 Rectángulo redondeado"/>
-          <p:cNvSpPr/>
-          <p:nvPr/>
-        </p:nvSpPr>
-        <p:spPr>
-          <a:xfrm>
-            <a:off x="6328612" y="1700463"/>
-            <a:ext cx="409072" cy="264695"/>
+          <p:cNvPr id="32" name="31 Rectángulo redondeado"/>
+          <p:cNvSpPr/>
+          <p:nvPr/>
+        </p:nvSpPr>
+        <p:spPr>
+          <a:xfrm>
+            <a:off x="6785811" y="1676400"/>
+            <a:ext cx="368968" cy="264695"/>
           </a:xfrm>
           <a:prstGeom prst="roundRect">
             <a:avLst/>
@@ -8519,21 +8421,21 @@
       </p:sp>
       <p:sp>
         <p:nvSpPr>
-          <p:cNvPr id="32" name="31 Rectángulo redondeado"/>
-          <p:cNvSpPr/>
-          <p:nvPr/>
-        </p:nvSpPr>
-        <p:spPr>
-          <a:xfrm>
-            <a:off x="6785811" y="1676400"/>
-            <a:ext cx="368968" cy="264695"/>
+          <p:cNvPr id="33" name="32 Rectángulo redondeado"/>
+          <p:cNvSpPr/>
+          <p:nvPr/>
+        </p:nvSpPr>
+        <p:spPr>
+          <a:xfrm>
+            <a:off x="5117432" y="1692442"/>
+            <a:ext cx="401052" cy="264695"/>
           </a:xfrm>
           <a:prstGeom prst="roundRect">
             <a:avLst/>
           </a:prstGeom>
           <a:solidFill>
             <a:schemeClr val="bg2">
-              <a:alpha val="45000"/>
+              <a:alpha val="0"/>
             </a:schemeClr>
           </a:solidFill>
           <a:ln>
@@ -8571,58 +8473,6 @@
       </p:sp>
       <p:sp>
         <p:nvSpPr>
-          <p:cNvPr id="33" name="32 Rectángulo redondeado"/>
-          <p:cNvSpPr/>
-          <p:nvPr/>
-        </p:nvSpPr>
-        <p:spPr>
-          <a:xfrm>
-            <a:off x="5013159" y="1700463"/>
-            <a:ext cx="401052" cy="264695"/>
-          </a:xfrm>
-          <a:prstGeom prst="roundRect">
-            <a:avLst/>
-          </a:prstGeom>
-          <a:solidFill>
-            <a:schemeClr val="bg2">
-              <a:alpha val="0"/>
-            </a:schemeClr>
-          </a:solidFill>
-          <a:ln>
-            <a:solidFill>
-              <a:schemeClr val="bg2">
-                <a:alpha val="61000"/>
-              </a:schemeClr>
-            </a:solidFill>
-          </a:ln>
-        </p:spPr>
-        <p:style>
-          <a:lnRef idx="2">
-            <a:schemeClr val="accent1">
-              <a:shade val="50000"/>
-            </a:schemeClr>
-          </a:lnRef>
-          <a:fillRef idx="1">
-            <a:schemeClr val="accent1"/>
-          </a:fillRef>
-          <a:effectRef idx="0">
-            <a:schemeClr val="accent1"/>
-          </a:effectRef>
-          <a:fontRef idx="minor">
-            <a:schemeClr val="lt1"/>
-          </a:fontRef>
-        </p:style>
-        <p:txBody>
-          <a:bodyPr rtlCol="0" anchor="ctr"/>
-          <a:lstStyle/>
-          <a:p>
-            <a:pPr algn="ctr"/>
-            <a:endParaRPr lang="es-ES"/>
-          </a:p>
-        </p:txBody>
-      </p:sp>
-      <p:sp>
-        <p:nvSpPr>
           <p:cNvPr id="34" name="Rectangle 12">
             <a:hlinkClick r:id="rId5" action="ppaction://hlinksldjump"/>
           </p:cNvPr>
@@ -8662,19 +8512,19 @@
           <a:p>
             <a:pPr algn="ctr"/>
             <a:r>
-              <a:rPr lang="en-GB" sz="1100" dirty="0" err="1" smtClean="0"/>
-              <a:t>Environrment</a:t>
+              <a:rPr lang="en-GB" sz="1100" smtClean="0"/>
+              <a:t>Surroundings </a:t>
             </a:r>
             <a:r>
               <a:rPr lang="en-GB" sz="1100" dirty="0" smtClean="0"/>
-              <a:t> state</a:t>
-            </a:r>
-          </a:p>
-        </p:txBody>
-      </p:sp>
-      <p:sp>
-        <p:nvSpPr>
-          <p:cNvPr id="39" name="Rectangle 12">
+              <a:t>state</a:t>
+            </a:r>
+          </a:p>
+        </p:txBody>
+      </p:sp>
+      <p:sp>
+        <p:nvSpPr>
+          <p:cNvPr id="40" name="Rectangle 12">
             <a:hlinkClick r:id="rId5" action="ppaction://hlinksldjump"/>
           </p:cNvPr>
           <p:cNvSpPr/>
@@ -8682,7 +8532,7 @@
         </p:nvSpPr>
         <p:spPr>
           <a:xfrm>
-            <a:off x="5382126" y="4239719"/>
+            <a:off x="5358063" y="4263783"/>
             <a:ext cx="1477287" cy="370800"/>
           </a:xfrm>
           <a:prstGeom prst="rect">
@@ -8714,53 +8564,6 @@
             <a:pPr algn="ctr"/>
             <a:r>
               <a:rPr lang="en-GB" sz="1100" dirty="0" smtClean="0"/>
-              <a:t>Disaster specific information</a:t>
-            </a:r>
-          </a:p>
-        </p:txBody>
-      </p:sp>
-      <p:sp>
-        <p:nvSpPr>
-          <p:cNvPr id="40" name="Rectangle 12">
-            <a:hlinkClick r:id="rId5" action="ppaction://hlinksldjump"/>
-          </p:cNvPr>
-          <p:cNvSpPr/>
-          <p:nvPr/>
-        </p:nvSpPr>
-        <p:spPr>
-          <a:xfrm>
-            <a:off x="5358063" y="4913488"/>
-            <a:ext cx="1477287" cy="370800"/>
-          </a:xfrm>
-          <a:prstGeom prst="rect">
-            <a:avLst/>
-          </a:prstGeom>
-          <a:noFill/>
-          <a:ln>
-            <a:noFill/>
-          </a:ln>
-        </p:spPr>
-        <p:style>
-          <a:lnRef idx="2">
-            <a:schemeClr val="dk1"/>
-          </a:lnRef>
-          <a:fillRef idx="1">
-            <a:schemeClr val="lt1"/>
-          </a:fillRef>
-          <a:effectRef idx="0">
-            <a:schemeClr val="dk1"/>
-          </a:effectRef>
-          <a:fontRef idx="minor">
-            <a:schemeClr val="dk1"/>
-          </a:fontRef>
-        </p:style>
-        <p:txBody>
-          <a:bodyPr rtlCol="0" anchor="ctr"/>
-          <a:lstStyle/>
-          <a:p>
-            <a:pPr algn="ctr"/>
-            <a:r>
-              <a:rPr lang="en-GB" sz="1100" dirty="0" smtClean="0"/>
               <a:t>Extra information</a:t>
             </a:r>
           </a:p>
@@ -8768,14 +8571,16 @@
       </p:sp>
       <p:pic>
         <p:nvPicPr>
-          <p:cNvPr id="1026" name="Picture 2"/>
+          <p:cNvPr id="1026" name="Picture 2">
+            <a:hlinkClick r:id="rId6" action="ppaction://hlinksldjump"/>
+          </p:cNvPr>
           <p:cNvPicPr>
             <a:picLocks noChangeAspect="1" noChangeArrowheads="1"/>
           </p:cNvPicPr>
           <p:nvPr/>
         </p:nvPicPr>
         <p:blipFill>
-          <a:blip r:embed="rId6" cstate="print"/>
+          <a:blip r:embed="rId7" cstate="print"/>
           <a:srcRect/>
           <a:stretch>
             <a:fillRect/>
@@ -8800,215 +8605,7 @@
       </p:pic>
       <p:sp>
         <p:nvSpPr>
-          <p:cNvPr id="25" name="24 Rectángulo"/>
-          <p:cNvSpPr/>
-          <p:nvPr/>
-        </p:nvSpPr>
-        <p:spPr>
-          <a:xfrm>
-            <a:off x="4796589" y="1499938"/>
-            <a:ext cx="1981200" cy="1564104"/>
-          </a:xfrm>
-          <a:prstGeom prst="rect">
-            <a:avLst/>
-          </a:prstGeom>
-          <a:solidFill>
-            <a:schemeClr val="tx1"/>
-          </a:solidFill>
-          <a:ln>
-            <a:solidFill>
-              <a:schemeClr val="tx1">
-                <a:lumMod val="50000"/>
-                <a:lumOff val="50000"/>
-              </a:schemeClr>
-            </a:solidFill>
-          </a:ln>
-        </p:spPr>
-        <p:style>
-          <a:lnRef idx="2">
-            <a:schemeClr val="accent1">
-              <a:shade val="50000"/>
-            </a:schemeClr>
-          </a:lnRef>
-          <a:fillRef idx="1">
-            <a:schemeClr val="accent1"/>
-          </a:fillRef>
-          <a:effectRef idx="0">
-            <a:schemeClr val="accent1"/>
-          </a:effectRef>
-          <a:fontRef idx="minor">
-            <a:schemeClr val="lt1"/>
-          </a:fontRef>
-        </p:style>
-        <p:txBody>
-          <a:bodyPr rtlCol="0" anchor="ctr"/>
-          <a:lstStyle/>
-          <a:p>
-            <a:pPr algn="ctr"/>
-            <a:endParaRPr lang="es-ES"/>
-          </a:p>
-        </p:txBody>
-      </p:sp>
-      <p:sp>
-        <p:nvSpPr>
-          <p:cNvPr id="27" name="26 Rectángulo"/>
-          <p:cNvSpPr/>
-          <p:nvPr/>
-        </p:nvSpPr>
-        <p:spPr>
-          <a:xfrm>
-            <a:off x="4796589" y="1507959"/>
-            <a:ext cx="1981200" cy="521367"/>
-          </a:xfrm>
-          <a:prstGeom prst="rect">
-            <a:avLst/>
-          </a:prstGeom>
-          <a:solidFill>
-            <a:schemeClr val="tx1"/>
-          </a:solidFill>
-          <a:ln>
-            <a:solidFill>
-              <a:schemeClr val="tx1">
-                <a:lumMod val="50000"/>
-                <a:lumOff val="50000"/>
-              </a:schemeClr>
-            </a:solidFill>
-          </a:ln>
-        </p:spPr>
-        <p:style>
-          <a:lnRef idx="2">
-            <a:schemeClr val="accent1">
-              <a:shade val="50000"/>
-            </a:schemeClr>
-          </a:lnRef>
-          <a:fillRef idx="1">
-            <a:schemeClr val="accent1"/>
-          </a:fillRef>
-          <a:effectRef idx="0">
-            <a:schemeClr val="accent1"/>
-          </a:effectRef>
-          <a:fontRef idx="minor">
-            <a:schemeClr val="lt1"/>
-          </a:fontRef>
-        </p:style>
-        <p:txBody>
-          <a:bodyPr rtlCol="0" anchor="ctr"/>
-          <a:lstStyle/>
-          <a:p>
-            <a:pPr algn="ctr"/>
-            <a:endParaRPr lang="es-ES"/>
-          </a:p>
-        </p:txBody>
-      </p:sp>
-      <p:sp>
-        <p:nvSpPr>
-          <p:cNvPr id="28" name="27 Rectángulo">
-            <a:hlinkClick r:id="rId7" action="ppaction://hlinksldjump"/>
-          </p:cNvPr>
-          <p:cNvSpPr/>
-          <p:nvPr/>
-        </p:nvSpPr>
-        <p:spPr>
-          <a:xfrm>
-            <a:off x="4804610" y="2021306"/>
-            <a:ext cx="1981200" cy="521367"/>
-          </a:xfrm>
-          <a:prstGeom prst="rect">
-            <a:avLst/>
-          </a:prstGeom>
-          <a:solidFill>
-            <a:schemeClr val="tx1"/>
-          </a:solidFill>
-          <a:ln>
-            <a:solidFill>
-              <a:schemeClr val="tx1">
-                <a:lumMod val="50000"/>
-                <a:lumOff val="50000"/>
-              </a:schemeClr>
-            </a:solidFill>
-          </a:ln>
-        </p:spPr>
-        <p:style>
-          <a:lnRef idx="2">
-            <a:schemeClr val="accent1">
-              <a:shade val="50000"/>
-            </a:schemeClr>
-          </a:lnRef>
-          <a:fillRef idx="1">
-            <a:schemeClr val="accent1"/>
-          </a:fillRef>
-          <a:effectRef idx="0">
-            <a:schemeClr val="accent1"/>
-          </a:effectRef>
-          <a:fontRef idx="minor">
-            <a:schemeClr val="lt1"/>
-          </a:fontRef>
-        </p:style>
-        <p:txBody>
-          <a:bodyPr rtlCol="0" anchor="ctr"/>
-          <a:lstStyle/>
-          <a:p>
-            <a:pPr algn="ctr"/>
-            <a:endParaRPr lang="es-ES"/>
-          </a:p>
-        </p:txBody>
-      </p:sp>
-      <p:sp>
-        <p:nvSpPr>
-          <p:cNvPr id="31" name="30 Rectángulo">
-            <a:hlinkClick r:id="rId8" action="ppaction://hlinksldjump"/>
-          </p:cNvPr>
-          <p:cNvSpPr/>
-          <p:nvPr/>
-        </p:nvSpPr>
-        <p:spPr>
-          <a:xfrm>
-            <a:off x="4796589" y="2550696"/>
-            <a:ext cx="1981200" cy="521367"/>
-          </a:xfrm>
-          <a:prstGeom prst="rect">
-            <a:avLst/>
-          </a:prstGeom>
-          <a:solidFill>
-            <a:schemeClr val="tx1"/>
-          </a:solidFill>
-          <a:ln>
-            <a:solidFill>
-              <a:schemeClr val="tx1">
-                <a:lumMod val="50000"/>
-                <a:lumOff val="50000"/>
-              </a:schemeClr>
-            </a:solidFill>
-          </a:ln>
-        </p:spPr>
-        <p:style>
-          <a:lnRef idx="2">
-            <a:schemeClr val="accent1">
-              <a:shade val="50000"/>
-            </a:schemeClr>
-          </a:lnRef>
-          <a:fillRef idx="1">
-            <a:schemeClr val="accent1"/>
-          </a:fillRef>
-          <a:effectRef idx="0">
-            <a:schemeClr val="accent1"/>
-          </a:effectRef>
-          <a:fontRef idx="minor">
-            <a:schemeClr val="lt1"/>
-          </a:fontRef>
-        </p:style>
-        <p:txBody>
-          <a:bodyPr rtlCol="0" anchor="ctr"/>
-          <a:lstStyle/>
-          <a:p>
-            <a:pPr algn="ctr"/>
-            <a:endParaRPr lang="es-ES"/>
-          </a:p>
-        </p:txBody>
-      </p:sp>
-      <p:sp>
-        <p:nvSpPr>
-          <p:cNvPr id="35" name="Rectangle 12">
+          <p:cNvPr id="27" name="Rectangle 12">
             <a:hlinkClick r:id="rId5" action="ppaction://hlinksldjump"/>
           </p:cNvPr>
           <p:cNvSpPr/>
@@ -9016,8 +8613,8 @@
         </p:nvSpPr>
         <p:spPr>
           <a:xfrm>
-            <a:off x="4884821" y="1608814"/>
-            <a:ext cx="1820779" cy="370800"/>
+            <a:off x="1389055" y="1167658"/>
+            <a:ext cx="3062629" cy="370800"/>
           </a:xfrm>
           <a:prstGeom prst="rect">
             <a:avLst/>
@@ -9047,114 +8644,8 @@
           <a:p>
             <a:pPr algn="ctr"/>
             <a:r>
-              <a:rPr lang="en-GB" sz="1100" dirty="0" smtClean="0">
-                <a:solidFill>
-                  <a:schemeClr val="bg1"/>
-                </a:solidFill>
-              </a:rPr>
-              <a:t>Answer quiz</a:t>
-            </a:r>
-          </a:p>
-        </p:txBody>
-      </p:sp>
-      <p:sp>
-        <p:nvSpPr>
-          <p:cNvPr id="36" name="Rectangle 12">
-            <a:hlinkClick r:id="rId5" action="ppaction://hlinksldjump"/>
-          </p:cNvPr>
-          <p:cNvSpPr/>
-          <p:nvPr/>
-        </p:nvSpPr>
-        <p:spPr>
-          <a:xfrm>
-            <a:off x="4981074" y="2114140"/>
-            <a:ext cx="1403684" cy="370800"/>
-          </a:xfrm>
-          <a:prstGeom prst="rect">
-            <a:avLst/>
-          </a:prstGeom>
-          <a:noFill/>
-          <a:ln>
-            <a:noFill/>
-          </a:ln>
-        </p:spPr>
-        <p:style>
-          <a:lnRef idx="2">
-            <a:schemeClr val="dk1"/>
-          </a:lnRef>
-          <a:fillRef idx="1">
-            <a:schemeClr val="lt1"/>
-          </a:fillRef>
-          <a:effectRef idx="0">
-            <a:schemeClr val="dk1"/>
-          </a:effectRef>
-          <a:fontRef idx="minor">
-            <a:schemeClr val="dk1"/>
-          </a:fontRef>
-        </p:style>
-        <p:txBody>
-          <a:bodyPr rtlCol="0" anchor="ctr"/>
-          <a:lstStyle/>
-          <a:p>
-            <a:pPr algn="ctr"/>
-            <a:r>
-              <a:rPr lang="en-GB" sz="1100" dirty="0" smtClean="0">
-                <a:solidFill>
-                  <a:schemeClr val="bg1"/>
-                </a:solidFill>
-              </a:rPr>
-              <a:t>Map statistics</a:t>
-            </a:r>
-          </a:p>
-        </p:txBody>
-      </p:sp>
-      <p:sp>
-        <p:nvSpPr>
-          <p:cNvPr id="37" name="Rectangle 12">
-            <a:hlinkClick r:id="rId5" action="ppaction://hlinksldjump"/>
-          </p:cNvPr>
-          <p:cNvSpPr/>
-          <p:nvPr/>
-        </p:nvSpPr>
-        <p:spPr>
-          <a:xfrm>
-            <a:off x="4812631" y="2595404"/>
-            <a:ext cx="1820779" cy="370800"/>
-          </a:xfrm>
-          <a:prstGeom prst="rect">
-            <a:avLst/>
-          </a:prstGeom>
-          <a:noFill/>
-          <a:ln>
-            <a:noFill/>
-          </a:ln>
-        </p:spPr>
-        <p:style>
-          <a:lnRef idx="2">
-            <a:schemeClr val="dk1"/>
-          </a:lnRef>
-          <a:fillRef idx="1">
-            <a:schemeClr val="lt1"/>
-          </a:fillRef>
-          <a:effectRef idx="0">
-            <a:schemeClr val="dk1"/>
-          </a:effectRef>
-          <a:fontRef idx="minor">
-            <a:schemeClr val="dk1"/>
-          </a:fontRef>
-        </p:style>
-        <p:txBody>
-          <a:bodyPr rtlCol="0" anchor="ctr"/>
-          <a:lstStyle/>
-          <a:p>
-            <a:pPr algn="ctr"/>
-            <a:r>
-              <a:rPr lang="en-GB" sz="1100" dirty="0" smtClean="0">
-                <a:solidFill>
-                  <a:schemeClr val="bg1"/>
-                </a:solidFill>
-              </a:rPr>
-              <a:t>Disaster Survival tips</a:t>
+              <a:rPr lang="en-GB" sz="1100" dirty="0" smtClean="0"/>
+              <a:t>First screen always quiz. To change, go to menu -&gt;</a:t>
             </a:r>
           </a:p>
         </p:txBody>
@@ -9162,7 +8653,7 @@
     </p:spTree>
     <p:extLst>
       <p:ext uri="{BB962C8B-B14F-4D97-AF65-F5344CB8AC3E}">
-        <p14:creationId xmlns:p14="http://schemas.microsoft.com/office/powerpoint/2010/main" xmlns="" val="283767647"/>
+        <p14:creationId xmlns="" xmlns:p14="http://schemas.microsoft.com/office/powerpoint/2010/main" val="283767647"/>
       </p:ext>
     </p:extLst>
   </p:cSld>
@@ -9170,7 +8661,7 @@
     <a:masterClrMapping/>
   </p:clrMapOvr>
   <mc:AlternateContent xmlns:mc="http://schemas.openxmlformats.org/markup-compatibility/2006">
-    <mc:Choice xmlns:p14="http://schemas.microsoft.com/office/powerpoint/2010/main" xmlns="" Requires="p14">
+    <mc:Choice xmlns="" xmlns:p14="http://schemas.microsoft.com/office/powerpoint/2010/main" Requires="p14">
       <p:transition spd="slow" p14:dur="2000" advClick="0"/>
     </mc:Choice>
     <mc:Fallback>
@@ -9348,129 +8839,24 @@
           </a:p>
         </p:txBody>
       </p:sp>
-      <p:pic>
-        <p:nvPicPr>
-          <p:cNvPr id="1026" name="Picture 2"/>
-          <p:cNvPicPr>
-            <a:picLocks noChangeAspect="1" noChangeArrowheads="1"/>
-          </p:cNvPicPr>
-          <p:nvPr/>
-        </p:nvPicPr>
-        <p:blipFill>
-          <a:blip r:embed="rId3" cstate="print"/>
-          <a:srcRect/>
-          <a:stretch>
-            <a:fillRect/>
-          </a:stretch>
-        </p:blipFill>
-        <p:spPr bwMode="auto">
-          <a:xfrm>
-            <a:off x="4819316" y="1179093"/>
-            <a:ext cx="372060" cy="347663"/>
-          </a:xfrm>
-          <a:prstGeom prst="rect">
-            <a:avLst/>
-          </a:prstGeom>
-          <a:noFill/>
-          <a:ln w="9525">
-            <a:noFill/>
-            <a:miter lim="800000"/>
-            <a:headEnd/>
-            <a:tailEnd/>
-          </a:ln>
-        </p:spPr>
-      </p:pic>
-      <p:pic>
-        <p:nvPicPr>
-          <p:cNvPr id="2" name="Picture 2"/>
-          <p:cNvPicPr>
-            <a:picLocks noChangeAspect="1" noChangeArrowheads="1"/>
-          </p:cNvPicPr>
-          <p:nvPr/>
-        </p:nvPicPr>
-        <p:blipFill>
-          <a:blip r:embed="rId4" cstate="print"/>
-          <a:srcRect/>
-          <a:stretch>
-            <a:fillRect/>
-          </a:stretch>
-        </p:blipFill>
-        <p:spPr bwMode="auto">
-          <a:xfrm>
-            <a:off x="4965031" y="1942028"/>
-            <a:ext cx="2295712" cy="2132665"/>
-          </a:xfrm>
-          <a:prstGeom prst="rect">
-            <a:avLst/>
-          </a:prstGeom>
-          <a:noFill/>
-          <a:ln w="9525">
-            <a:noFill/>
-            <a:miter lim="800000"/>
-            <a:headEnd/>
-            <a:tailEnd/>
-          </a:ln>
-        </p:spPr>
-      </p:pic>
-      <p:sp>
-        <p:nvSpPr>
-          <p:cNvPr id="38" name="Rectangle 35">
-            <a:hlinkClick r:id="rId5" action="ppaction://hlinksldjump"/>
+      <p:sp>
+        <p:nvSpPr>
+          <p:cNvPr id="16" name="Rectangle 36">
+            <a:hlinkClick r:id="rId3" action="ppaction://hlinksldjump"/>
           </p:cNvPr>
           <p:cNvSpPr/>
           <p:nvPr/>
         </p:nvSpPr>
         <p:spPr>
           <a:xfrm>
-            <a:off x="4955649" y="4459706"/>
-            <a:ext cx="2263299" cy="336229"/>
-          </a:xfrm>
-          <a:prstGeom prst="rect">
-            <a:avLst/>
-          </a:prstGeom>
-          <a:ln/>
-        </p:spPr>
-        <p:style>
-          <a:lnRef idx="1">
-            <a:schemeClr val="accent1"/>
-          </a:lnRef>
-          <a:fillRef idx="2">
-            <a:schemeClr val="accent1"/>
-          </a:fillRef>
-          <a:effectRef idx="1">
-            <a:schemeClr val="accent1"/>
-          </a:effectRef>
-          <a:fontRef idx="minor">
-            <a:schemeClr val="dk1"/>
-          </a:fontRef>
-        </p:style>
-        <p:txBody>
-          <a:bodyPr rtlCol="0" anchor="ctr"/>
-          <a:lstStyle/>
-          <a:p>
-            <a:pPr algn="ctr"/>
-            <a:endParaRPr lang="en-US" dirty="0"/>
-          </a:p>
-        </p:txBody>
-      </p:sp>
-      <p:sp>
-        <p:nvSpPr>
-          <p:cNvPr id="41" name="Rectangle 36">
-            <a:hlinkClick r:id="rId6" action="ppaction://hlinksldjump"/>
-          </p:cNvPr>
-          <p:cNvSpPr/>
-          <p:nvPr/>
-        </p:nvSpPr>
-        <p:spPr>
-          <a:xfrm>
-            <a:off x="4940969" y="4836694"/>
-            <a:ext cx="2294020" cy="352926"/>
+            <a:off x="4957011" y="2149642"/>
+            <a:ext cx="2310063" cy="561474"/>
           </a:xfrm>
           <a:prstGeom prst="rect">
             <a:avLst/>
           </a:prstGeom>
           <a:solidFill>
-            <a:srgbClr val="FBE29B"/>
+            <a:srgbClr val="FF5B5B"/>
           </a:solidFill>
           <a:ln w="19050">
             <a:solidFill>
@@ -9505,80 +8891,22 @@
       </p:sp>
       <p:sp>
         <p:nvSpPr>
-          <p:cNvPr id="42" name="41 Rectángulo"/>
-          <p:cNvSpPr/>
-          <p:nvPr/>
-        </p:nvSpPr>
-        <p:spPr>
-          <a:xfrm>
-            <a:off x="5330085" y="4206859"/>
-            <a:ext cx="567399" cy="276999"/>
-          </a:xfrm>
-          <a:prstGeom prst="rect">
-            <a:avLst/>
-          </a:prstGeom>
-        </p:spPr>
-        <p:txBody>
-          <a:bodyPr wrap="none">
-            <a:spAutoFit/>
-          </a:bodyPr>
-          <a:lstStyle/>
-          <a:p>
-            <a:r>
-              <a:rPr lang="en-GB" sz="1200" dirty="0" smtClean="0"/>
-              <a:t>Water</a:t>
-            </a:r>
-            <a:endParaRPr lang="es-ES" sz="1200" dirty="0"/>
-          </a:p>
-        </p:txBody>
-      </p:sp>
-      <p:sp>
-        <p:nvSpPr>
-          <p:cNvPr id="43" name="42 Rectángulo"/>
-          <p:cNvSpPr/>
-          <p:nvPr/>
-        </p:nvSpPr>
-        <p:spPr>
-          <a:xfrm>
-            <a:off x="5747178" y="4856565"/>
-            <a:ext cx="496739" cy="276999"/>
-          </a:xfrm>
-          <a:prstGeom prst="rect">
-            <a:avLst/>
-          </a:prstGeom>
-        </p:spPr>
-        <p:txBody>
-          <a:bodyPr wrap="none">
-            <a:spAutoFit/>
-          </a:bodyPr>
-          <a:lstStyle/>
-          <a:p>
-            <a:r>
-              <a:rPr lang="en-GB" sz="1200" dirty="0" smtClean="0"/>
-              <a:t>Food</a:t>
-            </a:r>
-            <a:endParaRPr lang="es-ES" sz="1200" dirty="0"/>
-          </a:p>
-        </p:txBody>
-      </p:sp>
-      <p:sp>
-        <p:nvSpPr>
-          <p:cNvPr id="44" name="Rectangle 36">
-            <a:hlinkClick r:id="rId6" action="ppaction://hlinksldjump"/>
+          <p:cNvPr id="17" name="Rectangle 36">
+            <a:hlinkClick r:id="rId3" action="ppaction://hlinksldjump"/>
           </p:cNvPr>
           <p:cNvSpPr/>
           <p:nvPr/>
         </p:nvSpPr>
         <p:spPr>
           <a:xfrm>
-            <a:off x="4950239" y="4104270"/>
-            <a:ext cx="2292771" cy="331372"/>
+            <a:off x="4948989" y="2807369"/>
+            <a:ext cx="2310063" cy="561474"/>
           </a:xfrm>
           <a:prstGeom prst="rect">
             <a:avLst/>
           </a:prstGeom>
           <a:solidFill>
-            <a:srgbClr val="FF7C80"/>
+            <a:srgbClr val="FF9797"/>
           </a:solidFill>
           <a:ln w="19050">
             <a:solidFill>
@@ -9613,87 +8941,43 @@
       </p:sp>
       <p:sp>
         <p:nvSpPr>
-          <p:cNvPr id="46" name="45 Rectángulo"/>
-          <p:cNvSpPr/>
-          <p:nvPr/>
-        </p:nvSpPr>
-        <p:spPr>
-          <a:xfrm>
-            <a:off x="4872884" y="1583975"/>
-            <a:ext cx="2473434" cy="276999"/>
-          </a:xfrm>
-          <a:prstGeom prst="rect">
-            <a:avLst/>
-          </a:prstGeom>
-        </p:spPr>
-        <p:txBody>
-          <a:bodyPr wrap="none">
-            <a:spAutoFit/>
-          </a:bodyPr>
-          <a:lstStyle/>
-          <a:p>
-            <a:r>
-              <a:rPr lang="en-GB" sz="1200" dirty="0" smtClean="0"/>
-              <a:t>This map shows other people needs:</a:t>
-            </a:r>
-            <a:endParaRPr lang="es-ES" sz="1200" dirty="0"/>
-          </a:p>
-        </p:txBody>
-      </p:sp>
-      <p:sp>
-        <p:nvSpPr>
-          <p:cNvPr id="47" name="Rectangle 27">
-            <a:hlinkClick r:id="rId7" action="ppaction://hlinksldjump"/>
+          <p:cNvPr id="18" name="Rectangle 36">
+            <a:hlinkClick r:id="rId3" action="ppaction://hlinksldjump"/>
           </p:cNvPr>
           <p:cNvSpPr/>
           <p:nvPr/>
         </p:nvSpPr>
         <p:spPr>
           <a:xfrm>
-            <a:off x="4955649" y="5220589"/>
-            <a:ext cx="2271319" cy="321960"/>
-          </a:xfrm>
-          <a:prstGeom prst="rect">
-            <a:avLst/>
-          </a:prstGeom>
-          <a:gradFill>
-            <a:gsLst>
-              <a:gs pos="0">
-                <a:schemeClr val="accent6">
-                  <a:lumMod val="60000"/>
-                  <a:lumOff val="40000"/>
-                </a:schemeClr>
-              </a:gs>
-              <a:gs pos="50000">
-                <a:schemeClr val="accent6">
-                  <a:lumMod val="105000"/>
-                  <a:satMod val="103000"/>
-                  <a:tint val="73000"/>
-                </a:schemeClr>
-              </a:gs>
-              <a:gs pos="100000">
-                <a:schemeClr val="accent6">
-                  <a:lumMod val="105000"/>
-                  <a:satMod val="109000"/>
-                  <a:tint val="81000"/>
-                </a:schemeClr>
-              </a:gs>
-            </a:gsLst>
-          </a:gradFill>
-          <a:ln/>
+            <a:off x="4957009" y="3481138"/>
+            <a:ext cx="2310063" cy="561474"/>
+          </a:xfrm>
+          <a:prstGeom prst="rect">
+            <a:avLst/>
+          </a:prstGeom>
+          <a:solidFill>
+            <a:srgbClr val="FDC199"/>
+          </a:solidFill>
+          <a:ln w="19050">
+            <a:solidFill>
+              <a:srgbClr val="D8D8D8"/>
+            </a:solidFill>
+          </a:ln>
         </p:spPr>
         <p:style>
-          <a:lnRef idx="1">
-            <a:schemeClr val="accent6"/>
+          <a:lnRef idx="2">
+            <a:schemeClr val="accent1">
+              <a:shade val="50000"/>
+            </a:schemeClr>
           </a:lnRef>
-          <a:fillRef idx="2">
-            <a:schemeClr val="accent6"/>
+          <a:fillRef idx="1003">
+            <a:schemeClr val="lt1"/>
           </a:fillRef>
-          <a:effectRef idx="1">
-            <a:schemeClr val="accent6"/>
+          <a:effectRef idx="0">
+            <a:schemeClr val="accent1"/>
           </a:effectRef>
           <a:fontRef idx="minor">
-            <a:schemeClr val="dk1"/>
+            <a:schemeClr val="lt1"/>
           </a:fontRef>
         </p:style>
         <p:txBody>
@@ -9707,206 +8991,295 @@
       </p:sp>
       <p:sp>
         <p:nvSpPr>
-          <p:cNvPr id="48" name="47 Rectángulo"/>
-          <p:cNvSpPr/>
-          <p:nvPr/>
-        </p:nvSpPr>
-        <p:spPr>
-          <a:xfrm>
-            <a:off x="5739157" y="5257617"/>
-            <a:ext cx="827471" cy="276999"/>
-          </a:xfrm>
-          <a:prstGeom prst="rect">
-            <a:avLst/>
-          </a:prstGeom>
-        </p:spPr>
-        <p:txBody>
-          <a:bodyPr wrap="none">
-            <a:spAutoFit/>
-          </a:bodyPr>
-          <a:lstStyle/>
-          <a:p>
-            <a:r>
-              <a:rPr lang="en-GB" sz="1200" dirty="0" smtClean="0"/>
-              <a:t>Medicines</a:t>
-            </a:r>
-            <a:endParaRPr lang="es-ES" sz="1200" dirty="0"/>
-          </a:p>
-        </p:txBody>
-      </p:sp>
-      <p:sp>
-        <p:nvSpPr>
-          <p:cNvPr id="49" name="48 Rectángulo"/>
-          <p:cNvSpPr/>
-          <p:nvPr/>
-        </p:nvSpPr>
-        <p:spPr>
-          <a:xfrm>
-            <a:off x="5731135" y="4519682"/>
-            <a:ext cx="567399" cy="276999"/>
-          </a:xfrm>
-          <a:prstGeom prst="rect">
-            <a:avLst/>
-          </a:prstGeom>
-        </p:spPr>
-        <p:txBody>
-          <a:bodyPr wrap="none">
-            <a:spAutoFit/>
-          </a:bodyPr>
-          <a:lstStyle/>
-          <a:p>
-            <a:r>
-              <a:rPr lang="en-GB" sz="1200" dirty="0" smtClean="0"/>
-              <a:t>Water</a:t>
-            </a:r>
-            <a:endParaRPr lang="es-ES" sz="1200" dirty="0"/>
-          </a:p>
-        </p:txBody>
-      </p:sp>
-      <p:sp>
-        <p:nvSpPr>
-          <p:cNvPr id="50" name="49 Rectángulo"/>
-          <p:cNvSpPr/>
-          <p:nvPr/>
-        </p:nvSpPr>
-        <p:spPr>
-          <a:xfrm>
-            <a:off x="5707072" y="4150712"/>
-            <a:ext cx="1059457" cy="276999"/>
-          </a:xfrm>
-          <a:prstGeom prst="rect">
-            <a:avLst/>
-          </a:prstGeom>
-        </p:spPr>
-        <p:txBody>
-          <a:bodyPr wrap="none">
-            <a:spAutoFit/>
-          </a:bodyPr>
-          <a:lstStyle/>
-          <a:p>
-            <a:r>
-              <a:rPr lang="en-GB" sz="1200" dirty="0" smtClean="0"/>
-              <a:t>Urgent rescue</a:t>
-            </a:r>
-            <a:endParaRPr lang="es-ES" sz="1200" dirty="0"/>
+          <p:cNvPr id="19" name="Rectangle 36">
+            <a:hlinkClick r:id="rId3" action="ppaction://hlinksldjump"/>
+          </p:cNvPr>
+          <p:cNvSpPr/>
+          <p:nvPr/>
+        </p:nvSpPr>
+        <p:spPr>
+          <a:xfrm>
+            <a:off x="4965031" y="4146885"/>
+            <a:ext cx="2310063" cy="561474"/>
+          </a:xfrm>
+          <a:prstGeom prst="rect">
+            <a:avLst/>
+          </a:prstGeom>
+          <a:solidFill>
+            <a:srgbClr val="FBE29B"/>
+          </a:solidFill>
+          <a:ln w="19050">
+            <a:solidFill>
+              <a:srgbClr val="D8D8D8"/>
+            </a:solidFill>
+          </a:ln>
+        </p:spPr>
+        <p:style>
+          <a:lnRef idx="2">
+            <a:schemeClr val="accent1">
+              <a:shade val="50000"/>
+            </a:schemeClr>
+          </a:lnRef>
+          <a:fillRef idx="1003">
+            <a:schemeClr val="lt1"/>
+          </a:fillRef>
+          <a:effectRef idx="0">
+            <a:schemeClr val="accent1"/>
+          </a:effectRef>
+          <a:fontRef idx="minor">
+            <a:schemeClr val="lt1"/>
+          </a:fontRef>
+        </p:style>
+        <p:txBody>
+          <a:bodyPr rtlCol="0" anchor="ctr"/>
+          <a:lstStyle/>
+          <a:p>
+            <a:pPr algn="ctr"/>
+            <a:endParaRPr lang="en-US" dirty="0"/>
+          </a:p>
+        </p:txBody>
+      </p:sp>
+      <p:sp>
+        <p:nvSpPr>
+          <p:cNvPr id="20" name="Rectangle 36">
+            <a:hlinkClick r:id="rId3" action="ppaction://hlinksldjump"/>
+          </p:cNvPr>
+          <p:cNvSpPr/>
+          <p:nvPr/>
+        </p:nvSpPr>
+        <p:spPr>
+          <a:xfrm>
+            <a:off x="4965031" y="4804611"/>
+            <a:ext cx="2310063" cy="561474"/>
+          </a:xfrm>
+          <a:prstGeom prst="rect">
+            <a:avLst/>
+          </a:prstGeom>
+          <a:solidFill>
+            <a:srgbClr val="C9F99D"/>
+          </a:solidFill>
+          <a:ln w="19050">
+            <a:solidFill>
+              <a:srgbClr val="D8D8D8"/>
+            </a:solidFill>
+          </a:ln>
+        </p:spPr>
+        <p:style>
+          <a:lnRef idx="2">
+            <a:schemeClr val="accent1">
+              <a:shade val="50000"/>
+            </a:schemeClr>
+          </a:lnRef>
+          <a:fillRef idx="1003">
+            <a:schemeClr val="lt1"/>
+          </a:fillRef>
+          <a:effectRef idx="0">
+            <a:schemeClr val="accent1"/>
+          </a:effectRef>
+          <a:fontRef idx="minor">
+            <a:schemeClr val="lt1"/>
+          </a:fontRef>
+        </p:style>
+        <p:txBody>
+          <a:bodyPr rtlCol="0" anchor="ctr"/>
+          <a:lstStyle/>
+          <a:p>
+            <a:pPr algn="ctr"/>
+            <a:endParaRPr lang="en-US" dirty="0"/>
           </a:p>
         </p:txBody>
       </p:sp>
       <p:pic>
         <p:nvPicPr>
-          <p:cNvPr id="52" name="51 Imagen" descr="food.png"/>
+          <p:cNvPr id="21" name="20 Imagen" descr="StateBar.png"/>
           <p:cNvPicPr>
             <a:picLocks noChangeAspect="1"/>
           </p:cNvPicPr>
           <p:nvPr/>
         </p:nvPicPr>
         <p:blipFill>
-          <a:blip r:embed="rId8" cstate="print"/>
+          <a:blip r:embed="rId4" cstate="print"/>
+          <a:srcRect l="10667" t="53918" r="8678" b="36023"/>
           <a:stretch>
             <a:fillRect/>
           </a:stretch>
         </p:blipFill>
         <p:spPr>
           <a:xfrm>
-            <a:off x="5123574" y="4887227"/>
-            <a:ext cx="243839" cy="243839"/>
+            <a:off x="4940968" y="1644316"/>
+            <a:ext cx="2269958" cy="393032"/>
           </a:xfrm>
           <a:prstGeom prst="rect">
             <a:avLst/>
           </a:prstGeom>
         </p:spPr>
       </p:pic>
-      <p:pic>
-        <p:nvPicPr>
-          <p:cNvPr id="53" name="52 Imagen" descr="medicines.png"/>
-          <p:cNvPicPr>
-            <a:picLocks noChangeAspect="1"/>
-          </p:cNvPicPr>
-          <p:nvPr/>
-        </p:nvPicPr>
-        <p:blipFill>
-          <a:blip r:embed="rId9" cstate="print"/>
-          <a:stretch>
-            <a:fillRect/>
-          </a:stretch>
-        </p:blipFill>
-        <p:spPr>
-          <a:xfrm>
-            <a:off x="5141494" y="5277853"/>
-            <a:ext cx="223525" cy="223525"/>
-          </a:xfrm>
-          <a:prstGeom prst="rect">
-            <a:avLst/>
-          </a:prstGeom>
-        </p:spPr>
-      </p:pic>
-      <p:pic>
-        <p:nvPicPr>
-          <p:cNvPr id="54" name="53 Imagen" descr="urgent.png"/>
-          <p:cNvPicPr>
-            <a:picLocks noChangeAspect="1"/>
-          </p:cNvPicPr>
-          <p:nvPr/>
-        </p:nvPicPr>
-        <p:blipFill>
-          <a:blip r:embed="rId10" cstate="print"/>
-          <a:stretch>
-            <a:fillRect/>
-          </a:stretch>
-        </p:blipFill>
-        <p:spPr>
-          <a:xfrm>
-            <a:off x="5090969" y="4173104"/>
-            <a:ext cx="218968" cy="218968"/>
-          </a:xfrm>
-          <a:prstGeom prst="rect">
-            <a:avLst/>
-          </a:prstGeom>
-        </p:spPr>
-      </p:pic>
-      <p:pic>
-        <p:nvPicPr>
-          <p:cNvPr id="55" name="54 Imagen" descr="water.png"/>
-          <p:cNvPicPr>
-            <a:picLocks noChangeAspect="1"/>
-          </p:cNvPicPr>
-          <p:nvPr/>
-        </p:nvPicPr>
-        <p:blipFill>
-          <a:blip r:embed="rId11" cstate="print"/>
-          <a:stretch>
-            <a:fillRect/>
-          </a:stretch>
-        </p:blipFill>
-        <p:spPr>
-          <a:xfrm>
-            <a:off x="5917411" y="2839453"/>
-            <a:ext cx="280222" cy="280222"/>
-          </a:xfrm>
-          <a:prstGeom prst="rect">
-            <a:avLst/>
-          </a:prstGeom>
-        </p:spPr>
-      </p:pic>
-      <p:sp>
-        <p:nvSpPr>
-          <p:cNvPr id="56" name="55 Rectángulo"/>
-          <p:cNvSpPr/>
-          <p:nvPr/>
-        </p:nvSpPr>
-        <p:spPr>
-          <a:xfrm>
-            <a:off x="5702968" y="2160671"/>
-            <a:ext cx="1114927" cy="446171"/>
-          </a:xfrm>
-          <a:prstGeom prst="rect">
+      <p:sp>
+        <p:nvSpPr>
+          <p:cNvPr id="22" name="Rectangle 12">
+            <a:hlinkClick r:id="rId5" action="ppaction://hlinksldjump"/>
+          </p:cNvPr>
+          <p:cNvSpPr/>
+          <p:nvPr/>
+        </p:nvSpPr>
+        <p:spPr>
+          <a:xfrm>
+            <a:off x="5455728" y="1640897"/>
+            <a:ext cx="1066800" cy="370800"/>
+          </a:xfrm>
+          <a:prstGeom prst="rect">
+            <a:avLst/>
+          </a:prstGeom>
+          <a:noFill/>
+          <a:ln>
+            <a:noFill/>
+          </a:ln>
+        </p:spPr>
+        <p:style>
+          <a:lnRef idx="2">
+            <a:schemeClr val="dk1"/>
+          </a:lnRef>
+          <a:fillRef idx="1">
+            <a:schemeClr val="lt1"/>
+          </a:fillRef>
+          <a:effectRef idx="0">
+            <a:schemeClr val="dk1"/>
+          </a:effectRef>
+          <a:fontRef idx="minor">
+            <a:schemeClr val="dk1"/>
+          </a:fontRef>
+        </p:style>
+        <p:txBody>
+          <a:bodyPr rtlCol="0" anchor="ctr"/>
+          <a:lstStyle/>
+          <a:p>
+            <a:pPr algn="ctr"/>
+            <a:r>
+              <a:rPr lang="en-GB" sz="1100" dirty="0" smtClean="0"/>
+              <a:t>Quiz state</a:t>
+            </a:r>
+          </a:p>
+        </p:txBody>
+      </p:sp>
+      <p:sp>
+        <p:nvSpPr>
+          <p:cNvPr id="23" name="Rectangle 12">
+            <a:hlinkClick r:id="rId5" action="ppaction://hlinksldjump"/>
+          </p:cNvPr>
+          <p:cNvSpPr/>
+          <p:nvPr/>
+        </p:nvSpPr>
+        <p:spPr>
+          <a:xfrm>
+            <a:off x="5519897" y="2242478"/>
+            <a:ext cx="1066800" cy="370800"/>
+          </a:xfrm>
+          <a:prstGeom prst="rect">
+            <a:avLst/>
+          </a:prstGeom>
+          <a:noFill/>
+          <a:ln>
+            <a:noFill/>
+          </a:ln>
+        </p:spPr>
+        <p:style>
+          <a:lnRef idx="2">
+            <a:schemeClr val="dk1"/>
+          </a:lnRef>
+          <a:fillRef idx="1">
+            <a:schemeClr val="lt1"/>
+          </a:fillRef>
+          <a:effectRef idx="0">
+            <a:schemeClr val="dk1"/>
+          </a:effectRef>
+          <a:fontRef idx="minor">
+            <a:schemeClr val="dk1"/>
+          </a:fontRef>
+        </p:style>
+        <p:txBody>
+          <a:bodyPr rtlCol="0" anchor="ctr"/>
+          <a:lstStyle/>
+          <a:p>
+            <a:pPr algn="ctr"/>
+            <a:r>
+              <a:rPr lang="en-GB" sz="1100" dirty="0" smtClean="0"/>
+              <a:t>Basic needs</a:t>
+            </a:r>
+          </a:p>
+        </p:txBody>
+      </p:sp>
+      <p:sp>
+        <p:nvSpPr>
+          <p:cNvPr id="24" name="Rectangle 12">
+            <a:hlinkClick r:id="rId5" action="ppaction://hlinksldjump"/>
+          </p:cNvPr>
+          <p:cNvSpPr/>
+          <p:nvPr/>
+        </p:nvSpPr>
+        <p:spPr>
+          <a:xfrm>
+            <a:off x="5366084" y="2900204"/>
+            <a:ext cx="1477287" cy="370800"/>
+          </a:xfrm>
+          <a:prstGeom prst="rect">
+            <a:avLst/>
+          </a:prstGeom>
+          <a:noFill/>
+          <a:ln>
+            <a:noFill/>
+          </a:ln>
+        </p:spPr>
+        <p:style>
+          <a:lnRef idx="2">
+            <a:schemeClr val="dk1"/>
+          </a:lnRef>
+          <a:fillRef idx="1">
+            <a:schemeClr val="lt1"/>
+          </a:fillRef>
+          <a:effectRef idx="0">
+            <a:schemeClr val="dk1"/>
+          </a:effectRef>
+          <a:fontRef idx="minor">
+            <a:schemeClr val="dk1"/>
+          </a:fontRef>
+        </p:style>
+        <p:txBody>
+          <a:bodyPr rtlCol="0" anchor="ctr"/>
+          <a:lstStyle/>
+          <a:p>
+            <a:pPr algn="ctr"/>
+            <a:r>
+              <a:rPr lang="en-GB" sz="1100" dirty="0" smtClean="0"/>
+              <a:t>Supporting needs</a:t>
+            </a:r>
+          </a:p>
+        </p:txBody>
+      </p:sp>
+      <p:sp>
+        <p:nvSpPr>
+          <p:cNvPr id="26" name="25 Rectángulo redondeado"/>
+          <p:cNvSpPr/>
+          <p:nvPr/>
+        </p:nvSpPr>
+        <p:spPr>
+          <a:xfrm>
+            <a:off x="5470359" y="1692442"/>
+            <a:ext cx="393030" cy="264695"/>
+          </a:xfrm>
+          <a:prstGeom prst="roundRect">
             <a:avLst/>
           </a:prstGeom>
           <a:solidFill>
-            <a:schemeClr val="bg1"/>
+            <a:schemeClr val="bg2">
+              <a:alpha val="45000"/>
+            </a:schemeClr>
           </a:solidFill>
           <a:ln>
-            <a:noFill/>
+            <a:solidFill>
+              <a:schemeClr val="bg2">
+                <a:alpha val="61000"/>
+              </a:schemeClr>
+            </a:solidFill>
           </a:ln>
         </p:spPr>
         <p:style>
@@ -9930,104 +9303,230 @@
           <a:lstStyle/>
           <a:p>
             <a:pPr algn="ctr"/>
-            <a:endParaRPr lang="es-ES" dirty="0"/>
-          </a:p>
-        </p:txBody>
-      </p:sp>
-      <p:sp>
-        <p:nvSpPr>
-          <p:cNvPr id="57" name="56 Rectángulo"/>
-          <p:cNvSpPr/>
-          <p:nvPr/>
-        </p:nvSpPr>
-        <p:spPr>
-          <a:xfrm>
-            <a:off x="5907599" y="2257745"/>
-            <a:ext cx="567399" cy="276999"/>
-          </a:xfrm>
-          <a:prstGeom prst="rect">
-            <a:avLst/>
-          </a:prstGeom>
-        </p:spPr>
-        <p:txBody>
-          <a:bodyPr wrap="none">
-            <a:spAutoFit/>
-          </a:bodyPr>
-          <a:lstStyle/>
-          <a:p>
-            <a:r>
-              <a:rPr lang="en-GB" sz="1200" dirty="0" smtClean="0"/>
-              <a:t>Water</a:t>
-            </a:r>
-            <a:endParaRPr lang="es-ES" sz="1200" dirty="0"/>
-          </a:p>
-        </p:txBody>
-      </p:sp>
-      <p:pic>
-        <p:nvPicPr>
-          <p:cNvPr id="58" name="57 Imagen" descr="water.png"/>
-          <p:cNvPicPr>
-            <a:picLocks noChangeAspect="1"/>
-          </p:cNvPicPr>
-          <p:nvPr/>
-        </p:nvPicPr>
-        <p:blipFill>
-          <a:blip r:embed="rId12" cstate="print"/>
-          <a:stretch>
-            <a:fillRect/>
-          </a:stretch>
-        </p:blipFill>
-        <p:spPr>
-          <a:xfrm>
-            <a:off x="5099265" y="4513211"/>
-            <a:ext cx="266821" cy="266821"/>
-          </a:xfrm>
-          <a:prstGeom prst="rect">
-            <a:avLst/>
-          </a:prstGeom>
-        </p:spPr>
-      </p:pic>
-      <p:sp>
-        <p:nvSpPr>
-          <p:cNvPr id="60" name="59 Rectángulo"/>
-          <p:cNvSpPr/>
-          <p:nvPr/>
-        </p:nvSpPr>
-        <p:spPr>
-          <a:xfrm>
-            <a:off x="990694" y="4712186"/>
-            <a:ext cx="3521605" cy="276999"/>
-          </a:xfrm>
-          <a:prstGeom prst="rect">
-            <a:avLst/>
-          </a:prstGeom>
-        </p:spPr>
-        <p:txBody>
-          <a:bodyPr wrap="none">
-            <a:spAutoFit/>
-          </a:bodyPr>
-          <a:lstStyle/>
-          <a:p>
-            <a:r>
-              <a:rPr lang="en-GB" sz="1200" dirty="0" smtClean="0"/>
-              <a:t>User selects which type wants to display from a list -&gt;</a:t>
-            </a:r>
-            <a:endParaRPr lang="es-ES" sz="1200" dirty="0"/>
-          </a:p>
-        </p:txBody>
-      </p:sp>
-      <p:sp>
-        <p:nvSpPr>
-          <p:cNvPr id="61" name="Rectangle 12">
-            <a:hlinkClick r:id="rId7" action="ppaction://hlinksldjump"/>
+            <a:endParaRPr lang="es-ES"/>
+          </a:p>
+        </p:txBody>
+      </p:sp>
+      <p:sp>
+        <p:nvSpPr>
+          <p:cNvPr id="29" name="28 Rectángulo redondeado"/>
+          <p:cNvSpPr/>
+          <p:nvPr/>
+        </p:nvSpPr>
+        <p:spPr>
+          <a:xfrm>
+            <a:off x="5895475" y="1700463"/>
+            <a:ext cx="393030" cy="264695"/>
+          </a:xfrm>
+          <a:prstGeom prst="roundRect">
+            <a:avLst/>
+          </a:prstGeom>
+          <a:solidFill>
+            <a:schemeClr val="bg2">
+              <a:alpha val="45000"/>
+            </a:schemeClr>
+          </a:solidFill>
+          <a:ln>
+            <a:solidFill>
+              <a:schemeClr val="bg2">
+                <a:alpha val="61000"/>
+              </a:schemeClr>
+            </a:solidFill>
+          </a:ln>
+        </p:spPr>
+        <p:style>
+          <a:lnRef idx="2">
+            <a:schemeClr val="accent1">
+              <a:shade val="50000"/>
+            </a:schemeClr>
+          </a:lnRef>
+          <a:fillRef idx="1">
+            <a:schemeClr val="accent1"/>
+          </a:fillRef>
+          <a:effectRef idx="0">
+            <a:schemeClr val="accent1"/>
+          </a:effectRef>
+          <a:fontRef idx="minor">
+            <a:schemeClr val="lt1"/>
+          </a:fontRef>
+        </p:style>
+        <p:txBody>
+          <a:bodyPr rtlCol="0" anchor="ctr"/>
+          <a:lstStyle/>
+          <a:p>
+            <a:pPr algn="ctr"/>
+            <a:endParaRPr lang="es-ES"/>
+          </a:p>
+        </p:txBody>
+      </p:sp>
+      <p:sp>
+        <p:nvSpPr>
+          <p:cNvPr id="30" name="29 Rectángulo redondeado"/>
+          <p:cNvSpPr/>
+          <p:nvPr/>
+        </p:nvSpPr>
+        <p:spPr>
+          <a:xfrm>
+            <a:off x="6328612" y="1700463"/>
+            <a:ext cx="409072" cy="264695"/>
+          </a:xfrm>
+          <a:prstGeom prst="roundRect">
+            <a:avLst/>
+          </a:prstGeom>
+          <a:solidFill>
+            <a:schemeClr val="bg2">
+              <a:alpha val="45000"/>
+            </a:schemeClr>
+          </a:solidFill>
+          <a:ln>
+            <a:solidFill>
+              <a:schemeClr val="bg2">
+                <a:alpha val="61000"/>
+              </a:schemeClr>
+            </a:solidFill>
+          </a:ln>
+        </p:spPr>
+        <p:style>
+          <a:lnRef idx="2">
+            <a:schemeClr val="accent1">
+              <a:shade val="50000"/>
+            </a:schemeClr>
+          </a:lnRef>
+          <a:fillRef idx="1">
+            <a:schemeClr val="accent1"/>
+          </a:fillRef>
+          <a:effectRef idx="0">
+            <a:schemeClr val="accent1"/>
+          </a:effectRef>
+          <a:fontRef idx="minor">
+            <a:schemeClr val="lt1"/>
+          </a:fontRef>
+        </p:style>
+        <p:txBody>
+          <a:bodyPr rtlCol="0" anchor="ctr"/>
+          <a:lstStyle/>
+          <a:p>
+            <a:pPr algn="ctr"/>
+            <a:endParaRPr lang="es-ES"/>
+          </a:p>
+        </p:txBody>
+      </p:sp>
+      <p:sp>
+        <p:nvSpPr>
+          <p:cNvPr id="32" name="31 Rectángulo redondeado"/>
+          <p:cNvSpPr/>
+          <p:nvPr/>
+        </p:nvSpPr>
+        <p:spPr>
+          <a:xfrm>
+            <a:off x="6785811" y="1676400"/>
+            <a:ext cx="368968" cy="264695"/>
+          </a:xfrm>
+          <a:prstGeom prst="roundRect">
+            <a:avLst/>
+          </a:prstGeom>
+          <a:solidFill>
+            <a:schemeClr val="bg2">
+              <a:alpha val="45000"/>
+            </a:schemeClr>
+          </a:solidFill>
+          <a:ln>
+            <a:solidFill>
+              <a:schemeClr val="bg2">
+                <a:alpha val="61000"/>
+              </a:schemeClr>
+            </a:solidFill>
+          </a:ln>
+        </p:spPr>
+        <p:style>
+          <a:lnRef idx="2">
+            <a:schemeClr val="accent1">
+              <a:shade val="50000"/>
+            </a:schemeClr>
+          </a:lnRef>
+          <a:fillRef idx="1">
+            <a:schemeClr val="accent1"/>
+          </a:fillRef>
+          <a:effectRef idx="0">
+            <a:schemeClr val="accent1"/>
+          </a:effectRef>
+          <a:fontRef idx="minor">
+            <a:schemeClr val="lt1"/>
+          </a:fontRef>
+        </p:style>
+        <p:txBody>
+          <a:bodyPr rtlCol="0" anchor="ctr"/>
+          <a:lstStyle/>
+          <a:p>
+            <a:pPr algn="ctr"/>
+            <a:endParaRPr lang="es-ES"/>
+          </a:p>
+        </p:txBody>
+      </p:sp>
+      <p:sp>
+        <p:nvSpPr>
+          <p:cNvPr id="33" name="32 Rectángulo redondeado"/>
+          <p:cNvSpPr/>
+          <p:nvPr/>
+        </p:nvSpPr>
+        <p:spPr>
+          <a:xfrm>
+            <a:off x="5013159" y="1700463"/>
+            <a:ext cx="401052" cy="264695"/>
+          </a:xfrm>
+          <a:prstGeom prst="roundRect">
+            <a:avLst/>
+          </a:prstGeom>
+          <a:solidFill>
+            <a:schemeClr val="bg2">
+              <a:alpha val="0"/>
+            </a:schemeClr>
+          </a:solidFill>
+          <a:ln>
+            <a:solidFill>
+              <a:schemeClr val="bg2">
+                <a:alpha val="61000"/>
+              </a:schemeClr>
+            </a:solidFill>
+          </a:ln>
+        </p:spPr>
+        <p:style>
+          <a:lnRef idx="2">
+            <a:schemeClr val="accent1">
+              <a:shade val="50000"/>
+            </a:schemeClr>
+          </a:lnRef>
+          <a:fillRef idx="1">
+            <a:schemeClr val="accent1"/>
+          </a:fillRef>
+          <a:effectRef idx="0">
+            <a:schemeClr val="accent1"/>
+          </a:effectRef>
+          <a:fontRef idx="minor">
+            <a:schemeClr val="lt1"/>
+          </a:fontRef>
+        </p:style>
+        <p:txBody>
+          <a:bodyPr rtlCol="0" anchor="ctr"/>
+          <a:lstStyle/>
+          <a:p>
+            <a:pPr algn="ctr"/>
+            <a:endParaRPr lang="es-ES"/>
+          </a:p>
+        </p:txBody>
+      </p:sp>
+      <p:sp>
+        <p:nvSpPr>
+          <p:cNvPr id="34" name="Rectangle 12">
+            <a:hlinkClick r:id="rId5" action="ppaction://hlinksldjump"/>
           </p:cNvPr>
           <p:cNvSpPr/>
           <p:nvPr/>
         </p:nvSpPr>
         <p:spPr>
           <a:xfrm>
-            <a:off x="2608254" y="2651551"/>
-            <a:ext cx="1843429" cy="370800"/>
+            <a:off x="5366084" y="3573972"/>
+            <a:ext cx="1477287" cy="370800"/>
           </a:xfrm>
           <a:prstGeom prst="rect">
             <a:avLst/>
@@ -10057,8 +9556,499 @@
           <a:p>
             <a:pPr algn="ctr"/>
             <a:r>
+              <a:rPr lang="en-GB" sz="1100" dirty="0" err="1" smtClean="0"/>
+              <a:t>Environrment</a:t>
+            </a:r>
+            <a:r>
               <a:rPr lang="en-GB" sz="1100" dirty="0" smtClean="0"/>
-              <a:t>Swarm Pulse maps -&gt;</a:t>
+              <a:t> state</a:t>
+            </a:r>
+          </a:p>
+        </p:txBody>
+      </p:sp>
+      <p:sp>
+        <p:nvSpPr>
+          <p:cNvPr id="39" name="Rectangle 12">
+            <a:hlinkClick r:id="rId5" action="ppaction://hlinksldjump"/>
+          </p:cNvPr>
+          <p:cNvSpPr/>
+          <p:nvPr/>
+        </p:nvSpPr>
+        <p:spPr>
+          <a:xfrm>
+            <a:off x="5382126" y="4239719"/>
+            <a:ext cx="1477287" cy="370800"/>
+          </a:xfrm>
+          <a:prstGeom prst="rect">
+            <a:avLst/>
+          </a:prstGeom>
+          <a:noFill/>
+          <a:ln>
+            <a:noFill/>
+          </a:ln>
+        </p:spPr>
+        <p:style>
+          <a:lnRef idx="2">
+            <a:schemeClr val="dk1"/>
+          </a:lnRef>
+          <a:fillRef idx="1">
+            <a:schemeClr val="lt1"/>
+          </a:fillRef>
+          <a:effectRef idx="0">
+            <a:schemeClr val="dk1"/>
+          </a:effectRef>
+          <a:fontRef idx="minor">
+            <a:schemeClr val="dk1"/>
+          </a:fontRef>
+        </p:style>
+        <p:txBody>
+          <a:bodyPr rtlCol="0" anchor="ctr"/>
+          <a:lstStyle/>
+          <a:p>
+            <a:pPr algn="ctr"/>
+            <a:r>
+              <a:rPr lang="en-GB" sz="1100" dirty="0" smtClean="0"/>
+              <a:t>Disaster specific information</a:t>
+            </a:r>
+          </a:p>
+        </p:txBody>
+      </p:sp>
+      <p:sp>
+        <p:nvSpPr>
+          <p:cNvPr id="40" name="Rectangle 12">
+            <a:hlinkClick r:id="rId5" action="ppaction://hlinksldjump"/>
+          </p:cNvPr>
+          <p:cNvSpPr/>
+          <p:nvPr/>
+        </p:nvSpPr>
+        <p:spPr>
+          <a:xfrm>
+            <a:off x="5358063" y="4913488"/>
+            <a:ext cx="1477287" cy="370800"/>
+          </a:xfrm>
+          <a:prstGeom prst="rect">
+            <a:avLst/>
+          </a:prstGeom>
+          <a:noFill/>
+          <a:ln>
+            <a:noFill/>
+          </a:ln>
+        </p:spPr>
+        <p:style>
+          <a:lnRef idx="2">
+            <a:schemeClr val="dk1"/>
+          </a:lnRef>
+          <a:fillRef idx="1">
+            <a:schemeClr val="lt1"/>
+          </a:fillRef>
+          <a:effectRef idx="0">
+            <a:schemeClr val="dk1"/>
+          </a:effectRef>
+          <a:fontRef idx="minor">
+            <a:schemeClr val="dk1"/>
+          </a:fontRef>
+        </p:style>
+        <p:txBody>
+          <a:bodyPr rtlCol="0" anchor="ctr"/>
+          <a:lstStyle/>
+          <a:p>
+            <a:pPr algn="ctr"/>
+            <a:r>
+              <a:rPr lang="en-GB" sz="1100" dirty="0" smtClean="0"/>
+              <a:t>Extra information</a:t>
+            </a:r>
+          </a:p>
+        </p:txBody>
+      </p:sp>
+      <p:pic>
+        <p:nvPicPr>
+          <p:cNvPr id="1026" name="Picture 2"/>
+          <p:cNvPicPr>
+            <a:picLocks noChangeAspect="1" noChangeArrowheads="1"/>
+          </p:cNvPicPr>
+          <p:nvPr/>
+        </p:nvPicPr>
+        <p:blipFill>
+          <a:blip r:embed="rId6" cstate="print"/>
+          <a:srcRect/>
+          <a:stretch>
+            <a:fillRect/>
+          </a:stretch>
+        </p:blipFill>
+        <p:spPr bwMode="auto">
+          <a:xfrm>
+            <a:off x="4819316" y="1179093"/>
+            <a:ext cx="372060" cy="347663"/>
+          </a:xfrm>
+          <a:prstGeom prst="rect">
+            <a:avLst/>
+          </a:prstGeom>
+          <a:noFill/>
+          <a:ln w="9525">
+            <a:noFill/>
+            <a:miter lim="800000"/>
+            <a:headEnd/>
+            <a:tailEnd/>
+          </a:ln>
+        </p:spPr>
+      </p:pic>
+      <p:sp>
+        <p:nvSpPr>
+          <p:cNvPr id="25" name="24 Rectángulo"/>
+          <p:cNvSpPr/>
+          <p:nvPr/>
+        </p:nvSpPr>
+        <p:spPr>
+          <a:xfrm>
+            <a:off x="4796589" y="1499938"/>
+            <a:ext cx="1981200" cy="1564104"/>
+          </a:xfrm>
+          <a:prstGeom prst="rect">
+            <a:avLst/>
+          </a:prstGeom>
+          <a:solidFill>
+            <a:schemeClr val="tx1"/>
+          </a:solidFill>
+          <a:ln>
+            <a:solidFill>
+              <a:schemeClr val="tx1">
+                <a:lumMod val="50000"/>
+                <a:lumOff val="50000"/>
+              </a:schemeClr>
+            </a:solidFill>
+          </a:ln>
+        </p:spPr>
+        <p:style>
+          <a:lnRef idx="2">
+            <a:schemeClr val="accent1">
+              <a:shade val="50000"/>
+            </a:schemeClr>
+          </a:lnRef>
+          <a:fillRef idx="1">
+            <a:schemeClr val="accent1"/>
+          </a:fillRef>
+          <a:effectRef idx="0">
+            <a:schemeClr val="accent1"/>
+          </a:effectRef>
+          <a:fontRef idx="minor">
+            <a:schemeClr val="lt1"/>
+          </a:fontRef>
+        </p:style>
+        <p:txBody>
+          <a:bodyPr rtlCol="0" anchor="ctr"/>
+          <a:lstStyle/>
+          <a:p>
+            <a:pPr algn="ctr"/>
+            <a:endParaRPr lang="es-ES"/>
+          </a:p>
+        </p:txBody>
+      </p:sp>
+      <p:sp>
+        <p:nvSpPr>
+          <p:cNvPr id="27" name="26 Rectángulo"/>
+          <p:cNvSpPr/>
+          <p:nvPr/>
+        </p:nvSpPr>
+        <p:spPr>
+          <a:xfrm>
+            <a:off x="4796589" y="1507959"/>
+            <a:ext cx="1981200" cy="521367"/>
+          </a:xfrm>
+          <a:prstGeom prst="rect">
+            <a:avLst/>
+          </a:prstGeom>
+          <a:solidFill>
+            <a:schemeClr val="tx1"/>
+          </a:solidFill>
+          <a:ln>
+            <a:solidFill>
+              <a:schemeClr val="tx1">
+                <a:lumMod val="50000"/>
+                <a:lumOff val="50000"/>
+              </a:schemeClr>
+            </a:solidFill>
+          </a:ln>
+        </p:spPr>
+        <p:style>
+          <a:lnRef idx="2">
+            <a:schemeClr val="accent1">
+              <a:shade val="50000"/>
+            </a:schemeClr>
+          </a:lnRef>
+          <a:fillRef idx="1">
+            <a:schemeClr val="accent1"/>
+          </a:fillRef>
+          <a:effectRef idx="0">
+            <a:schemeClr val="accent1"/>
+          </a:effectRef>
+          <a:fontRef idx="minor">
+            <a:schemeClr val="lt1"/>
+          </a:fontRef>
+        </p:style>
+        <p:txBody>
+          <a:bodyPr rtlCol="0" anchor="ctr"/>
+          <a:lstStyle/>
+          <a:p>
+            <a:pPr algn="ctr"/>
+            <a:endParaRPr lang="es-ES"/>
+          </a:p>
+        </p:txBody>
+      </p:sp>
+      <p:sp>
+        <p:nvSpPr>
+          <p:cNvPr id="28" name="27 Rectángulo">
+            <a:hlinkClick r:id="rId7" action="ppaction://hlinksldjump"/>
+          </p:cNvPr>
+          <p:cNvSpPr/>
+          <p:nvPr/>
+        </p:nvSpPr>
+        <p:spPr>
+          <a:xfrm>
+            <a:off x="4804610" y="2021306"/>
+            <a:ext cx="1981200" cy="521367"/>
+          </a:xfrm>
+          <a:prstGeom prst="rect">
+            <a:avLst/>
+          </a:prstGeom>
+          <a:solidFill>
+            <a:schemeClr val="tx1"/>
+          </a:solidFill>
+          <a:ln>
+            <a:solidFill>
+              <a:schemeClr val="tx1">
+                <a:lumMod val="50000"/>
+                <a:lumOff val="50000"/>
+              </a:schemeClr>
+            </a:solidFill>
+          </a:ln>
+        </p:spPr>
+        <p:style>
+          <a:lnRef idx="2">
+            <a:schemeClr val="accent1">
+              <a:shade val="50000"/>
+            </a:schemeClr>
+          </a:lnRef>
+          <a:fillRef idx="1">
+            <a:schemeClr val="accent1"/>
+          </a:fillRef>
+          <a:effectRef idx="0">
+            <a:schemeClr val="accent1"/>
+          </a:effectRef>
+          <a:fontRef idx="minor">
+            <a:schemeClr val="lt1"/>
+          </a:fontRef>
+        </p:style>
+        <p:txBody>
+          <a:bodyPr rtlCol="0" anchor="ctr"/>
+          <a:lstStyle/>
+          <a:p>
+            <a:pPr algn="ctr"/>
+            <a:endParaRPr lang="es-ES"/>
+          </a:p>
+        </p:txBody>
+      </p:sp>
+      <p:sp>
+        <p:nvSpPr>
+          <p:cNvPr id="31" name="30 Rectángulo">
+            <a:hlinkClick r:id="rId8" action="ppaction://hlinksldjump"/>
+          </p:cNvPr>
+          <p:cNvSpPr/>
+          <p:nvPr/>
+        </p:nvSpPr>
+        <p:spPr>
+          <a:xfrm>
+            <a:off x="4796589" y="2550696"/>
+            <a:ext cx="1981200" cy="521367"/>
+          </a:xfrm>
+          <a:prstGeom prst="rect">
+            <a:avLst/>
+          </a:prstGeom>
+          <a:solidFill>
+            <a:schemeClr val="tx1"/>
+          </a:solidFill>
+          <a:ln>
+            <a:solidFill>
+              <a:schemeClr val="tx1">
+                <a:lumMod val="50000"/>
+                <a:lumOff val="50000"/>
+              </a:schemeClr>
+            </a:solidFill>
+          </a:ln>
+        </p:spPr>
+        <p:style>
+          <a:lnRef idx="2">
+            <a:schemeClr val="accent1">
+              <a:shade val="50000"/>
+            </a:schemeClr>
+          </a:lnRef>
+          <a:fillRef idx="1">
+            <a:schemeClr val="accent1"/>
+          </a:fillRef>
+          <a:effectRef idx="0">
+            <a:schemeClr val="accent1"/>
+          </a:effectRef>
+          <a:fontRef idx="minor">
+            <a:schemeClr val="lt1"/>
+          </a:fontRef>
+        </p:style>
+        <p:txBody>
+          <a:bodyPr rtlCol="0" anchor="ctr"/>
+          <a:lstStyle/>
+          <a:p>
+            <a:pPr algn="ctr"/>
+            <a:endParaRPr lang="es-ES"/>
+          </a:p>
+        </p:txBody>
+      </p:sp>
+      <p:sp>
+        <p:nvSpPr>
+          <p:cNvPr id="35" name="Rectangle 12">
+            <a:hlinkClick r:id="rId5" action="ppaction://hlinksldjump"/>
+          </p:cNvPr>
+          <p:cNvSpPr/>
+          <p:nvPr/>
+        </p:nvSpPr>
+        <p:spPr>
+          <a:xfrm>
+            <a:off x="4884821" y="1608814"/>
+            <a:ext cx="1820779" cy="370800"/>
+          </a:xfrm>
+          <a:prstGeom prst="rect">
+            <a:avLst/>
+          </a:prstGeom>
+          <a:noFill/>
+          <a:ln>
+            <a:noFill/>
+          </a:ln>
+        </p:spPr>
+        <p:style>
+          <a:lnRef idx="2">
+            <a:schemeClr val="dk1"/>
+          </a:lnRef>
+          <a:fillRef idx="1">
+            <a:schemeClr val="lt1"/>
+          </a:fillRef>
+          <a:effectRef idx="0">
+            <a:schemeClr val="dk1"/>
+          </a:effectRef>
+          <a:fontRef idx="minor">
+            <a:schemeClr val="dk1"/>
+          </a:fontRef>
+        </p:style>
+        <p:txBody>
+          <a:bodyPr rtlCol="0" anchor="ctr"/>
+          <a:lstStyle/>
+          <a:p>
+            <a:pPr algn="ctr"/>
+            <a:r>
+              <a:rPr lang="en-GB" sz="1100" dirty="0" smtClean="0">
+                <a:solidFill>
+                  <a:schemeClr val="bg1"/>
+                </a:solidFill>
+              </a:rPr>
+              <a:t>Answer quiz</a:t>
+            </a:r>
+          </a:p>
+        </p:txBody>
+      </p:sp>
+      <p:sp>
+        <p:nvSpPr>
+          <p:cNvPr id="36" name="Rectangle 12">
+            <a:hlinkClick r:id="rId5" action="ppaction://hlinksldjump"/>
+          </p:cNvPr>
+          <p:cNvSpPr/>
+          <p:nvPr/>
+        </p:nvSpPr>
+        <p:spPr>
+          <a:xfrm>
+            <a:off x="4981074" y="2114140"/>
+            <a:ext cx="1403684" cy="370800"/>
+          </a:xfrm>
+          <a:prstGeom prst="rect">
+            <a:avLst/>
+          </a:prstGeom>
+          <a:noFill/>
+          <a:ln>
+            <a:noFill/>
+          </a:ln>
+        </p:spPr>
+        <p:style>
+          <a:lnRef idx="2">
+            <a:schemeClr val="dk1"/>
+          </a:lnRef>
+          <a:fillRef idx="1">
+            <a:schemeClr val="lt1"/>
+          </a:fillRef>
+          <a:effectRef idx="0">
+            <a:schemeClr val="dk1"/>
+          </a:effectRef>
+          <a:fontRef idx="minor">
+            <a:schemeClr val="dk1"/>
+          </a:fontRef>
+        </p:style>
+        <p:txBody>
+          <a:bodyPr rtlCol="0" anchor="ctr"/>
+          <a:lstStyle/>
+          <a:p>
+            <a:pPr algn="ctr"/>
+            <a:r>
+              <a:rPr lang="en-GB" sz="1100" dirty="0" smtClean="0">
+                <a:solidFill>
+                  <a:schemeClr val="bg1"/>
+                </a:solidFill>
+              </a:rPr>
+              <a:t>Map statistics</a:t>
+            </a:r>
+          </a:p>
+        </p:txBody>
+      </p:sp>
+      <p:sp>
+        <p:nvSpPr>
+          <p:cNvPr id="37" name="Rectangle 12">
+            <a:hlinkClick r:id="rId5" action="ppaction://hlinksldjump"/>
+          </p:cNvPr>
+          <p:cNvSpPr/>
+          <p:nvPr/>
+        </p:nvSpPr>
+        <p:spPr>
+          <a:xfrm>
+            <a:off x="4812631" y="2595404"/>
+            <a:ext cx="1820779" cy="370800"/>
+          </a:xfrm>
+          <a:prstGeom prst="rect">
+            <a:avLst/>
+          </a:prstGeom>
+          <a:noFill/>
+          <a:ln>
+            <a:noFill/>
+          </a:ln>
+        </p:spPr>
+        <p:style>
+          <a:lnRef idx="2">
+            <a:schemeClr val="dk1"/>
+          </a:lnRef>
+          <a:fillRef idx="1">
+            <a:schemeClr val="lt1"/>
+          </a:fillRef>
+          <a:effectRef idx="0">
+            <a:schemeClr val="dk1"/>
+          </a:effectRef>
+          <a:fontRef idx="minor">
+            <a:schemeClr val="dk1"/>
+          </a:fontRef>
+        </p:style>
+        <p:txBody>
+          <a:bodyPr rtlCol="0" anchor="ctr"/>
+          <a:lstStyle/>
+          <a:p>
+            <a:pPr algn="ctr"/>
+            <a:r>
+              <a:rPr lang="en-GB" sz="1100" dirty="0" smtClean="0">
+                <a:solidFill>
+                  <a:schemeClr val="bg1"/>
+                </a:solidFill>
+              </a:rPr>
+              <a:t>Disaster Survival tips</a:t>
             </a:r>
           </a:p>
         </p:txBody>
@@ -10066,7 +10056,7 @@
     </p:spTree>
     <p:extLst>
       <p:ext uri="{BB962C8B-B14F-4D97-AF65-F5344CB8AC3E}">
-        <p14:creationId xmlns:p14="http://schemas.microsoft.com/office/powerpoint/2010/main" xmlns="" val="283767647"/>
+        <p14:creationId xmlns="" xmlns:p14="http://schemas.microsoft.com/office/powerpoint/2010/main" val="283767647"/>
       </p:ext>
     </p:extLst>
   </p:cSld>
@@ -10074,7 +10064,7 @@
     <a:masterClrMapping/>
   </p:clrMapOvr>
   <mc:AlternateContent xmlns:mc="http://schemas.openxmlformats.org/markup-compatibility/2006">
-    <mc:Choice xmlns:p14="http://schemas.microsoft.com/office/powerpoint/2010/main" xmlns="" Requires="p14">
+    <mc:Choice xmlns="" xmlns:p14="http://schemas.microsoft.com/office/powerpoint/2010/main" Requires="p14">
       <p:transition spd="slow" p14:dur="2000" advClick="0"/>
     </mc:Choice>
     <mc:Fallback>
@@ -10134,16 +10124,428 @@
       </p:pic>
       <p:sp>
         <p:nvSpPr>
-          <p:cNvPr id="28" name="Rectangle 27">
-            <a:hlinkClick r:id="rId3" action="ppaction://hlinksldjump"/>
+          <p:cNvPr id="51" name="Rectangle 50"/>
+          <p:cNvSpPr/>
+          <p:nvPr/>
+        </p:nvSpPr>
+        <p:spPr>
+          <a:xfrm>
+            <a:off x="6578862" y="1813850"/>
+            <a:ext cx="1066800" cy="370800"/>
+          </a:xfrm>
+          <a:prstGeom prst="rect">
+            <a:avLst/>
+          </a:prstGeom>
+          <a:noFill/>
+          <a:ln>
+            <a:noFill/>
+          </a:ln>
+        </p:spPr>
+        <p:style>
+          <a:lnRef idx="2">
+            <a:schemeClr val="dk1"/>
+          </a:lnRef>
+          <a:fillRef idx="1">
+            <a:schemeClr val="lt1"/>
+          </a:fillRef>
+          <a:effectRef idx="0">
+            <a:schemeClr val="dk1"/>
+          </a:effectRef>
+          <a:fontRef idx="minor">
+            <a:schemeClr val="dk1"/>
+          </a:fontRef>
+        </p:style>
+        <p:txBody>
+          <a:bodyPr rtlCol="0" anchor="ctr"/>
+          <a:lstStyle/>
+          <a:p>
+            <a:pPr marL="171450" indent="-171450" algn="ctr">
+              <a:buFont typeface="Wingdings" panose="05000000000000000000" pitchFamily="2" charset="2"/>
+              <a:buChar char="ü"/>
+            </a:pPr>
+            <a:endParaRPr lang="en-US" sz="1100" dirty="0"/>
+          </a:p>
+        </p:txBody>
+      </p:sp>
+      <p:pic>
+        <p:nvPicPr>
+          <p:cNvPr id="62" name="Picture 61"/>
+          <p:cNvPicPr>
+            <a:picLocks noChangeAspect="1"/>
+          </p:cNvPicPr>
+          <p:nvPr/>
+        </p:nvPicPr>
+        <p:blipFill rotWithShape="1">
+          <a:blip r:embed="rId2" cstate="print"/>
+          <a:srcRect t="85496"/>
+          <a:stretch/>
+        </p:blipFill>
+        <p:spPr>
+          <a:xfrm>
+            <a:off x="4547970" y="5691187"/>
+            <a:ext cx="3096057" cy="924369"/>
+          </a:xfrm>
+          <a:prstGeom prst="rect">
+            <a:avLst/>
+          </a:prstGeom>
+        </p:spPr>
+      </p:pic>
+      <p:sp>
+        <p:nvSpPr>
+          <p:cNvPr id="65" name="Rectangle 64"/>
+          <p:cNvSpPr/>
+          <p:nvPr/>
+        </p:nvSpPr>
+        <p:spPr>
+          <a:xfrm>
+            <a:off x="5822950" y="5842000"/>
+            <a:ext cx="539750" cy="567918"/>
+          </a:xfrm>
+          <a:prstGeom prst="rect">
+            <a:avLst/>
+          </a:prstGeom>
+          <a:solidFill>
+            <a:schemeClr val="bg1">
+              <a:alpha val="0"/>
+            </a:schemeClr>
+          </a:solidFill>
+          <a:ln>
+            <a:solidFill>
+              <a:schemeClr val="bg1">
+                <a:alpha val="0"/>
+              </a:schemeClr>
+            </a:solidFill>
+          </a:ln>
+        </p:spPr>
+        <p:style>
+          <a:lnRef idx="2">
+            <a:schemeClr val="accent1">
+              <a:shade val="50000"/>
+            </a:schemeClr>
+          </a:lnRef>
+          <a:fillRef idx="1">
+            <a:schemeClr val="accent1"/>
+          </a:fillRef>
+          <a:effectRef idx="0">
+            <a:schemeClr val="accent1"/>
+          </a:effectRef>
+          <a:fontRef idx="minor">
+            <a:schemeClr val="lt1"/>
+          </a:fontRef>
+        </p:style>
+        <p:txBody>
+          <a:bodyPr rtlCol="0" anchor="ctr"/>
+          <a:lstStyle/>
+          <a:p>
+            <a:pPr algn="ctr"/>
+            <a:endParaRPr lang="en-US" dirty="0"/>
+          </a:p>
+        </p:txBody>
+      </p:sp>
+      <p:pic>
+        <p:nvPicPr>
+          <p:cNvPr id="1026" name="Picture 2"/>
+          <p:cNvPicPr>
+            <a:picLocks noChangeAspect="1" noChangeArrowheads="1"/>
+          </p:cNvPicPr>
+          <p:nvPr/>
+        </p:nvPicPr>
+        <p:blipFill>
+          <a:blip r:embed="rId3" cstate="print"/>
+          <a:srcRect/>
+          <a:stretch>
+            <a:fillRect/>
+          </a:stretch>
+        </p:blipFill>
+        <p:spPr bwMode="auto">
+          <a:xfrm>
+            <a:off x="4819316" y="1179093"/>
+            <a:ext cx="372060" cy="347663"/>
+          </a:xfrm>
+          <a:prstGeom prst="rect">
+            <a:avLst/>
+          </a:prstGeom>
+          <a:noFill/>
+          <a:ln w="9525">
+            <a:noFill/>
+            <a:miter lim="800000"/>
+            <a:headEnd/>
+            <a:tailEnd/>
+          </a:ln>
+        </p:spPr>
+      </p:pic>
+      <p:pic>
+        <p:nvPicPr>
+          <p:cNvPr id="2" name="Picture 2"/>
+          <p:cNvPicPr>
+            <a:picLocks noChangeAspect="1" noChangeArrowheads="1"/>
+          </p:cNvPicPr>
+          <p:nvPr/>
+        </p:nvPicPr>
+        <p:blipFill>
+          <a:blip r:embed="rId4" cstate="print"/>
+          <a:srcRect/>
+          <a:stretch>
+            <a:fillRect/>
+          </a:stretch>
+        </p:blipFill>
+        <p:spPr bwMode="auto">
+          <a:xfrm>
+            <a:off x="4965031" y="1942028"/>
+            <a:ext cx="2295712" cy="2132665"/>
+          </a:xfrm>
+          <a:prstGeom prst="rect">
+            <a:avLst/>
+          </a:prstGeom>
+          <a:noFill/>
+          <a:ln w="9525">
+            <a:noFill/>
+            <a:miter lim="800000"/>
+            <a:headEnd/>
+            <a:tailEnd/>
+          </a:ln>
+        </p:spPr>
+      </p:pic>
+      <p:sp>
+        <p:nvSpPr>
+          <p:cNvPr id="38" name="Rectangle 35">
+            <a:hlinkClick r:id="rId5" action="ppaction://hlinksldjump"/>
           </p:cNvPr>
           <p:cNvSpPr/>
           <p:nvPr/>
         </p:nvSpPr>
         <p:spPr>
           <a:xfrm>
-            <a:off x="4851375" y="4602966"/>
-            <a:ext cx="2585500" cy="684463"/>
+            <a:off x="4955649" y="4459706"/>
+            <a:ext cx="2263299" cy="336229"/>
+          </a:xfrm>
+          <a:prstGeom prst="rect">
+            <a:avLst/>
+          </a:prstGeom>
+          <a:ln/>
+        </p:spPr>
+        <p:style>
+          <a:lnRef idx="1">
+            <a:schemeClr val="accent1"/>
+          </a:lnRef>
+          <a:fillRef idx="2">
+            <a:schemeClr val="accent1"/>
+          </a:fillRef>
+          <a:effectRef idx="1">
+            <a:schemeClr val="accent1"/>
+          </a:effectRef>
+          <a:fontRef idx="minor">
+            <a:schemeClr val="dk1"/>
+          </a:fontRef>
+        </p:style>
+        <p:txBody>
+          <a:bodyPr rtlCol="0" anchor="ctr"/>
+          <a:lstStyle/>
+          <a:p>
+            <a:pPr algn="ctr"/>
+            <a:endParaRPr lang="en-US" dirty="0"/>
+          </a:p>
+        </p:txBody>
+      </p:sp>
+      <p:sp>
+        <p:nvSpPr>
+          <p:cNvPr id="41" name="Rectangle 36">
+            <a:hlinkClick r:id="rId6" action="ppaction://hlinksldjump"/>
+          </p:cNvPr>
+          <p:cNvSpPr/>
+          <p:nvPr/>
+        </p:nvSpPr>
+        <p:spPr>
+          <a:xfrm>
+            <a:off x="4940969" y="4836694"/>
+            <a:ext cx="2294020" cy="352926"/>
+          </a:xfrm>
+          <a:prstGeom prst="rect">
+            <a:avLst/>
+          </a:prstGeom>
+          <a:solidFill>
+            <a:srgbClr val="FBE29B"/>
+          </a:solidFill>
+          <a:ln w="19050">
+            <a:solidFill>
+              <a:srgbClr val="D8D8D8"/>
+            </a:solidFill>
+          </a:ln>
+        </p:spPr>
+        <p:style>
+          <a:lnRef idx="2">
+            <a:schemeClr val="accent1">
+              <a:shade val="50000"/>
+            </a:schemeClr>
+          </a:lnRef>
+          <a:fillRef idx="1003">
+            <a:schemeClr val="lt1"/>
+          </a:fillRef>
+          <a:effectRef idx="0">
+            <a:schemeClr val="accent1"/>
+          </a:effectRef>
+          <a:fontRef idx="minor">
+            <a:schemeClr val="lt1"/>
+          </a:fontRef>
+        </p:style>
+        <p:txBody>
+          <a:bodyPr rtlCol="0" anchor="ctr"/>
+          <a:lstStyle/>
+          <a:p>
+            <a:pPr algn="ctr"/>
+            <a:endParaRPr lang="en-US" dirty="0"/>
+          </a:p>
+        </p:txBody>
+      </p:sp>
+      <p:sp>
+        <p:nvSpPr>
+          <p:cNvPr id="42" name="41 Rectángulo"/>
+          <p:cNvSpPr/>
+          <p:nvPr/>
+        </p:nvSpPr>
+        <p:spPr>
+          <a:xfrm>
+            <a:off x="5330085" y="4206859"/>
+            <a:ext cx="567399" cy="276999"/>
+          </a:xfrm>
+          <a:prstGeom prst="rect">
+            <a:avLst/>
+          </a:prstGeom>
+        </p:spPr>
+        <p:txBody>
+          <a:bodyPr wrap="none">
+            <a:spAutoFit/>
+          </a:bodyPr>
+          <a:lstStyle/>
+          <a:p>
+            <a:r>
+              <a:rPr lang="en-GB" sz="1200" dirty="0" smtClean="0"/>
+              <a:t>Water</a:t>
+            </a:r>
+            <a:endParaRPr lang="es-ES" sz="1200" dirty="0"/>
+          </a:p>
+        </p:txBody>
+      </p:sp>
+      <p:sp>
+        <p:nvSpPr>
+          <p:cNvPr id="43" name="42 Rectángulo"/>
+          <p:cNvSpPr/>
+          <p:nvPr/>
+        </p:nvSpPr>
+        <p:spPr>
+          <a:xfrm>
+            <a:off x="5747178" y="4856565"/>
+            <a:ext cx="496739" cy="276999"/>
+          </a:xfrm>
+          <a:prstGeom prst="rect">
+            <a:avLst/>
+          </a:prstGeom>
+        </p:spPr>
+        <p:txBody>
+          <a:bodyPr wrap="none">
+            <a:spAutoFit/>
+          </a:bodyPr>
+          <a:lstStyle/>
+          <a:p>
+            <a:r>
+              <a:rPr lang="en-GB" sz="1200" dirty="0" smtClean="0"/>
+              <a:t>Food</a:t>
+            </a:r>
+            <a:endParaRPr lang="es-ES" sz="1200" dirty="0"/>
+          </a:p>
+        </p:txBody>
+      </p:sp>
+      <p:sp>
+        <p:nvSpPr>
+          <p:cNvPr id="44" name="Rectangle 36">
+            <a:hlinkClick r:id="rId6" action="ppaction://hlinksldjump"/>
+          </p:cNvPr>
+          <p:cNvSpPr/>
+          <p:nvPr/>
+        </p:nvSpPr>
+        <p:spPr>
+          <a:xfrm>
+            <a:off x="4950239" y="4104270"/>
+            <a:ext cx="2292771" cy="331372"/>
+          </a:xfrm>
+          <a:prstGeom prst="rect">
+            <a:avLst/>
+          </a:prstGeom>
+          <a:solidFill>
+            <a:srgbClr val="FF7C80"/>
+          </a:solidFill>
+          <a:ln w="19050">
+            <a:solidFill>
+              <a:srgbClr val="D8D8D8"/>
+            </a:solidFill>
+          </a:ln>
+        </p:spPr>
+        <p:style>
+          <a:lnRef idx="2">
+            <a:schemeClr val="accent1">
+              <a:shade val="50000"/>
+            </a:schemeClr>
+          </a:lnRef>
+          <a:fillRef idx="1003">
+            <a:schemeClr val="lt1"/>
+          </a:fillRef>
+          <a:effectRef idx="0">
+            <a:schemeClr val="accent1"/>
+          </a:effectRef>
+          <a:fontRef idx="minor">
+            <a:schemeClr val="lt1"/>
+          </a:fontRef>
+        </p:style>
+        <p:txBody>
+          <a:bodyPr rtlCol="0" anchor="ctr"/>
+          <a:lstStyle/>
+          <a:p>
+            <a:pPr algn="ctr"/>
+            <a:endParaRPr lang="en-US" dirty="0"/>
+          </a:p>
+        </p:txBody>
+      </p:sp>
+      <p:sp>
+        <p:nvSpPr>
+          <p:cNvPr id="46" name="45 Rectángulo"/>
+          <p:cNvSpPr/>
+          <p:nvPr/>
+        </p:nvSpPr>
+        <p:spPr>
+          <a:xfrm>
+            <a:off x="4872884" y="1583975"/>
+            <a:ext cx="2473434" cy="276999"/>
+          </a:xfrm>
+          <a:prstGeom prst="rect">
+            <a:avLst/>
+          </a:prstGeom>
+        </p:spPr>
+        <p:txBody>
+          <a:bodyPr wrap="none">
+            <a:spAutoFit/>
+          </a:bodyPr>
+          <a:lstStyle/>
+          <a:p>
+            <a:r>
+              <a:rPr lang="en-GB" sz="1200" dirty="0" smtClean="0"/>
+              <a:t>This map shows other people needs:</a:t>
+            </a:r>
+            <a:endParaRPr lang="es-ES" sz="1200" dirty="0"/>
+          </a:p>
+        </p:txBody>
+      </p:sp>
+      <p:sp>
+        <p:nvSpPr>
+          <p:cNvPr id="47" name="Rectangle 27">
+            <a:hlinkClick r:id="rId7" action="ppaction://hlinksldjump"/>
+          </p:cNvPr>
+          <p:cNvSpPr/>
+          <p:nvPr/>
+        </p:nvSpPr>
+        <p:spPr>
+          <a:xfrm>
+            <a:off x="4955649" y="5220589"/>
+            <a:ext cx="2271319" cy="321960"/>
           </a:xfrm>
           <a:prstGeom prst="rect">
             <a:avLst/>
@@ -10199,368 +10601,206 @@
       </p:sp>
       <p:sp>
         <p:nvSpPr>
-          <p:cNvPr id="48" name="TextBox 47"/>
-          <p:cNvSpPr txBox="1"/>
-          <p:nvPr/>
-        </p:nvSpPr>
-        <p:spPr>
-          <a:xfrm>
-            <a:off x="4805929" y="1164929"/>
-            <a:ext cx="2585214" cy="369332"/>
-          </a:xfrm>
-          <a:prstGeom prst="rect">
-            <a:avLst/>
-          </a:prstGeom>
-          <a:solidFill>
-            <a:schemeClr val="accent2"/>
-          </a:solidFill>
-        </p:spPr>
-        <p:txBody>
-          <a:bodyPr wrap="square" rtlCol="0">
+          <p:cNvPr id="48" name="47 Rectángulo"/>
+          <p:cNvSpPr/>
+          <p:nvPr/>
+        </p:nvSpPr>
+        <p:spPr>
+          <a:xfrm>
+            <a:off x="5739157" y="5257617"/>
+            <a:ext cx="827471" cy="276999"/>
+          </a:xfrm>
+          <a:prstGeom prst="rect">
+            <a:avLst/>
+          </a:prstGeom>
+        </p:spPr>
+        <p:txBody>
+          <a:bodyPr wrap="none">
             <a:spAutoFit/>
           </a:bodyPr>
           <a:lstStyle/>
           <a:p>
-            <a:pPr algn="ctr"/>
-            <a:r>
-              <a:rPr lang="en-GB" dirty="0" smtClean="0">
-                <a:solidFill>
-                  <a:schemeClr val="bg1"/>
-                </a:solidFill>
-              </a:rPr>
-              <a:t>Survival Tips</a:t>
-            </a:r>
-            <a:endParaRPr lang="en-US" dirty="0">
-              <a:solidFill>
-                <a:schemeClr val="bg1"/>
-              </a:solidFill>
-            </a:endParaRPr>
-          </a:p>
-        </p:txBody>
-      </p:sp>
-      <p:sp>
-        <p:nvSpPr>
-          <p:cNvPr id="13" name="Rectangle 12">
-            <a:hlinkClick r:id="rId3" action="ppaction://hlinksldjump"/>
-          </p:cNvPr>
-          <p:cNvSpPr/>
-          <p:nvPr/>
-        </p:nvSpPr>
-        <p:spPr>
-          <a:xfrm>
-            <a:off x="5592086" y="4753067"/>
-            <a:ext cx="1066800" cy="370800"/>
-          </a:xfrm>
-          <a:prstGeom prst="rect">
-            <a:avLst/>
-          </a:prstGeom>
-          <a:noFill/>
-          <a:ln>
-            <a:noFill/>
-          </a:ln>
-        </p:spPr>
-        <p:style>
-          <a:lnRef idx="2">
-            <a:schemeClr val="dk1"/>
-          </a:lnRef>
-          <a:fillRef idx="1">
-            <a:schemeClr val="lt1"/>
-          </a:fillRef>
-          <a:effectRef idx="0">
-            <a:schemeClr val="dk1"/>
-          </a:effectRef>
-          <a:fontRef idx="minor">
-            <a:schemeClr val="dk1"/>
-          </a:fontRef>
-        </p:style>
-        <p:txBody>
-          <a:bodyPr rtlCol="0" anchor="ctr"/>
-          <a:lstStyle/>
-          <a:p>
-            <a:pPr algn="ctr"/>
-            <a:r>
-              <a:rPr lang="en-GB" sz="1100" dirty="0" smtClean="0"/>
-              <a:t>Earthquake</a:t>
-            </a:r>
-          </a:p>
-        </p:txBody>
-      </p:sp>
-      <p:sp>
-        <p:nvSpPr>
-          <p:cNvPr id="36" name="Rectangle 35">
-            <a:hlinkClick r:id="rId4" action="ppaction://hlinksldjump"/>
-          </p:cNvPr>
-          <p:cNvSpPr/>
-          <p:nvPr/>
-        </p:nvSpPr>
-        <p:spPr>
-          <a:xfrm>
-            <a:off x="4803249" y="2378924"/>
-            <a:ext cx="2585500" cy="684463"/>
-          </a:xfrm>
-          <a:prstGeom prst="rect">
-            <a:avLst/>
-          </a:prstGeom>
-          <a:ln/>
-        </p:spPr>
-        <p:style>
-          <a:lnRef idx="1">
-            <a:schemeClr val="accent1"/>
-          </a:lnRef>
-          <a:fillRef idx="2">
-            <a:schemeClr val="accent1"/>
-          </a:fillRef>
-          <a:effectRef idx="1">
-            <a:schemeClr val="accent1"/>
-          </a:effectRef>
-          <a:fontRef idx="minor">
-            <a:schemeClr val="dk1"/>
-          </a:fontRef>
-        </p:style>
-        <p:txBody>
-          <a:bodyPr rtlCol="0" anchor="ctr"/>
-          <a:lstStyle/>
-          <a:p>
-            <a:pPr algn="ctr"/>
-            <a:endParaRPr lang="en-US" dirty="0"/>
-          </a:p>
-        </p:txBody>
-      </p:sp>
-      <p:sp>
-        <p:nvSpPr>
-          <p:cNvPr id="25" name="Rectangle 24"/>
-          <p:cNvSpPr/>
-          <p:nvPr/>
-        </p:nvSpPr>
-        <p:spPr>
-          <a:xfrm>
-            <a:off x="5496447" y="2535757"/>
-            <a:ext cx="954239" cy="370800"/>
-          </a:xfrm>
-          <a:prstGeom prst="rect">
-            <a:avLst/>
-          </a:prstGeom>
-          <a:noFill/>
-          <a:ln>
-            <a:noFill/>
-          </a:ln>
-        </p:spPr>
-        <p:style>
-          <a:lnRef idx="2">
-            <a:schemeClr val="dk1"/>
-          </a:lnRef>
-          <a:fillRef idx="1">
-            <a:schemeClr val="lt1"/>
-          </a:fillRef>
-          <a:effectRef idx="0">
-            <a:schemeClr val="dk1"/>
-          </a:effectRef>
-          <a:fontRef idx="minor">
-            <a:schemeClr val="dk1"/>
-          </a:fontRef>
-        </p:style>
-        <p:txBody>
-          <a:bodyPr rtlCol="0" anchor="ctr"/>
-          <a:lstStyle/>
-          <a:p>
-            <a:pPr algn="ctr"/>
-            <a:r>
-              <a:rPr lang="en-GB" sz="1100" dirty="0" smtClean="0"/>
-              <a:t>Tsunami</a:t>
-            </a:r>
-            <a:endParaRPr lang="en-US" sz="1100" dirty="0"/>
-          </a:p>
-        </p:txBody>
-      </p:sp>
-      <p:sp>
-        <p:nvSpPr>
-          <p:cNvPr id="37" name="Rectangle 36">
-            <a:hlinkClick r:id="rId4" action="ppaction://hlinksldjump"/>
-          </p:cNvPr>
-          <p:cNvSpPr/>
-          <p:nvPr/>
-        </p:nvSpPr>
-        <p:spPr>
-          <a:xfrm>
-            <a:off x="4813882" y="3117680"/>
-            <a:ext cx="2585500" cy="684463"/>
-          </a:xfrm>
-          <a:prstGeom prst="rect">
-            <a:avLst/>
-          </a:prstGeom>
-          <a:solidFill>
-            <a:srgbClr val="FF7C80"/>
-          </a:solidFill>
-          <a:ln w="19050">
-            <a:solidFill>
-              <a:srgbClr val="D8D8D8"/>
-            </a:solidFill>
-          </a:ln>
-        </p:spPr>
-        <p:style>
-          <a:lnRef idx="2">
-            <a:schemeClr val="accent1">
-              <a:shade val="50000"/>
-            </a:schemeClr>
-          </a:lnRef>
-          <a:fillRef idx="1003">
-            <a:schemeClr val="lt1"/>
-          </a:fillRef>
-          <a:effectRef idx="0">
-            <a:schemeClr val="accent1"/>
-          </a:effectRef>
-          <a:fontRef idx="minor">
-            <a:schemeClr val="lt1"/>
-          </a:fontRef>
-        </p:style>
-        <p:txBody>
-          <a:bodyPr rtlCol="0" anchor="ctr"/>
-          <a:lstStyle/>
-          <a:p>
-            <a:pPr algn="ctr"/>
-            <a:endParaRPr lang="en-US" dirty="0"/>
-          </a:p>
-        </p:txBody>
-      </p:sp>
-      <p:sp>
-        <p:nvSpPr>
-          <p:cNvPr id="38" name="Rectangle 37"/>
-          <p:cNvSpPr/>
-          <p:nvPr/>
-        </p:nvSpPr>
-        <p:spPr>
-          <a:xfrm>
-            <a:off x="5630188" y="3261541"/>
-            <a:ext cx="1066800" cy="370800"/>
-          </a:xfrm>
-          <a:prstGeom prst="rect">
-            <a:avLst/>
-          </a:prstGeom>
-          <a:noFill/>
-          <a:ln>
-            <a:noFill/>
-          </a:ln>
-        </p:spPr>
-        <p:style>
-          <a:lnRef idx="2">
-            <a:schemeClr val="dk1"/>
-          </a:lnRef>
-          <a:fillRef idx="1">
-            <a:schemeClr val="lt1"/>
-          </a:fillRef>
-          <a:effectRef idx="0">
-            <a:schemeClr val="dk1"/>
-          </a:effectRef>
-          <a:fontRef idx="minor">
-            <a:schemeClr val="dk1"/>
-          </a:fontRef>
-        </p:style>
-        <p:txBody>
-          <a:bodyPr rtlCol="0" anchor="ctr"/>
-          <a:lstStyle/>
-          <a:p>
-            <a:pPr algn="ctr"/>
-            <a:r>
-              <a:rPr lang="en-GB" sz="1100" dirty="0" smtClean="0"/>
-              <a:t>Terrorist attack</a:t>
-            </a:r>
-            <a:endParaRPr lang="en-US" sz="1100" dirty="0"/>
-          </a:p>
-        </p:txBody>
-      </p:sp>
-      <p:sp>
-        <p:nvSpPr>
-          <p:cNvPr id="51" name="Rectangle 50"/>
-          <p:cNvSpPr/>
-          <p:nvPr/>
-        </p:nvSpPr>
-        <p:spPr>
-          <a:xfrm>
-            <a:off x="6578862" y="1813850"/>
-            <a:ext cx="1066800" cy="370800"/>
-          </a:xfrm>
-          <a:prstGeom prst="rect">
-            <a:avLst/>
-          </a:prstGeom>
-          <a:noFill/>
-          <a:ln>
-            <a:noFill/>
-          </a:ln>
-        </p:spPr>
-        <p:style>
-          <a:lnRef idx="2">
-            <a:schemeClr val="dk1"/>
-          </a:lnRef>
-          <a:fillRef idx="1">
-            <a:schemeClr val="lt1"/>
-          </a:fillRef>
-          <a:effectRef idx="0">
-            <a:schemeClr val="dk1"/>
-          </a:effectRef>
-          <a:fontRef idx="minor">
-            <a:schemeClr val="dk1"/>
-          </a:fontRef>
-        </p:style>
-        <p:txBody>
-          <a:bodyPr rtlCol="0" anchor="ctr"/>
-          <a:lstStyle/>
-          <a:p>
-            <a:pPr marL="171450" indent="-171450" algn="ctr">
-              <a:buFont typeface="Wingdings" panose="05000000000000000000" pitchFamily="2" charset="2"/>
-              <a:buChar char="ü"/>
-            </a:pPr>
-            <a:endParaRPr lang="en-US" sz="1100" dirty="0"/>
+            <a:r>
+              <a:rPr lang="en-GB" sz="1200" dirty="0" smtClean="0"/>
+              <a:t>Medicines</a:t>
+            </a:r>
+            <a:endParaRPr lang="es-ES" sz="1200" dirty="0"/>
+          </a:p>
+        </p:txBody>
+      </p:sp>
+      <p:sp>
+        <p:nvSpPr>
+          <p:cNvPr id="49" name="48 Rectángulo"/>
+          <p:cNvSpPr/>
+          <p:nvPr/>
+        </p:nvSpPr>
+        <p:spPr>
+          <a:xfrm>
+            <a:off x="5731135" y="4519682"/>
+            <a:ext cx="567399" cy="276999"/>
+          </a:xfrm>
+          <a:prstGeom prst="rect">
+            <a:avLst/>
+          </a:prstGeom>
+        </p:spPr>
+        <p:txBody>
+          <a:bodyPr wrap="none">
+            <a:spAutoFit/>
+          </a:bodyPr>
+          <a:lstStyle/>
+          <a:p>
+            <a:r>
+              <a:rPr lang="en-GB" sz="1200" dirty="0" smtClean="0"/>
+              <a:t>Water</a:t>
+            </a:r>
+            <a:endParaRPr lang="es-ES" sz="1200" dirty="0"/>
+          </a:p>
+        </p:txBody>
+      </p:sp>
+      <p:sp>
+        <p:nvSpPr>
+          <p:cNvPr id="50" name="49 Rectángulo"/>
+          <p:cNvSpPr/>
+          <p:nvPr/>
+        </p:nvSpPr>
+        <p:spPr>
+          <a:xfrm>
+            <a:off x="5707072" y="4150712"/>
+            <a:ext cx="1059457" cy="276999"/>
+          </a:xfrm>
+          <a:prstGeom prst="rect">
+            <a:avLst/>
+          </a:prstGeom>
+        </p:spPr>
+        <p:txBody>
+          <a:bodyPr wrap="none">
+            <a:spAutoFit/>
+          </a:bodyPr>
+          <a:lstStyle/>
+          <a:p>
+            <a:r>
+              <a:rPr lang="en-GB" sz="1200" dirty="0" smtClean="0"/>
+              <a:t>Urgent rescue</a:t>
+            </a:r>
+            <a:endParaRPr lang="es-ES" sz="1200" dirty="0"/>
           </a:p>
         </p:txBody>
       </p:sp>
       <p:pic>
         <p:nvPicPr>
-          <p:cNvPr id="62" name="Picture 61"/>
+          <p:cNvPr id="52" name="51 Imagen" descr="food.png"/>
           <p:cNvPicPr>
             <a:picLocks noChangeAspect="1"/>
           </p:cNvPicPr>
           <p:nvPr/>
         </p:nvPicPr>
-        <p:blipFill rotWithShape="1">
-          <a:blip r:embed="rId2" cstate="print"/>
-          <a:srcRect t="85496"/>
-          <a:stretch/>
+        <p:blipFill>
+          <a:blip r:embed="rId8" cstate="print"/>
+          <a:stretch>
+            <a:fillRect/>
+          </a:stretch>
         </p:blipFill>
         <p:spPr>
           <a:xfrm>
-            <a:off x="4547970" y="5691187"/>
-            <a:ext cx="3096057" cy="924369"/>
+            <a:off x="5123574" y="4887227"/>
+            <a:ext cx="243839" cy="243839"/>
           </a:xfrm>
           <a:prstGeom prst="rect">
             <a:avLst/>
           </a:prstGeom>
         </p:spPr>
       </p:pic>
-      <p:sp>
-        <p:nvSpPr>
-          <p:cNvPr id="65" name="Rectangle 64"/>
-          <p:cNvSpPr/>
-          <p:nvPr/>
-        </p:nvSpPr>
-        <p:spPr>
-          <a:xfrm>
-            <a:off x="5822950" y="5842000"/>
-            <a:ext cx="539750" cy="567918"/>
+      <p:pic>
+        <p:nvPicPr>
+          <p:cNvPr id="53" name="52 Imagen" descr="medicines.png"/>
+          <p:cNvPicPr>
+            <a:picLocks noChangeAspect="1"/>
+          </p:cNvPicPr>
+          <p:nvPr/>
+        </p:nvPicPr>
+        <p:blipFill>
+          <a:blip r:embed="rId9" cstate="print"/>
+          <a:stretch>
+            <a:fillRect/>
+          </a:stretch>
+        </p:blipFill>
+        <p:spPr>
+          <a:xfrm>
+            <a:off x="5141494" y="5277853"/>
+            <a:ext cx="223525" cy="223525"/>
+          </a:xfrm>
+          <a:prstGeom prst="rect">
+            <a:avLst/>
+          </a:prstGeom>
+        </p:spPr>
+      </p:pic>
+      <p:pic>
+        <p:nvPicPr>
+          <p:cNvPr id="54" name="53 Imagen" descr="urgent.png"/>
+          <p:cNvPicPr>
+            <a:picLocks noChangeAspect="1"/>
+          </p:cNvPicPr>
+          <p:nvPr/>
+        </p:nvPicPr>
+        <p:blipFill>
+          <a:blip r:embed="rId10" cstate="print"/>
+          <a:stretch>
+            <a:fillRect/>
+          </a:stretch>
+        </p:blipFill>
+        <p:spPr>
+          <a:xfrm>
+            <a:off x="5090969" y="4173104"/>
+            <a:ext cx="218968" cy="218968"/>
+          </a:xfrm>
+          <a:prstGeom prst="rect">
+            <a:avLst/>
+          </a:prstGeom>
+        </p:spPr>
+      </p:pic>
+      <p:pic>
+        <p:nvPicPr>
+          <p:cNvPr id="55" name="54 Imagen" descr="water.png"/>
+          <p:cNvPicPr>
+            <a:picLocks noChangeAspect="1"/>
+          </p:cNvPicPr>
+          <p:nvPr/>
+        </p:nvPicPr>
+        <p:blipFill>
+          <a:blip r:embed="rId11" cstate="print"/>
+          <a:stretch>
+            <a:fillRect/>
+          </a:stretch>
+        </p:blipFill>
+        <p:spPr>
+          <a:xfrm>
+            <a:off x="5917411" y="2839453"/>
+            <a:ext cx="280222" cy="280222"/>
+          </a:xfrm>
+          <a:prstGeom prst="rect">
+            <a:avLst/>
+          </a:prstGeom>
+        </p:spPr>
+      </p:pic>
+      <p:sp>
+        <p:nvSpPr>
+          <p:cNvPr id="56" name="55 Rectángulo"/>
+          <p:cNvSpPr/>
+          <p:nvPr/>
+        </p:nvSpPr>
+        <p:spPr>
+          <a:xfrm>
+            <a:off x="5702968" y="2160671"/>
+            <a:ext cx="1114927" cy="446171"/>
           </a:xfrm>
           <a:prstGeom prst="rect">
             <a:avLst/>
           </a:prstGeom>
           <a:solidFill>
-            <a:schemeClr val="bg1">
-              <a:alpha val="0"/>
-            </a:schemeClr>
+            <a:schemeClr val="bg1"/>
           </a:solidFill>
           <a:ln>
-            <a:solidFill>
-              <a:schemeClr val="bg1">
-                <a:alpha val="0"/>
-              </a:schemeClr>
-            </a:solidFill>
+            <a:noFill/>
           </a:ln>
         </p:spPr>
         <p:style>
@@ -10584,141 +10824,104 @@
           <a:lstStyle/>
           <a:p>
             <a:pPr algn="ctr"/>
-            <a:endParaRPr lang="en-US" dirty="0"/>
+            <a:endParaRPr lang="es-ES" dirty="0"/>
+          </a:p>
+        </p:txBody>
+      </p:sp>
+      <p:sp>
+        <p:nvSpPr>
+          <p:cNvPr id="57" name="56 Rectángulo"/>
+          <p:cNvSpPr/>
+          <p:nvPr/>
+        </p:nvSpPr>
+        <p:spPr>
+          <a:xfrm>
+            <a:off x="5907599" y="2257745"/>
+            <a:ext cx="567399" cy="276999"/>
+          </a:xfrm>
+          <a:prstGeom prst="rect">
+            <a:avLst/>
+          </a:prstGeom>
+        </p:spPr>
+        <p:txBody>
+          <a:bodyPr wrap="none">
+            <a:spAutoFit/>
+          </a:bodyPr>
+          <a:lstStyle/>
+          <a:p>
+            <a:r>
+              <a:rPr lang="en-GB" sz="1200" dirty="0" smtClean="0"/>
+              <a:t>Water</a:t>
+            </a:r>
+            <a:endParaRPr lang="es-ES" sz="1200" dirty="0"/>
           </a:p>
         </p:txBody>
       </p:sp>
       <p:pic>
         <p:nvPicPr>
-          <p:cNvPr id="27" name="26 Imagen" descr="earthquake.png"/>
+          <p:cNvPr id="58" name="57 Imagen" descr="water.png"/>
           <p:cNvPicPr>
             <a:picLocks noChangeAspect="1"/>
           </p:cNvPicPr>
           <p:nvPr/>
         </p:nvPicPr>
         <p:blipFill>
-          <a:blip r:embed="rId5" cstate="print"/>
+          <a:blip r:embed="rId12" cstate="print"/>
           <a:stretch>
             <a:fillRect/>
           </a:stretch>
         </p:blipFill>
         <p:spPr>
           <a:xfrm>
-            <a:off x="4969979" y="4692875"/>
-            <a:ext cx="520246" cy="520246"/>
+            <a:off x="5099265" y="4513211"/>
+            <a:ext cx="266821" cy="266821"/>
           </a:xfrm>
           <a:prstGeom prst="rect">
             <a:avLst/>
           </a:prstGeom>
         </p:spPr>
       </p:pic>
-      <p:pic>
-        <p:nvPicPr>
-          <p:cNvPr id="31" name="30 Imagen" descr="wave-512.png"/>
-          <p:cNvPicPr>
-            <a:picLocks noChangeAspect="1"/>
-          </p:cNvPicPr>
-          <p:nvPr/>
-        </p:nvPicPr>
-        <p:blipFill>
-          <a:blip r:embed="rId6" cstate="print"/>
-          <a:stretch>
-            <a:fillRect/>
-          </a:stretch>
-        </p:blipFill>
-        <p:spPr>
-          <a:xfrm>
-            <a:off x="4906336" y="2433083"/>
-            <a:ext cx="548166" cy="601330"/>
-          </a:xfrm>
-          <a:prstGeom prst="rect">
-            <a:avLst/>
-          </a:prstGeom>
-        </p:spPr>
-      </p:pic>
-      <p:pic>
-        <p:nvPicPr>
-          <p:cNvPr id="35" name="34 Imagen" descr="bomb.png"/>
-          <p:cNvPicPr>
-            <a:picLocks noChangeAspect="1"/>
-          </p:cNvPicPr>
-          <p:nvPr/>
-        </p:nvPicPr>
-        <p:blipFill>
-          <a:blip r:embed="rId7" cstate="print"/>
-          <a:stretch>
-            <a:fillRect/>
-          </a:stretch>
-        </p:blipFill>
-        <p:spPr>
-          <a:xfrm>
-            <a:off x="4937064" y="3178530"/>
-            <a:ext cx="537535" cy="537535"/>
-          </a:xfrm>
-          <a:prstGeom prst="rect">
-            <a:avLst/>
-          </a:prstGeom>
-        </p:spPr>
-      </p:pic>
-      <p:sp>
-        <p:nvSpPr>
-          <p:cNvPr id="16" name="Rectangle 27">
-            <a:hlinkClick r:id="rId3" action="ppaction://hlinksldjump"/>
+      <p:sp>
+        <p:nvSpPr>
+          <p:cNvPr id="60" name="59 Rectángulo"/>
+          <p:cNvSpPr/>
+          <p:nvPr/>
+        </p:nvSpPr>
+        <p:spPr>
+          <a:xfrm>
+            <a:off x="990694" y="4712186"/>
+            <a:ext cx="3521605" cy="276999"/>
+          </a:xfrm>
+          <a:prstGeom prst="rect">
+            <a:avLst/>
+          </a:prstGeom>
+        </p:spPr>
+        <p:txBody>
+          <a:bodyPr wrap="none">
+            <a:spAutoFit/>
+          </a:bodyPr>
+          <a:lstStyle/>
+          <a:p>
+            <a:r>
+              <a:rPr lang="en-GB" sz="1200" dirty="0" smtClean="0"/>
+              <a:t>User selects which type wants to display from a list -&gt;</a:t>
+            </a:r>
+            <a:endParaRPr lang="es-ES" sz="1200" dirty="0"/>
+          </a:p>
+        </p:txBody>
+      </p:sp>
+      <p:sp>
+        <p:nvSpPr>
+          <p:cNvPr id="61" name="Rectangle 12">
+            <a:hlinkClick r:id="rId7" action="ppaction://hlinksldjump"/>
           </p:cNvPr>
           <p:cNvSpPr/>
           <p:nvPr/>
         </p:nvSpPr>
         <p:spPr>
           <a:xfrm>
-            <a:off x="4827312" y="3865029"/>
-            <a:ext cx="2585500" cy="684463"/>
-          </a:xfrm>
-          <a:prstGeom prst="rect">
-            <a:avLst/>
-          </a:prstGeom>
-          <a:solidFill>
-            <a:schemeClr val="tx2">
-              <a:lumMod val="40000"/>
-              <a:lumOff val="60000"/>
-            </a:schemeClr>
-          </a:solidFill>
-          <a:ln/>
-        </p:spPr>
-        <p:style>
-          <a:lnRef idx="1">
-            <a:schemeClr val="accent6"/>
-          </a:lnRef>
-          <a:fillRef idx="2">
-            <a:schemeClr val="accent6"/>
-          </a:fillRef>
-          <a:effectRef idx="1">
-            <a:schemeClr val="accent6"/>
-          </a:effectRef>
-          <a:fontRef idx="minor">
-            <a:schemeClr val="dk1"/>
-          </a:fontRef>
-        </p:style>
-        <p:txBody>
-          <a:bodyPr rtlCol="0" anchor="ctr"/>
-          <a:lstStyle/>
-          <a:p>
-            <a:pPr algn="ctr"/>
-            <a:endParaRPr lang="en-US" dirty="0"/>
-          </a:p>
-        </p:txBody>
-      </p:sp>
-      <p:sp>
-        <p:nvSpPr>
-          <p:cNvPr id="17" name="Rectangle 12">
-            <a:hlinkClick r:id="rId3" action="ppaction://hlinksldjump"/>
-          </p:cNvPr>
-          <p:cNvSpPr/>
-          <p:nvPr/>
-        </p:nvSpPr>
-        <p:spPr>
-          <a:xfrm>
-            <a:off x="5568023" y="4015130"/>
-            <a:ext cx="1066800" cy="370800"/>
+            <a:off x="2608254" y="2651551"/>
+            <a:ext cx="1843429" cy="370800"/>
           </a:xfrm>
           <a:prstGeom prst="rect">
             <a:avLst/>
@@ -10749,132 +10952,15 @@
             <a:pPr algn="ctr"/>
             <a:r>
               <a:rPr lang="en-GB" sz="1100" dirty="0" smtClean="0"/>
-              <a:t>Tornado</a:t>
-            </a:r>
-          </a:p>
-        </p:txBody>
-      </p:sp>
-      <p:pic>
-        <p:nvPicPr>
-          <p:cNvPr id="18" name="17 Imagen" descr="tornado.png"/>
-          <p:cNvPicPr>
-            <a:picLocks noChangeAspect="1"/>
-          </p:cNvPicPr>
-          <p:nvPr/>
-        </p:nvPicPr>
-        <p:blipFill>
-          <a:blip r:embed="rId8" cstate="print"/>
-          <a:stretch>
-            <a:fillRect/>
-          </a:stretch>
-        </p:blipFill>
-        <p:spPr>
-          <a:xfrm>
-            <a:off x="4922296" y="3978441"/>
-            <a:ext cx="557072" cy="496579"/>
-          </a:xfrm>
-          <a:prstGeom prst="rect">
-            <a:avLst/>
-          </a:prstGeom>
-        </p:spPr>
-      </p:pic>
-      <p:sp>
-        <p:nvSpPr>
-          <p:cNvPr id="20" name="Rectangle 35">
-            <a:hlinkClick r:id="rId3" action="ppaction://hlinksldjump"/>
-          </p:cNvPr>
-          <p:cNvSpPr/>
-          <p:nvPr/>
-        </p:nvSpPr>
-        <p:spPr>
-          <a:xfrm>
-            <a:off x="4827313" y="1592861"/>
-            <a:ext cx="2560077" cy="701160"/>
-          </a:xfrm>
-          <a:prstGeom prst="rect">
-            <a:avLst/>
-          </a:prstGeom>
-          <a:solidFill>
-            <a:schemeClr val="accent2">
-              <a:lumMod val="40000"/>
-              <a:lumOff val="60000"/>
-            </a:schemeClr>
-          </a:solidFill>
-          <a:ln/>
-        </p:spPr>
-        <p:style>
-          <a:lnRef idx="1">
-            <a:schemeClr val="accent1"/>
-          </a:lnRef>
-          <a:fillRef idx="2">
-            <a:schemeClr val="accent1"/>
-          </a:fillRef>
-          <a:effectRef idx="1">
-            <a:schemeClr val="accent1"/>
-          </a:effectRef>
-          <a:fontRef idx="minor">
-            <a:schemeClr val="dk1"/>
-          </a:fontRef>
-        </p:style>
-        <p:txBody>
-          <a:bodyPr rtlCol="0" anchor="ctr"/>
-          <a:lstStyle/>
-          <a:p>
-            <a:pPr algn="ctr"/>
-            <a:endParaRPr lang="en-US" dirty="0"/>
-          </a:p>
-        </p:txBody>
-      </p:sp>
-      <p:sp>
-        <p:nvSpPr>
-          <p:cNvPr id="21" name="Rectangle 24"/>
-          <p:cNvSpPr/>
-          <p:nvPr/>
-        </p:nvSpPr>
-        <p:spPr>
-          <a:xfrm>
-            <a:off x="5183626" y="1765736"/>
-            <a:ext cx="1778648" cy="370800"/>
-          </a:xfrm>
-          <a:prstGeom prst="rect">
-            <a:avLst/>
-          </a:prstGeom>
-          <a:noFill/>
-          <a:ln>
-            <a:noFill/>
-          </a:ln>
-        </p:spPr>
-        <p:style>
-          <a:lnRef idx="2">
-            <a:schemeClr val="dk1"/>
-          </a:lnRef>
-          <a:fillRef idx="1">
-            <a:schemeClr val="lt1"/>
-          </a:fillRef>
-          <a:effectRef idx="0">
-            <a:schemeClr val="dk1"/>
-          </a:effectRef>
-          <a:fontRef idx="minor">
-            <a:schemeClr val="dk1"/>
-          </a:fontRef>
-        </p:style>
-        <p:txBody>
-          <a:bodyPr rtlCol="0" anchor="ctr"/>
-          <a:lstStyle/>
-          <a:p>
-            <a:pPr algn="ctr"/>
-            <a:r>
-              <a:rPr lang="en-GB" sz="1100" dirty="0" smtClean="0"/>
-              <a:t>General preparation for any emergency</a:t>
-            </a:r>
-            <a:endParaRPr lang="en-US" sz="1100" dirty="0"/>
+              <a:t>Swarm Pulse maps -&gt;</a:t>
+            </a:r>
           </a:p>
         </p:txBody>
       </p:sp>
     </p:spTree>
     <p:extLst>
       <p:ext uri="{BB962C8B-B14F-4D97-AF65-F5344CB8AC3E}">
-        <p14:creationId xmlns:p14="http://schemas.microsoft.com/office/powerpoint/2010/main" xmlns="" val="283767647"/>
+        <p14:creationId xmlns="" xmlns:p14="http://schemas.microsoft.com/office/powerpoint/2010/main" val="283767647"/>
       </p:ext>
     </p:extLst>
   </p:cSld>
@@ -10882,7 +10968,7 @@
     <a:masterClrMapping/>
   </p:clrMapOvr>
   <mc:AlternateContent xmlns:mc="http://schemas.openxmlformats.org/markup-compatibility/2006">
-    <mc:Choice xmlns:p14="http://schemas.microsoft.com/office/powerpoint/2010/main" xmlns="" Requires="p14">
+    <mc:Choice xmlns="" xmlns:p14="http://schemas.microsoft.com/office/powerpoint/2010/main" Requires="p14">
       <p:transition spd="slow" p14:dur="2000" advClick="0"/>
     </mc:Choice>
     <mc:Fallback>
@@ -10900,6 +10986,814 @@
 </file>
 
 <file path=ppt/slides/slide5.xml><?xml version="1.0" encoding="utf-8"?>
+<p:sld xmlns:a="http://schemas.openxmlformats.org/drawingml/2006/main" xmlns:r="http://schemas.openxmlformats.org/officeDocument/2006/relationships" xmlns:p="http://schemas.openxmlformats.org/presentationml/2006/main">
+  <p:cSld>
+    <p:spTree>
+      <p:nvGrpSpPr>
+        <p:cNvPr id="1" name=""/>
+        <p:cNvGrpSpPr/>
+        <p:nvPr/>
+      </p:nvGrpSpPr>
+      <p:grpSpPr>
+        <a:xfrm>
+          <a:off x="0" y="0"/>
+          <a:ext cx="0" cy="0"/>
+          <a:chOff x="0" y="0"/>
+          <a:chExt cx="0" cy="0"/>
+        </a:xfrm>
+      </p:grpSpPr>
+      <p:pic>
+        <p:nvPicPr>
+          <p:cNvPr id="6" name="Picture 5"/>
+          <p:cNvPicPr>
+            <a:picLocks noChangeAspect="1"/>
+          </p:cNvPicPr>
+          <p:nvPr/>
+        </p:nvPicPr>
+        <p:blipFill>
+          <a:blip r:embed="rId2" cstate="print"/>
+          <a:stretch>
+            <a:fillRect/>
+          </a:stretch>
+        </p:blipFill>
+        <p:spPr>
+          <a:xfrm>
+            <a:off x="4547971" y="242443"/>
+            <a:ext cx="3096057" cy="6373114"/>
+          </a:xfrm>
+          <a:prstGeom prst="rect">
+            <a:avLst/>
+          </a:prstGeom>
+        </p:spPr>
+      </p:pic>
+      <p:sp>
+        <p:nvSpPr>
+          <p:cNvPr id="28" name="Rectangle 27">
+            <a:hlinkClick r:id="rId3" action="ppaction://hlinksldjump"/>
+          </p:cNvPr>
+          <p:cNvSpPr/>
+          <p:nvPr/>
+        </p:nvSpPr>
+        <p:spPr>
+          <a:xfrm>
+            <a:off x="4851375" y="4602966"/>
+            <a:ext cx="2585500" cy="684463"/>
+          </a:xfrm>
+          <a:prstGeom prst="rect">
+            <a:avLst/>
+          </a:prstGeom>
+          <a:gradFill>
+            <a:gsLst>
+              <a:gs pos="0">
+                <a:schemeClr val="accent6">
+                  <a:lumMod val="60000"/>
+                  <a:lumOff val="40000"/>
+                </a:schemeClr>
+              </a:gs>
+              <a:gs pos="50000">
+                <a:schemeClr val="accent6">
+                  <a:lumMod val="105000"/>
+                  <a:satMod val="103000"/>
+                  <a:tint val="73000"/>
+                </a:schemeClr>
+              </a:gs>
+              <a:gs pos="100000">
+                <a:schemeClr val="accent6">
+                  <a:lumMod val="105000"/>
+                  <a:satMod val="109000"/>
+                  <a:tint val="81000"/>
+                </a:schemeClr>
+              </a:gs>
+            </a:gsLst>
+          </a:gradFill>
+          <a:ln/>
+        </p:spPr>
+        <p:style>
+          <a:lnRef idx="1">
+            <a:schemeClr val="accent6"/>
+          </a:lnRef>
+          <a:fillRef idx="2">
+            <a:schemeClr val="accent6"/>
+          </a:fillRef>
+          <a:effectRef idx="1">
+            <a:schemeClr val="accent6"/>
+          </a:effectRef>
+          <a:fontRef idx="minor">
+            <a:schemeClr val="dk1"/>
+          </a:fontRef>
+        </p:style>
+        <p:txBody>
+          <a:bodyPr rtlCol="0" anchor="ctr"/>
+          <a:lstStyle/>
+          <a:p>
+            <a:pPr algn="ctr"/>
+            <a:endParaRPr lang="en-US" dirty="0"/>
+          </a:p>
+        </p:txBody>
+      </p:sp>
+      <p:sp>
+        <p:nvSpPr>
+          <p:cNvPr id="48" name="TextBox 47"/>
+          <p:cNvSpPr txBox="1"/>
+          <p:nvPr/>
+        </p:nvSpPr>
+        <p:spPr>
+          <a:xfrm>
+            <a:off x="4805929" y="1164929"/>
+            <a:ext cx="2585214" cy="369332"/>
+          </a:xfrm>
+          <a:prstGeom prst="rect">
+            <a:avLst/>
+          </a:prstGeom>
+          <a:solidFill>
+            <a:schemeClr val="accent2"/>
+          </a:solidFill>
+        </p:spPr>
+        <p:txBody>
+          <a:bodyPr wrap="square" rtlCol="0">
+            <a:spAutoFit/>
+          </a:bodyPr>
+          <a:lstStyle/>
+          <a:p>
+            <a:pPr algn="ctr"/>
+            <a:r>
+              <a:rPr lang="en-GB" dirty="0" smtClean="0">
+                <a:solidFill>
+                  <a:schemeClr val="bg1"/>
+                </a:solidFill>
+              </a:rPr>
+              <a:t>Survival Tips</a:t>
+            </a:r>
+            <a:endParaRPr lang="en-US" dirty="0">
+              <a:solidFill>
+                <a:schemeClr val="bg1"/>
+              </a:solidFill>
+            </a:endParaRPr>
+          </a:p>
+        </p:txBody>
+      </p:sp>
+      <p:sp>
+        <p:nvSpPr>
+          <p:cNvPr id="13" name="Rectangle 12">
+            <a:hlinkClick r:id="rId3" action="ppaction://hlinksldjump"/>
+          </p:cNvPr>
+          <p:cNvSpPr/>
+          <p:nvPr/>
+        </p:nvSpPr>
+        <p:spPr>
+          <a:xfrm>
+            <a:off x="5592086" y="4753067"/>
+            <a:ext cx="1066800" cy="370800"/>
+          </a:xfrm>
+          <a:prstGeom prst="rect">
+            <a:avLst/>
+          </a:prstGeom>
+          <a:noFill/>
+          <a:ln>
+            <a:noFill/>
+          </a:ln>
+        </p:spPr>
+        <p:style>
+          <a:lnRef idx="2">
+            <a:schemeClr val="dk1"/>
+          </a:lnRef>
+          <a:fillRef idx="1">
+            <a:schemeClr val="lt1"/>
+          </a:fillRef>
+          <a:effectRef idx="0">
+            <a:schemeClr val="dk1"/>
+          </a:effectRef>
+          <a:fontRef idx="minor">
+            <a:schemeClr val="dk1"/>
+          </a:fontRef>
+        </p:style>
+        <p:txBody>
+          <a:bodyPr rtlCol="0" anchor="ctr"/>
+          <a:lstStyle/>
+          <a:p>
+            <a:pPr algn="ctr"/>
+            <a:r>
+              <a:rPr lang="en-GB" sz="1100" dirty="0" smtClean="0"/>
+              <a:t>Earthquake</a:t>
+            </a:r>
+          </a:p>
+        </p:txBody>
+      </p:sp>
+      <p:sp>
+        <p:nvSpPr>
+          <p:cNvPr id="36" name="Rectangle 35">
+            <a:hlinkClick r:id="rId4" action="ppaction://hlinksldjump"/>
+          </p:cNvPr>
+          <p:cNvSpPr/>
+          <p:nvPr/>
+        </p:nvSpPr>
+        <p:spPr>
+          <a:xfrm>
+            <a:off x="4803249" y="2378924"/>
+            <a:ext cx="2585500" cy="684463"/>
+          </a:xfrm>
+          <a:prstGeom prst="rect">
+            <a:avLst/>
+          </a:prstGeom>
+          <a:ln/>
+        </p:spPr>
+        <p:style>
+          <a:lnRef idx="1">
+            <a:schemeClr val="accent1"/>
+          </a:lnRef>
+          <a:fillRef idx="2">
+            <a:schemeClr val="accent1"/>
+          </a:fillRef>
+          <a:effectRef idx="1">
+            <a:schemeClr val="accent1"/>
+          </a:effectRef>
+          <a:fontRef idx="minor">
+            <a:schemeClr val="dk1"/>
+          </a:fontRef>
+        </p:style>
+        <p:txBody>
+          <a:bodyPr rtlCol="0" anchor="ctr"/>
+          <a:lstStyle/>
+          <a:p>
+            <a:pPr algn="ctr"/>
+            <a:endParaRPr lang="en-US" dirty="0"/>
+          </a:p>
+        </p:txBody>
+      </p:sp>
+      <p:sp>
+        <p:nvSpPr>
+          <p:cNvPr id="25" name="Rectangle 24"/>
+          <p:cNvSpPr/>
+          <p:nvPr/>
+        </p:nvSpPr>
+        <p:spPr>
+          <a:xfrm>
+            <a:off x="5496447" y="2535757"/>
+            <a:ext cx="954239" cy="370800"/>
+          </a:xfrm>
+          <a:prstGeom prst="rect">
+            <a:avLst/>
+          </a:prstGeom>
+          <a:noFill/>
+          <a:ln>
+            <a:noFill/>
+          </a:ln>
+        </p:spPr>
+        <p:style>
+          <a:lnRef idx="2">
+            <a:schemeClr val="dk1"/>
+          </a:lnRef>
+          <a:fillRef idx="1">
+            <a:schemeClr val="lt1"/>
+          </a:fillRef>
+          <a:effectRef idx="0">
+            <a:schemeClr val="dk1"/>
+          </a:effectRef>
+          <a:fontRef idx="minor">
+            <a:schemeClr val="dk1"/>
+          </a:fontRef>
+        </p:style>
+        <p:txBody>
+          <a:bodyPr rtlCol="0" anchor="ctr"/>
+          <a:lstStyle/>
+          <a:p>
+            <a:pPr algn="ctr"/>
+            <a:r>
+              <a:rPr lang="en-GB" sz="1100" dirty="0" smtClean="0"/>
+              <a:t>Tsunami</a:t>
+            </a:r>
+            <a:endParaRPr lang="en-US" sz="1100" dirty="0"/>
+          </a:p>
+        </p:txBody>
+      </p:sp>
+      <p:sp>
+        <p:nvSpPr>
+          <p:cNvPr id="37" name="Rectangle 36">
+            <a:hlinkClick r:id="rId4" action="ppaction://hlinksldjump"/>
+          </p:cNvPr>
+          <p:cNvSpPr/>
+          <p:nvPr/>
+        </p:nvSpPr>
+        <p:spPr>
+          <a:xfrm>
+            <a:off x="4813882" y="3117680"/>
+            <a:ext cx="2585500" cy="684463"/>
+          </a:xfrm>
+          <a:prstGeom prst="rect">
+            <a:avLst/>
+          </a:prstGeom>
+          <a:solidFill>
+            <a:srgbClr val="FF7C80"/>
+          </a:solidFill>
+          <a:ln w="19050">
+            <a:solidFill>
+              <a:srgbClr val="D8D8D8"/>
+            </a:solidFill>
+          </a:ln>
+        </p:spPr>
+        <p:style>
+          <a:lnRef idx="2">
+            <a:schemeClr val="accent1">
+              <a:shade val="50000"/>
+            </a:schemeClr>
+          </a:lnRef>
+          <a:fillRef idx="1003">
+            <a:schemeClr val="lt1"/>
+          </a:fillRef>
+          <a:effectRef idx="0">
+            <a:schemeClr val="accent1"/>
+          </a:effectRef>
+          <a:fontRef idx="minor">
+            <a:schemeClr val="lt1"/>
+          </a:fontRef>
+        </p:style>
+        <p:txBody>
+          <a:bodyPr rtlCol="0" anchor="ctr"/>
+          <a:lstStyle/>
+          <a:p>
+            <a:pPr algn="ctr"/>
+            <a:endParaRPr lang="en-US" dirty="0"/>
+          </a:p>
+        </p:txBody>
+      </p:sp>
+      <p:sp>
+        <p:nvSpPr>
+          <p:cNvPr id="38" name="Rectangle 37"/>
+          <p:cNvSpPr/>
+          <p:nvPr/>
+        </p:nvSpPr>
+        <p:spPr>
+          <a:xfrm>
+            <a:off x="5630188" y="3261541"/>
+            <a:ext cx="1066800" cy="370800"/>
+          </a:xfrm>
+          <a:prstGeom prst="rect">
+            <a:avLst/>
+          </a:prstGeom>
+          <a:noFill/>
+          <a:ln>
+            <a:noFill/>
+          </a:ln>
+        </p:spPr>
+        <p:style>
+          <a:lnRef idx="2">
+            <a:schemeClr val="dk1"/>
+          </a:lnRef>
+          <a:fillRef idx="1">
+            <a:schemeClr val="lt1"/>
+          </a:fillRef>
+          <a:effectRef idx="0">
+            <a:schemeClr val="dk1"/>
+          </a:effectRef>
+          <a:fontRef idx="minor">
+            <a:schemeClr val="dk1"/>
+          </a:fontRef>
+        </p:style>
+        <p:txBody>
+          <a:bodyPr rtlCol="0" anchor="ctr"/>
+          <a:lstStyle/>
+          <a:p>
+            <a:pPr algn="ctr"/>
+            <a:r>
+              <a:rPr lang="en-GB" sz="1100" dirty="0" smtClean="0"/>
+              <a:t>Terrorist attack</a:t>
+            </a:r>
+            <a:endParaRPr lang="en-US" sz="1100" dirty="0"/>
+          </a:p>
+        </p:txBody>
+      </p:sp>
+      <p:sp>
+        <p:nvSpPr>
+          <p:cNvPr id="51" name="Rectangle 50"/>
+          <p:cNvSpPr/>
+          <p:nvPr/>
+        </p:nvSpPr>
+        <p:spPr>
+          <a:xfrm>
+            <a:off x="6578862" y="1813850"/>
+            <a:ext cx="1066800" cy="370800"/>
+          </a:xfrm>
+          <a:prstGeom prst="rect">
+            <a:avLst/>
+          </a:prstGeom>
+          <a:noFill/>
+          <a:ln>
+            <a:noFill/>
+          </a:ln>
+        </p:spPr>
+        <p:style>
+          <a:lnRef idx="2">
+            <a:schemeClr val="dk1"/>
+          </a:lnRef>
+          <a:fillRef idx="1">
+            <a:schemeClr val="lt1"/>
+          </a:fillRef>
+          <a:effectRef idx="0">
+            <a:schemeClr val="dk1"/>
+          </a:effectRef>
+          <a:fontRef idx="minor">
+            <a:schemeClr val="dk1"/>
+          </a:fontRef>
+        </p:style>
+        <p:txBody>
+          <a:bodyPr rtlCol="0" anchor="ctr"/>
+          <a:lstStyle/>
+          <a:p>
+            <a:pPr marL="171450" indent="-171450" algn="ctr">
+              <a:buFont typeface="Wingdings" panose="05000000000000000000" pitchFamily="2" charset="2"/>
+              <a:buChar char="ü"/>
+            </a:pPr>
+            <a:endParaRPr lang="en-US" sz="1100" dirty="0"/>
+          </a:p>
+        </p:txBody>
+      </p:sp>
+      <p:pic>
+        <p:nvPicPr>
+          <p:cNvPr id="62" name="Picture 61"/>
+          <p:cNvPicPr>
+            <a:picLocks noChangeAspect="1"/>
+          </p:cNvPicPr>
+          <p:nvPr/>
+        </p:nvPicPr>
+        <p:blipFill rotWithShape="1">
+          <a:blip r:embed="rId2" cstate="print"/>
+          <a:srcRect t="85496"/>
+          <a:stretch/>
+        </p:blipFill>
+        <p:spPr>
+          <a:xfrm>
+            <a:off x="4547970" y="5691187"/>
+            <a:ext cx="3096057" cy="924369"/>
+          </a:xfrm>
+          <a:prstGeom prst="rect">
+            <a:avLst/>
+          </a:prstGeom>
+        </p:spPr>
+      </p:pic>
+      <p:sp>
+        <p:nvSpPr>
+          <p:cNvPr id="65" name="Rectangle 64"/>
+          <p:cNvSpPr/>
+          <p:nvPr/>
+        </p:nvSpPr>
+        <p:spPr>
+          <a:xfrm>
+            <a:off x="5822950" y="5842000"/>
+            <a:ext cx="539750" cy="567918"/>
+          </a:xfrm>
+          <a:prstGeom prst="rect">
+            <a:avLst/>
+          </a:prstGeom>
+          <a:solidFill>
+            <a:schemeClr val="bg1">
+              <a:alpha val="0"/>
+            </a:schemeClr>
+          </a:solidFill>
+          <a:ln>
+            <a:solidFill>
+              <a:schemeClr val="bg1">
+                <a:alpha val="0"/>
+              </a:schemeClr>
+            </a:solidFill>
+          </a:ln>
+        </p:spPr>
+        <p:style>
+          <a:lnRef idx="2">
+            <a:schemeClr val="accent1">
+              <a:shade val="50000"/>
+            </a:schemeClr>
+          </a:lnRef>
+          <a:fillRef idx="1">
+            <a:schemeClr val="accent1"/>
+          </a:fillRef>
+          <a:effectRef idx="0">
+            <a:schemeClr val="accent1"/>
+          </a:effectRef>
+          <a:fontRef idx="minor">
+            <a:schemeClr val="lt1"/>
+          </a:fontRef>
+        </p:style>
+        <p:txBody>
+          <a:bodyPr rtlCol="0" anchor="ctr"/>
+          <a:lstStyle/>
+          <a:p>
+            <a:pPr algn="ctr"/>
+            <a:endParaRPr lang="en-US" dirty="0"/>
+          </a:p>
+        </p:txBody>
+      </p:sp>
+      <p:pic>
+        <p:nvPicPr>
+          <p:cNvPr id="27" name="26 Imagen" descr="earthquake.png"/>
+          <p:cNvPicPr>
+            <a:picLocks noChangeAspect="1"/>
+          </p:cNvPicPr>
+          <p:nvPr/>
+        </p:nvPicPr>
+        <p:blipFill>
+          <a:blip r:embed="rId5" cstate="print"/>
+          <a:stretch>
+            <a:fillRect/>
+          </a:stretch>
+        </p:blipFill>
+        <p:spPr>
+          <a:xfrm>
+            <a:off x="4969979" y="4692875"/>
+            <a:ext cx="520246" cy="520246"/>
+          </a:xfrm>
+          <a:prstGeom prst="rect">
+            <a:avLst/>
+          </a:prstGeom>
+        </p:spPr>
+      </p:pic>
+      <p:pic>
+        <p:nvPicPr>
+          <p:cNvPr id="31" name="30 Imagen" descr="wave-512.png"/>
+          <p:cNvPicPr>
+            <a:picLocks noChangeAspect="1"/>
+          </p:cNvPicPr>
+          <p:nvPr/>
+        </p:nvPicPr>
+        <p:blipFill>
+          <a:blip r:embed="rId6" cstate="print"/>
+          <a:stretch>
+            <a:fillRect/>
+          </a:stretch>
+        </p:blipFill>
+        <p:spPr>
+          <a:xfrm>
+            <a:off x="4906336" y="2433083"/>
+            <a:ext cx="548166" cy="601330"/>
+          </a:xfrm>
+          <a:prstGeom prst="rect">
+            <a:avLst/>
+          </a:prstGeom>
+        </p:spPr>
+      </p:pic>
+      <p:pic>
+        <p:nvPicPr>
+          <p:cNvPr id="35" name="34 Imagen" descr="bomb.png"/>
+          <p:cNvPicPr>
+            <a:picLocks noChangeAspect="1"/>
+          </p:cNvPicPr>
+          <p:nvPr/>
+        </p:nvPicPr>
+        <p:blipFill>
+          <a:blip r:embed="rId7" cstate="print"/>
+          <a:stretch>
+            <a:fillRect/>
+          </a:stretch>
+        </p:blipFill>
+        <p:spPr>
+          <a:xfrm>
+            <a:off x="4937064" y="3178530"/>
+            <a:ext cx="537535" cy="537535"/>
+          </a:xfrm>
+          <a:prstGeom prst="rect">
+            <a:avLst/>
+          </a:prstGeom>
+        </p:spPr>
+      </p:pic>
+      <p:sp>
+        <p:nvSpPr>
+          <p:cNvPr id="16" name="Rectangle 27">
+            <a:hlinkClick r:id="rId3" action="ppaction://hlinksldjump"/>
+          </p:cNvPr>
+          <p:cNvSpPr/>
+          <p:nvPr/>
+        </p:nvSpPr>
+        <p:spPr>
+          <a:xfrm>
+            <a:off x="4827312" y="3865029"/>
+            <a:ext cx="2585500" cy="684463"/>
+          </a:xfrm>
+          <a:prstGeom prst="rect">
+            <a:avLst/>
+          </a:prstGeom>
+          <a:solidFill>
+            <a:schemeClr val="tx2">
+              <a:lumMod val="40000"/>
+              <a:lumOff val="60000"/>
+            </a:schemeClr>
+          </a:solidFill>
+          <a:ln/>
+        </p:spPr>
+        <p:style>
+          <a:lnRef idx="1">
+            <a:schemeClr val="accent6"/>
+          </a:lnRef>
+          <a:fillRef idx="2">
+            <a:schemeClr val="accent6"/>
+          </a:fillRef>
+          <a:effectRef idx="1">
+            <a:schemeClr val="accent6"/>
+          </a:effectRef>
+          <a:fontRef idx="minor">
+            <a:schemeClr val="dk1"/>
+          </a:fontRef>
+        </p:style>
+        <p:txBody>
+          <a:bodyPr rtlCol="0" anchor="ctr"/>
+          <a:lstStyle/>
+          <a:p>
+            <a:pPr algn="ctr"/>
+            <a:endParaRPr lang="en-US" dirty="0"/>
+          </a:p>
+        </p:txBody>
+      </p:sp>
+      <p:sp>
+        <p:nvSpPr>
+          <p:cNvPr id="17" name="Rectangle 12">
+            <a:hlinkClick r:id="rId3" action="ppaction://hlinksldjump"/>
+          </p:cNvPr>
+          <p:cNvSpPr/>
+          <p:nvPr/>
+        </p:nvSpPr>
+        <p:spPr>
+          <a:xfrm>
+            <a:off x="5568023" y="4015130"/>
+            <a:ext cx="1066800" cy="370800"/>
+          </a:xfrm>
+          <a:prstGeom prst="rect">
+            <a:avLst/>
+          </a:prstGeom>
+          <a:noFill/>
+          <a:ln>
+            <a:noFill/>
+          </a:ln>
+        </p:spPr>
+        <p:style>
+          <a:lnRef idx="2">
+            <a:schemeClr val="dk1"/>
+          </a:lnRef>
+          <a:fillRef idx="1">
+            <a:schemeClr val="lt1"/>
+          </a:fillRef>
+          <a:effectRef idx="0">
+            <a:schemeClr val="dk1"/>
+          </a:effectRef>
+          <a:fontRef idx="minor">
+            <a:schemeClr val="dk1"/>
+          </a:fontRef>
+        </p:style>
+        <p:txBody>
+          <a:bodyPr rtlCol="0" anchor="ctr"/>
+          <a:lstStyle/>
+          <a:p>
+            <a:pPr algn="ctr"/>
+            <a:r>
+              <a:rPr lang="en-GB" sz="1100" dirty="0" smtClean="0"/>
+              <a:t>Tornado</a:t>
+            </a:r>
+          </a:p>
+        </p:txBody>
+      </p:sp>
+      <p:pic>
+        <p:nvPicPr>
+          <p:cNvPr id="18" name="17 Imagen" descr="tornado.png"/>
+          <p:cNvPicPr>
+            <a:picLocks noChangeAspect="1"/>
+          </p:cNvPicPr>
+          <p:nvPr/>
+        </p:nvPicPr>
+        <p:blipFill>
+          <a:blip r:embed="rId8" cstate="print"/>
+          <a:stretch>
+            <a:fillRect/>
+          </a:stretch>
+        </p:blipFill>
+        <p:spPr>
+          <a:xfrm>
+            <a:off x="4922296" y="3978441"/>
+            <a:ext cx="557072" cy="496579"/>
+          </a:xfrm>
+          <a:prstGeom prst="rect">
+            <a:avLst/>
+          </a:prstGeom>
+        </p:spPr>
+      </p:pic>
+      <p:sp>
+        <p:nvSpPr>
+          <p:cNvPr id="20" name="Rectangle 35">
+            <a:hlinkClick r:id="rId3" action="ppaction://hlinksldjump"/>
+          </p:cNvPr>
+          <p:cNvSpPr/>
+          <p:nvPr/>
+        </p:nvSpPr>
+        <p:spPr>
+          <a:xfrm>
+            <a:off x="4827313" y="1592861"/>
+            <a:ext cx="2560077" cy="701160"/>
+          </a:xfrm>
+          <a:prstGeom prst="rect">
+            <a:avLst/>
+          </a:prstGeom>
+          <a:solidFill>
+            <a:schemeClr val="accent2">
+              <a:lumMod val="40000"/>
+              <a:lumOff val="60000"/>
+            </a:schemeClr>
+          </a:solidFill>
+          <a:ln/>
+        </p:spPr>
+        <p:style>
+          <a:lnRef idx="1">
+            <a:schemeClr val="accent1"/>
+          </a:lnRef>
+          <a:fillRef idx="2">
+            <a:schemeClr val="accent1"/>
+          </a:fillRef>
+          <a:effectRef idx="1">
+            <a:schemeClr val="accent1"/>
+          </a:effectRef>
+          <a:fontRef idx="minor">
+            <a:schemeClr val="dk1"/>
+          </a:fontRef>
+        </p:style>
+        <p:txBody>
+          <a:bodyPr rtlCol="0" anchor="ctr"/>
+          <a:lstStyle/>
+          <a:p>
+            <a:pPr algn="ctr"/>
+            <a:endParaRPr lang="en-US" dirty="0"/>
+          </a:p>
+        </p:txBody>
+      </p:sp>
+      <p:sp>
+        <p:nvSpPr>
+          <p:cNvPr id="21" name="Rectangle 24"/>
+          <p:cNvSpPr/>
+          <p:nvPr/>
+        </p:nvSpPr>
+        <p:spPr>
+          <a:xfrm>
+            <a:off x="5183626" y="1765736"/>
+            <a:ext cx="1778648" cy="370800"/>
+          </a:xfrm>
+          <a:prstGeom prst="rect">
+            <a:avLst/>
+          </a:prstGeom>
+          <a:noFill/>
+          <a:ln>
+            <a:noFill/>
+          </a:ln>
+        </p:spPr>
+        <p:style>
+          <a:lnRef idx="2">
+            <a:schemeClr val="dk1"/>
+          </a:lnRef>
+          <a:fillRef idx="1">
+            <a:schemeClr val="lt1"/>
+          </a:fillRef>
+          <a:effectRef idx="0">
+            <a:schemeClr val="dk1"/>
+          </a:effectRef>
+          <a:fontRef idx="minor">
+            <a:schemeClr val="dk1"/>
+          </a:fontRef>
+        </p:style>
+        <p:txBody>
+          <a:bodyPr rtlCol="0" anchor="ctr"/>
+          <a:lstStyle/>
+          <a:p>
+            <a:pPr algn="ctr"/>
+            <a:r>
+              <a:rPr lang="en-GB" sz="1100" dirty="0" smtClean="0"/>
+              <a:t>General preparation for any emergency</a:t>
+            </a:r>
+            <a:endParaRPr lang="en-US" sz="1100" dirty="0"/>
+          </a:p>
+        </p:txBody>
+      </p:sp>
+    </p:spTree>
+    <p:extLst>
+      <p:ext uri="{BB962C8B-B14F-4D97-AF65-F5344CB8AC3E}">
+        <p14:creationId xmlns="" xmlns:p14="http://schemas.microsoft.com/office/powerpoint/2010/main" val="283767647"/>
+      </p:ext>
+    </p:extLst>
+  </p:cSld>
+  <p:clrMapOvr>
+    <a:masterClrMapping/>
+  </p:clrMapOvr>
+  <mc:AlternateContent xmlns:mc="http://schemas.openxmlformats.org/markup-compatibility/2006">
+    <mc:Choice xmlns="" xmlns:p14="http://schemas.microsoft.com/office/powerpoint/2010/main" Requires="p14">
+      <p:transition spd="slow" p14:dur="2000" advClick="0"/>
+    </mc:Choice>
+    <mc:Fallback>
+      <p:transition spd="slow" advClick="0"/>
+    </mc:Fallback>
+  </mc:AlternateContent>
+  <p:timing>
+    <p:tnLst>
+      <p:par>
+        <p:cTn id="1" dur="indefinite" restart="never" nodeType="tmRoot"/>
+      </p:par>
+    </p:tnLst>
+  </p:timing>
+</p:sld>
+</file>
+
+<file path=ppt/slides/slide6.xml><?xml version="1.0" encoding="utf-8"?>
 <p:sld xmlns:a="http://schemas.openxmlformats.org/drawingml/2006/main" xmlns:r="http://schemas.openxmlformats.org/officeDocument/2006/relationships" xmlns:p="http://schemas.openxmlformats.org/presentationml/2006/main">
   <p:cSld>
     <p:spTree>
@@ -11640,7 +12534,7 @@
     </p:spTree>
     <p:extLst>
       <p:ext uri="{BB962C8B-B14F-4D97-AF65-F5344CB8AC3E}">
-        <p14:creationId xmlns:p14="http://schemas.microsoft.com/office/powerpoint/2010/main" xmlns="" val="283767647"/>
+        <p14:creationId xmlns="" xmlns:p14="http://schemas.microsoft.com/office/powerpoint/2010/main" val="283767647"/>
       </p:ext>
     </p:extLst>
   </p:cSld>
@@ -11648,7 +12542,7 @@
     <a:masterClrMapping/>
   </p:clrMapOvr>
   <mc:AlternateContent xmlns:mc="http://schemas.openxmlformats.org/markup-compatibility/2006">
-    <mc:Choice xmlns:p14="http://schemas.microsoft.com/office/powerpoint/2010/main" xmlns="" Requires="p14">
+    <mc:Choice xmlns="" xmlns:p14="http://schemas.microsoft.com/office/powerpoint/2010/main" Requires="p14">
       <p:transition spd="slow" p14:dur="2000" advClick="0"/>
     </mc:Choice>
     <mc:Fallback>
@@ -11665,7 +12559,7 @@
 </p:sld>
 </file>
 
-<file path=ppt/slides/slide6.xml><?xml version="1.0" encoding="utf-8"?>
+<file path=ppt/slides/slide7.xml><?xml version="1.0" encoding="utf-8"?>
 <p:sld xmlns:a="http://schemas.openxmlformats.org/drawingml/2006/main" xmlns:r="http://schemas.openxmlformats.org/officeDocument/2006/relationships" xmlns:p="http://schemas.openxmlformats.org/presentationml/2006/main">
   <p:cSld>
     <p:spTree>
@@ -12570,7 +13464,7 @@
     </p:spTree>
     <p:extLst>
       <p:ext uri="{BB962C8B-B14F-4D97-AF65-F5344CB8AC3E}">
-        <p14:creationId xmlns:p14="http://schemas.microsoft.com/office/powerpoint/2010/main" xmlns="" val="283767647"/>
+        <p14:creationId xmlns="" xmlns:p14="http://schemas.microsoft.com/office/powerpoint/2010/main" val="283767647"/>
       </p:ext>
     </p:extLst>
   </p:cSld>
@@ -12578,7 +13472,7 @@
     <a:masterClrMapping/>
   </p:clrMapOvr>
   <mc:AlternateContent xmlns:mc="http://schemas.openxmlformats.org/markup-compatibility/2006">
-    <mc:Choice xmlns:p14="http://schemas.microsoft.com/office/powerpoint/2010/main" xmlns="" Requires="p14">
+    <mc:Choice xmlns="" xmlns:p14="http://schemas.microsoft.com/office/powerpoint/2010/main" Requires="p14">
       <p:transition spd="slow" p14:dur="2000" advClick="0"/>
     </mc:Choice>
     <mc:Fallback>
@@ -12595,7 +13489,7 @@
 </p:sld>
 </file>
 
-<file path=ppt/slides/slide7.xml><?xml version="1.0" encoding="utf-8"?>
+<file path=ppt/slides/slide8.xml><?xml version="1.0" encoding="utf-8"?>
 <p:sld xmlns:a="http://schemas.openxmlformats.org/drawingml/2006/main" xmlns:r="http://schemas.openxmlformats.org/officeDocument/2006/relationships" xmlns:p="http://schemas.openxmlformats.org/presentationml/2006/main">
   <p:cSld>
     <p:spTree>
@@ -13506,7 +14400,7 @@
     </p:spTree>
     <p:extLst>
       <p:ext uri="{BB962C8B-B14F-4D97-AF65-F5344CB8AC3E}">
-        <p14:creationId xmlns:p14="http://schemas.microsoft.com/office/powerpoint/2010/main" xmlns="" val="283767647"/>
+        <p14:creationId xmlns="" xmlns:p14="http://schemas.microsoft.com/office/powerpoint/2010/main" val="283767647"/>
       </p:ext>
     </p:extLst>
   </p:cSld>
@@ -13514,831 +14408,7 @@
     <a:masterClrMapping/>
   </p:clrMapOvr>
   <mc:AlternateContent xmlns:mc="http://schemas.openxmlformats.org/markup-compatibility/2006">
-    <mc:Choice xmlns:p14="http://schemas.microsoft.com/office/powerpoint/2010/main" xmlns="" Requires="p14">
-      <p:transition spd="slow" p14:dur="2000" advClick="0"/>
-    </mc:Choice>
-    <mc:Fallback>
-      <p:transition spd="slow" advClick="0"/>
-    </mc:Fallback>
-  </mc:AlternateContent>
-  <p:timing>
-    <p:tnLst>
-      <p:par>
-        <p:cTn id="1" dur="indefinite" restart="never" nodeType="tmRoot"/>
-      </p:par>
-    </p:tnLst>
-  </p:timing>
-</p:sld>
-</file>
-
-<file path=ppt/slides/slide8.xml><?xml version="1.0" encoding="utf-8"?>
-<p:sld xmlns:a="http://schemas.openxmlformats.org/drawingml/2006/main" xmlns:r="http://schemas.openxmlformats.org/officeDocument/2006/relationships" xmlns:p="http://schemas.openxmlformats.org/presentationml/2006/main">
-  <p:cSld>
-    <p:spTree>
-      <p:nvGrpSpPr>
-        <p:cNvPr id="1" name=""/>
-        <p:cNvGrpSpPr/>
-        <p:nvPr/>
-      </p:nvGrpSpPr>
-      <p:grpSpPr>
-        <a:xfrm>
-          <a:off x="0" y="0"/>
-          <a:ext cx="0" cy="0"/>
-          <a:chOff x="0" y="0"/>
-          <a:chExt cx="0" cy="0"/>
-        </a:xfrm>
-      </p:grpSpPr>
-      <p:pic>
-        <p:nvPicPr>
-          <p:cNvPr id="6" name="Picture 5"/>
-          <p:cNvPicPr>
-            <a:picLocks noChangeAspect="1"/>
-          </p:cNvPicPr>
-          <p:nvPr/>
-        </p:nvPicPr>
-        <p:blipFill>
-          <a:blip r:embed="rId2" cstate="print"/>
-          <a:stretch>
-            <a:fillRect/>
-          </a:stretch>
-        </p:blipFill>
-        <p:spPr>
-          <a:xfrm>
-            <a:off x="4547971" y="242443"/>
-            <a:ext cx="3096057" cy="6373114"/>
-          </a:xfrm>
-          <a:prstGeom prst="rect">
-            <a:avLst/>
-          </a:prstGeom>
-        </p:spPr>
-      </p:pic>
-      <p:sp>
-        <p:nvSpPr>
-          <p:cNvPr id="28" name="Rectangle 27"/>
-          <p:cNvSpPr/>
-          <p:nvPr/>
-        </p:nvSpPr>
-        <p:spPr>
-          <a:xfrm>
-            <a:off x="4803248" y="1515608"/>
-            <a:ext cx="2618278" cy="398254"/>
-          </a:xfrm>
-          <a:prstGeom prst="rect">
-            <a:avLst/>
-          </a:prstGeom>
-          <a:solidFill>
-            <a:srgbClr val="FF5B5B"/>
-          </a:solidFill>
-          <a:ln>
-            <a:solidFill>
-              <a:schemeClr val="tx1"/>
-            </a:solidFill>
-          </a:ln>
-        </p:spPr>
-        <p:style>
-          <a:lnRef idx="1">
-            <a:schemeClr val="accent6"/>
-          </a:lnRef>
-          <a:fillRef idx="2">
-            <a:schemeClr val="accent6"/>
-          </a:fillRef>
-          <a:effectRef idx="1">
-            <a:schemeClr val="accent6"/>
-          </a:effectRef>
-          <a:fontRef idx="minor">
-            <a:schemeClr val="dk1"/>
-          </a:fontRef>
-        </p:style>
-        <p:txBody>
-          <a:bodyPr rtlCol="0" anchor="ctr"/>
-          <a:lstStyle/>
-          <a:p>
-            <a:pPr algn="ctr"/>
-            <a:endParaRPr lang="en-US" dirty="0"/>
-          </a:p>
-        </p:txBody>
-      </p:sp>
-      <p:sp>
-        <p:nvSpPr>
-          <p:cNvPr id="48" name="TextBox 47"/>
-          <p:cNvSpPr txBox="1"/>
-          <p:nvPr/>
-        </p:nvSpPr>
-        <p:spPr>
-          <a:xfrm>
-            <a:off x="4813300" y="1175561"/>
-            <a:ext cx="2628900" cy="369332"/>
-          </a:xfrm>
-          <a:prstGeom prst="rect">
-            <a:avLst/>
-          </a:prstGeom>
-          <a:solidFill>
-            <a:schemeClr val="accent2"/>
-          </a:solidFill>
-        </p:spPr>
-        <p:txBody>
-          <a:bodyPr wrap="square" rtlCol="0">
-            <a:spAutoFit/>
-          </a:bodyPr>
-          <a:lstStyle/>
-          <a:p>
-            <a:pPr algn="ctr"/>
-            <a:r>
-              <a:rPr lang="en-GB" dirty="0" smtClean="0">
-                <a:solidFill>
-                  <a:schemeClr val="bg1"/>
-                </a:solidFill>
-              </a:rPr>
-              <a:t>Survive</a:t>
-            </a:r>
-            <a:endParaRPr lang="en-US" dirty="0">
-              <a:solidFill>
-                <a:schemeClr val="bg1"/>
-              </a:solidFill>
-            </a:endParaRPr>
-          </a:p>
-        </p:txBody>
-      </p:sp>
-      <p:sp>
-        <p:nvSpPr>
-          <p:cNvPr id="13" name="Rectangle 12"/>
-          <p:cNvSpPr/>
-          <p:nvPr/>
-        </p:nvSpPr>
-        <p:spPr>
-          <a:xfrm>
-            <a:off x="5594201" y="1549335"/>
-            <a:ext cx="1066800" cy="370800"/>
-          </a:xfrm>
-          <a:prstGeom prst="rect">
-            <a:avLst/>
-          </a:prstGeom>
-          <a:noFill/>
-          <a:ln>
-            <a:noFill/>
-          </a:ln>
-        </p:spPr>
-        <p:style>
-          <a:lnRef idx="2">
-            <a:schemeClr val="dk1"/>
-          </a:lnRef>
-          <a:fillRef idx="1">
-            <a:schemeClr val="lt1"/>
-          </a:fillRef>
-          <a:effectRef idx="0">
-            <a:schemeClr val="dk1"/>
-          </a:effectRef>
-          <a:fontRef idx="minor">
-            <a:schemeClr val="dk1"/>
-          </a:fontRef>
-        </p:style>
-        <p:txBody>
-          <a:bodyPr rtlCol="0" anchor="ctr"/>
-          <a:lstStyle/>
-          <a:p>
-            <a:pPr algn="ctr"/>
-            <a:r>
-              <a:rPr lang="en-GB" sz="1100" dirty="0" smtClean="0"/>
-              <a:t>Basic needs</a:t>
-            </a:r>
-            <a:endParaRPr lang="en-US" sz="1100" dirty="0"/>
-          </a:p>
-        </p:txBody>
-      </p:sp>
-      <p:sp>
-        <p:nvSpPr>
-          <p:cNvPr id="51" name="Rectangle 50"/>
-          <p:cNvSpPr/>
-          <p:nvPr/>
-        </p:nvSpPr>
-        <p:spPr>
-          <a:xfrm>
-            <a:off x="6515067" y="1803218"/>
-            <a:ext cx="1066800" cy="370800"/>
-          </a:xfrm>
-          <a:prstGeom prst="rect">
-            <a:avLst/>
-          </a:prstGeom>
-          <a:noFill/>
-          <a:ln>
-            <a:noFill/>
-          </a:ln>
-        </p:spPr>
-        <p:style>
-          <a:lnRef idx="2">
-            <a:schemeClr val="dk1"/>
-          </a:lnRef>
-          <a:fillRef idx="1">
-            <a:schemeClr val="lt1"/>
-          </a:fillRef>
-          <a:effectRef idx="0">
-            <a:schemeClr val="dk1"/>
-          </a:effectRef>
-          <a:fontRef idx="minor">
-            <a:schemeClr val="dk1"/>
-          </a:fontRef>
-        </p:style>
-        <p:txBody>
-          <a:bodyPr rtlCol="0" anchor="ctr"/>
-          <a:lstStyle/>
-          <a:p>
-            <a:pPr marL="171450" indent="-171450" algn="ctr">
-              <a:buFont typeface="Wingdings" panose="05000000000000000000" pitchFamily="2" charset="2"/>
-              <a:buChar char="ü"/>
-            </a:pPr>
-            <a:endParaRPr lang="en-US" sz="1100" dirty="0"/>
-          </a:p>
-        </p:txBody>
-      </p:sp>
-      <p:pic>
-        <p:nvPicPr>
-          <p:cNvPr id="62" name="Picture 61"/>
-          <p:cNvPicPr>
-            <a:picLocks noChangeAspect="1"/>
-          </p:cNvPicPr>
-          <p:nvPr/>
-        </p:nvPicPr>
-        <p:blipFill rotWithShape="1">
-          <a:blip r:embed="rId2" cstate="print"/>
-          <a:srcRect t="85496"/>
-          <a:stretch/>
-        </p:blipFill>
-        <p:spPr>
-          <a:xfrm>
-            <a:off x="4547970" y="5691187"/>
-            <a:ext cx="3096057" cy="924369"/>
-          </a:xfrm>
-          <a:prstGeom prst="rect">
-            <a:avLst/>
-          </a:prstGeom>
-        </p:spPr>
-      </p:pic>
-      <p:sp>
-        <p:nvSpPr>
-          <p:cNvPr id="65" name="Rectangle 64">
-            <a:hlinkClick r:id="rId3" action="ppaction://hlinksldjump"/>
-          </p:cNvPr>
-          <p:cNvSpPr/>
-          <p:nvPr/>
-        </p:nvSpPr>
-        <p:spPr>
-          <a:xfrm>
-            <a:off x="5822950" y="5842000"/>
-            <a:ext cx="539750" cy="567918"/>
-          </a:xfrm>
-          <a:prstGeom prst="rect">
-            <a:avLst/>
-          </a:prstGeom>
-          <a:solidFill>
-            <a:schemeClr val="bg1">
-              <a:alpha val="0"/>
-            </a:schemeClr>
-          </a:solidFill>
-          <a:ln>
-            <a:solidFill>
-              <a:schemeClr val="bg1">
-                <a:alpha val="0"/>
-              </a:schemeClr>
-            </a:solidFill>
-          </a:ln>
-        </p:spPr>
-        <p:style>
-          <a:lnRef idx="2">
-            <a:schemeClr val="accent1">
-              <a:shade val="50000"/>
-            </a:schemeClr>
-          </a:lnRef>
-          <a:fillRef idx="1">
-            <a:schemeClr val="accent1"/>
-          </a:fillRef>
-          <a:effectRef idx="0">
-            <a:schemeClr val="accent1"/>
-          </a:effectRef>
-          <a:fontRef idx="minor">
-            <a:schemeClr val="lt1"/>
-          </a:fontRef>
-        </p:style>
-        <p:txBody>
-          <a:bodyPr rtlCol="0" anchor="ctr"/>
-          <a:lstStyle/>
-          <a:p>
-            <a:pPr algn="ctr"/>
-            <a:endParaRPr lang="en-US" dirty="0"/>
-          </a:p>
-        </p:txBody>
-      </p:sp>
-      <p:sp>
-        <p:nvSpPr>
-          <p:cNvPr id="17" name="Rectangle 33"/>
-          <p:cNvSpPr/>
-          <p:nvPr/>
-        </p:nvSpPr>
-        <p:spPr>
-          <a:xfrm>
-            <a:off x="4819981" y="1937923"/>
-            <a:ext cx="2580280" cy="3774559"/>
-          </a:xfrm>
-          <a:prstGeom prst="rect">
-            <a:avLst/>
-          </a:prstGeom>
-          <a:solidFill>
-            <a:schemeClr val="bg1"/>
-          </a:solidFill>
-          <a:ln>
-            <a:solidFill>
-              <a:schemeClr val="tx1"/>
-            </a:solidFill>
-          </a:ln>
-        </p:spPr>
-        <p:style>
-          <a:lnRef idx="2">
-            <a:schemeClr val="accent1">
-              <a:shade val="50000"/>
-            </a:schemeClr>
-          </a:lnRef>
-          <a:fillRef idx="1">
-            <a:schemeClr val="accent1"/>
-          </a:fillRef>
-          <a:effectRef idx="0">
-            <a:schemeClr val="accent1"/>
-          </a:effectRef>
-          <a:fontRef idx="minor">
-            <a:schemeClr val="lt1"/>
-          </a:fontRef>
-        </p:style>
-        <p:txBody>
-          <a:bodyPr rtlCol="0" anchor="ctr"/>
-          <a:lstStyle/>
-          <a:p>
-            <a:pPr marL="171450" indent="-171450" algn="ctr">
-              <a:buFont typeface="Wingdings" panose="05000000000000000000" pitchFamily="2" charset="2"/>
-              <a:buChar char="ü"/>
-            </a:pPr>
-            <a:r>
-              <a:rPr lang="en-GB" dirty="0" smtClean="0"/>
-              <a:t> </a:t>
-            </a:r>
-            <a:endParaRPr lang="en-US" dirty="0"/>
-          </a:p>
-        </p:txBody>
-      </p:sp>
-      <p:sp>
-        <p:nvSpPr>
-          <p:cNvPr id="18" name="Rectangle 33"/>
-          <p:cNvSpPr/>
-          <p:nvPr/>
-        </p:nvSpPr>
-        <p:spPr>
-          <a:xfrm>
-            <a:off x="7070651" y="2083981"/>
-            <a:ext cx="159488" cy="148856"/>
-          </a:xfrm>
-          <a:prstGeom prst="rect">
-            <a:avLst/>
-          </a:prstGeom>
-          <a:solidFill>
-            <a:schemeClr val="bg1"/>
-          </a:solidFill>
-          <a:ln>
-            <a:solidFill>
-              <a:schemeClr val="tx1"/>
-            </a:solidFill>
-          </a:ln>
-        </p:spPr>
-        <p:style>
-          <a:lnRef idx="2">
-            <a:schemeClr val="accent1">
-              <a:shade val="50000"/>
-            </a:schemeClr>
-          </a:lnRef>
-          <a:fillRef idx="1">
-            <a:schemeClr val="accent1"/>
-          </a:fillRef>
-          <a:effectRef idx="0">
-            <a:schemeClr val="accent1"/>
-          </a:effectRef>
-          <a:fontRef idx="minor">
-            <a:schemeClr val="lt1"/>
-          </a:fontRef>
-        </p:style>
-        <p:txBody>
-          <a:bodyPr rtlCol="0" anchor="ctr"/>
-          <a:lstStyle/>
-          <a:p>
-            <a:pPr algn="ctr"/>
-            <a:endParaRPr lang="en-US" dirty="0">
-              <a:solidFill>
-                <a:schemeClr val="tx1"/>
-              </a:solidFill>
-            </a:endParaRPr>
-          </a:p>
-        </p:txBody>
-      </p:sp>
-      <p:sp>
-        <p:nvSpPr>
-          <p:cNvPr id="19" name="Rectangle 12"/>
-          <p:cNvSpPr/>
-          <p:nvPr/>
-        </p:nvSpPr>
-        <p:spPr>
-          <a:xfrm>
-            <a:off x="4757153" y="2008951"/>
-            <a:ext cx="1650441" cy="370800"/>
-          </a:xfrm>
-          <a:prstGeom prst="rect">
-            <a:avLst/>
-          </a:prstGeom>
-          <a:noFill/>
-          <a:ln>
-            <a:noFill/>
-          </a:ln>
-        </p:spPr>
-        <p:style>
-          <a:lnRef idx="2">
-            <a:schemeClr val="dk1"/>
-          </a:lnRef>
-          <a:fillRef idx="1">
-            <a:schemeClr val="lt1"/>
-          </a:fillRef>
-          <a:effectRef idx="0">
-            <a:schemeClr val="dk1"/>
-          </a:effectRef>
-          <a:fontRef idx="minor">
-            <a:schemeClr val="dk1"/>
-          </a:fontRef>
-        </p:style>
-        <p:txBody>
-          <a:bodyPr rtlCol="0" anchor="ctr"/>
-          <a:lstStyle/>
-          <a:p>
-            <a:pPr algn="ctr"/>
-            <a:r>
-              <a:rPr lang="es-ES" sz="1100" dirty="0" err="1" smtClean="0"/>
-              <a:t>Add</a:t>
-            </a:r>
-            <a:r>
-              <a:rPr lang="es-ES" sz="1100" dirty="0" smtClean="0"/>
-              <a:t> </a:t>
-            </a:r>
-            <a:r>
-              <a:rPr lang="es-ES" sz="1100" dirty="0" err="1" smtClean="0"/>
-              <a:t>question</a:t>
-            </a:r>
-            <a:endParaRPr lang="en-US" sz="1100" dirty="0"/>
-          </a:p>
-        </p:txBody>
-      </p:sp>
-      <p:sp>
-        <p:nvSpPr>
-          <p:cNvPr id="20" name="Rectangle 33"/>
-          <p:cNvSpPr/>
-          <p:nvPr/>
-        </p:nvSpPr>
-        <p:spPr>
-          <a:xfrm>
-            <a:off x="7074195" y="2395869"/>
-            <a:ext cx="159488" cy="148856"/>
-          </a:xfrm>
-          <a:prstGeom prst="rect">
-            <a:avLst/>
-          </a:prstGeom>
-          <a:solidFill>
-            <a:schemeClr val="bg1"/>
-          </a:solidFill>
-          <a:ln>
-            <a:solidFill>
-              <a:schemeClr val="tx1"/>
-            </a:solidFill>
-          </a:ln>
-        </p:spPr>
-        <p:style>
-          <a:lnRef idx="2">
-            <a:schemeClr val="accent1">
-              <a:shade val="50000"/>
-            </a:schemeClr>
-          </a:lnRef>
-          <a:fillRef idx="1">
-            <a:schemeClr val="accent1"/>
-          </a:fillRef>
-          <a:effectRef idx="0">
-            <a:schemeClr val="accent1"/>
-          </a:effectRef>
-          <a:fontRef idx="minor">
-            <a:schemeClr val="lt1"/>
-          </a:fontRef>
-        </p:style>
-        <p:txBody>
-          <a:bodyPr rtlCol="0" anchor="ctr"/>
-          <a:lstStyle/>
-          <a:p>
-            <a:pPr algn="ctr"/>
-            <a:endParaRPr lang="en-US" dirty="0">
-              <a:solidFill>
-                <a:schemeClr val="tx1"/>
-              </a:solidFill>
-            </a:endParaRPr>
-          </a:p>
-        </p:txBody>
-      </p:sp>
-      <p:sp>
-        <p:nvSpPr>
-          <p:cNvPr id="21" name="Rectangle 33"/>
-          <p:cNvSpPr/>
-          <p:nvPr/>
-        </p:nvSpPr>
-        <p:spPr>
-          <a:xfrm>
-            <a:off x="7074196" y="2682948"/>
-            <a:ext cx="159488" cy="148856"/>
-          </a:xfrm>
-          <a:prstGeom prst="rect">
-            <a:avLst/>
-          </a:prstGeom>
-          <a:solidFill>
-            <a:schemeClr val="bg1"/>
-          </a:solidFill>
-          <a:ln>
-            <a:solidFill>
-              <a:schemeClr val="tx1"/>
-            </a:solidFill>
-          </a:ln>
-        </p:spPr>
-        <p:style>
-          <a:lnRef idx="2">
-            <a:schemeClr val="accent1">
-              <a:shade val="50000"/>
-            </a:schemeClr>
-          </a:lnRef>
-          <a:fillRef idx="1">
-            <a:schemeClr val="accent1"/>
-          </a:fillRef>
-          <a:effectRef idx="0">
-            <a:schemeClr val="accent1"/>
-          </a:effectRef>
-          <a:fontRef idx="minor">
-            <a:schemeClr val="lt1"/>
-          </a:fontRef>
-        </p:style>
-        <p:txBody>
-          <a:bodyPr rtlCol="0" anchor="ctr"/>
-          <a:lstStyle/>
-          <a:p>
-            <a:pPr algn="ctr"/>
-            <a:endParaRPr lang="en-US" dirty="0">
-              <a:solidFill>
-                <a:schemeClr val="tx1"/>
-              </a:solidFill>
-            </a:endParaRPr>
-          </a:p>
-        </p:txBody>
-      </p:sp>
-      <p:sp>
-        <p:nvSpPr>
-          <p:cNvPr id="26" name="25 Rectángulo"/>
-          <p:cNvSpPr/>
-          <p:nvPr/>
-        </p:nvSpPr>
-        <p:spPr>
-          <a:xfrm>
-            <a:off x="7046284" y="2290872"/>
-            <a:ext cx="244549" cy="369332"/>
-          </a:xfrm>
-          <a:prstGeom prst="rect">
-            <a:avLst/>
-          </a:prstGeom>
-        </p:spPr>
-        <p:txBody>
-          <a:bodyPr wrap="square">
-            <a:spAutoFit/>
-          </a:bodyPr>
-          <a:lstStyle/>
-          <a:p>
-            <a:pPr marL="171450" indent="-171450" algn="ctr">
-              <a:buFont typeface="Wingdings" panose="05000000000000000000" pitchFamily="2" charset="2"/>
-              <a:buChar char="ü"/>
-            </a:pPr>
-            <a:r>
-              <a:rPr lang="en-GB" dirty="0" smtClean="0"/>
-              <a:t> </a:t>
-            </a:r>
-            <a:endParaRPr lang="en-US" dirty="0"/>
-          </a:p>
-        </p:txBody>
-      </p:sp>
-      <p:sp>
-        <p:nvSpPr>
-          <p:cNvPr id="32" name="Rectangle 12"/>
-          <p:cNvSpPr/>
-          <p:nvPr/>
-        </p:nvSpPr>
-        <p:spPr>
-          <a:xfrm>
-            <a:off x="4755398" y="2280329"/>
-            <a:ext cx="1658102" cy="370800"/>
-          </a:xfrm>
-          <a:prstGeom prst="rect">
-            <a:avLst/>
-          </a:prstGeom>
-          <a:noFill/>
-          <a:ln>
-            <a:noFill/>
-          </a:ln>
-        </p:spPr>
-        <p:style>
-          <a:lnRef idx="2">
-            <a:schemeClr val="dk1"/>
-          </a:lnRef>
-          <a:fillRef idx="1">
-            <a:schemeClr val="lt1"/>
-          </a:fillRef>
-          <a:effectRef idx="0">
-            <a:schemeClr val="dk1"/>
-          </a:effectRef>
-          <a:fontRef idx="minor">
-            <a:schemeClr val="dk1"/>
-          </a:fontRef>
-        </p:style>
-        <p:txBody>
-          <a:bodyPr rtlCol="0" anchor="ctr"/>
-          <a:lstStyle/>
-          <a:p>
-            <a:pPr algn="ctr"/>
-            <a:r>
-              <a:rPr lang="es-ES" sz="1100" dirty="0" err="1" smtClean="0"/>
-              <a:t>Add</a:t>
-            </a:r>
-            <a:r>
-              <a:rPr lang="es-ES" sz="1100" dirty="0" smtClean="0"/>
-              <a:t> </a:t>
-            </a:r>
-            <a:r>
-              <a:rPr lang="es-ES" sz="1100" dirty="0" err="1" smtClean="0"/>
-              <a:t>question</a:t>
-            </a:r>
-            <a:endParaRPr lang="en-US" sz="1100" dirty="0"/>
-          </a:p>
-        </p:txBody>
-      </p:sp>
-      <p:sp>
-        <p:nvSpPr>
-          <p:cNvPr id="33" name="Rectangle 12"/>
-          <p:cNvSpPr/>
-          <p:nvPr/>
-        </p:nvSpPr>
-        <p:spPr>
-          <a:xfrm>
-            <a:off x="4625323" y="2566079"/>
-            <a:ext cx="1948597" cy="370800"/>
-          </a:xfrm>
-          <a:prstGeom prst="rect">
-            <a:avLst/>
-          </a:prstGeom>
-          <a:noFill/>
-          <a:ln>
-            <a:noFill/>
-          </a:ln>
-        </p:spPr>
-        <p:style>
-          <a:lnRef idx="2">
-            <a:schemeClr val="dk1"/>
-          </a:lnRef>
-          <a:fillRef idx="1">
-            <a:schemeClr val="lt1"/>
-          </a:fillRef>
-          <a:effectRef idx="0">
-            <a:schemeClr val="dk1"/>
-          </a:effectRef>
-          <a:fontRef idx="minor">
-            <a:schemeClr val="dk1"/>
-          </a:fontRef>
-        </p:style>
-        <p:txBody>
-          <a:bodyPr rtlCol="0" anchor="ctr"/>
-          <a:lstStyle/>
-          <a:p>
-            <a:pPr algn="ctr"/>
-            <a:r>
-              <a:rPr lang="es-ES" sz="1100" dirty="0" err="1" smtClean="0"/>
-              <a:t>Add</a:t>
-            </a:r>
-            <a:r>
-              <a:rPr lang="es-ES" sz="1100" dirty="0" smtClean="0"/>
-              <a:t> </a:t>
-            </a:r>
-            <a:r>
-              <a:rPr lang="es-ES" sz="1100" dirty="0" err="1" smtClean="0"/>
-              <a:t>question</a:t>
-            </a:r>
-            <a:endParaRPr lang="en-US" sz="1100" dirty="0"/>
-          </a:p>
-        </p:txBody>
-      </p:sp>
-      <p:sp>
-        <p:nvSpPr>
-          <p:cNvPr id="81" name="Rectangle 27">
-            <a:hlinkClick r:id="rId3" action="ppaction://hlinksldjump"/>
-          </p:cNvPr>
-          <p:cNvSpPr/>
-          <p:nvPr/>
-        </p:nvSpPr>
-        <p:spPr>
-          <a:xfrm>
-            <a:off x="4820653" y="5382126"/>
-            <a:ext cx="2574758" cy="293610"/>
-          </a:xfrm>
-          <a:prstGeom prst="rect">
-            <a:avLst/>
-          </a:prstGeom>
-          <a:solidFill>
-            <a:srgbClr val="FF5B5B"/>
-          </a:solidFill>
-          <a:ln>
-            <a:solidFill>
-              <a:schemeClr val="tx1"/>
-            </a:solidFill>
-          </a:ln>
-        </p:spPr>
-        <p:style>
-          <a:lnRef idx="1">
-            <a:schemeClr val="accent6"/>
-          </a:lnRef>
-          <a:fillRef idx="2">
-            <a:schemeClr val="accent6"/>
-          </a:fillRef>
-          <a:effectRef idx="1">
-            <a:schemeClr val="accent6"/>
-          </a:effectRef>
-          <a:fontRef idx="minor">
-            <a:schemeClr val="dk1"/>
-          </a:fontRef>
-        </p:style>
-        <p:txBody>
-          <a:bodyPr rtlCol="0" anchor="ctr"/>
-          <a:lstStyle/>
-          <a:p>
-            <a:pPr algn="ctr"/>
-            <a:endParaRPr lang="en-US" dirty="0"/>
-          </a:p>
-        </p:txBody>
-      </p:sp>
-      <p:sp>
-        <p:nvSpPr>
-          <p:cNvPr id="67" name="Rectangle 12"/>
-          <p:cNvSpPr/>
-          <p:nvPr/>
-        </p:nvSpPr>
-        <p:spPr>
-          <a:xfrm>
-            <a:off x="5257317" y="5335272"/>
-            <a:ext cx="1664852" cy="370800"/>
-          </a:xfrm>
-          <a:prstGeom prst="rect">
-            <a:avLst/>
-          </a:prstGeom>
-          <a:noFill/>
-          <a:ln>
-            <a:noFill/>
-          </a:ln>
-        </p:spPr>
-        <p:style>
-          <a:lnRef idx="2">
-            <a:schemeClr val="dk1"/>
-          </a:lnRef>
-          <a:fillRef idx="1">
-            <a:schemeClr val="lt1"/>
-          </a:fillRef>
-          <a:effectRef idx="0">
-            <a:schemeClr val="dk1"/>
-          </a:effectRef>
-          <a:fontRef idx="minor">
-            <a:schemeClr val="dk1"/>
-          </a:fontRef>
-        </p:style>
-        <p:txBody>
-          <a:bodyPr rtlCol="0" anchor="ctr"/>
-          <a:lstStyle/>
-          <a:p>
-            <a:pPr algn="ctr"/>
-            <a:r>
-              <a:rPr lang="en-GB" sz="1100" dirty="0" smtClean="0"/>
-              <a:t>Send </a:t>
-            </a:r>
-            <a:endParaRPr lang="en-US" sz="1100" dirty="0"/>
-          </a:p>
-        </p:txBody>
-      </p:sp>
-    </p:spTree>
-    <p:extLst>
-      <p:ext uri="{BB962C8B-B14F-4D97-AF65-F5344CB8AC3E}">
-        <p14:creationId xmlns:p14="http://schemas.microsoft.com/office/powerpoint/2010/main" xmlns="" val="283767647"/>
-      </p:ext>
-    </p:extLst>
-  </p:cSld>
-  <p:clrMapOvr>
-    <a:masterClrMapping/>
-  </p:clrMapOvr>
-  <mc:AlternateContent xmlns:mc="http://schemas.openxmlformats.org/markup-compatibility/2006">
-    <mc:Choice xmlns:p14="http://schemas.microsoft.com/office/powerpoint/2010/main" xmlns="" Requires="p14">
+    <mc:Choice xmlns="" xmlns:p14="http://schemas.microsoft.com/office/powerpoint/2010/main" Requires="p14">
       <p:transition spd="slow" p14:dur="2000" advClick="0"/>
     </mc:Choice>
     <mc:Fallback>
@@ -14404,14 +14474,14 @@
         </p:nvSpPr>
         <p:spPr>
           <a:xfrm>
-            <a:off x="4827311" y="1507587"/>
+            <a:off x="4803248" y="1515608"/>
             <a:ext cx="2618278" cy="398254"/>
           </a:xfrm>
           <a:prstGeom prst="rect">
             <a:avLst/>
           </a:prstGeom>
           <a:solidFill>
-            <a:srgbClr val="FDC199"/>
+            <a:srgbClr val="FF5B5B"/>
           </a:solidFill>
           <a:ln>
             <a:solidFill>
@@ -14491,8 +14561,8 @@
         </p:nvSpPr>
         <p:spPr>
           <a:xfrm>
-            <a:off x="5449821" y="1549335"/>
-            <a:ext cx="1432241" cy="370800"/>
+            <a:off x="5594201" y="1549335"/>
+            <a:ext cx="1066800" cy="370800"/>
           </a:xfrm>
           <a:prstGeom prst="rect">
             <a:avLst/>
@@ -14523,7 +14593,7 @@
             <a:pPr algn="ctr"/>
             <a:r>
               <a:rPr lang="en-GB" sz="1100" dirty="0" smtClean="0"/>
-              <a:t>Supporting needs</a:t>
+              <a:t>Basic needs</a:t>
             </a:r>
             <a:endParaRPr lang="en-US" sz="1100" dirty="0"/>
           </a:p>
@@ -14659,7 +14729,7 @@
         </p:nvSpPr>
         <p:spPr>
           <a:xfrm>
-            <a:off x="4819981" y="1913860"/>
+            <a:off x="4819981" y="1937923"/>
             <a:ext cx="2580280" cy="3774559"/>
           </a:xfrm>
           <a:prstGeom prst="rect">
@@ -14760,6 +14830,60 @@
       </p:sp>
       <p:sp>
         <p:nvSpPr>
+          <p:cNvPr id="19" name="Rectangle 12"/>
+          <p:cNvSpPr/>
+          <p:nvPr/>
+        </p:nvSpPr>
+        <p:spPr>
+          <a:xfrm>
+            <a:off x="4757153" y="2008951"/>
+            <a:ext cx="1650441" cy="370800"/>
+          </a:xfrm>
+          <a:prstGeom prst="rect">
+            <a:avLst/>
+          </a:prstGeom>
+          <a:noFill/>
+          <a:ln>
+            <a:noFill/>
+          </a:ln>
+        </p:spPr>
+        <p:style>
+          <a:lnRef idx="2">
+            <a:schemeClr val="dk1"/>
+          </a:lnRef>
+          <a:fillRef idx="1">
+            <a:schemeClr val="lt1"/>
+          </a:fillRef>
+          <a:effectRef idx="0">
+            <a:schemeClr val="dk1"/>
+          </a:effectRef>
+          <a:fontRef idx="minor">
+            <a:schemeClr val="dk1"/>
+          </a:fontRef>
+        </p:style>
+        <p:txBody>
+          <a:bodyPr rtlCol="0" anchor="ctr"/>
+          <a:lstStyle/>
+          <a:p>
+            <a:pPr algn="ctr"/>
+            <a:r>
+              <a:rPr lang="es-ES" sz="1100" dirty="0" err="1" smtClean="0"/>
+              <a:t>Add</a:t>
+            </a:r>
+            <a:r>
+              <a:rPr lang="es-ES" sz="1100" dirty="0" smtClean="0"/>
+              <a:t> </a:t>
+            </a:r>
+            <a:r>
+              <a:rPr lang="es-ES" sz="1100" dirty="0" err="1" smtClean="0"/>
+              <a:t>question</a:t>
+            </a:r>
+            <a:endParaRPr lang="en-US" sz="1100" dirty="0"/>
+          </a:p>
+        </p:txBody>
+      </p:sp>
+      <p:sp>
+        <p:nvSpPr>
           <p:cNvPr id="20" name="Rectangle 33"/>
           <p:cNvSpPr/>
           <p:nvPr/>
@@ -14897,6 +15021,114 @@
       </p:sp>
       <p:sp>
         <p:nvSpPr>
+          <p:cNvPr id="32" name="Rectangle 12"/>
+          <p:cNvSpPr/>
+          <p:nvPr/>
+        </p:nvSpPr>
+        <p:spPr>
+          <a:xfrm>
+            <a:off x="4755398" y="2280329"/>
+            <a:ext cx="1658102" cy="370800"/>
+          </a:xfrm>
+          <a:prstGeom prst="rect">
+            <a:avLst/>
+          </a:prstGeom>
+          <a:noFill/>
+          <a:ln>
+            <a:noFill/>
+          </a:ln>
+        </p:spPr>
+        <p:style>
+          <a:lnRef idx="2">
+            <a:schemeClr val="dk1"/>
+          </a:lnRef>
+          <a:fillRef idx="1">
+            <a:schemeClr val="lt1"/>
+          </a:fillRef>
+          <a:effectRef idx="0">
+            <a:schemeClr val="dk1"/>
+          </a:effectRef>
+          <a:fontRef idx="minor">
+            <a:schemeClr val="dk1"/>
+          </a:fontRef>
+        </p:style>
+        <p:txBody>
+          <a:bodyPr rtlCol="0" anchor="ctr"/>
+          <a:lstStyle/>
+          <a:p>
+            <a:pPr algn="ctr"/>
+            <a:r>
+              <a:rPr lang="es-ES" sz="1100" dirty="0" err="1" smtClean="0"/>
+              <a:t>Add</a:t>
+            </a:r>
+            <a:r>
+              <a:rPr lang="es-ES" sz="1100" dirty="0" smtClean="0"/>
+              <a:t> </a:t>
+            </a:r>
+            <a:r>
+              <a:rPr lang="es-ES" sz="1100" dirty="0" err="1" smtClean="0"/>
+              <a:t>question</a:t>
+            </a:r>
+            <a:endParaRPr lang="en-US" sz="1100" dirty="0"/>
+          </a:p>
+        </p:txBody>
+      </p:sp>
+      <p:sp>
+        <p:nvSpPr>
+          <p:cNvPr id="33" name="Rectangle 12"/>
+          <p:cNvSpPr/>
+          <p:nvPr/>
+        </p:nvSpPr>
+        <p:spPr>
+          <a:xfrm>
+            <a:off x="4625323" y="2566079"/>
+            <a:ext cx="1948597" cy="370800"/>
+          </a:xfrm>
+          <a:prstGeom prst="rect">
+            <a:avLst/>
+          </a:prstGeom>
+          <a:noFill/>
+          <a:ln>
+            <a:noFill/>
+          </a:ln>
+        </p:spPr>
+        <p:style>
+          <a:lnRef idx="2">
+            <a:schemeClr val="dk1"/>
+          </a:lnRef>
+          <a:fillRef idx="1">
+            <a:schemeClr val="lt1"/>
+          </a:fillRef>
+          <a:effectRef idx="0">
+            <a:schemeClr val="dk1"/>
+          </a:effectRef>
+          <a:fontRef idx="minor">
+            <a:schemeClr val="dk1"/>
+          </a:fontRef>
+        </p:style>
+        <p:txBody>
+          <a:bodyPr rtlCol="0" anchor="ctr"/>
+          <a:lstStyle/>
+          <a:p>
+            <a:pPr algn="ctr"/>
+            <a:r>
+              <a:rPr lang="es-ES" sz="1100" dirty="0" err="1" smtClean="0"/>
+              <a:t>Add</a:t>
+            </a:r>
+            <a:r>
+              <a:rPr lang="es-ES" sz="1100" dirty="0" smtClean="0"/>
+              <a:t> </a:t>
+            </a:r>
+            <a:r>
+              <a:rPr lang="es-ES" sz="1100" dirty="0" err="1" smtClean="0"/>
+              <a:t>question</a:t>
+            </a:r>
+            <a:endParaRPr lang="en-US" sz="1100" dirty="0"/>
+          </a:p>
+        </p:txBody>
+      </p:sp>
+      <p:sp>
+        <p:nvSpPr>
           <p:cNvPr id="81" name="Rectangle 27">
             <a:hlinkClick r:id="rId3" action="ppaction://hlinksldjump"/>
           </p:cNvPr>
@@ -14912,7 +15144,7 @@
             <a:avLst/>
           </a:prstGeom>
           <a:solidFill>
-            <a:srgbClr val="FDC199"/>
+            <a:srgbClr val="FF5B5B"/>
           </a:solidFill>
           <a:ln>
             <a:solidFill>
@@ -14989,172 +15221,10 @@
           </a:p>
         </p:txBody>
       </p:sp>
-      <p:sp>
-        <p:nvSpPr>
-          <p:cNvPr id="22" name="Rectangle 12"/>
-          <p:cNvSpPr/>
-          <p:nvPr/>
-        </p:nvSpPr>
-        <p:spPr>
-          <a:xfrm>
-            <a:off x="4757153" y="2008951"/>
-            <a:ext cx="1650441" cy="370800"/>
-          </a:xfrm>
-          <a:prstGeom prst="rect">
-            <a:avLst/>
-          </a:prstGeom>
-          <a:noFill/>
-          <a:ln>
-            <a:noFill/>
-          </a:ln>
-        </p:spPr>
-        <p:style>
-          <a:lnRef idx="2">
-            <a:schemeClr val="dk1"/>
-          </a:lnRef>
-          <a:fillRef idx="1">
-            <a:schemeClr val="lt1"/>
-          </a:fillRef>
-          <a:effectRef idx="0">
-            <a:schemeClr val="dk1"/>
-          </a:effectRef>
-          <a:fontRef idx="minor">
-            <a:schemeClr val="dk1"/>
-          </a:fontRef>
-        </p:style>
-        <p:txBody>
-          <a:bodyPr rtlCol="0" anchor="ctr"/>
-          <a:lstStyle/>
-          <a:p>
-            <a:pPr algn="ctr"/>
-            <a:r>
-              <a:rPr lang="es-ES" sz="1100" dirty="0" err="1" smtClean="0"/>
-              <a:t>Add</a:t>
-            </a:r>
-            <a:r>
-              <a:rPr lang="es-ES" sz="1100" dirty="0" smtClean="0"/>
-              <a:t> </a:t>
-            </a:r>
-            <a:r>
-              <a:rPr lang="es-ES" sz="1100" dirty="0" err="1" smtClean="0"/>
-              <a:t>question</a:t>
-            </a:r>
-            <a:endParaRPr lang="en-US" sz="1100" dirty="0"/>
-          </a:p>
-        </p:txBody>
-      </p:sp>
-      <p:sp>
-        <p:nvSpPr>
-          <p:cNvPr id="23" name="Rectangle 12"/>
-          <p:cNvSpPr/>
-          <p:nvPr/>
-        </p:nvSpPr>
-        <p:spPr>
-          <a:xfrm>
-            <a:off x="4755398" y="2280329"/>
-            <a:ext cx="1658102" cy="370800"/>
-          </a:xfrm>
-          <a:prstGeom prst="rect">
-            <a:avLst/>
-          </a:prstGeom>
-          <a:noFill/>
-          <a:ln>
-            <a:noFill/>
-          </a:ln>
-        </p:spPr>
-        <p:style>
-          <a:lnRef idx="2">
-            <a:schemeClr val="dk1"/>
-          </a:lnRef>
-          <a:fillRef idx="1">
-            <a:schemeClr val="lt1"/>
-          </a:fillRef>
-          <a:effectRef idx="0">
-            <a:schemeClr val="dk1"/>
-          </a:effectRef>
-          <a:fontRef idx="minor">
-            <a:schemeClr val="dk1"/>
-          </a:fontRef>
-        </p:style>
-        <p:txBody>
-          <a:bodyPr rtlCol="0" anchor="ctr"/>
-          <a:lstStyle/>
-          <a:p>
-            <a:pPr algn="ctr"/>
-            <a:r>
-              <a:rPr lang="es-ES" sz="1100" dirty="0" err="1" smtClean="0"/>
-              <a:t>Add</a:t>
-            </a:r>
-            <a:r>
-              <a:rPr lang="es-ES" sz="1100" dirty="0" smtClean="0"/>
-              <a:t> </a:t>
-            </a:r>
-            <a:r>
-              <a:rPr lang="es-ES" sz="1100" dirty="0" err="1" smtClean="0"/>
-              <a:t>question</a:t>
-            </a:r>
-            <a:endParaRPr lang="en-US" sz="1100" dirty="0"/>
-          </a:p>
-        </p:txBody>
-      </p:sp>
-      <p:sp>
-        <p:nvSpPr>
-          <p:cNvPr id="24" name="Rectangle 12"/>
-          <p:cNvSpPr/>
-          <p:nvPr/>
-        </p:nvSpPr>
-        <p:spPr>
-          <a:xfrm>
-            <a:off x="4625323" y="2566079"/>
-            <a:ext cx="1948597" cy="370800"/>
-          </a:xfrm>
-          <a:prstGeom prst="rect">
-            <a:avLst/>
-          </a:prstGeom>
-          <a:noFill/>
-          <a:ln>
-            <a:noFill/>
-          </a:ln>
-        </p:spPr>
-        <p:style>
-          <a:lnRef idx="2">
-            <a:schemeClr val="dk1"/>
-          </a:lnRef>
-          <a:fillRef idx="1">
-            <a:schemeClr val="lt1"/>
-          </a:fillRef>
-          <a:effectRef idx="0">
-            <a:schemeClr val="dk1"/>
-          </a:effectRef>
-          <a:fontRef idx="minor">
-            <a:schemeClr val="dk1"/>
-          </a:fontRef>
-        </p:style>
-        <p:txBody>
-          <a:bodyPr rtlCol="0" anchor="ctr"/>
-          <a:lstStyle/>
-          <a:p>
-            <a:pPr algn="ctr"/>
-            <a:r>
-              <a:rPr lang="es-ES" sz="1100" dirty="0" err="1" smtClean="0"/>
-              <a:t>Add</a:t>
-            </a:r>
-            <a:r>
-              <a:rPr lang="es-ES" sz="1100" dirty="0" smtClean="0"/>
-              <a:t> </a:t>
-            </a:r>
-            <a:r>
-              <a:rPr lang="es-ES" sz="1100" dirty="0" err="1" smtClean="0"/>
-              <a:t>question</a:t>
-            </a:r>
-            <a:endParaRPr lang="en-US" sz="1100" dirty="0"/>
-          </a:p>
-        </p:txBody>
-      </p:sp>
     </p:spTree>
     <p:extLst>
       <p:ext uri="{BB962C8B-B14F-4D97-AF65-F5344CB8AC3E}">
-        <p14:creationId xmlns:p14="http://schemas.microsoft.com/office/powerpoint/2010/main" xmlns="" val="283767647"/>
+        <p14:creationId xmlns="" xmlns:p14="http://schemas.microsoft.com/office/powerpoint/2010/main" val="283767647"/>
       </p:ext>
     </p:extLst>
   </p:cSld>
@@ -15162,7 +15232,7 @@
     <a:masterClrMapping/>
   </p:clrMapOvr>
   <mc:AlternateContent xmlns:mc="http://schemas.openxmlformats.org/markup-compatibility/2006">
-    <mc:Choice xmlns:p14="http://schemas.microsoft.com/office/powerpoint/2010/main" xmlns="" Requires="p14">
+    <mc:Choice xmlns="" xmlns:p14="http://schemas.microsoft.com/office/powerpoint/2010/main" Requires="p14">
       <p:transition spd="slow" p14:dur="2000" advClick="0"/>
     </mc:Choice>
     <mc:Fallback>
@@ -15468,7 +15538,7 @@
   <a:extraClrSchemeLst/>
   <a:extLst>
     <a:ext uri="{05A4C25C-085E-4340-85A3-A5531E510DB2}">
-      <thm15:themeFamily xmlns:thm15="http://schemas.microsoft.com/office/thememl/2012/main" xmlns="" name="Office Theme" id="{62F939B6-93AF-4DB8-9C6B-D6C7DFDC589F}" vid="{4A3C46E8-61CC-4603-A589-7422A47A8E4A}"/>
+      <thm15:themeFamily xmlns="" xmlns:thm15="http://schemas.microsoft.com/office/thememl/2012/main" name="Office Theme" id="{62F939B6-93AF-4DB8-9C6B-D6C7DFDC589F}" vid="{4A3C46E8-61CC-4603-A589-7422A47A8E4A}"/>
     </a:ext>
   </a:extLst>
 </a:theme>

--- a/Docs/Survive Axon Demo v2.pptx
+++ b/Docs/Survive Axon Demo v2.pptx
@@ -6,17 +6,16 @@
   </p:sldMasterIdLst>
   <p:sldIdLst>
     <p:sldId id="271" r:id="rId2"/>
-    <p:sldId id="279" r:id="rId3"/>
-    <p:sldId id="272" r:id="rId4"/>
-    <p:sldId id="273" r:id="rId5"/>
-    <p:sldId id="266" r:id="rId6"/>
-    <p:sldId id="267" r:id="rId7"/>
-    <p:sldId id="276" r:id="rId8"/>
-    <p:sldId id="275" r:id="rId9"/>
-    <p:sldId id="268" r:id="rId10"/>
-    <p:sldId id="278" r:id="rId11"/>
-    <p:sldId id="274" r:id="rId12"/>
-    <p:sldId id="270" r:id="rId13"/>
+    <p:sldId id="272" r:id="rId3"/>
+    <p:sldId id="273" r:id="rId4"/>
+    <p:sldId id="266" r:id="rId5"/>
+    <p:sldId id="267" r:id="rId6"/>
+    <p:sldId id="276" r:id="rId7"/>
+    <p:sldId id="275" r:id="rId8"/>
+    <p:sldId id="268" r:id="rId9"/>
+    <p:sldId id="278" r:id="rId10"/>
+    <p:sldId id="274" r:id="rId11"/>
+    <p:sldId id="270" r:id="rId12"/>
   </p:sldIdLst>
   <p:sldSz cx="12192000" cy="6858000"/>
   <p:notesSz cx="6858000" cy="9144000"/>
@@ -117,7 +116,7 @@
   </p:defaultTextStyle>
   <p:extLst>
     <p:ext uri="{EFAFB233-063F-42B5-8137-9DF3F51BA10A}">
-      <p15:sldGuideLst xmlns="" xmlns:p15="http://schemas.microsoft.com/office/powerpoint/2012/main"/>
+      <p15:sldGuideLst xmlns:p15="http://schemas.microsoft.com/office/powerpoint/2012/main" xmlns=""/>
     </p:ext>
   </p:extLst>
 </p:presentation>
@@ -128,7 +127,7 @@
   <p:cmAuthor id="1" name="Patrick M" initials="PM" lastIdx="1" clrIdx="0">
     <p:extLst>
       <p:ext uri="{19B8F6BF-5375-455C-9EA6-DF929625EA0E}">
-        <p15:presenceInfo xmlns="" xmlns:p15="http://schemas.microsoft.com/office/powerpoint/2012/main" userId="293365ab57c4ddb0" providerId="Windows Live"/>
+        <p15:presenceInfo xmlns:p15="http://schemas.microsoft.com/office/powerpoint/2012/main" xmlns="" userId="293365ab57c4ddb0" providerId="Windows Live"/>
       </p:ext>
     </p:extLst>
   </p:cmAuthor>
@@ -265,7 +264,7 @@
             <a:fld id="{37724C19-980F-4321-AACF-69E1510F1043}" type="datetimeFigureOut">
               <a:rPr lang="en-US" smtClean="0"/>
               <a:pPr/>
-              <a:t>12/7/2016</a:t>
+              <a:t>11/21/2016</a:t>
             </a:fld>
             <a:endParaRPr lang="en-US" dirty="0"/>
           </a:p>
@@ -317,7 +316,7 @@
     </p:spTree>
     <p:extLst>
       <p:ext uri="{BB962C8B-B14F-4D97-AF65-F5344CB8AC3E}">
-        <p14:creationId xmlns="" xmlns:p14="http://schemas.microsoft.com/office/powerpoint/2010/main" val="4276609490"/>
+        <p14:creationId xmlns:p14="http://schemas.microsoft.com/office/powerpoint/2010/main" xmlns="" val="4276609490"/>
       </p:ext>
     </p:extLst>
   </p:cSld>
@@ -435,7 +434,7 @@
             <a:fld id="{37724C19-980F-4321-AACF-69E1510F1043}" type="datetimeFigureOut">
               <a:rPr lang="en-US" smtClean="0"/>
               <a:pPr/>
-              <a:t>12/7/2016</a:t>
+              <a:t>11/21/2016</a:t>
             </a:fld>
             <a:endParaRPr lang="en-US" dirty="0"/>
           </a:p>
@@ -487,7 +486,7 @@
     </p:spTree>
     <p:extLst>
       <p:ext uri="{BB962C8B-B14F-4D97-AF65-F5344CB8AC3E}">
-        <p14:creationId xmlns="" xmlns:p14="http://schemas.microsoft.com/office/powerpoint/2010/main" val="1177722305"/>
+        <p14:creationId xmlns:p14="http://schemas.microsoft.com/office/powerpoint/2010/main" xmlns="" val="1177722305"/>
       </p:ext>
     </p:extLst>
   </p:cSld>
@@ -615,7 +614,7 @@
             <a:fld id="{37724C19-980F-4321-AACF-69E1510F1043}" type="datetimeFigureOut">
               <a:rPr lang="en-US" smtClean="0"/>
               <a:pPr/>
-              <a:t>12/7/2016</a:t>
+              <a:t>11/21/2016</a:t>
             </a:fld>
             <a:endParaRPr lang="en-US" dirty="0"/>
           </a:p>
@@ -667,7 +666,7 @@
     </p:spTree>
     <p:extLst>
       <p:ext uri="{BB962C8B-B14F-4D97-AF65-F5344CB8AC3E}">
-        <p14:creationId xmlns="" xmlns:p14="http://schemas.microsoft.com/office/powerpoint/2010/main" val="3097804831"/>
+        <p14:creationId xmlns:p14="http://schemas.microsoft.com/office/powerpoint/2010/main" xmlns="" val="3097804831"/>
       </p:ext>
     </p:extLst>
   </p:cSld>
@@ -785,7 +784,7 @@
             <a:fld id="{37724C19-980F-4321-AACF-69E1510F1043}" type="datetimeFigureOut">
               <a:rPr lang="en-US" smtClean="0"/>
               <a:pPr/>
-              <a:t>12/7/2016</a:t>
+              <a:t>11/21/2016</a:t>
             </a:fld>
             <a:endParaRPr lang="en-US" dirty="0"/>
           </a:p>
@@ -837,7 +836,7 @@
     </p:spTree>
     <p:extLst>
       <p:ext uri="{BB962C8B-B14F-4D97-AF65-F5344CB8AC3E}">
-        <p14:creationId xmlns="" xmlns:p14="http://schemas.microsoft.com/office/powerpoint/2010/main" val="137394816"/>
+        <p14:creationId xmlns:p14="http://schemas.microsoft.com/office/powerpoint/2010/main" xmlns="" val="137394816"/>
       </p:ext>
     </p:extLst>
   </p:cSld>
@@ -1032,7 +1031,7 @@
             <a:fld id="{37724C19-980F-4321-AACF-69E1510F1043}" type="datetimeFigureOut">
               <a:rPr lang="en-US" smtClean="0"/>
               <a:pPr/>
-              <a:t>12/7/2016</a:t>
+              <a:t>11/21/2016</a:t>
             </a:fld>
             <a:endParaRPr lang="en-US" dirty="0"/>
           </a:p>
@@ -1084,7 +1083,7 @@
     </p:spTree>
     <p:extLst>
       <p:ext uri="{BB962C8B-B14F-4D97-AF65-F5344CB8AC3E}">
-        <p14:creationId xmlns="" xmlns:p14="http://schemas.microsoft.com/office/powerpoint/2010/main" val="3748074609"/>
+        <p14:creationId xmlns:p14="http://schemas.microsoft.com/office/powerpoint/2010/main" xmlns="" val="3748074609"/>
       </p:ext>
     </p:extLst>
   </p:cSld>
@@ -1263,7 +1262,7 @@
             <a:fld id="{37724C19-980F-4321-AACF-69E1510F1043}" type="datetimeFigureOut">
               <a:rPr lang="en-US" smtClean="0"/>
               <a:pPr/>
-              <a:t>12/7/2016</a:t>
+              <a:t>11/21/2016</a:t>
             </a:fld>
             <a:endParaRPr lang="en-US" dirty="0"/>
           </a:p>
@@ -1315,7 +1314,7 @@
     </p:spTree>
     <p:extLst>
       <p:ext uri="{BB962C8B-B14F-4D97-AF65-F5344CB8AC3E}">
-        <p14:creationId xmlns="" xmlns:p14="http://schemas.microsoft.com/office/powerpoint/2010/main" val="1654182424"/>
+        <p14:creationId xmlns:p14="http://schemas.microsoft.com/office/powerpoint/2010/main" xmlns="" val="1654182424"/>
       </p:ext>
     </p:extLst>
   </p:cSld>
@@ -1629,7 +1628,7 @@
             <a:fld id="{37724C19-980F-4321-AACF-69E1510F1043}" type="datetimeFigureOut">
               <a:rPr lang="en-US" smtClean="0"/>
               <a:pPr/>
-              <a:t>12/7/2016</a:t>
+              <a:t>11/21/2016</a:t>
             </a:fld>
             <a:endParaRPr lang="en-US" dirty="0"/>
           </a:p>
@@ -1681,7 +1680,7 @@
     </p:spTree>
     <p:extLst>
       <p:ext uri="{BB962C8B-B14F-4D97-AF65-F5344CB8AC3E}">
-        <p14:creationId xmlns="" xmlns:p14="http://schemas.microsoft.com/office/powerpoint/2010/main" val="4245890323"/>
+        <p14:creationId xmlns:p14="http://schemas.microsoft.com/office/powerpoint/2010/main" xmlns="" val="4245890323"/>
       </p:ext>
     </p:extLst>
   </p:cSld>
@@ -1748,7 +1747,7 @@
             <a:fld id="{37724C19-980F-4321-AACF-69E1510F1043}" type="datetimeFigureOut">
               <a:rPr lang="en-US" smtClean="0"/>
               <a:pPr/>
-              <a:t>12/7/2016</a:t>
+              <a:t>11/21/2016</a:t>
             </a:fld>
             <a:endParaRPr lang="en-US" dirty="0"/>
           </a:p>
@@ -1800,7 +1799,7 @@
     </p:spTree>
     <p:extLst>
       <p:ext uri="{BB962C8B-B14F-4D97-AF65-F5344CB8AC3E}">
-        <p14:creationId xmlns="" xmlns:p14="http://schemas.microsoft.com/office/powerpoint/2010/main" val="4136871283"/>
+        <p14:creationId xmlns:p14="http://schemas.microsoft.com/office/powerpoint/2010/main" xmlns="" val="4136871283"/>
       </p:ext>
     </p:extLst>
   </p:cSld>
@@ -1845,7 +1844,7 @@
             <a:fld id="{37724C19-980F-4321-AACF-69E1510F1043}" type="datetimeFigureOut">
               <a:rPr lang="en-US" smtClean="0"/>
               <a:pPr/>
-              <a:t>12/7/2016</a:t>
+              <a:t>11/21/2016</a:t>
             </a:fld>
             <a:endParaRPr lang="en-US" dirty="0"/>
           </a:p>
@@ -1897,7 +1896,7 @@
     </p:spTree>
     <p:extLst>
       <p:ext uri="{BB962C8B-B14F-4D97-AF65-F5344CB8AC3E}">
-        <p14:creationId xmlns="" xmlns:p14="http://schemas.microsoft.com/office/powerpoint/2010/main" val="2409841877"/>
+        <p14:creationId xmlns:p14="http://schemas.microsoft.com/office/powerpoint/2010/main" xmlns="" val="2409841877"/>
       </p:ext>
     </p:extLst>
   </p:cSld>
@@ -2122,7 +2121,7 @@
             <a:fld id="{37724C19-980F-4321-AACF-69E1510F1043}" type="datetimeFigureOut">
               <a:rPr lang="en-US" smtClean="0"/>
               <a:pPr/>
-              <a:t>12/7/2016</a:t>
+              <a:t>11/21/2016</a:t>
             </a:fld>
             <a:endParaRPr lang="en-US" dirty="0"/>
           </a:p>
@@ -2174,7 +2173,7 @@
     </p:spTree>
     <p:extLst>
       <p:ext uri="{BB962C8B-B14F-4D97-AF65-F5344CB8AC3E}">
-        <p14:creationId xmlns="" xmlns:p14="http://schemas.microsoft.com/office/powerpoint/2010/main" val="827629637"/>
+        <p14:creationId xmlns:p14="http://schemas.microsoft.com/office/powerpoint/2010/main" xmlns="" val="827629637"/>
       </p:ext>
     </p:extLst>
   </p:cSld>
@@ -2376,7 +2375,7 @@
             <a:fld id="{37724C19-980F-4321-AACF-69E1510F1043}" type="datetimeFigureOut">
               <a:rPr lang="en-US" smtClean="0"/>
               <a:pPr/>
-              <a:t>12/7/2016</a:t>
+              <a:t>11/21/2016</a:t>
             </a:fld>
             <a:endParaRPr lang="en-US" dirty="0"/>
           </a:p>
@@ -2428,7 +2427,7 @@
     </p:spTree>
     <p:extLst>
       <p:ext uri="{BB962C8B-B14F-4D97-AF65-F5344CB8AC3E}">
-        <p14:creationId xmlns="" xmlns:p14="http://schemas.microsoft.com/office/powerpoint/2010/main" val="3514816148"/>
+        <p14:creationId xmlns:p14="http://schemas.microsoft.com/office/powerpoint/2010/main" xmlns="" val="3514816148"/>
       </p:ext>
     </p:extLst>
   </p:cSld>
@@ -2589,7 +2588,7 @@
             <a:fld id="{37724C19-980F-4321-AACF-69E1510F1043}" type="datetimeFigureOut">
               <a:rPr lang="en-US" smtClean="0"/>
               <a:pPr/>
-              <a:t>12/7/2016</a:t>
+              <a:t>11/21/2016</a:t>
             </a:fld>
             <a:endParaRPr lang="en-US" dirty="0"/>
           </a:p>
@@ -2677,7 +2676,7 @@
     </p:spTree>
     <p:extLst>
       <p:ext uri="{BB962C8B-B14F-4D97-AF65-F5344CB8AC3E}">
-        <p14:creationId xmlns="" xmlns:p14="http://schemas.microsoft.com/office/powerpoint/2010/main" val="4213530645"/>
+        <p14:creationId xmlns:p14="http://schemas.microsoft.com/office/powerpoint/2010/main" xmlns="" val="4213530645"/>
       </p:ext>
     </p:extLst>
   </p:cSld>
@@ -2997,7 +2996,7 @@
       </p:grpSpPr>
       <p:pic>
         <p:nvPicPr>
-          <p:cNvPr id="28" name="27 Imagen" descr="SurvivalDiagramQuiz (1).png"/>
+          <p:cNvPr id="6" name="Picture 5"/>
           <p:cNvPicPr>
             <a:picLocks noChangeAspect="1"/>
           </p:cNvPicPr>
@@ -3011,18 +3010,891 @@
         </p:blipFill>
         <p:spPr>
           <a:xfrm>
-            <a:off x="0" y="1102234"/>
-            <a:ext cx="12192000" cy="4653531"/>
+            <a:off x="4547971" y="242443"/>
+            <a:ext cx="3096057" cy="6373114"/>
           </a:xfrm>
           <a:prstGeom prst="rect">
             <a:avLst/>
           </a:prstGeom>
         </p:spPr>
       </p:pic>
+      <p:sp>
+        <p:nvSpPr>
+          <p:cNvPr id="51" name="Rectangle 50"/>
+          <p:cNvSpPr/>
+          <p:nvPr/>
+        </p:nvSpPr>
+        <p:spPr>
+          <a:xfrm>
+            <a:off x="6578862" y="1813850"/>
+            <a:ext cx="1066800" cy="370800"/>
+          </a:xfrm>
+          <a:prstGeom prst="rect">
+            <a:avLst/>
+          </a:prstGeom>
+          <a:noFill/>
+          <a:ln>
+            <a:noFill/>
+          </a:ln>
+        </p:spPr>
+        <p:style>
+          <a:lnRef idx="2">
+            <a:schemeClr val="dk1"/>
+          </a:lnRef>
+          <a:fillRef idx="1">
+            <a:schemeClr val="lt1"/>
+          </a:fillRef>
+          <a:effectRef idx="0">
+            <a:schemeClr val="dk1"/>
+          </a:effectRef>
+          <a:fontRef idx="minor">
+            <a:schemeClr val="dk1"/>
+          </a:fontRef>
+        </p:style>
+        <p:txBody>
+          <a:bodyPr rtlCol="0" anchor="ctr"/>
+          <a:lstStyle/>
+          <a:p>
+            <a:pPr marL="171450" indent="-171450" algn="ctr">
+              <a:buFont typeface="Wingdings" panose="05000000000000000000" pitchFamily="2" charset="2"/>
+              <a:buChar char="ü"/>
+            </a:pPr>
+            <a:endParaRPr lang="en-US" sz="1100" dirty="0"/>
+          </a:p>
+        </p:txBody>
+      </p:sp>
+      <p:pic>
+        <p:nvPicPr>
+          <p:cNvPr id="62" name="Picture 61"/>
+          <p:cNvPicPr>
+            <a:picLocks noChangeAspect="1"/>
+          </p:cNvPicPr>
+          <p:nvPr/>
+        </p:nvPicPr>
+        <p:blipFill rotWithShape="1">
+          <a:blip r:embed="rId2" cstate="print"/>
+          <a:srcRect t="85496"/>
+          <a:stretch/>
+        </p:blipFill>
+        <p:spPr>
+          <a:xfrm>
+            <a:off x="4547970" y="5691187"/>
+            <a:ext cx="3096057" cy="924369"/>
+          </a:xfrm>
+          <a:prstGeom prst="rect">
+            <a:avLst/>
+          </a:prstGeom>
+        </p:spPr>
+      </p:pic>
+      <p:sp>
+        <p:nvSpPr>
+          <p:cNvPr id="65" name="Rectangle 64"/>
+          <p:cNvSpPr/>
+          <p:nvPr/>
+        </p:nvSpPr>
+        <p:spPr>
+          <a:xfrm>
+            <a:off x="5822950" y="5842000"/>
+            <a:ext cx="539750" cy="567918"/>
+          </a:xfrm>
+          <a:prstGeom prst="rect">
+            <a:avLst/>
+          </a:prstGeom>
+          <a:solidFill>
+            <a:schemeClr val="bg1">
+              <a:alpha val="0"/>
+            </a:schemeClr>
+          </a:solidFill>
+          <a:ln>
+            <a:solidFill>
+              <a:schemeClr val="bg1">
+                <a:alpha val="0"/>
+              </a:schemeClr>
+            </a:solidFill>
+          </a:ln>
+        </p:spPr>
+        <p:style>
+          <a:lnRef idx="2">
+            <a:schemeClr val="accent1">
+              <a:shade val="50000"/>
+            </a:schemeClr>
+          </a:lnRef>
+          <a:fillRef idx="1">
+            <a:schemeClr val="accent1"/>
+          </a:fillRef>
+          <a:effectRef idx="0">
+            <a:schemeClr val="accent1"/>
+          </a:effectRef>
+          <a:fontRef idx="minor">
+            <a:schemeClr val="lt1"/>
+          </a:fontRef>
+        </p:style>
+        <p:txBody>
+          <a:bodyPr rtlCol="0" anchor="ctr"/>
+          <a:lstStyle/>
+          <a:p>
+            <a:pPr algn="ctr"/>
+            <a:endParaRPr lang="en-US" dirty="0"/>
+          </a:p>
+        </p:txBody>
+      </p:sp>
+      <p:sp>
+        <p:nvSpPr>
+          <p:cNvPr id="16" name="Rectangle 36">
+            <a:hlinkClick r:id="rId3" action="ppaction://hlinksldjump"/>
+          </p:cNvPr>
+          <p:cNvSpPr/>
+          <p:nvPr/>
+        </p:nvSpPr>
+        <p:spPr>
+          <a:xfrm>
+            <a:off x="4957011" y="2149642"/>
+            <a:ext cx="2310063" cy="561474"/>
+          </a:xfrm>
+          <a:prstGeom prst="rect">
+            <a:avLst/>
+          </a:prstGeom>
+          <a:solidFill>
+            <a:srgbClr val="FF5B5B"/>
+          </a:solidFill>
+          <a:ln w="19050">
+            <a:solidFill>
+              <a:srgbClr val="D8D8D8"/>
+            </a:solidFill>
+          </a:ln>
+        </p:spPr>
+        <p:style>
+          <a:lnRef idx="2">
+            <a:schemeClr val="accent1">
+              <a:shade val="50000"/>
+            </a:schemeClr>
+          </a:lnRef>
+          <a:fillRef idx="1003">
+            <a:schemeClr val="lt1"/>
+          </a:fillRef>
+          <a:effectRef idx="0">
+            <a:schemeClr val="accent1"/>
+          </a:effectRef>
+          <a:fontRef idx="minor">
+            <a:schemeClr val="lt1"/>
+          </a:fontRef>
+        </p:style>
+        <p:txBody>
+          <a:bodyPr rtlCol="0" anchor="ctr"/>
+          <a:lstStyle/>
+          <a:p>
+            <a:pPr algn="ctr"/>
+            <a:endParaRPr lang="en-US" dirty="0"/>
+          </a:p>
+        </p:txBody>
+      </p:sp>
+      <p:sp>
+        <p:nvSpPr>
+          <p:cNvPr id="17" name="Rectangle 36">
+            <a:hlinkClick r:id="rId3" action="ppaction://hlinksldjump"/>
+          </p:cNvPr>
+          <p:cNvSpPr/>
+          <p:nvPr/>
+        </p:nvSpPr>
+        <p:spPr>
+          <a:xfrm>
+            <a:off x="4948989" y="2807369"/>
+            <a:ext cx="2310063" cy="561474"/>
+          </a:xfrm>
+          <a:prstGeom prst="rect">
+            <a:avLst/>
+          </a:prstGeom>
+          <a:solidFill>
+            <a:srgbClr val="FB9E79"/>
+          </a:solidFill>
+          <a:ln w="19050">
+            <a:solidFill>
+              <a:srgbClr val="D8D8D8"/>
+            </a:solidFill>
+          </a:ln>
+        </p:spPr>
+        <p:style>
+          <a:lnRef idx="2">
+            <a:schemeClr val="accent1">
+              <a:shade val="50000"/>
+            </a:schemeClr>
+          </a:lnRef>
+          <a:fillRef idx="1003">
+            <a:schemeClr val="lt1"/>
+          </a:fillRef>
+          <a:effectRef idx="0">
+            <a:schemeClr val="accent1"/>
+          </a:effectRef>
+          <a:fontRef idx="minor">
+            <a:schemeClr val="lt1"/>
+          </a:fontRef>
+        </p:style>
+        <p:txBody>
+          <a:bodyPr rtlCol="0" anchor="ctr"/>
+          <a:lstStyle/>
+          <a:p>
+            <a:pPr algn="ctr"/>
+            <a:endParaRPr lang="en-US" dirty="0"/>
+          </a:p>
+        </p:txBody>
+      </p:sp>
+      <p:sp>
+        <p:nvSpPr>
+          <p:cNvPr id="18" name="Rectangle 36">
+            <a:hlinkClick r:id="rId3" action="ppaction://hlinksldjump"/>
+          </p:cNvPr>
+          <p:cNvSpPr/>
+          <p:nvPr/>
+        </p:nvSpPr>
+        <p:spPr>
+          <a:xfrm>
+            <a:off x="4957009" y="3481138"/>
+            <a:ext cx="2310063" cy="561474"/>
+          </a:xfrm>
+          <a:prstGeom prst="rect">
+            <a:avLst/>
+          </a:prstGeom>
+          <a:solidFill>
+            <a:srgbClr val="FBE29B"/>
+          </a:solidFill>
+          <a:ln w="19050">
+            <a:solidFill>
+              <a:srgbClr val="D8D8D8"/>
+            </a:solidFill>
+          </a:ln>
+        </p:spPr>
+        <p:style>
+          <a:lnRef idx="2">
+            <a:schemeClr val="accent1">
+              <a:shade val="50000"/>
+            </a:schemeClr>
+          </a:lnRef>
+          <a:fillRef idx="1003">
+            <a:schemeClr val="lt1"/>
+          </a:fillRef>
+          <a:effectRef idx="0">
+            <a:schemeClr val="accent1"/>
+          </a:effectRef>
+          <a:fontRef idx="minor">
+            <a:schemeClr val="lt1"/>
+          </a:fontRef>
+        </p:style>
+        <p:txBody>
+          <a:bodyPr rtlCol="0" anchor="ctr"/>
+          <a:lstStyle/>
+          <a:p>
+            <a:pPr algn="ctr"/>
+            <a:endParaRPr lang="en-US" dirty="0"/>
+          </a:p>
+        </p:txBody>
+      </p:sp>
+      <p:sp>
+        <p:nvSpPr>
+          <p:cNvPr id="20" name="Rectangle 36">
+            <a:hlinkClick r:id="rId3" action="ppaction://hlinksldjump"/>
+          </p:cNvPr>
+          <p:cNvSpPr/>
+          <p:nvPr/>
+        </p:nvSpPr>
+        <p:spPr>
+          <a:xfrm>
+            <a:off x="4965031" y="4154906"/>
+            <a:ext cx="2310063" cy="561474"/>
+          </a:xfrm>
+          <a:prstGeom prst="rect">
+            <a:avLst/>
+          </a:prstGeom>
+          <a:solidFill>
+            <a:srgbClr val="C9F99D"/>
+          </a:solidFill>
+          <a:ln w="19050">
+            <a:solidFill>
+              <a:srgbClr val="D8D8D8"/>
+            </a:solidFill>
+          </a:ln>
+        </p:spPr>
+        <p:style>
+          <a:lnRef idx="2">
+            <a:schemeClr val="accent1">
+              <a:shade val="50000"/>
+            </a:schemeClr>
+          </a:lnRef>
+          <a:fillRef idx="1003">
+            <a:schemeClr val="lt1"/>
+          </a:fillRef>
+          <a:effectRef idx="0">
+            <a:schemeClr val="accent1"/>
+          </a:effectRef>
+          <a:fontRef idx="minor">
+            <a:schemeClr val="lt1"/>
+          </a:fontRef>
+        </p:style>
+        <p:txBody>
+          <a:bodyPr rtlCol="0" anchor="ctr"/>
+          <a:lstStyle/>
+          <a:p>
+            <a:pPr algn="ctr"/>
+            <a:endParaRPr lang="en-US" dirty="0"/>
+          </a:p>
+        </p:txBody>
+      </p:sp>
+      <p:pic>
+        <p:nvPicPr>
+          <p:cNvPr id="21" name="20 Imagen" descr="StateBar.png"/>
+          <p:cNvPicPr>
+            <a:picLocks noChangeAspect="1"/>
+          </p:cNvPicPr>
+          <p:nvPr/>
+        </p:nvPicPr>
+        <p:blipFill>
+          <a:blip r:embed="rId4" cstate="print"/>
+          <a:srcRect l="10667" t="53918" r="8678" b="36023"/>
+          <a:stretch>
+            <a:fillRect/>
+          </a:stretch>
+        </p:blipFill>
+        <p:spPr>
+          <a:xfrm>
+            <a:off x="4940968" y="1644316"/>
+            <a:ext cx="2269958" cy="393032"/>
+          </a:xfrm>
+          <a:prstGeom prst="rect">
+            <a:avLst/>
+          </a:prstGeom>
+        </p:spPr>
+      </p:pic>
+      <p:sp>
+        <p:nvSpPr>
+          <p:cNvPr id="22" name="Rectangle 12">
+            <a:hlinkClick r:id="rId5" action="ppaction://hlinksldjump"/>
+          </p:cNvPr>
+          <p:cNvSpPr/>
+          <p:nvPr/>
+        </p:nvSpPr>
+        <p:spPr>
+          <a:xfrm>
+            <a:off x="5455728" y="1640897"/>
+            <a:ext cx="1066800" cy="370800"/>
+          </a:xfrm>
+          <a:prstGeom prst="rect">
+            <a:avLst/>
+          </a:prstGeom>
+          <a:noFill/>
+          <a:ln>
+            <a:noFill/>
+          </a:ln>
+        </p:spPr>
+        <p:style>
+          <a:lnRef idx="2">
+            <a:schemeClr val="dk1"/>
+          </a:lnRef>
+          <a:fillRef idx="1">
+            <a:schemeClr val="lt1"/>
+          </a:fillRef>
+          <a:effectRef idx="0">
+            <a:schemeClr val="dk1"/>
+          </a:effectRef>
+          <a:fontRef idx="minor">
+            <a:schemeClr val="dk1"/>
+          </a:fontRef>
+        </p:style>
+        <p:txBody>
+          <a:bodyPr rtlCol="0" anchor="ctr"/>
+          <a:lstStyle/>
+          <a:p>
+            <a:pPr algn="ctr"/>
+            <a:r>
+              <a:rPr lang="en-GB" sz="1100" dirty="0" smtClean="0"/>
+              <a:t>Quiz state</a:t>
+            </a:r>
+          </a:p>
+        </p:txBody>
+      </p:sp>
+      <p:sp>
+        <p:nvSpPr>
+          <p:cNvPr id="23" name="Rectangle 12">
+            <a:hlinkClick r:id="rId5" action="ppaction://hlinksldjump"/>
+          </p:cNvPr>
+          <p:cNvSpPr/>
+          <p:nvPr/>
+        </p:nvSpPr>
+        <p:spPr>
+          <a:xfrm>
+            <a:off x="5519897" y="2242478"/>
+            <a:ext cx="1066800" cy="370800"/>
+          </a:xfrm>
+          <a:prstGeom prst="rect">
+            <a:avLst/>
+          </a:prstGeom>
+          <a:noFill/>
+          <a:ln>
+            <a:noFill/>
+          </a:ln>
+        </p:spPr>
+        <p:style>
+          <a:lnRef idx="2">
+            <a:schemeClr val="dk1"/>
+          </a:lnRef>
+          <a:fillRef idx="1">
+            <a:schemeClr val="lt1"/>
+          </a:fillRef>
+          <a:effectRef idx="0">
+            <a:schemeClr val="dk1"/>
+          </a:effectRef>
+          <a:fontRef idx="minor">
+            <a:schemeClr val="dk1"/>
+          </a:fontRef>
+        </p:style>
+        <p:txBody>
+          <a:bodyPr rtlCol="0" anchor="ctr"/>
+          <a:lstStyle/>
+          <a:p>
+            <a:pPr algn="ctr"/>
+            <a:r>
+              <a:rPr lang="en-GB" sz="1100" dirty="0" smtClean="0"/>
+              <a:t>Basic needs</a:t>
+            </a:r>
+          </a:p>
+        </p:txBody>
+      </p:sp>
+      <p:sp>
+        <p:nvSpPr>
+          <p:cNvPr id="24" name="Rectangle 12">
+            <a:hlinkClick r:id="rId5" action="ppaction://hlinksldjump"/>
+          </p:cNvPr>
+          <p:cNvSpPr/>
+          <p:nvPr/>
+        </p:nvSpPr>
+        <p:spPr>
+          <a:xfrm>
+            <a:off x="5366084" y="2900204"/>
+            <a:ext cx="1477287" cy="370800"/>
+          </a:xfrm>
+          <a:prstGeom prst="rect">
+            <a:avLst/>
+          </a:prstGeom>
+          <a:noFill/>
+          <a:ln>
+            <a:noFill/>
+          </a:ln>
+        </p:spPr>
+        <p:style>
+          <a:lnRef idx="2">
+            <a:schemeClr val="dk1"/>
+          </a:lnRef>
+          <a:fillRef idx="1">
+            <a:schemeClr val="lt1"/>
+          </a:fillRef>
+          <a:effectRef idx="0">
+            <a:schemeClr val="dk1"/>
+          </a:effectRef>
+          <a:fontRef idx="minor">
+            <a:schemeClr val="dk1"/>
+          </a:fontRef>
+        </p:style>
+        <p:txBody>
+          <a:bodyPr rtlCol="0" anchor="ctr"/>
+          <a:lstStyle/>
+          <a:p>
+            <a:pPr algn="ctr"/>
+            <a:r>
+              <a:rPr lang="en-GB" sz="1100" dirty="0" smtClean="0"/>
+              <a:t>Supporting needs</a:t>
+            </a:r>
+          </a:p>
+        </p:txBody>
+      </p:sp>
+      <p:sp>
+        <p:nvSpPr>
+          <p:cNvPr id="26" name="25 Rectángulo redondeado"/>
+          <p:cNvSpPr/>
+          <p:nvPr/>
+        </p:nvSpPr>
+        <p:spPr>
+          <a:xfrm>
+            <a:off x="5694949" y="1676400"/>
+            <a:ext cx="393030" cy="264695"/>
+          </a:xfrm>
+          <a:prstGeom prst="roundRect">
+            <a:avLst/>
+          </a:prstGeom>
+          <a:solidFill>
+            <a:schemeClr val="bg2">
+              <a:alpha val="45000"/>
+            </a:schemeClr>
+          </a:solidFill>
+          <a:ln>
+            <a:solidFill>
+              <a:schemeClr val="bg2">
+                <a:alpha val="61000"/>
+              </a:schemeClr>
+            </a:solidFill>
+          </a:ln>
+        </p:spPr>
+        <p:style>
+          <a:lnRef idx="2">
+            <a:schemeClr val="accent1">
+              <a:shade val="50000"/>
+            </a:schemeClr>
+          </a:lnRef>
+          <a:fillRef idx="1">
+            <a:schemeClr val="accent1"/>
+          </a:fillRef>
+          <a:effectRef idx="0">
+            <a:schemeClr val="accent1"/>
+          </a:effectRef>
+          <a:fontRef idx="minor">
+            <a:schemeClr val="lt1"/>
+          </a:fontRef>
+        </p:style>
+        <p:txBody>
+          <a:bodyPr rtlCol="0" anchor="ctr"/>
+          <a:lstStyle/>
+          <a:p>
+            <a:pPr algn="ctr"/>
+            <a:endParaRPr lang="es-ES"/>
+          </a:p>
+        </p:txBody>
+      </p:sp>
+      <p:sp>
+        <p:nvSpPr>
+          <p:cNvPr id="30" name="29 Rectángulo redondeado"/>
+          <p:cNvSpPr/>
+          <p:nvPr/>
+        </p:nvSpPr>
+        <p:spPr>
+          <a:xfrm>
+            <a:off x="6208296" y="1700463"/>
+            <a:ext cx="409072" cy="264695"/>
+          </a:xfrm>
+          <a:prstGeom prst="roundRect">
+            <a:avLst/>
+          </a:prstGeom>
+          <a:solidFill>
+            <a:schemeClr val="bg2">
+              <a:alpha val="45000"/>
+            </a:schemeClr>
+          </a:solidFill>
+          <a:ln>
+            <a:solidFill>
+              <a:schemeClr val="bg2">
+                <a:alpha val="61000"/>
+              </a:schemeClr>
+            </a:solidFill>
+          </a:ln>
+        </p:spPr>
+        <p:style>
+          <a:lnRef idx="2">
+            <a:schemeClr val="accent1">
+              <a:shade val="50000"/>
+            </a:schemeClr>
+          </a:lnRef>
+          <a:fillRef idx="1">
+            <a:schemeClr val="accent1"/>
+          </a:fillRef>
+          <a:effectRef idx="0">
+            <a:schemeClr val="accent1"/>
+          </a:effectRef>
+          <a:fontRef idx="minor">
+            <a:schemeClr val="lt1"/>
+          </a:fontRef>
+        </p:style>
+        <p:txBody>
+          <a:bodyPr rtlCol="0" anchor="ctr"/>
+          <a:lstStyle/>
+          <a:p>
+            <a:pPr algn="ctr"/>
+            <a:endParaRPr lang="es-ES"/>
+          </a:p>
+        </p:txBody>
+      </p:sp>
+      <p:sp>
+        <p:nvSpPr>
+          <p:cNvPr id="32" name="31 Rectángulo redondeado"/>
+          <p:cNvSpPr/>
+          <p:nvPr/>
+        </p:nvSpPr>
+        <p:spPr>
+          <a:xfrm>
+            <a:off x="6785811" y="1676400"/>
+            <a:ext cx="368968" cy="264695"/>
+          </a:xfrm>
+          <a:prstGeom prst="roundRect">
+            <a:avLst/>
+          </a:prstGeom>
+          <a:solidFill>
+            <a:schemeClr val="bg2">
+              <a:alpha val="45000"/>
+            </a:schemeClr>
+          </a:solidFill>
+          <a:ln>
+            <a:solidFill>
+              <a:schemeClr val="bg2">
+                <a:alpha val="61000"/>
+              </a:schemeClr>
+            </a:solidFill>
+          </a:ln>
+        </p:spPr>
+        <p:style>
+          <a:lnRef idx="2">
+            <a:schemeClr val="accent1">
+              <a:shade val="50000"/>
+            </a:schemeClr>
+          </a:lnRef>
+          <a:fillRef idx="1">
+            <a:schemeClr val="accent1"/>
+          </a:fillRef>
+          <a:effectRef idx="0">
+            <a:schemeClr val="accent1"/>
+          </a:effectRef>
+          <a:fontRef idx="minor">
+            <a:schemeClr val="lt1"/>
+          </a:fontRef>
+        </p:style>
+        <p:txBody>
+          <a:bodyPr rtlCol="0" anchor="ctr"/>
+          <a:lstStyle/>
+          <a:p>
+            <a:pPr algn="ctr"/>
+            <a:endParaRPr lang="es-ES"/>
+          </a:p>
+        </p:txBody>
+      </p:sp>
+      <p:sp>
+        <p:nvSpPr>
+          <p:cNvPr id="33" name="32 Rectángulo redondeado"/>
+          <p:cNvSpPr/>
+          <p:nvPr/>
+        </p:nvSpPr>
+        <p:spPr>
+          <a:xfrm>
+            <a:off x="5117432" y="1692442"/>
+            <a:ext cx="401052" cy="264695"/>
+          </a:xfrm>
+          <a:prstGeom prst="roundRect">
+            <a:avLst/>
+          </a:prstGeom>
+          <a:solidFill>
+            <a:schemeClr val="bg2">
+              <a:alpha val="0"/>
+            </a:schemeClr>
+          </a:solidFill>
+          <a:ln>
+            <a:solidFill>
+              <a:schemeClr val="bg2">
+                <a:alpha val="61000"/>
+              </a:schemeClr>
+            </a:solidFill>
+          </a:ln>
+        </p:spPr>
+        <p:style>
+          <a:lnRef idx="2">
+            <a:schemeClr val="accent1">
+              <a:shade val="50000"/>
+            </a:schemeClr>
+          </a:lnRef>
+          <a:fillRef idx="1">
+            <a:schemeClr val="accent1"/>
+          </a:fillRef>
+          <a:effectRef idx="0">
+            <a:schemeClr val="accent1"/>
+          </a:effectRef>
+          <a:fontRef idx="minor">
+            <a:schemeClr val="lt1"/>
+          </a:fontRef>
+        </p:style>
+        <p:txBody>
+          <a:bodyPr rtlCol="0" anchor="ctr"/>
+          <a:lstStyle/>
+          <a:p>
+            <a:pPr algn="ctr"/>
+            <a:endParaRPr lang="es-ES"/>
+          </a:p>
+        </p:txBody>
+      </p:sp>
+      <p:sp>
+        <p:nvSpPr>
+          <p:cNvPr id="34" name="Rectangle 12">
+            <a:hlinkClick r:id="rId5" action="ppaction://hlinksldjump"/>
+          </p:cNvPr>
+          <p:cNvSpPr/>
+          <p:nvPr/>
+        </p:nvSpPr>
+        <p:spPr>
+          <a:xfrm>
+            <a:off x="5366084" y="3573972"/>
+            <a:ext cx="1477287" cy="370800"/>
+          </a:xfrm>
+          <a:prstGeom prst="rect">
+            <a:avLst/>
+          </a:prstGeom>
+          <a:noFill/>
+          <a:ln>
+            <a:noFill/>
+          </a:ln>
+        </p:spPr>
+        <p:style>
+          <a:lnRef idx="2">
+            <a:schemeClr val="dk1"/>
+          </a:lnRef>
+          <a:fillRef idx="1">
+            <a:schemeClr val="lt1"/>
+          </a:fillRef>
+          <a:effectRef idx="0">
+            <a:schemeClr val="dk1"/>
+          </a:effectRef>
+          <a:fontRef idx="minor">
+            <a:schemeClr val="dk1"/>
+          </a:fontRef>
+        </p:style>
+        <p:txBody>
+          <a:bodyPr rtlCol="0" anchor="ctr"/>
+          <a:lstStyle/>
+          <a:p>
+            <a:pPr algn="ctr"/>
+            <a:r>
+              <a:rPr lang="en-GB" sz="1100" smtClean="0"/>
+              <a:t>Surroundings </a:t>
+            </a:r>
+            <a:r>
+              <a:rPr lang="en-GB" sz="1100" dirty="0" smtClean="0"/>
+              <a:t>state</a:t>
+            </a:r>
+          </a:p>
+        </p:txBody>
+      </p:sp>
+      <p:sp>
+        <p:nvSpPr>
+          <p:cNvPr id="40" name="Rectangle 12">
+            <a:hlinkClick r:id="rId5" action="ppaction://hlinksldjump"/>
+          </p:cNvPr>
+          <p:cNvSpPr/>
+          <p:nvPr/>
+        </p:nvSpPr>
+        <p:spPr>
+          <a:xfrm>
+            <a:off x="5358063" y="4263783"/>
+            <a:ext cx="1477287" cy="370800"/>
+          </a:xfrm>
+          <a:prstGeom prst="rect">
+            <a:avLst/>
+          </a:prstGeom>
+          <a:noFill/>
+          <a:ln>
+            <a:noFill/>
+          </a:ln>
+        </p:spPr>
+        <p:style>
+          <a:lnRef idx="2">
+            <a:schemeClr val="dk1"/>
+          </a:lnRef>
+          <a:fillRef idx="1">
+            <a:schemeClr val="lt1"/>
+          </a:fillRef>
+          <a:effectRef idx="0">
+            <a:schemeClr val="dk1"/>
+          </a:effectRef>
+          <a:fontRef idx="minor">
+            <a:schemeClr val="dk1"/>
+          </a:fontRef>
+        </p:style>
+        <p:txBody>
+          <a:bodyPr rtlCol="0" anchor="ctr"/>
+          <a:lstStyle/>
+          <a:p>
+            <a:pPr algn="ctr"/>
+            <a:r>
+              <a:rPr lang="en-GB" sz="1100" dirty="0" smtClean="0"/>
+              <a:t>Extra information</a:t>
+            </a:r>
+          </a:p>
+        </p:txBody>
+      </p:sp>
+      <p:pic>
+        <p:nvPicPr>
+          <p:cNvPr id="1026" name="Picture 2">
+            <a:hlinkClick r:id="rId6" action="ppaction://hlinksldjump"/>
+          </p:cNvPr>
+          <p:cNvPicPr>
+            <a:picLocks noChangeAspect="1" noChangeArrowheads="1"/>
+          </p:cNvPicPr>
+          <p:nvPr/>
+        </p:nvPicPr>
+        <p:blipFill>
+          <a:blip r:embed="rId7" cstate="print"/>
+          <a:srcRect/>
+          <a:stretch>
+            <a:fillRect/>
+          </a:stretch>
+        </p:blipFill>
+        <p:spPr bwMode="auto">
+          <a:xfrm>
+            <a:off x="4819316" y="1179093"/>
+            <a:ext cx="372060" cy="347663"/>
+          </a:xfrm>
+          <a:prstGeom prst="rect">
+            <a:avLst/>
+          </a:prstGeom>
+          <a:noFill/>
+          <a:ln w="9525">
+            <a:noFill/>
+            <a:miter lim="800000"/>
+            <a:headEnd/>
+            <a:tailEnd/>
+          </a:ln>
+        </p:spPr>
+      </p:pic>
+      <p:sp>
+        <p:nvSpPr>
+          <p:cNvPr id="27" name="Rectangle 12">
+            <a:hlinkClick r:id="rId5" action="ppaction://hlinksldjump"/>
+          </p:cNvPr>
+          <p:cNvSpPr/>
+          <p:nvPr/>
+        </p:nvSpPr>
+        <p:spPr>
+          <a:xfrm>
+            <a:off x="1389055" y="1167658"/>
+            <a:ext cx="3062629" cy="370800"/>
+          </a:xfrm>
+          <a:prstGeom prst="rect">
+            <a:avLst/>
+          </a:prstGeom>
+          <a:noFill/>
+          <a:ln>
+            <a:noFill/>
+          </a:ln>
+        </p:spPr>
+        <p:style>
+          <a:lnRef idx="2">
+            <a:schemeClr val="dk1"/>
+          </a:lnRef>
+          <a:fillRef idx="1">
+            <a:schemeClr val="lt1"/>
+          </a:fillRef>
+          <a:effectRef idx="0">
+            <a:schemeClr val="dk1"/>
+          </a:effectRef>
+          <a:fontRef idx="minor">
+            <a:schemeClr val="dk1"/>
+          </a:fontRef>
+        </p:style>
+        <p:txBody>
+          <a:bodyPr rtlCol="0" anchor="ctr"/>
+          <a:lstStyle/>
+          <a:p>
+            <a:pPr algn="ctr"/>
+            <a:r>
+              <a:rPr lang="en-GB" sz="1100" dirty="0" smtClean="0"/>
+              <a:t>First screen always quiz. To change, go to menu -&gt;</a:t>
+            </a:r>
+          </a:p>
+        </p:txBody>
+      </p:sp>
     </p:spTree>
     <p:extLst>
       <p:ext uri="{BB962C8B-B14F-4D97-AF65-F5344CB8AC3E}">
-        <p14:creationId xmlns="" xmlns:p14="http://schemas.microsoft.com/office/powerpoint/2010/main" val="283767647"/>
+        <p14:creationId xmlns:p14="http://schemas.microsoft.com/office/powerpoint/2010/main" xmlns="" val="283767647"/>
       </p:ext>
     </p:extLst>
   </p:cSld>
@@ -3030,7 +3902,7 @@
     <a:masterClrMapping/>
   </p:clrMapOvr>
   <mc:AlternateContent xmlns:mc="http://schemas.openxmlformats.org/markup-compatibility/2006">
-    <mc:Choice xmlns="" xmlns:p14="http://schemas.microsoft.com/office/powerpoint/2010/main" Requires="p14">
+    <mc:Choice xmlns:p14="http://schemas.microsoft.com/office/powerpoint/2010/main" xmlns="" Requires="p14">
       <p:transition spd="slow" p14:dur="2000" advClick="0"/>
     </mc:Choice>
     <mc:Fallback>
@@ -3048,830 +3920,6 @@
 </file>
 
 <file path=ppt/slides/slide10.xml><?xml version="1.0" encoding="utf-8"?>
-<p:sld xmlns:a="http://schemas.openxmlformats.org/drawingml/2006/main" xmlns:r="http://schemas.openxmlformats.org/officeDocument/2006/relationships" xmlns:p="http://schemas.openxmlformats.org/presentationml/2006/main">
-  <p:cSld>
-    <p:spTree>
-      <p:nvGrpSpPr>
-        <p:cNvPr id="1" name=""/>
-        <p:cNvGrpSpPr/>
-        <p:nvPr/>
-      </p:nvGrpSpPr>
-      <p:grpSpPr>
-        <a:xfrm>
-          <a:off x="0" y="0"/>
-          <a:ext cx="0" cy="0"/>
-          <a:chOff x="0" y="0"/>
-          <a:chExt cx="0" cy="0"/>
-        </a:xfrm>
-      </p:grpSpPr>
-      <p:pic>
-        <p:nvPicPr>
-          <p:cNvPr id="6" name="Picture 5"/>
-          <p:cNvPicPr>
-            <a:picLocks noChangeAspect="1"/>
-          </p:cNvPicPr>
-          <p:nvPr/>
-        </p:nvPicPr>
-        <p:blipFill>
-          <a:blip r:embed="rId2" cstate="print"/>
-          <a:stretch>
-            <a:fillRect/>
-          </a:stretch>
-        </p:blipFill>
-        <p:spPr>
-          <a:xfrm>
-            <a:off x="4547971" y="242443"/>
-            <a:ext cx="3096057" cy="6373114"/>
-          </a:xfrm>
-          <a:prstGeom prst="rect">
-            <a:avLst/>
-          </a:prstGeom>
-        </p:spPr>
-      </p:pic>
-      <p:sp>
-        <p:nvSpPr>
-          <p:cNvPr id="28" name="Rectangle 27"/>
-          <p:cNvSpPr/>
-          <p:nvPr/>
-        </p:nvSpPr>
-        <p:spPr>
-          <a:xfrm>
-            <a:off x="4827311" y="1507587"/>
-            <a:ext cx="2618278" cy="398254"/>
-          </a:xfrm>
-          <a:prstGeom prst="rect">
-            <a:avLst/>
-          </a:prstGeom>
-          <a:solidFill>
-            <a:srgbClr val="FDC199"/>
-          </a:solidFill>
-          <a:ln>
-            <a:solidFill>
-              <a:schemeClr val="tx1"/>
-            </a:solidFill>
-          </a:ln>
-        </p:spPr>
-        <p:style>
-          <a:lnRef idx="1">
-            <a:schemeClr val="accent6"/>
-          </a:lnRef>
-          <a:fillRef idx="2">
-            <a:schemeClr val="accent6"/>
-          </a:fillRef>
-          <a:effectRef idx="1">
-            <a:schemeClr val="accent6"/>
-          </a:effectRef>
-          <a:fontRef idx="minor">
-            <a:schemeClr val="dk1"/>
-          </a:fontRef>
-        </p:style>
-        <p:txBody>
-          <a:bodyPr rtlCol="0" anchor="ctr"/>
-          <a:lstStyle/>
-          <a:p>
-            <a:pPr algn="ctr"/>
-            <a:endParaRPr lang="en-US" dirty="0"/>
-          </a:p>
-        </p:txBody>
-      </p:sp>
-      <p:sp>
-        <p:nvSpPr>
-          <p:cNvPr id="48" name="TextBox 47"/>
-          <p:cNvSpPr txBox="1"/>
-          <p:nvPr/>
-        </p:nvSpPr>
-        <p:spPr>
-          <a:xfrm>
-            <a:off x="4813300" y="1175561"/>
-            <a:ext cx="2628900" cy="369332"/>
-          </a:xfrm>
-          <a:prstGeom prst="rect">
-            <a:avLst/>
-          </a:prstGeom>
-          <a:solidFill>
-            <a:schemeClr val="accent2"/>
-          </a:solidFill>
-        </p:spPr>
-        <p:txBody>
-          <a:bodyPr wrap="square" rtlCol="0">
-            <a:spAutoFit/>
-          </a:bodyPr>
-          <a:lstStyle/>
-          <a:p>
-            <a:pPr algn="ctr"/>
-            <a:r>
-              <a:rPr lang="en-GB" dirty="0" smtClean="0">
-                <a:solidFill>
-                  <a:schemeClr val="bg1"/>
-                </a:solidFill>
-              </a:rPr>
-              <a:t>Survive</a:t>
-            </a:r>
-            <a:endParaRPr lang="en-US" dirty="0">
-              <a:solidFill>
-                <a:schemeClr val="bg1"/>
-              </a:solidFill>
-            </a:endParaRPr>
-          </a:p>
-        </p:txBody>
-      </p:sp>
-      <p:sp>
-        <p:nvSpPr>
-          <p:cNvPr id="13" name="Rectangle 12"/>
-          <p:cNvSpPr/>
-          <p:nvPr/>
-        </p:nvSpPr>
-        <p:spPr>
-          <a:xfrm>
-            <a:off x="5449821" y="1549335"/>
-            <a:ext cx="1432241" cy="370800"/>
-          </a:xfrm>
-          <a:prstGeom prst="rect">
-            <a:avLst/>
-          </a:prstGeom>
-          <a:noFill/>
-          <a:ln>
-            <a:noFill/>
-          </a:ln>
-        </p:spPr>
-        <p:style>
-          <a:lnRef idx="2">
-            <a:schemeClr val="dk1"/>
-          </a:lnRef>
-          <a:fillRef idx="1">
-            <a:schemeClr val="lt1"/>
-          </a:fillRef>
-          <a:effectRef idx="0">
-            <a:schemeClr val="dk1"/>
-          </a:effectRef>
-          <a:fontRef idx="minor">
-            <a:schemeClr val="dk1"/>
-          </a:fontRef>
-        </p:style>
-        <p:txBody>
-          <a:bodyPr rtlCol="0" anchor="ctr"/>
-          <a:lstStyle/>
-          <a:p>
-            <a:pPr algn="ctr"/>
-            <a:r>
-              <a:rPr lang="en-GB" sz="1100" dirty="0" smtClean="0"/>
-              <a:t>Supporting needs</a:t>
-            </a:r>
-            <a:endParaRPr lang="en-US" sz="1100" dirty="0"/>
-          </a:p>
-        </p:txBody>
-      </p:sp>
-      <p:sp>
-        <p:nvSpPr>
-          <p:cNvPr id="51" name="Rectangle 50"/>
-          <p:cNvSpPr/>
-          <p:nvPr/>
-        </p:nvSpPr>
-        <p:spPr>
-          <a:xfrm>
-            <a:off x="6515067" y="1803218"/>
-            <a:ext cx="1066800" cy="370800"/>
-          </a:xfrm>
-          <a:prstGeom prst="rect">
-            <a:avLst/>
-          </a:prstGeom>
-          <a:noFill/>
-          <a:ln>
-            <a:noFill/>
-          </a:ln>
-        </p:spPr>
-        <p:style>
-          <a:lnRef idx="2">
-            <a:schemeClr val="dk1"/>
-          </a:lnRef>
-          <a:fillRef idx="1">
-            <a:schemeClr val="lt1"/>
-          </a:fillRef>
-          <a:effectRef idx="0">
-            <a:schemeClr val="dk1"/>
-          </a:effectRef>
-          <a:fontRef idx="minor">
-            <a:schemeClr val="dk1"/>
-          </a:fontRef>
-        </p:style>
-        <p:txBody>
-          <a:bodyPr rtlCol="0" anchor="ctr"/>
-          <a:lstStyle/>
-          <a:p>
-            <a:pPr marL="171450" indent="-171450" algn="ctr">
-              <a:buFont typeface="Wingdings" panose="05000000000000000000" pitchFamily="2" charset="2"/>
-              <a:buChar char="ü"/>
-            </a:pPr>
-            <a:endParaRPr lang="en-US" sz="1100" dirty="0"/>
-          </a:p>
-        </p:txBody>
-      </p:sp>
-      <p:pic>
-        <p:nvPicPr>
-          <p:cNvPr id="62" name="Picture 61"/>
-          <p:cNvPicPr>
-            <a:picLocks noChangeAspect="1"/>
-          </p:cNvPicPr>
-          <p:nvPr/>
-        </p:nvPicPr>
-        <p:blipFill rotWithShape="1">
-          <a:blip r:embed="rId2" cstate="print"/>
-          <a:srcRect t="85496"/>
-          <a:stretch/>
-        </p:blipFill>
-        <p:spPr>
-          <a:xfrm>
-            <a:off x="4547970" y="5691187"/>
-            <a:ext cx="3096057" cy="924369"/>
-          </a:xfrm>
-          <a:prstGeom prst="rect">
-            <a:avLst/>
-          </a:prstGeom>
-        </p:spPr>
-      </p:pic>
-      <p:sp>
-        <p:nvSpPr>
-          <p:cNvPr id="65" name="Rectangle 64">
-            <a:hlinkClick r:id="rId3" action="ppaction://hlinksldjump"/>
-          </p:cNvPr>
-          <p:cNvSpPr/>
-          <p:nvPr/>
-        </p:nvSpPr>
-        <p:spPr>
-          <a:xfrm>
-            <a:off x="5822950" y="5842000"/>
-            <a:ext cx="539750" cy="567918"/>
-          </a:xfrm>
-          <a:prstGeom prst="rect">
-            <a:avLst/>
-          </a:prstGeom>
-          <a:solidFill>
-            <a:schemeClr val="bg1">
-              <a:alpha val="0"/>
-            </a:schemeClr>
-          </a:solidFill>
-          <a:ln>
-            <a:solidFill>
-              <a:schemeClr val="bg1">
-                <a:alpha val="0"/>
-              </a:schemeClr>
-            </a:solidFill>
-          </a:ln>
-        </p:spPr>
-        <p:style>
-          <a:lnRef idx="2">
-            <a:schemeClr val="accent1">
-              <a:shade val="50000"/>
-            </a:schemeClr>
-          </a:lnRef>
-          <a:fillRef idx="1">
-            <a:schemeClr val="accent1"/>
-          </a:fillRef>
-          <a:effectRef idx="0">
-            <a:schemeClr val="accent1"/>
-          </a:effectRef>
-          <a:fontRef idx="minor">
-            <a:schemeClr val="lt1"/>
-          </a:fontRef>
-        </p:style>
-        <p:txBody>
-          <a:bodyPr rtlCol="0" anchor="ctr"/>
-          <a:lstStyle/>
-          <a:p>
-            <a:pPr algn="ctr"/>
-            <a:endParaRPr lang="en-US" dirty="0"/>
-          </a:p>
-        </p:txBody>
-      </p:sp>
-      <p:sp>
-        <p:nvSpPr>
-          <p:cNvPr id="17" name="Rectangle 33"/>
-          <p:cNvSpPr/>
-          <p:nvPr/>
-        </p:nvSpPr>
-        <p:spPr>
-          <a:xfrm>
-            <a:off x="4819981" y="1913860"/>
-            <a:ext cx="2580280" cy="3774559"/>
-          </a:xfrm>
-          <a:prstGeom prst="rect">
-            <a:avLst/>
-          </a:prstGeom>
-          <a:solidFill>
-            <a:schemeClr val="bg1"/>
-          </a:solidFill>
-          <a:ln>
-            <a:solidFill>
-              <a:schemeClr val="tx1"/>
-            </a:solidFill>
-          </a:ln>
-        </p:spPr>
-        <p:style>
-          <a:lnRef idx="2">
-            <a:schemeClr val="accent1">
-              <a:shade val="50000"/>
-            </a:schemeClr>
-          </a:lnRef>
-          <a:fillRef idx="1">
-            <a:schemeClr val="accent1"/>
-          </a:fillRef>
-          <a:effectRef idx="0">
-            <a:schemeClr val="accent1"/>
-          </a:effectRef>
-          <a:fontRef idx="minor">
-            <a:schemeClr val="lt1"/>
-          </a:fontRef>
-        </p:style>
-        <p:txBody>
-          <a:bodyPr rtlCol="0" anchor="ctr"/>
-          <a:lstStyle/>
-          <a:p>
-            <a:pPr marL="171450" indent="-171450" algn="ctr">
-              <a:buFont typeface="Wingdings" panose="05000000000000000000" pitchFamily="2" charset="2"/>
-              <a:buChar char="ü"/>
-            </a:pPr>
-            <a:r>
-              <a:rPr lang="en-GB" dirty="0" smtClean="0"/>
-              <a:t> </a:t>
-            </a:r>
-            <a:endParaRPr lang="en-US" dirty="0"/>
-          </a:p>
-        </p:txBody>
-      </p:sp>
-      <p:sp>
-        <p:nvSpPr>
-          <p:cNvPr id="18" name="Rectangle 33"/>
-          <p:cNvSpPr/>
-          <p:nvPr/>
-        </p:nvSpPr>
-        <p:spPr>
-          <a:xfrm>
-            <a:off x="7070651" y="2083981"/>
-            <a:ext cx="159488" cy="148856"/>
-          </a:xfrm>
-          <a:prstGeom prst="rect">
-            <a:avLst/>
-          </a:prstGeom>
-          <a:solidFill>
-            <a:schemeClr val="bg1"/>
-          </a:solidFill>
-          <a:ln>
-            <a:solidFill>
-              <a:schemeClr val="tx1"/>
-            </a:solidFill>
-          </a:ln>
-        </p:spPr>
-        <p:style>
-          <a:lnRef idx="2">
-            <a:schemeClr val="accent1">
-              <a:shade val="50000"/>
-            </a:schemeClr>
-          </a:lnRef>
-          <a:fillRef idx="1">
-            <a:schemeClr val="accent1"/>
-          </a:fillRef>
-          <a:effectRef idx="0">
-            <a:schemeClr val="accent1"/>
-          </a:effectRef>
-          <a:fontRef idx="minor">
-            <a:schemeClr val="lt1"/>
-          </a:fontRef>
-        </p:style>
-        <p:txBody>
-          <a:bodyPr rtlCol="0" anchor="ctr"/>
-          <a:lstStyle/>
-          <a:p>
-            <a:pPr algn="ctr"/>
-            <a:endParaRPr lang="en-US" dirty="0">
-              <a:solidFill>
-                <a:schemeClr val="tx1"/>
-              </a:solidFill>
-            </a:endParaRPr>
-          </a:p>
-        </p:txBody>
-      </p:sp>
-      <p:sp>
-        <p:nvSpPr>
-          <p:cNvPr id="20" name="Rectangle 33"/>
-          <p:cNvSpPr/>
-          <p:nvPr/>
-        </p:nvSpPr>
-        <p:spPr>
-          <a:xfrm>
-            <a:off x="7074195" y="2395869"/>
-            <a:ext cx="159488" cy="148856"/>
-          </a:xfrm>
-          <a:prstGeom prst="rect">
-            <a:avLst/>
-          </a:prstGeom>
-          <a:solidFill>
-            <a:schemeClr val="bg1"/>
-          </a:solidFill>
-          <a:ln>
-            <a:solidFill>
-              <a:schemeClr val="tx1"/>
-            </a:solidFill>
-          </a:ln>
-        </p:spPr>
-        <p:style>
-          <a:lnRef idx="2">
-            <a:schemeClr val="accent1">
-              <a:shade val="50000"/>
-            </a:schemeClr>
-          </a:lnRef>
-          <a:fillRef idx="1">
-            <a:schemeClr val="accent1"/>
-          </a:fillRef>
-          <a:effectRef idx="0">
-            <a:schemeClr val="accent1"/>
-          </a:effectRef>
-          <a:fontRef idx="minor">
-            <a:schemeClr val="lt1"/>
-          </a:fontRef>
-        </p:style>
-        <p:txBody>
-          <a:bodyPr rtlCol="0" anchor="ctr"/>
-          <a:lstStyle/>
-          <a:p>
-            <a:pPr algn="ctr"/>
-            <a:endParaRPr lang="en-US" dirty="0">
-              <a:solidFill>
-                <a:schemeClr val="tx1"/>
-              </a:solidFill>
-            </a:endParaRPr>
-          </a:p>
-        </p:txBody>
-      </p:sp>
-      <p:sp>
-        <p:nvSpPr>
-          <p:cNvPr id="21" name="Rectangle 33"/>
-          <p:cNvSpPr/>
-          <p:nvPr/>
-        </p:nvSpPr>
-        <p:spPr>
-          <a:xfrm>
-            <a:off x="7074196" y="2682948"/>
-            <a:ext cx="159488" cy="148856"/>
-          </a:xfrm>
-          <a:prstGeom prst="rect">
-            <a:avLst/>
-          </a:prstGeom>
-          <a:solidFill>
-            <a:schemeClr val="bg1"/>
-          </a:solidFill>
-          <a:ln>
-            <a:solidFill>
-              <a:schemeClr val="tx1"/>
-            </a:solidFill>
-          </a:ln>
-        </p:spPr>
-        <p:style>
-          <a:lnRef idx="2">
-            <a:schemeClr val="accent1">
-              <a:shade val="50000"/>
-            </a:schemeClr>
-          </a:lnRef>
-          <a:fillRef idx="1">
-            <a:schemeClr val="accent1"/>
-          </a:fillRef>
-          <a:effectRef idx="0">
-            <a:schemeClr val="accent1"/>
-          </a:effectRef>
-          <a:fontRef idx="minor">
-            <a:schemeClr val="lt1"/>
-          </a:fontRef>
-        </p:style>
-        <p:txBody>
-          <a:bodyPr rtlCol="0" anchor="ctr"/>
-          <a:lstStyle/>
-          <a:p>
-            <a:pPr algn="ctr"/>
-            <a:endParaRPr lang="en-US" dirty="0">
-              <a:solidFill>
-                <a:schemeClr val="tx1"/>
-              </a:solidFill>
-            </a:endParaRPr>
-          </a:p>
-        </p:txBody>
-      </p:sp>
-      <p:sp>
-        <p:nvSpPr>
-          <p:cNvPr id="26" name="25 Rectángulo"/>
-          <p:cNvSpPr/>
-          <p:nvPr/>
-        </p:nvSpPr>
-        <p:spPr>
-          <a:xfrm>
-            <a:off x="7046284" y="2290872"/>
-            <a:ext cx="244549" cy="369332"/>
-          </a:xfrm>
-          <a:prstGeom prst="rect">
-            <a:avLst/>
-          </a:prstGeom>
-        </p:spPr>
-        <p:txBody>
-          <a:bodyPr wrap="square">
-            <a:spAutoFit/>
-          </a:bodyPr>
-          <a:lstStyle/>
-          <a:p>
-            <a:pPr marL="171450" indent="-171450" algn="ctr">
-              <a:buFont typeface="Wingdings" panose="05000000000000000000" pitchFamily="2" charset="2"/>
-              <a:buChar char="ü"/>
-            </a:pPr>
-            <a:r>
-              <a:rPr lang="en-GB" dirty="0" smtClean="0"/>
-              <a:t> </a:t>
-            </a:r>
-            <a:endParaRPr lang="en-US" dirty="0"/>
-          </a:p>
-        </p:txBody>
-      </p:sp>
-      <p:sp>
-        <p:nvSpPr>
-          <p:cNvPr id="81" name="Rectangle 27">
-            <a:hlinkClick r:id="rId3" action="ppaction://hlinksldjump"/>
-          </p:cNvPr>
-          <p:cNvSpPr/>
-          <p:nvPr/>
-        </p:nvSpPr>
-        <p:spPr>
-          <a:xfrm>
-            <a:off x="4820653" y="5382126"/>
-            <a:ext cx="2574758" cy="293610"/>
-          </a:xfrm>
-          <a:prstGeom prst="rect">
-            <a:avLst/>
-          </a:prstGeom>
-          <a:solidFill>
-            <a:srgbClr val="FDC199"/>
-          </a:solidFill>
-          <a:ln>
-            <a:solidFill>
-              <a:schemeClr val="tx1"/>
-            </a:solidFill>
-          </a:ln>
-        </p:spPr>
-        <p:style>
-          <a:lnRef idx="1">
-            <a:schemeClr val="accent6"/>
-          </a:lnRef>
-          <a:fillRef idx="2">
-            <a:schemeClr val="accent6"/>
-          </a:fillRef>
-          <a:effectRef idx="1">
-            <a:schemeClr val="accent6"/>
-          </a:effectRef>
-          <a:fontRef idx="minor">
-            <a:schemeClr val="dk1"/>
-          </a:fontRef>
-        </p:style>
-        <p:txBody>
-          <a:bodyPr rtlCol="0" anchor="ctr"/>
-          <a:lstStyle/>
-          <a:p>
-            <a:pPr algn="ctr"/>
-            <a:endParaRPr lang="en-US" dirty="0"/>
-          </a:p>
-        </p:txBody>
-      </p:sp>
-      <p:sp>
-        <p:nvSpPr>
-          <p:cNvPr id="67" name="Rectangle 12"/>
-          <p:cNvSpPr/>
-          <p:nvPr/>
-        </p:nvSpPr>
-        <p:spPr>
-          <a:xfrm>
-            <a:off x="5257317" y="5335272"/>
-            <a:ext cx="1664852" cy="370800"/>
-          </a:xfrm>
-          <a:prstGeom prst="rect">
-            <a:avLst/>
-          </a:prstGeom>
-          <a:noFill/>
-          <a:ln>
-            <a:noFill/>
-          </a:ln>
-        </p:spPr>
-        <p:style>
-          <a:lnRef idx="2">
-            <a:schemeClr val="dk1"/>
-          </a:lnRef>
-          <a:fillRef idx="1">
-            <a:schemeClr val="lt1"/>
-          </a:fillRef>
-          <a:effectRef idx="0">
-            <a:schemeClr val="dk1"/>
-          </a:effectRef>
-          <a:fontRef idx="minor">
-            <a:schemeClr val="dk1"/>
-          </a:fontRef>
-        </p:style>
-        <p:txBody>
-          <a:bodyPr rtlCol="0" anchor="ctr"/>
-          <a:lstStyle/>
-          <a:p>
-            <a:pPr algn="ctr"/>
-            <a:r>
-              <a:rPr lang="en-GB" sz="1100" dirty="0" smtClean="0"/>
-              <a:t>Send </a:t>
-            </a:r>
-            <a:endParaRPr lang="en-US" sz="1100" dirty="0"/>
-          </a:p>
-        </p:txBody>
-      </p:sp>
-      <p:sp>
-        <p:nvSpPr>
-          <p:cNvPr id="22" name="Rectangle 12"/>
-          <p:cNvSpPr/>
-          <p:nvPr/>
-        </p:nvSpPr>
-        <p:spPr>
-          <a:xfrm>
-            <a:off x="4757153" y="2008951"/>
-            <a:ext cx="1650441" cy="370800"/>
-          </a:xfrm>
-          <a:prstGeom prst="rect">
-            <a:avLst/>
-          </a:prstGeom>
-          <a:noFill/>
-          <a:ln>
-            <a:noFill/>
-          </a:ln>
-        </p:spPr>
-        <p:style>
-          <a:lnRef idx="2">
-            <a:schemeClr val="dk1"/>
-          </a:lnRef>
-          <a:fillRef idx="1">
-            <a:schemeClr val="lt1"/>
-          </a:fillRef>
-          <a:effectRef idx="0">
-            <a:schemeClr val="dk1"/>
-          </a:effectRef>
-          <a:fontRef idx="minor">
-            <a:schemeClr val="dk1"/>
-          </a:fontRef>
-        </p:style>
-        <p:txBody>
-          <a:bodyPr rtlCol="0" anchor="ctr"/>
-          <a:lstStyle/>
-          <a:p>
-            <a:pPr algn="ctr"/>
-            <a:r>
-              <a:rPr lang="es-ES" sz="1100" dirty="0" err="1" smtClean="0"/>
-              <a:t>Add</a:t>
-            </a:r>
-            <a:r>
-              <a:rPr lang="es-ES" sz="1100" dirty="0" smtClean="0"/>
-              <a:t> </a:t>
-            </a:r>
-            <a:r>
-              <a:rPr lang="es-ES" sz="1100" dirty="0" err="1" smtClean="0"/>
-              <a:t>question</a:t>
-            </a:r>
-            <a:endParaRPr lang="en-US" sz="1100" dirty="0"/>
-          </a:p>
-        </p:txBody>
-      </p:sp>
-      <p:sp>
-        <p:nvSpPr>
-          <p:cNvPr id="23" name="Rectangle 12"/>
-          <p:cNvSpPr/>
-          <p:nvPr/>
-        </p:nvSpPr>
-        <p:spPr>
-          <a:xfrm>
-            <a:off x="4755398" y="2280329"/>
-            <a:ext cx="1658102" cy="370800"/>
-          </a:xfrm>
-          <a:prstGeom prst="rect">
-            <a:avLst/>
-          </a:prstGeom>
-          <a:noFill/>
-          <a:ln>
-            <a:noFill/>
-          </a:ln>
-        </p:spPr>
-        <p:style>
-          <a:lnRef idx="2">
-            <a:schemeClr val="dk1"/>
-          </a:lnRef>
-          <a:fillRef idx="1">
-            <a:schemeClr val="lt1"/>
-          </a:fillRef>
-          <a:effectRef idx="0">
-            <a:schemeClr val="dk1"/>
-          </a:effectRef>
-          <a:fontRef idx="minor">
-            <a:schemeClr val="dk1"/>
-          </a:fontRef>
-        </p:style>
-        <p:txBody>
-          <a:bodyPr rtlCol="0" anchor="ctr"/>
-          <a:lstStyle/>
-          <a:p>
-            <a:pPr algn="ctr"/>
-            <a:r>
-              <a:rPr lang="es-ES" sz="1100" dirty="0" err="1" smtClean="0"/>
-              <a:t>Add</a:t>
-            </a:r>
-            <a:r>
-              <a:rPr lang="es-ES" sz="1100" dirty="0" smtClean="0"/>
-              <a:t> </a:t>
-            </a:r>
-            <a:r>
-              <a:rPr lang="es-ES" sz="1100" dirty="0" err="1" smtClean="0"/>
-              <a:t>question</a:t>
-            </a:r>
-            <a:endParaRPr lang="en-US" sz="1100" dirty="0"/>
-          </a:p>
-        </p:txBody>
-      </p:sp>
-      <p:sp>
-        <p:nvSpPr>
-          <p:cNvPr id="24" name="Rectangle 12"/>
-          <p:cNvSpPr/>
-          <p:nvPr/>
-        </p:nvSpPr>
-        <p:spPr>
-          <a:xfrm>
-            <a:off x="4625323" y="2566079"/>
-            <a:ext cx="1948597" cy="370800"/>
-          </a:xfrm>
-          <a:prstGeom prst="rect">
-            <a:avLst/>
-          </a:prstGeom>
-          <a:noFill/>
-          <a:ln>
-            <a:noFill/>
-          </a:ln>
-        </p:spPr>
-        <p:style>
-          <a:lnRef idx="2">
-            <a:schemeClr val="dk1"/>
-          </a:lnRef>
-          <a:fillRef idx="1">
-            <a:schemeClr val="lt1"/>
-          </a:fillRef>
-          <a:effectRef idx="0">
-            <a:schemeClr val="dk1"/>
-          </a:effectRef>
-          <a:fontRef idx="minor">
-            <a:schemeClr val="dk1"/>
-          </a:fontRef>
-        </p:style>
-        <p:txBody>
-          <a:bodyPr rtlCol="0" anchor="ctr"/>
-          <a:lstStyle/>
-          <a:p>
-            <a:pPr algn="ctr"/>
-            <a:r>
-              <a:rPr lang="es-ES" sz="1100" dirty="0" err="1" smtClean="0"/>
-              <a:t>Add</a:t>
-            </a:r>
-            <a:r>
-              <a:rPr lang="es-ES" sz="1100" dirty="0" smtClean="0"/>
-              <a:t> </a:t>
-            </a:r>
-            <a:r>
-              <a:rPr lang="es-ES" sz="1100" dirty="0" err="1" smtClean="0"/>
-              <a:t>question</a:t>
-            </a:r>
-            <a:endParaRPr lang="en-US" sz="1100" dirty="0"/>
-          </a:p>
-        </p:txBody>
-      </p:sp>
-    </p:spTree>
-    <p:extLst>
-      <p:ext uri="{BB962C8B-B14F-4D97-AF65-F5344CB8AC3E}">
-        <p14:creationId xmlns="" xmlns:p14="http://schemas.microsoft.com/office/powerpoint/2010/main" val="283767647"/>
-      </p:ext>
-    </p:extLst>
-  </p:cSld>
-  <p:clrMapOvr>
-    <a:masterClrMapping/>
-  </p:clrMapOvr>
-  <mc:AlternateContent xmlns:mc="http://schemas.openxmlformats.org/markup-compatibility/2006">
-    <mc:Choice xmlns="" xmlns:p14="http://schemas.microsoft.com/office/powerpoint/2010/main" Requires="p14">
-      <p:transition spd="slow" p14:dur="2000" advClick="0"/>
-    </mc:Choice>
-    <mc:Fallback>
-      <p:transition spd="slow" advClick="0"/>
-    </mc:Fallback>
-  </mc:AlternateContent>
-  <p:timing>
-    <p:tnLst>
-      <p:par>
-        <p:cTn id="1" dur="indefinite" restart="never" nodeType="tmRoot"/>
-      </p:par>
-    </p:tnLst>
-  </p:timing>
-</p:sld>
-</file>
-
-<file path=ppt/slides/slide11.xml><?xml version="1.0" encoding="utf-8"?>
 <p:sld xmlns:a="http://schemas.openxmlformats.org/drawingml/2006/main" xmlns:r="http://schemas.openxmlformats.org/officeDocument/2006/relationships" xmlns:p="http://schemas.openxmlformats.org/presentationml/2006/main">
   <p:cSld>
     <p:spTree>
@@ -5567,7 +5615,7 @@
     </p:spTree>
     <p:extLst>
       <p:ext uri="{BB962C8B-B14F-4D97-AF65-F5344CB8AC3E}">
-        <p14:creationId xmlns="" xmlns:p14="http://schemas.microsoft.com/office/powerpoint/2010/main" val="283767647"/>
+        <p14:creationId xmlns:p14="http://schemas.microsoft.com/office/powerpoint/2010/main" xmlns="" val="283767647"/>
       </p:ext>
     </p:extLst>
   </p:cSld>
@@ -5575,7 +5623,7 @@
     <a:masterClrMapping/>
   </p:clrMapOvr>
   <mc:AlternateContent xmlns:mc="http://schemas.openxmlformats.org/markup-compatibility/2006">
-    <mc:Choice xmlns="" xmlns:p14="http://schemas.microsoft.com/office/powerpoint/2010/main" Requires="p14">
+    <mc:Choice xmlns:p14="http://schemas.microsoft.com/office/powerpoint/2010/main" xmlns="" Requires="p14">
       <p:transition spd="slow" p14:dur="2000" advClick="0"/>
     </mc:Choice>
     <mc:Fallback>
@@ -5592,7 +5640,7 @@
 </p:sld>
 </file>
 
-<file path=ppt/slides/slide12.xml><?xml version="1.0" encoding="utf-8"?>
+<file path=ppt/slides/slide11.xml><?xml version="1.0" encoding="utf-8"?>
 <p:sld xmlns:a="http://schemas.openxmlformats.org/drawingml/2006/main" xmlns:r="http://schemas.openxmlformats.org/officeDocument/2006/relationships" xmlns:p="http://schemas.openxmlformats.org/presentationml/2006/main">
   <p:cSld>
     <p:spTree>
@@ -7711,7 +7759,7 @@
     </p:spTree>
     <p:extLst>
       <p:ext uri="{BB962C8B-B14F-4D97-AF65-F5344CB8AC3E}">
-        <p14:creationId xmlns="" xmlns:p14="http://schemas.microsoft.com/office/powerpoint/2010/main" val="283767647"/>
+        <p14:creationId xmlns:p14="http://schemas.microsoft.com/office/powerpoint/2010/main" xmlns="" val="283767647"/>
       </p:ext>
     </p:extLst>
   </p:cSld>
@@ -7719,7 +7767,7 @@
     <a:masterClrMapping/>
   </p:clrMapOvr>
   <mc:AlternateContent xmlns:mc="http://schemas.openxmlformats.org/markup-compatibility/2006">
-    <mc:Choice xmlns="" xmlns:p14="http://schemas.microsoft.com/office/powerpoint/2010/main" Requires="p14">
+    <mc:Choice xmlns:p14="http://schemas.microsoft.com/office/powerpoint/2010/main" xmlns="" Requires="p14">
       <p:transition spd="slow" p14:dur="2000" advClick="0"/>
     </mc:Choice>
     <mc:Fallback>
@@ -7964,7 +8012,7 @@
             <a:avLst/>
           </a:prstGeom>
           <a:solidFill>
-            <a:srgbClr val="FB9E79"/>
+            <a:srgbClr val="FF9797"/>
           </a:solidFill>
           <a:ln w="19050">
             <a:solidFill>
@@ -8014,7 +8062,7 @@
             <a:avLst/>
           </a:prstGeom>
           <a:solidFill>
-            <a:srgbClr val="FBE29B"/>
+            <a:srgbClr val="FDC199"/>
           </a:solidFill>
           <a:ln w="19050">
             <a:solidFill>
@@ -8049,7 +8097,7 @@
       </p:sp>
       <p:sp>
         <p:nvSpPr>
-          <p:cNvPr id="20" name="Rectangle 36">
+          <p:cNvPr id="19" name="Rectangle 36">
             <a:hlinkClick r:id="rId3" action="ppaction://hlinksldjump"/>
           </p:cNvPr>
           <p:cNvSpPr/>
@@ -8057,14 +8105,14 @@
         </p:nvSpPr>
         <p:spPr>
           <a:xfrm>
-            <a:off x="4965031" y="4154906"/>
+            <a:off x="4965031" y="4146885"/>
             <a:ext cx="2310063" cy="561474"/>
           </a:xfrm>
           <a:prstGeom prst="rect">
             <a:avLst/>
           </a:prstGeom>
           <a:solidFill>
-            <a:srgbClr val="C9F99D"/>
+            <a:srgbClr val="FBE29B"/>
           </a:solidFill>
           <a:ln w="19050">
             <a:solidFill>
@@ -8097,6 +8145,56 @@
           </a:p>
         </p:txBody>
       </p:sp>
+      <p:sp>
+        <p:nvSpPr>
+          <p:cNvPr id="20" name="Rectangle 36">
+            <a:hlinkClick r:id="rId3" action="ppaction://hlinksldjump"/>
+          </p:cNvPr>
+          <p:cNvSpPr/>
+          <p:nvPr/>
+        </p:nvSpPr>
+        <p:spPr>
+          <a:xfrm>
+            <a:off x="4965031" y="4804611"/>
+            <a:ext cx="2310063" cy="561474"/>
+          </a:xfrm>
+          <a:prstGeom prst="rect">
+            <a:avLst/>
+          </a:prstGeom>
+          <a:solidFill>
+            <a:srgbClr val="C9F99D"/>
+          </a:solidFill>
+          <a:ln w="19050">
+            <a:solidFill>
+              <a:srgbClr val="D8D8D8"/>
+            </a:solidFill>
+          </a:ln>
+        </p:spPr>
+        <p:style>
+          <a:lnRef idx="2">
+            <a:schemeClr val="accent1">
+              <a:shade val="50000"/>
+            </a:schemeClr>
+          </a:lnRef>
+          <a:fillRef idx="1003">
+            <a:schemeClr val="lt1"/>
+          </a:fillRef>
+          <a:effectRef idx="0">
+            <a:schemeClr val="accent1"/>
+          </a:effectRef>
+          <a:fontRef idx="minor">
+            <a:schemeClr val="lt1"/>
+          </a:fontRef>
+        </p:style>
+        <p:txBody>
+          <a:bodyPr rtlCol="0" anchor="ctr"/>
+          <a:lstStyle/>
+          <a:p>
+            <a:pPr algn="ctr"/>
+            <a:endParaRPr lang="en-US" dirty="0"/>
+          </a:p>
+        </p:txBody>
+      </p:sp>
       <p:pic>
         <p:nvPicPr>
           <p:cNvPr id="21" name="20 Imagen" descr="StateBar.png"/>
@@ -8271,7 +8369,7 @@
         </p:nvSpPr>
         <p:spPr>
           <a:xfrm>
-            <a:off x="5694949" y="1676400"/>
+            <a:off x="5470359" y="1692442"/>
             <a:ext cx="393030" cy="264695"/>
           </a:xfrm>
           <a:prstGeom prst="roundRect">
@@ -8317,14 +8415,14 @@
       </p:sp>
       <p:sp>
         <p:nvSpPr>
-          <p:cNvPr id="30" name="29 Rectángulo redondeado"/>
-          <p:cNvSpPr/>
-          <p:nvPr/>
-        </p:nvSpPr>
-        <p:spPr>
-          <a:xfrm>
-            <a:off x="6208296" y="1700463"/>
-            <a:ext cx="409072" cy="264695"/>
+          <p:cNvPr id="29" name="28 Rectángulo redondeado"/>
+          <p:cNvSpPr/>
+          <p:nvPr/>
+        </p:nvSpPr>
+        <p:spPr>
+          <a:xfrm>
+            <a:off x="5895475" y="1700463"/>
+            <a:ext cx="393030" cy="264695"/>
           </a:xfrm>
           <a:prstGeom prst="roundRect">
             <a:avLst/>
@@ -8369,14 +8467,14 @@
       </p:sp>
       <p:sp>
         <p:nvSpPr>
-          <p:cNvPr id="32" name="31 Rectángulo redondeado"/>
-          <p:cNvSpPr/>
-          <p:nvPr/>
-        </p:nvSpPr>
-        <p:spPr>
-          <a:xfrm>
-            <a:off x="6785811" y="1676400"/>
-            <a:ext cx="368968" cy="264695"/>
+          <p:cNvPr id="30" name="29 Rectángulo redondeado"/>
+          <p:cNvSpPr/>
+          <p:nvPr/>
+        </p:nvSpPr>
+        <p:spPr>
+          <a:xfrm>
+            <a:off x="6328612" y="1700463"/>
+            <a:ext cx="409072" cy="264695"/>
           </a:xfrm>
           <a:prstGeom prst="roundRect">
             <a:avLst/>
@@ -8421,21 +8519,21 @@
       </p:sp>
       <p:sp>
         <p:nvSpPr>
-          <p:cNvPr id="33" name="32 Rectángulo redondeado"/>
-          <p:cNvSpPr/>
-          <p:nvPr/>
-        </p:nvSpPr>
-        <p:spPr>
-          <a:xfrm>
-            <a:off x="5117432" y="1692442"/>
-            <a:ext cx="401052" cy="264695"/>
+          <p:cNvPr id="32" name="31 Rectángulo redondeado"/>
+          <p:cNvSpPr/>
+          <p:nvPr/>
+        </p:nvSpPr>
+        <p:spPr>
+          <a:xfrm>
+            <a:off x="6785811" y="1676400"/>
+            <a:ext cx="368968" cy="264695"/>
           </a:xfrm>
           <a:prstGeom prst="roundRect">
             <a:avLst/>
           </a:prstGeom>
           <a:solidFill>
             <a:schemeClr val="bg2">
-              <a:alpha val="0"/>
+              <a:alpha val="45000"/>
             </a:schemeClr>
           </a:solidFill>
           <a:ln>
@@ -8473,6 +8571,58 @@
       </p:sp>
       <p:sp>
         <p:nvSpPr>
+          <p:cNvPr id="33" name="32 Rectángulo redondeado"/>
+          <p:cNvSpPr/>
+          <p:nvPr/>
+        </p:nvSpPr>
+        <p:spPr>
+          <a:xfrm>
+            <a:off x="5013159" y="1700463"/>
+            <a:ext cx="401052" cy="264695"/>
+          </a:xfrm>
+          <a:prstGeom prst="roundRect">
+            <a:avLst/>
+          </a:prstGeom>
+          <a:solidFill>
+            <a:schemeClr val="bg2">
+              <a:alpha val="0"/>
+            </a:schemeClr>
+          </a:solidFill>
+          <a:ln>
+            <a:solidFill>
+              <a:schemeClr val="bg2">
+                <a:alpha val="61000"/>
+              </a:schemeClr>
+            </a:solidFill>
+          </a:ln>
+        </p:spPr>
+        <p:style>
+          <a:lnRef idx="2">
+            <a:schemeClr val="accent1">
+              <a:shade val="50000"/>
+            </a:schemeClr>
+          </a:lnRef>
+          <a:fillRef idx="1">
+            <a:schemeClr val="accent1"/>
+          </a:fillRef>
+          <a:effectRef idx="0">
+            <a:schemeClr val="accent1"/>
+          </a:effectRef>
+          <a:fontRef idx="minor">
+            <a:schemeClr val="lt1"/>
+          </a:fontRef>
+        </p:style>
+        <p:txBody>
+          <a:bodyPr rtlCol="0" anchor="ctr"/>
+          <a:lstStyle/>
+          <a:p>
+            <a:pPr algn="ctr"/>
+            <a:endParaRPr lang="es-ES"/>
+          </a:p>
+        </p:txBody>
+      </p:sp>
+      <p:sp>
+        <p:nvSpPr>
           <p:cNvPr id="34" name="Rectangle 12">
             <a:hlinkClick r:id="rId5" action="ppaction://hlinksldjump"/>
           </p:cNvPr>
@@ -8512,19 +8662,19 @@
           <a:p>
             <a:pPr algn="ctr"/>
             <a:r>
-              <a:rPr lang="en-GB" sz="1100" smtClean="0"/>
-              <a:t>Surroundings </a:t>
+              <a:rPr lang="en-GB" sz="1100" dirty="0" err="1" smtClean="0"/>
+              <a:t>Environrment</a:t>
             </a:r>
             <a:r>
               <a:rPr lang="en-GB" sz="1100" dirty="0" smtClean="0"/>
-              <a:t>state</a:t>
-            </a:r>
-          </a:p>
-        </p:txBody>
-      </p:sp>
-      <p:sp>
-        <p:nvSpPr>
-          <p:cNvPr id="40" name="Rectangle 12">
+              <a:t> state</a:t>
+            </a:r>
+          </a:p>
+        </p:txBody>
+      </p:sp>
+      <p:sp>
+        <p:nvSpPr>
+          <p:cNvPr id="39" name="Rectangle 12">
             <a:hlinkClick r:id="rId5" action="ppaction://hlinksldjump"/>
           </p:cNvPr>
           <p:cNvSpPr/>
@@ -8532,7 +8682,7 @@
         </p:nvSpPr>
         <p:spPr>
           <a:xfrm>
-            <a:off x="5358063" y="4263783"/>
+            <a:off x="5382126" y="4239719"/>
             <a:ext cx="1477287" cy="370800"/>
           </a:xfrm>
           <a:prstGeom prst="rect">
@@ -8564,6 +8714,53 @@
             <a:pPr algn="ctr"/>
             <a:r>
               <a:rPr lang="en-GB" sz="1100" dirty="0" smtClean="0"/>
+              <a:t>Disaster specific information</a:t>
+            </a:r>
+          </a:p>
+        </p:txBody>
+      </p:sp>
+      <p:sp>
+        <p:nvSpPr>
+          <p:cNvPr id="40" name="Rectangle 12">
+            <a:hlinkClick r:id="rId5" action="ppaction://hlinksldjump"/>
+          </p:cNvPr>
+          <p:cNvSpPr/>
+          <p:nvPr/>
+        </p:nvSpPr>
+        <p:spPr>
+          <a:xfrm>
+            <a:off x="5358063" y="4913488"/>
+            <a:ext cx="1477287" cy="370800"/>
+          </a:xfrm>
+          <a:prstGeom prst="rect">
+            <a:avLst/>
+          </a:prstGeom>
+          <a:noFill/>
+          <a:ln>
+            <a:noFill/>
+          </a:ln>
+        </p:spPr>
+        <p:style>
+          <a:lnRef idx="2">
+            <a:schemeClr val="dk1"/>
+          </a:lnRef>
+          <a:fillRef idx="1">
+            <a:schemeClr val="lt1"/>
+          </a:fillRef>
+          <a:effectRef idx="0">
+            <a:schemeClr val="dk1"/>
+          </a:effectRef>
+          <a:fontRef idx="minor">
+            <a:schemeClr val="dk1"/>
+          </a:fontRef>
+        </p:style>
+        <p:txBody>
+          <a:bodyPr rtlCol="0" anchor="ctr"/>
+          <a:lstStyle/>
+          <a:p>
+            <a:pPr algn="ctr"/>
+            <a:r>
+              <a:rPr lang="en-GB" sz="1100" dirty="0" smtClean="0"/>
               <a:t>Extra information</a:t>
             </a:r>
           </a:p>
@@ -8571,16 +8768,14 @@
       </p:sp>
       <p:pic>
         <p:nvPicPr>
-          <p:cNvPr id="1026" name="Picture 2">
-            <a:hlinkClick r:id="rId6" action="ppaction://hlinksldjump"/>
-          </p:cNvPr>
+          <p:cNvPr id="1026" name="Picture 2"/>
           <p:cNvPicPr>
             <a:picLocks noChangeAspect="1" noChangeArrowheads="1"/>
           </p:cNvPicPr>
           <p:nvPr/>
         </p:nvPicPr>
         <p:blipFill>
-          <a:blip r:embed="rId7" cstate="print"/>
+          <a:blip r:embed="rId6" cstate="print"/>
           <a:srcRect/>
           <a:stretch>
             <a:fillRect/>
@@ -8605,7 +8800,215 @@
       </p:pic>
       <p:sp>
         <p:nvSpPr>
-          <p:cNvPr id="27" name="Rectangle 12">
+          <p:cNvPr id="25" name="24 Rectángulo"/>
+          <p:cNvSpPr/>
+          <p:nvPr/>
+        </p:nvSpPr>
+        <p:spPr>
+          <a:xfrm>
+            <a:off x="4796589" y="1499938"/>
+            <a:ext cx="1981200" cy="1564104"/>
+          </a:xfrm>
+          <a:prstGeom prst="rect">
+            <a:avLst/>
+          </a:prstGeom>
+          <a:solidFill>
+            <a:schemeClr val="tx1"/>
+          </a:solidFill>
+          <a:ln>
+            <a:solidFill>
+              <a:schemeClr val="tx1">
+                <a:lumMod val="50000"/>
+                <a:lumOff val="50000"/>
+              </a:schemeClr>
+            </a:solidFill>
+          </a:ln>
+        </p:spPr>
+        <p:style>
+          <a:lnRef idx="2">
+            <a:schemeClr val="accent1">
+              <a:shade val="50000"/>
+            </a:schemeClr>
+          </a:lnRef>
+          <a:fillRef idx="1">
+            <a:schemeClr val="accent1"/>
+          </a:fillRef>
+          <a:effectRef idx="0">
+            <a:schemeClr val="accent1"/>
+          </a:effectRef>
+          <a:fontRef idx="minor">
+            <a:schemeClr val="lt1"/>
+          </a:fontRef>
+        </p:style>
+        <p:txBody>
+          <a:bodyPr rtlCol="0" anchor="ctr"/>
+          <a:lstStyle/>
+          <a:p>
+            <a:pPr algn="ctr"/>
+            <a:endParaRPr lang="es-ES"/>
+          </a:p>
+        </p:txBody>
+      </p:sp>
+      <p:sp>
+        <p:nvSpPr>
+          <p:cNvPr id="27" name="26 Rectángulo"/>
+          <p:cNvSpPr/>
+          <p:nvPr/>
+        </p:nvSpPr>
+        <p:spPr>
+          <a:xfrm>
+            <a:off x="4796589" y="1507959"/>
+            <a:ext cx="1981200" cy="521367"/>
+          </a:xfrm>
+          <a:prstGeom prst="rect">
+            <a:avLst/>
+          </a:prstGeom>
+          <a:solidFill>
+            <a:schemeClr val="tx1"/>
+          </a:solidFill>
+          <a:ln>
+            <a:solidFill>
+              <a:schemeClr val="tx1">
+                <a:lumMod val="50000"/>
+                <a:lumOff val="50000"/>
+              </a:schemeClr>
+            </a:solidFill>
+          </a:ln>
+        </p:spPr>
+        <p:style>
+          <a:lnRef idx="2">
+            <a:schemeClr val="accent1">
+              <a:shade val="50000"/>
+            </a:schemeClr>
+          </a:lnRef>
+          <a:fillRef idx="1">
+            <a:schemeClr val="accent1"/>
+          </a:fillRef>
+          <a:effectRef idx="0">
+            <a:schemeClr val="accent1"/>
+          </a:effectRef>
+          <a:fontRef idx="minor">
+            <a:schemeClr val="lt1"/>
+          </a:fontRef>
+        </p:style>
+        <p:txBody>
+          <a:bodyPr rtlCol="0" anchor="ctr"/>
+          <a:lstStyle/>
+          <a:p>
+            <a:pPr algn="ctr"/>
+            <a:endParaRPr lang="es-ES"/>
+          </a:p>
+        </p:txBody>
+      </p:sp>
+      <p:sp>
+        <p:nvSpPr>
+          <p:cNvPr id="28" name="27 Rectángulo">
+            <a:hlinkClick r:id="rId7" action="ppaction://hlinksldjump"/>
+          </p:cNvPr>
+          <p:cNvSpPr/>
+          <p:nvPr/>
+        </p:nvSpPr>
+        <p:spPr>
+          <a:xfrm>
+            <a:off x="4804610" y="2021306"/>
+            <a:ext cx="1981200" cy="521367"/>
+          </a:xfrm>
+          <a:prstGeom prst="rect">
+            <a:avLst/>
+          </a:prstGeom>
+          <a:solidFill>
+            <a:schemeClr val="tx1"/>
+          </a:solidFill>
+          <a:ln>
+            <a:solidFill>
+              <a:schemeClr val="tx1">
+                <a:lumMod val="50000"/>
+                <a:lumOff val="50000"/>
+              </a:schemeClr>
+            </a:solidFill>
+          </a:ln>
+        </p:spPr>
+        <p:style>
+          <a:lnRef idx="2">
+            <a:schemeClr val="accent1">
+              <a:shade val="50000"/>
+            </a:schemeClr>
+          </a:lnRef>
+          <a:fillRef idx="1">
+            <a:schemeClr val="accent1"/>
+          </a:fillRef>
+          <a:effectRef idx="0">
+            <a:schemeClr val="accent1"/>
+          </a:effectRef>
+          <a:fontRef idx="minor">
+            <a:schemeClr val="lt1"/>
+          </a:fontRef>
+        </p:style>
+        <p:txBody>
+          <a:bodyPr rtlCol="0" anchor="ctr"/>
+          <a:lstStyle/>
+          <a:p>
+            <a:pPr algn="ctr"/>
+            <a:endParaRPr lang="es-ES"/>
+          </a:p>
+        </p:txBody>
+      </p:sp>
+      <p:sp>
+        <p:nvSpPr>
+          <p:cNvPr id="31" name="30 Rectángulo">
+            <a:hlinkClick r:id="rId8" action="ppaction://hlinksldjump"/>
+          </p:cNvPr>
+          <p:cNvSpPr/>
+          <p:nvPr/>
+        </p:nvSpPr>
+        <p:spPr>
+          <a:xfrm>
+            <a:off x="4796589" y="2550696"/>
+            <a:ext cx="1981200" cy="521367"/>
+          </a:xfrm>
+          <a:prstGeom prst="rect">
+            <a:avLst/>
+          </a:prstGeom>
+          <a:solidFill>
+            <a:schemeClr val="tx1"/>
+          </a:solidFill>
+          <a:ln>
+            <a:solidFill>
+              <a:schemeClr val="tx1">
+                <a:lumMod val="50000"/>
+                <a:lumOff val="50000"/>
+              </a:schemeClr>
+            </a:solidFill>
+          </a:ln>
+        </p:spPr>
+        <p:style>
+          <a:lnRef idx="2">
+            <a:schemeClr val="accent1">
+              <a:shade val="50000"/>
+            </a:schemeClr>
+          </a:lnRef>
+          <a:fillRef idx="1">
+            <a:schemeClr val="accent1"/>
+          </a:fillRef>
+          <a:effectRef idx="0">
+            <a:schemeClr val="accent1"/>
+          </a:effectRef>
+          <a:fontRef idx="minor">
+            <a:schemeClr val="lt1"/>
+          </a:fontRef>
+        </p:style>
+        <p:txBody>
+          <a:bodyPr rtlCol="0" anchor="ctr"/>
+          <a:lstStyle/>
+          <a:p>
+            <a:pPr algn="ctr"/>
+            <a:endParaRPr lang="es-ES"/>
+          </a:p>
+        </p:txBody>
+      </p:sp>
+      <p:sp>
+        <p:nvSpPr>
+          <p:cNvPr id="35" name="Rectangle 12">
             <a:hlinkClick r:id="rId5" action="ppaction://hlinksldjump"/>
           </p:cNvPr>
           <p:cNvSpPr/>
@@ -8613,8 +9016,8 @@
         </p:nvSpPr>
         <p:spPr>
           <a:xfrm>
-            <a:off x="1389055" y="1167658"/>
-            <a:ext cx="3062629" cy="370800"/>
+            <a:off x="4884821" y="1608814"/>
+            <a:ext cx="1820779" cy="370800"/>
           </a:xfrm>
           <a:prstGeom prst="rect">
             <a:avLst/>
@@ -8644,8 +9047,114 @@
           <a:p>
             <a:pPr algn="ctr"/>
             <a:r>
-              <a:rPr lang="en-GB" sz="1100" dirty="0" smtClean="0"/>
-              <a:t>First screen always quiz. To change, go to menu -&gt;</a:t>
+              <a:rPr lang="en-GB" sz="1100" dirty="0" smtClean="0">
+                <a:solidFill>
+                  <a:schemeClr val="bg1"/>
+                </a:solidFill>
+              </a:rPr>
+              <a:t>Answer quiz</a:t>
+            </a:r>
+          </a:p>
+        </p:txBody>
+      </p:sp>
+      <p:sp>
+        <p:nvSpPr>
+          <p:cNvPr id="36" name="Rectangle 12">
+            <a:hlinkClick r:id="rId5" action="ppaction://hlinksldjump"/>
+          </p:cNvPr>
+          <p:cNvSpPr/>
+          <p:nvPr/>
+        </p:nvSpPr>
+        <p:spPr>
+          <a:xfrm>
+            <a:off x="4981074" y="2114140"/>
+            <a:ext cx="1403684" cy="370800"/>
+          </a:xfrm>
+          <a:prstGeom prst="rect">
+            <a:avLst/>
+          </a:prstGeom>
+          <a:noFill/>
+          <a:ln>
+            <a:noFill/>
+          </a:ln>
+        </p:spPr>
+        <p:style>
+          <a:lnRef idx="2">
+            <a:schemeClr val="dk1"/>
+          </a:lnRef>
+          <a:fillRef idx="1">
+            <a:schemeClr val="lt1"/>
+          </a:fillRef>
+          <a:effectRef idx="0">
+            <a:schemeClr val="dk1"/>
+          </a:effectRef>
+          <a:fontRef idx="minor">
+            <a:schemeClr val="dk1"/>
+          </a:fontRef>
+        </p:style>
+        <p:txBody>
+          <a:bodyPr rtlCol="0" anchor="ctr"/>
+          <a:lstStyle/>
+          <a:p>
+            <a:pPr algn="ctr"/>
+            <a:r>
+              <a:rPr lang="en-GB" sz="1100" dirty="0" smtClean="0">
+                <a:solidFill>
+                  <a:schemeClr val="bg1"/>
+                </a:solidFill>
+              </a:rPr>
+              <a:t>Map statistics</a:t>
+            </a:r>
+          </a:p>
+        </p:txBody>
+      </p:sp>
+      <p:sp>
+        <p:nvSpPr>
+          <p:cNvPr id="37" name="Rectangle 12">
+            <a:hlinkClick r:id="rId5" action="ppaction://hlinksldjump"/>
+          </p:cNvPr>
+          <p:cNvSpPr/>
+          <p:nvPr/>
+        </p:nvSpPr>
+        <p:spPr>
+          <a:xfrm>
+            <a:off x="4812631" y="2595404"/>
+            <a:ext cx="1820779" cy="370800"/>
+          </a:xfrm>
+          <a:prstGeom prst="rect">
+            <a:avLst/>
+          </a:prstGeom>
+          <a:noFill/>
+          <a:ln>
+            <a:noFill/>
+          </a:ln>
+        </p:spPr>
+        <p:style>
+          <a:lnRef idx="2">
+            <a:schemeClr val="dk1"/>
+          </a:lnRef>
+          <a:fillRef idx="1">
+            <a:schemeClr val="lt1"/>
+          </a:fillRef>
+          <a:effectRef idx="0">
+            <a:schemeClr val="dk1"/>
+          </a:effectRef>
+          <a:fontRef idx="minor">
+            <a:schemeClr val="dk1"/>
+          </a:fontRef>
+        </p:style>
+        <p:txBody>
+          <a:bodyPr rtlCol="0" anchor="ctr"/>
+          <a:lstStyle/>
+          <a:p>
+            <a:pPr algn="ctr"/>
+            <a:r>
+              <a:rPr lang="en-GB" sz="1100" dirty="0" smtClean="0">
+                <a:solidFill>
+                  <a:schemeClr val="bg1"/>
+                </a:solidFill>
+              </a:rPr>
+              <a:t>Disaster Survival tips</a:t>
             </a:r>
           </a:p>
         </p:txBody>
@@ -8653,7 +9162,7 @@
     </p:spTree>
     <p:extLst>
       <p:ext uri="{BB962C8B-B14F-4D97-AF65-F5344CB8AC3E}">
-        <p14:creationId xmlns="" xmlns:p14="http://schemas.microsoft.com/office/powerpoint/2010/main" val="283767647"/>
+        <p14:creationId xmlns:p14="http://schemas.microsoft.com/office/powerpoint/2010/main" xmlns="" val="283767647"/>
       </p:ext>
     </p:extLst>
   </p:cSld>
@@ -8661,7 +9170,7 @@
     <a:masterClrMapping/>
   </p:clrMapOvr>
   <mc:AlternateContent xmlns:mc="http://schemas.openxmlformats.org/markup-compatibility/2006">
-    <mc:Choice xmlns="" xmlns:p14="http://schemas.microsoft.com/office/powerpoint/2010/main" Requires="p14">
+    <mc:Choice xmlns:p14="http://schemas.microsoft.com/office/powerpoint/2010/main" xmlns="" Requires="p14">
       <p:transition spd="slow" p14:dur="2000" advClick="0"/>
     </mc:Choice>
     <mc:Fallback>
@@ -8839,24 +9348,129 @@
           </a:p>
         </p:txBody>
       </p:sp>
-      <p:sp>
-        <p:nvSpPr>
-          <p:cNvPr id="16" name="Rectangle 36">
-            <a:hlinkClick r:id="rId3" action="ppaction://hlinksldjump"/>
+      <p:pic>
+        <p:nvPicPr>
+          <p:cNvPr id="1026" name="Picture 2"/>
+          <p:cNvPicPr>
+            <a:picLocks noChangeAspect="1" noChangeArrowheads="1"/>
+          </p:cNvPicPr>
+          <p:nvPr/>
+        </p:nvPicPr>
+        <p:blipFill>
+          <a:blip r:embed="rId3" cstate="print"/>
+          <a:srcRect/>
+          <a:stretch>
+            <a:fillRect/>
+          </a:stretch>
+        </p:blipFill>
+        <p:spPr bwMode="auto">
+          <a:xfrm>
+            <a:off x="4819316" y="1179093"/>
+            <a:ext cx="372060" cy="347663"/>
+          </a:xfrm>
+          <a:prstGeom prst="rect">
+            <a:avLst/>
+          </a:prstGeom>
+          <a:noFill/>
+          <a:ln w="9525">
+            <a:noFill/>
+            <a:miter lim="800000"/>
+            <a:headEnd/>
+            <a:tailEnd/>
+          </a:ln>
+        </p:spPr>
+      </p:pic>
+      <p:pic>
+        <p:nvPicPr>
+          <p:cNvPr id="2" name="Picture 2"/>
+          <p:cNvPicPr>
+            <a:picLocks noChangeAspect="1" noChangeArrowheads="1"/>
+          </p:cNvPicPr>
+          <p:nvPr/>
+        </p:nvPicPr>
+        <p:blipFill>
+          <a:blip r:embed="rId4" cstate="print"/>
+          <a:srcRect/>
+          <a:stretch>
+            <a:fillRect/>
+          </a:stretch>
+        </p:blipFill>
+        <p:spPr bwMode="auto">
+          <a:xfrm>
+            <a:off x="4965031" y="1942028"/>
+            <a:ext cx="2295712" cy="2132665"/>
+          </a:xfrm>
+          <a:prstGeom prst="rect">
+            <a:avLst/>
+          </a:prstGeom>
+          <a:noFill/>
+          <a:ln w="9525">
+            <a:noFill/>
+            <a:miter lim="800000"/>
+            <a:headEnd/>
+            <a:tailEnd/>
+          </a:ln>
+        </p:spPr>
+      </p:pic>
+      <p:sp>
+        <p:nvSpPr>
+          <p:cNvPr id="38" name="Rectangle 35">
+            <a:hlinkClick r:id="rId5" action="ppaction://hlinksldjump"/>
           </p:cNvPr>
           <p:cNvSpPr/>
           <p:nvPr/>
         </p:nvSpPr>
         <p:spPr>
           <a:xfrm>
-            <a:off x="4957011" y="2149642"/>
-            <a:ext cx="2310063" cy="561474"/>
+            <a:off x="4955649" y="4459706"/>
+            <a:ext cx="2263299" cy="336229"/>
+          </a:xfrm>
+          <a:prstGeom prst="rect">
+            <a:avLst/>
+          </a:prstGeom>
+          <a:ln/>
+        </p:spPr>
+        <p:style>
+          <a:lnRef idx="1">
+            <a:schemeClr val="accent1"/>
+          </a:lnRef>
+          <a:fillRef idx="2">
+            <a:schemeClr val="accent1"/>
+          </a:fillRef>
+          <a:effectRef idx="1">
+            <a:schemeClr val="accent1"/>
+          </a:effectRef>
+          <a:fontRef idx="minor">
+            <a:schemeClr val="dk1"/>
+          </a:fontRef>
+        </p:style>
+        <p:txBody>
+          <a:bodyPr rtlCol="0" anchor="ctr"/>
+          <a:lstStyle/>
+          <a:p>
+            <a:pPr algn="ctr"/>
+            <a:endParaRPr lang="en-US" dirty="0"/>
+          </a:p>
+        </p:txBody>
+      </p:sp>
+      <p:sp>
+        <p:nvSpPr>
+          <p:cNvPr id="41" name="Rectangle 36">
+            <a:hlinkClick r:id="rId6" action="ppaction://hlinksldjump"/>
+          </p:cNvPr>
+          <p:cNvSpPr/>
+          <p:nvPr/>
+        </p:nvSpPr>
+        <p:spPr>
+          <a:xfrm>
+            <a:off x="4940969" y="4836694"/>
+            <a:ext cx="2294020" cy="352926"/>
           </a:xfrm>
           <a:prstGeom prst="rect">
             <a:avLst/>
           </a:prstGeom>
           <a:solidFill>
-            <a:srgbClr val="FF5B5B"/>
+            <a:srgbClr val="FBE29B"/>
           </a:solidFill>
           <a:ln w="19050">
             <a:solidFill>
@@ -8891,22 +9505,80 @@
       </p:sp>
       <p:sp>
         <p:nvSpPr>
-          <p:cNvPr id="17" name="Rectangle 36">
-            <a:hlinkClick r:id="rId3" action="ppaction://hlinksldjump"/>
+          <p:cNvPr id="42" name="41 Rectángulo"/>
+          <p:cNvSpPr/>
+          <p:nvPr/>
+        </p:nvSpPr>
+        <p:spPr>
+          <a:xfrm>
+            <a:off x="5330085" y="4206859"/>
+            <a:ext cx="567399" cy="276999"/>
+          </a:xfrm>
+          <a:prstGeom prst="rect">
+            <a:avLst/>
+          </a:prstGeom>
+        </p:spPr>
+        <p:txBody>
+          <a:bodyPr wrap="none">
+            <a:spAutoFit/>
+          </a:bodyPr>
+          <a:lstStyle/>
+          <a:p>
+            <a:r>
+              <a:rPr lang="en-GB" sz="1200" dirty="0" smtClean="0"/>
+              <a:t>Water</a:t>
+            </a:r>
+            <a:endParaRPr lang="es-ES" sz="1200" dirty="0"/>
+          </a:p>
+        </p:txBody>
+      </p:sp>
+      <p:sp>
+        <p:nvSpPr>
+          <p:cNvPr id="43" name="42 Rectángulo"/>
+          <p:cNvSpPr/>
+          <p:nvPr/>
+        </p:nvSpPr>
+        <p:spPr>
+          <a:xfrm>
+            <a:off x="5747178" y="4856565"/>
+            <a:ext cx="496739" cy="276999"/>
+          </a:xfrm>
+          <a:prstGeom prst="rect">
+            <a:avLst/>
+          </a:prstGeom>
+        </p:spPr>
+        <p:txBody>
+          <a:bodyPr wrap="none">
+            <a:spAutoFit/>
+          </a:bodyPr>
+          <a:lstStyle/>
+          <a:p>
+            <a:r>
+              <a:rPr lang="en-GB" sz="1200" dirty="0" smtClean="0"/>
+              <a:t>Food</a:t>
+            </a:r>
+            <a:endParaRPr lang="es-ES" sz="1200" dirty="0"/>
+          </a:p>
+        </p:txBody>
+      </p:sp>
+      <p:sp>
+        <p:nvSpPr>
+          <p:cNvPr id="44" name="Rectangle 36">
+            <a:hlinkClick r:id="rId6" action="ppaction://hlinksldjump"/>
           </p:cNvPr>
           <p:cNvSpPr/>
           <p:nvPr/>
         </p:nvSpPr>
         <p:spPr>
           <a:xfrm>
-            <a:off x="4948989" y="2807369"/>
-            <a:ext cx="2310063" cy="561474"/>
+            <a:off x="4950239" y="4104270"/>
+            <a:ext cx="2292771" cy="331372"/>
           </a:xfrm>
           <a:prstGeom prst="rect">
             <a:avLst/>
           </a:prstGeom>
           <a:solidFill>
-            <a:srgbClr val="FF9797"/>
+            <a:srgbClr val="FF7C80"/>
           </a:solidFill>
           <a:ln w="19050">
             <a:solidFill>
@@ -8941,43 +9613,87 @@
       </p:sp>
       <p:sp>
         <p:nvSpPr>
-          <p:cNvPr id="18" name="Rectangle 36">
-            <a:hlinkClick r:id="rId3" action="ppaction://hlinksldjump"/>
+          <p:cNvPr id="46" name="45 Rectángulo"/>
+          <p:cNvSpPr/>
+          <p:nvPr/>
+        </p:nvSpPr>
+        <p:spPr>
+          <a:xfrm>
+            <a:off x="4872884" y="1583975"/>
+            <a:ext cx="2473434" cy="276999"/>
+          </a:xfrm>
+          <a:prstGeom prst="rect">
+            <a:avLst/>
+          </a:prstGeom>
+        </p:spPr>
+        <p:txBody>
+          <a:bodyPr wrap="none">
+            <a:spAutoFit/>
+          </a:bodyPr>
+          <a:lstStyle/>
+          <a:p>
+            <a:r>
+              <a:rPr lang="en-GB" sz="1200" dirty="0" smtClean="0"/>
+              <a:t>This map shows other people needs:</a:t>
+            </a:r>
+            <a:endParaRPr lang="es-ES" sz="1200" dirty="0"/>
+          </a:p>
+        </p:txBody>
+      </p:sp>
+      <p:sp>
+        <p:nvSpPr>
+          <p:cNvPr id="47" name="Rectangle 27">
+            <a:hlinkClick r:id="rId7" action="ppaction://hlinksldjump"/>
           </p:cNvPr>
           <p:cNvSpPr/>
           <p:nvPr/>
         </p:nvSpPr>
         <p:spPr>
           <a:xfrm>
-            <a:off x="4957009" y="3481138"/>
-            <a:ext cx="2310063" cy="561474"/>
-          </a:xfrm>
-          <a:prstGeom prst="rect">
-            <a:avLst/>
-          </a:prstGeom>
-          <a:solidFill>
-            <a:srgbClr val="FDC199"/>
-          </a:solidFill>
-          <a:ln w="19050">
-            <a:solidFill>
-              <a:srgbClr val="D8D8D8"/>
-            </a:solidFill>
-          </a:ln>
+            <a:off x="4955649" y="5220589"/>
+            <a:ext cx="2271319" cy="321960"/>
+          </a:xfrm>
+          <a:prstGeom prst="rect">
+            <a:avLst/>
+          </a:prstGeom>
+          <a:gradFill>
+            <a:gsLst>
+              <a:gs pos="0">
+                <a:schemeClr val="accent6">
+                  <a:lumMod val="60000"/>
+                  <a:lumOff val="40000"/>
+                </a:schemeClr>
+              </a:gs>
+              <a:gs pos="50000">
+                <a:schemeClr val="accent6">
+                  <a:lumMod val="105000"/>
+                  <a:satMod val="103000"/>
+                  <a:tint val="73000"/>
+                </a:schemeClr>
+              </a:gs>
+              <a:gs pos="100000">
+                <a:schemeClr val="accent6">
+                  <a:lumMod val="105000"/>
+                  <a:satMod val="109000"/>
+                  <a:tint val="81000"/>
+                </a:schemeClr>
+              </a:gs>
+            </a:gsLst>
+          </a:gradFill>
+          <a:ln/>
         </p:spPr>
         <p:style>
-          <a:lnRef idx="2">
-            <a:schemeClr val="accent1">
-              <a:shade val="50000"/>
-            </a:schemeClr>
+          <a:lnRef idx="1">
+            <a:schemeClr val="accent6"/>
           </a:lnRef>
-          <a:fillRef idx="1003">
-            <a:schemeClr val="lt1"/>
+          <a:fillRef idx="2">
+            <a:schemeClr val="accent6"/>
           </a:fillRef>
-          <a:effectRef idx="0">
-            <a:schemeClr val="accent1"/>
+          <a:effectRef idx="1">
+            <a:schemeClr val="accent6"/>
           </a:effectRef>
           <a:fontRef idx="minor">
-            <a:schemeClr val="lt1"/>
+            <a:schemeClr val="dk1"/>
           </a:fontRef>
         </p:style>
         <p:txBody>
@@ -8991,295 +9707,206 @@
       </p:sp>
       <p:sp>
         <p:nvSpPr>
-          <p:cNvPr id="19" name="Rectangle 36">
-            <a:hlinkClick r:id="rId3" action="ppaction://hlinksldjump"/>
-          </p:cNvPr>
-          <p:cNvSpPr/>
-          <p:nvPr/>
-        </p:nvSpPr>
-        <p:spPr>
-          <a:xfrm>
-            <a:off x="4965031" y="4146885"/>
-            <a:ext cx="2310063" cy="561474"/>
-          </a:xfrm>
-          <a:prstGeom prst="rect">
-            <a:avLst/>
-          </a:prstGeom>
-          <a:solidFill>
-            <a:srgbClr val="FBE29B"/>
-          </a:solidFill>
-          <a:ln w="19050">
-            <a:solidFill>
-              <a:srgbClr val="D8D8D8"/>
-            </a:solidFill>
-          </a:ln>
-        </p:spPr>
-        <p:style>
-          <a:lnRef idx="2">
-            <a:schemeClr val="accent1">
-              <a:shade val="50000"/>
-            </a:schemeClr>
-          </a:lnRef>
-          <a:fillRef idx="1003">
-            <a:schemeClr val="lt1"/>
-          </a:fillRef>
-          <a:effectRef idx="0">
-            <a:schemeClr val="accent1"/>
-          </a:effectRef>
-          <a:fontRef idx="minor">
-            <a:schemeClr val="lt1"/>
-          </a:fontRef>
-        </p:style>
-        <p:txBody>
-          <a:bodyPr rtlCol="0" anchor="ctr"/>
-          <a:lstStyle/>
-          <a:p>
-            <a:pPr algn="ctr"/>
-            <a:endParaRPr lang="en-US" dirty="0"/>
-          </a:p>
-        </p:txBody>
-      </p:sp>
-      <p:sp>
-        <p:nvSpPr>
-          <p:cNvPr id="20" name="Rectangle 36">
-            <a:hlinkClick r:id="rId3" action="ppaction://hlinksldjump"/>
-          </p:cNvPr>
-          <p:cNvSpPr/>
-          <p:nvPr/>
-        </p:nvSpPr>
-        <p:spPr>
-          <a:xfrm>
-            <a:off x="4965031" y="4804611"/>
-            <a:ext cx="2310063" cy="561474"/>
-          </a:xfrm>
-          <a:prstGeom prst="rect">
-            <a:avLst/>
-          </a:prstGeom>
-          <a:solidFill>
-            <a:srgbClr val="C9F99D"/>
-          </a:solidFill>
-          <a:ln w="19050">
-            <a:solidFill>
-              <a:srgbClr val="D8D8D8"/>
-            </a:solidFill>
-          </a:ln>
-        </p:spPr>
-        <p:style>
-          <a:lnRef idx="2">
-            <a:schemeClr val="accent1">
-              <a:shade val="50000"/>
-            </a:schemeClr>
-          </a:lnRef>
-          <a:fillRef idx="1003">
-            <a:schemeClr val="lt1"/>
-          </a:fillRef>
-          <a:effectRef idx="0">
-            <a:schemeClr val="accent1"/>
-          </a:effectRef>
-          <a:fontRef idx="minor">
-            <a:schemeClr val="lt1"/>
-          </a:fontRef>
-        </p:style>
-        <p:txBody>
-          <a:bodyPr rtlCol="0" anchor="ctr"/>
-          <a:lstStyle/>
-          <a:p>
-            <a:pPr algn="ctr"/>
-            <a:endParaRPr lang="en-US" dirty="0"/>
+          <p:cNvPr id="48" name="47 Rectángulo"/>
+          <p:cNvSpPr/>
+          <p:nvPr/>
+        </p:nvSpPr>
+        <p:spPr>
+          <a:xfrm>
+            <a:off x="5739157" y="5257617"/>
+            <a:ext cx="827471" cy="276999"/>
+          </a:xfrm>
+          <a:prstGeom prst="rect">
+            <a:avLst/>
+          </a:prstGeom>
+        </p:spPr>
+        <p:txBody>
+          <a:bodyPr wrap="none">
+            <a:spAutoFit/>
+          </a:bodyPr>
+          <a:lstStyle/>
+          <a:p>
+            <a:r>
+              <a:rPr lang="en-GB" sz="1200" dirty="0" smtClean="0"/>
+              <a:t>Medicines</a:t>
+            </a:r>
+            <a:endParaRPr lang="es-ES" sz="1200" dirty="0"/>
+          </a:p>
+        </p:txBody>
+      </p:sp>
+      <p:sp>
+        <p:nvSpPr>
+          <p:cNvPr id="49" name="48 Rectángulo"/>
+          <p:cNvSpPr/>
+          <p:nvPr/>
+        </p:nvSpPr>
+        <p:spPr>
+          <a:xfrm>
+            <a:off x="5731135" y="4519682"/>
+            <a:ext cx="567399" cy="276999"/>
+          </a:xfrm>
+          <a:prstGeom prst="rect">
+            <a:avLst/>
+          </a:prstGeom>
+        </p:spPr>
+        <p:txBody>
+          <a:bodyPr wrap="none">
+            <a:spAutoFit/>
+          </a:bodyPr>
+          <a:lstStyle/>
+          <a:p>
+            <a:r>
+              <a:rPr lang="en-GB" sz="1200" dirty="0" smtClean="0"/>
+              <a:t>Water</a:t>
+            </a:r>
+            <a:endParaRPr lang="es-ES" sz="1200" dirty="0"/>
+          </a:p>
+        </p:txBody>
+      </p:sp>
+      <p:sp>
+        <p:nvSpPr>
+          <p:cNvPr id="50" name="49 Rectángulo"/>
+          <p:cNvSpPr/>
+          <p:nvPr/>
+        </p:nvSpPr>
+        <p:spPr>
+          <a:xfrm>
+            <a:off x="5707072" y="4150712"/>
+            <a:ext cx="1059457" cy="276999"/>
+          </a:xfrm>
+          <a:prstGeom prst="rect">
+            <a:avLst/>
+          </a:prstGeom>
+        </p:spPr>
+        <p:txBody>
+          <a:bodyPr wrap="none">
+            <a:spAutoFit/>
+          </a:bodyPr>
+          <a:lstStyle/>
+          <a:p>
+            <a:r>
+              <a:rPr lang="en-GB" sz="1200" dirty="0" smtClean="0"/>
+              <a:t>Urgent rescue</a:t>
+            </a:r>
+            <a:endParaRPr lang="es-ES" sz="1200" dirty="0"/>
           </a:p>
         </p:txBody>
       </p:sp>
       <p:pic>
         <p:nvPicPr>
-          <p:cNvPr id="21" name="20 Imagen" descr="StateBar.png"/>
+          <p:cNvPr id="52" name="51 Imagen" descr="food.png"/>
           <p:cNvPicPr>
             <a:picLocks noChangeAspect="1"/>
           </p:cNvPicPr>
           <p:nvPr/>
         </p:nvPicPr>
         <p:blipFill>
-          <a:blip r:embed="rId4" cstate="print"/>
-          <a:srcRect l="10667" t="53918" r="8678" b="36023"/>
+          <a:blip r:embed="rId8" cstate="print"/>
           <a:stretch>
             <a:fillRect/>
           </a:stretch>
         </p:blipFill>
         <p:spPr>
           <a:xfrm>
-            <a:off x="4940968" y="1644316"/>
-            <a:ext cx="2269958" cy="393032"/>
+            <a:off x="5123574" y="4887227"/>
+            <a:ext cx="243839" cy="243839"/>
           </a:xfrm>
           <a:prstGeom prst="rect">
             <a:avLst/>
           </a:prstGeom>
         </p:spPr>
       </p:pic>
-      <p:sp>
-        <p:nvSpPr>
-          <p:cNvPr id="22" name="Rectangle 12">
-            <a:hlinkClick r:id="rId5" action="ppaction://hlinksldjump"/>
-          </p:cNvPr>
-          <p:cNvSpPr/>
-          <p:nvPr/>
-        </p:nvSpPr>
-        <p:spPr>
-          <a:xfrm>
-            <a:off x="5455728" y="1640897"/>
-            <a:ext cx="1066800" cy="370800"/>
-          </a:xfrm>
-          <a:prstGeom prst="rect">
-            <a:avLst/>
-          </a:prstGeom>
-          <a:noFill/>
+      <p:pic>
+        <p:nvPicPr>
+          <p:cNvPr id="53" name="52 Imagen" descr="medicines.png"/>
+          <p:cNvPicPr>
+            <a:picLocks noChangeAspect="1"/>
+          </p:cNvPicPr>
+          <p:nvPr/>
+        </p:nvPicPr>
+        <p:blipFill>
+          <a:blip r:embed="rId9" cstate="print"/>
+          <a:stretch>
+            <a:fillRect/>
+          </a:stretch>
+        </p:blipFill>
+        <p:spPr>
+          <a:xfrm>
+            <a:off x="5141494" y="5277853"/>
+            <a:ext cx="223525" cy="223525"/>
+          </a:xfrm>
+          <a:prstGeom prst="rect">
+            <a:avLst/>
+          </a:prstGeom>
+        </p:spPr>
+      </p:pic>
+      <p:pic>
+        <p:nvPicPr>
+          <p:cNvPr id="54" name="53 Imagen" descr="urgent.png"/>
+          <p:cNvPicPr>
+            <a:picLocks noChangeAspect="1"/>
+          </p:cNvPicPr>
+          <p:nvPr/>
+        </p:nvPicPr>
+        <p:blipFill>
+          <a:blip r:embed="rId10" cstate="print"/>
+          <a:stretch>
+            <a:fillRect/>
+          </a:stretch>
+        </p:blipFill>
+        <p:spPr>
+          <a:xfrm>
+            <a:off x="5090969" y="4173104"/>
+            <a:ext cx="218968" cy="218968"/>
+          </a:xfrm>
+          <a:prstGeom prst="rect">
+            <a:avLst/>
+          </a:prstGeom>
+        </p:spPr>
+      </p:pic>
+      <p:pic>
+        <p:nvPicPr>
+          <p:cNvPr id="55" name="54 Imagen" descr="water.png"/>
+          <p:cNvPicPr>
+            <a:picLocks noChangeAspect="1"/>
+          </p:cNvPicPr>
+          <p:nvPr/>
+        </p:nvPicPr>
+        <p:blipFill>
+          <a:blip r:embed="rId11" cstate="print"/>
+          <a:stretch>
+            <a:fillRect/>
+          </a:stretch>
+        </p:blipFill>
+        <p:spPr>
+          <a:xfrm>
+            <a:off x="5917411" y="2839453"/>
+            <a:ext cx="280222" cy="280222"/>
+          </a:xfrm>
+          <a:prstGeom prst="rect">
+            <a:avLst/>
+          </a:prstGeom>
+        </p:spPr>
+      </p:pic>
+      <p:sp>
+        <p:nvSpPr>
+          <p:cNvPr id="56" name="55 Rectángulo"/>
+          <p:cNvSpPr/>
+          <p:nvPr/>
+        </p:nvSpPr>
+        <p:spPr>
+          <a:xfrm>
+            <a:off x="5702968" y="2160671"/>
+            <a:ext cx="1114927" cy="446171"/>
+          </a:xfrm>
+          <a:prstGeom prst="rect">
+            <a:avLst/>
+          </a:prstGeom>
+          <a:solidFill>
+            <a:schemeClr val="bg1"/>
+          </a:solidFill>
           <a:ln>
             <a:noFill/>
-          </a:ln>
-        </p:spPr>
-        <p:style>
-          <a:lnRef idx="2">
-            <a:schemeClr val="dk1"/>
-          </a:lnRef>
-          <a:fillRef idx="1">
-            <a:schemeClr val="lt1"/>
-          </a:fillRef>
-          <a:effectRef idx="0">
-            <a:schemeClr val="dk1"/>
-          </a:effectRef>
-          <a:fontRef idx="minor">
-            <a:schemeClr val="dk1"/>
-          </a:fontRef>
-        </p:style>
-        <p:txBody>
-          <a:bodyPr rtlCol="0" anchor="ctr"/>
-          <a:lstStyle/>
-          <a:p>
-            <a:pPr algn="ctr"/>
-            <a:r>
-              <a:rPr lang="en-GB" sz="1100" dirty="0" smtClean="0"/>
-              <a:t>Quiz state</a:t>
-            </a:r>
-          </a:p>
-        </p:txBody>
-      </p:sp>
-      <p:sp>
-        <p:nvSpPr>
-          <p:cNvPr id="23" name="Rectangle 12">
-            <a:hlinkClick r:id="rId5" action="ppaction://hlinksldjump"/>
-          </p:cNvPr>
-          <p:cNvSpPr/>
-          <p:nvPr/>
-        </p:nvSpPr>
-        <p:spPr>
-          <a:xfrm>
-            <a:off x="5519897" y="2242478"/>
-            <a:ext cx="1066800" cy="370800"/>
-          </a:xfrm>
-          <a:prstGeom prst="rect">
-            <a:avLst/>
-          </a:prstGeom>
-          <a:noFill/>
-          <a:ln>
-            <a:noFill/>
-          </a:ln>
-        </p:spPr>
-        <p:style>
-          <a:lnRef idx="2">
-            <a:schemeClr val="dk1"/>
-          </a:lnRef>
-          <a:fillRef idx="1">
-            <a:schemeClr val="lt1"/>
-          </a:fillRef>
-          <a:effectRef idx="0">
-            <a:schemeClr val="dk1"/>
-          </a:effectRef>
-          <a:fontRef idx="minor">
-            <a:schemeClr val="dk1"/>
-          </a:fontRef>
-        </p:style>
-        <p:txBody>
-          <a:bodyPr rtlCol="0" anchor="ctr"/>
-          <a:lstStyle/>
-          <a:p>
-            <a:pPr algn="ctr"/>
-            <a:r>
-              <a:rPr lang="en-GB" sz="1100" dirty="0" smtClean="0"/>
-              <a:t>Basic needs</a:t>
-            </a:r>
-          </a:p>
-        </p:txBody>
-      </p:sp>
-      <p:sp>
-        <p:nvSpPr>
-          <p:cNvPr id="24" name="Rectangle 12">
-            <a:hlinkClick r:id="rId5" action="ppaction://hlinksldjump"/>
-          </p:cNvPr>
-          <p:cNvSpPr/>
-          <p:nvPr/>
-        </p:nvSpPr>
-        <p:spPr>
-          <a:xfrm>
-            <a:off x="5366084" y="2900204"/>
-            <a:ext cx="1477287" cy="370800"/>
-          </a:xfrm>
-          <a:prstGeom prst="rect">
-            <a:avLst/>
-          </a:prstGeom>
-          <a:noFill/>
-          <a:ln>
-            <a:noFill/>
-          </a:ln>
-        </p:spPr>
-        <p:style>
-          <a:lnRef idx="2">
-            <a:schemeClr val="dk1"/>
-          </a:lnRef>
-          <a:fillRef idx="1">
-            <a:schemeClr val="lt1"/>
-          </a:fillRef>
-          <a:effectRef idx="0">
-            <a:schemeClr val="dk1"/>
-          </a:effectRef>
-          <a:fontRef idx="minor">
-            <a:schemeClr val="dk1"/>
-          </a:fontRef>
-        </p:style>
-        <p:txBody>
-          <a:bodyPr rtlCol="0" anchor="ctr"/>
-          <a:lstStyle/>
-          <a:p>
-            <a:pPr algn="ctr"/>
-            <a:r>
-              <a:rPr lang="en-GB" sz="1100" dirty="0" smtClean="0"/>
-              <a:t>Supporting needs</a:t>
-            </a:r>
-          </a:p>
-        </p:txBody>
-      </p:sp>
-      <p:sp>
-        <p:nvSpPr>
-          <p:cNvPr id="26" name="25 Rectángulo redondeado"/>
-          <p:cNvSpPr/>
-          <p:nvPr/>
-        </p:nvSpPr>
-        <p:spPr>
-          <a:xfrm>
-            <a:off x="5470359" y="1692442"/>
-            <a:ext cx="393030" cy="264695"/>
-          </a:xfrm>
-          <a:prstGeom prst="roundRect">
-            <a:avLst/>
-          </a:prstGeom>
-          <a:solidFill>
-            <a:schemeClr val="bg2">
-              <a:alpha val="45000"/>
-            </a:schemeClr>
-          </a:solidFill>
-          <a:ln>
-            <a:solidFill>
-              <a:schemeClr val="bg2">
-                <a:alpha val="61000"/>
-              </a:schemeClr>
-            </a:solidFill>
           </a:ln>
         </p:spPr>
         <p:style>
@@ -9303,230 +9930,104 @@
           <a:lstStyle/>
           <a:p>
             <a:pPr algn="ctr"/>
-            <a:endParaRPr lang="es-ES"/>
-          </a:p>
-        </p:txBody>
-      </p:sp>
-      <p:sp>
-        <p:nvSpPr>
-          <p:cNvPr id="29" name="28 Rectángulo redondeado"/>
-          <p:cNvSpPr/>
-          <p:nvPr/>
-        </p:nvSpPr>
-        <p:spPr>
-          <a:xfrm>
-            <a:off x="5895475" y="1700463"/>
-            <a:ext cx="393030" cy="264695"/>
-          </a:xfrm>
-          <a:prstGeom prst="roundRect">
-            <a:avLst/>
-          </a:prstGeom>
-          <a:solidFill>
-            <a:schemeClr val="bg2">
-              <a:alpha val="45000"/>
-            </a:schemeClr>
-          </a:solidFill>
-          <a:ln>
-            <a:solidFill>
-              <a:schemeClr val="bg2">
-                <a:alpha val="61000"/>
-              </a:schemeClr>
-            </a:solidFill>
-          </a:ln>
-        </p:spPr>
-        <p:style>
-          <a:lnRef idx="2">
-            <a:schemeClr val="accent1">
-              <a:shade val="50000"/>
-            </a:schemeClr>
-          </a:lnRef>
-          <a:fillRef idx="1">
-            <a:schemeClr val="accent1"/>
-          </a:fillRef>
-          <a:effectRef idx="0">
-            <a:schemeClr val="accent1"/>
-          </a:effectRef>
-          <a:fontRef idx="minor">
-            <a:schemeClr val="lt1"/>
-          </a:fontRef>
-        </p:style>
-        <p:txBody>
-          <a:bodyPr rtlCol="0" anchor="ctr"/>
-          <a:lstStyle/>
-          <a:p>
-            <a:pPr algn="ctr"/>
-            <a:endParaRPr lang="es-ES"/>
-          </a:p>
-        </p:txBody>
-      </p:sp>
-      <p:sp>
-        <p:nvSpPr>
-          <p:cNvPr id="30" name="29 Rectángulo redondeado"/>
-          <p:cNvSpPr/>
-          <p:nvPr/>
-        </p:nvSpPr>
-        <p:spPr>
-          <a:xfrm>
-            <a:off x="6328612" y="1700463"/>
-            <a:ext cx="409072" cy="264695"/>
-          </a:xfrm>
-          <a:prstGeom prst="roundRect">
-            <a:avLst/>
-          </a:prstGeom>
-          <a:solidFill>
-            <a:schemeClr val="bg2">
-              <a:alpha val="45000"/>
-            </a:schemeClr>
-          </a:solidFill>
-          <a:ln>
-            <a:solidFill>
-              <a:schemeClr val="bg2">
-                <a:alpha val="61000"/>
-              </a:schemeClr>
-            </a:solidFill>
-          </a:ln>
-        </p:spPr>
-        <p:style>
-          <a:lnRef idx="2">
-            <a:schemeClr val="accent1">
-              <a:shade val="50000"/>
-            </a:schemeClr>
-          </a:lnRef>
-          <a:fillRef idx="1">
-            <a:schemeClr val="accent1"/>
-          </a:fillRef>
-          <a:effectRef idx="0">
-            <a:schemeClr val="accent1"/>
-          </a:effectRef>
-          <a:fontRef idx="minor">
-            <a:schemeClr val="lt1"/>
-          </a:fontRef>
-        </p:style>
-        <p:txBody>
-          <a:bodyPr rtlCol="0" anchor="ctr"/>
-          <a:lstStyle/>
-          <a:p>
-            <a:pPr algn="ctr"/>
-            <a:endParaRPr lang="es-ES"/>
-          </a:p>
-        </p:txBody>
-      </p:sp>
-      <p:sp>
-        <p:nvSpPr>
-          <p:cNvPr id="32" name="31 Rectángulo redondeado"/>
-          <p:cNvSpPr/>
-          <p:nvPr/>
-        </p:nvSpPr>
-        <p:spPr>
-          <a:xfrm>
-            <a:off x="6785811" y="1676400"/>
-            <a:ext cx="368968" cy="264695"/>
-          </a:xfrm>
-          <a:prstGeom prst="roundRect">
-            <a:avLst/>
-          </a:prstGeom>
-          <a:solidFill>
-            <a:schemeClr val="bg2">
-              <a:alpha val="45000"/>
-            </a:schemeClr>
-          </a:solidFill>
-          <a:ln>
-            <a:solidFill>
-              <a:schemeClr val="bg2">
-                <a:alpha val="61000"/>
-              </a:schemeClr>
-            </a:solidFill>
-          </a:ln>
-        </p:spPr>
-        <p:style>
-          <a:lnRef idx="2">
-            <a:schemeClr val="accent1">
-              <a:shade val="50000"/>
-            </a:schemeClr>
-          </a:lnRef>
-          <a:fillRef idx="1">
-            <a:schemeClr val="accent1"/>
-          </a:fillRef>
-          <a:effectRef idx="0">
-            <a:schemeClr val="accent1"/>
-          </a:effectRef>
-          <a:fontRef idx="minor">
-            <a:schemeClr val="lt1"/>
-          </a:fontRef>
-        </p:style>
-        <p:txBody>
-          <a:bodyPr rtlCol="0" anchor="ctr"/>
-          <a:lstStyle/>
-          <a:p>
-            <a:pPr algn="ctr"/>
-            <a:endParaRPr lang="es-ES"/>
-          </a:p>
-        </p:txBody>
-      </p:sp>
-      <p:sp>
-        <p:nvSpPr>
-          <p:cNvPr id="33" name="32 Rectángulo redondeado"/>
-          <p:cNvSpPr/>
-          <p:nvPr/>
-        </p:nvSpPr>
-        <p:spPr>
-          <a:xfrm>
-            <a:off x="5013159" y="1700463"/>
-            <a:ext cx="401052" cy="264695"/>
-          </a:xfrm>
-          <a:prstGeom prst="roundRect">
-            <a:avLst/>
-          </a:prstGeom>
-          <a:solidFill>
-            <a:schemeClr val="bg2">
-              <a:alpha val="0"/>
-            </a:schemeClr>
-          </a:solidFill>
-          <a:ln>
-            <a:solidFill>
-              <a:schemeClr val="bg2">
-                <a:alpha val="61000"/>
-              </a:schemeClr>
-            </a:solidFill>
-          </a:ln>
-        </p:spPr>
-        <p:style>
-          <a:lnRef idx="2">
-            <a:schemeClr val="accent1">
-              <a:shade val="50000"/>
-            </a:schemeClr>
-          </a:lnRef>
-          <a:fillRef idx="1">
-            <a:schemeClr val="accent1"/>
-          </a:fillRef>
-          <a:effectRef idx="0">
-            <a:schemeClr val="accent1"/>
-          </a:effectRef>
-          <a:fontRef idx="minor">
-            <a:schemeClr val="lt1"/>
-          </a:fontRef>
-        </p:style>
-        <p:txBody>
-          <a:bodyPr rtlCol="0" anchor="ctr"/>
-          <a:lstStyle/>
-          <a:p>
-            <a:pPr algn="ctr"/>
-            <a:endParaRPr lang="es-ES"/>
-          </a:p>
-        </p:txBody>
-      </p:sp>
-      <p:sp>
-        <p:nvSpPr>
-          <p:cNvPr id="34" name="Rectangle 12">
-            <a:hlinkClick r:id="rId5" action="ppaction://hlinksldjump"/>
+            <a:endParaRPr lang="es-ES" dirty="0"/>
+          </a:p>
+        </p:txBody>
+      </p:sp>
+      <p:sp>
+        <p:nvSpPr>
+          <p:cNvPr id="57" name="56 Rectángulo"/>
+          <p:cNvSpPr/>
+          <p:nvPr/>
+        </p:nvSpPr>
+        <p:spPr>
+          <a:xfrm>
+            <a:off x="5907599" y="2257745"/>
+            <a:ext cx="567399" cy="276999"/>
+          </a:xfrm>
+          <a:prstGeom prst="rect">
+            <a:avLst/>
+          </a:prstGeom>
+        </p:spPr>
+        <p:txBody>
+          <a:bodyPr wrap="none">
+            <a:spAutoFit/>
+          </a:bodyPr>
+          <a:lstStyle/>
+          <a:p>
+            <a:r>
+              <a:rPr lang="en-GB" sz="1200" dirty="0" smtClean="0"/>
+              <a:t>Water</a:t>
+            </a:r>
+            <a:endParaRPr lang="es-ES" sz="1200" dirty="0"/>
+          </a:p>
+        </p:txBody>
+      </p:sp>
+      <p:pic>
+        <p:nvPicPr>
+          <p:cNvPr id="58" name="57 Imagen" descr="water.png"/>
+          <p:cNvPicPr>
+            <a:picLocks noChangeAspect="1"/>
+          </p:cNvPicPr>
+          <p:nvPr/>
+        </p:nvPicPr>
+        <p:blipFill>
+          <a:blip r:embed="rId12" cstate="print"/>
+          <a:stretch>
+            <a:fillRect/>
+          </a:stretch>
+        </p:blipFill>
+        <p:spPr>
+          <a:xfrm>
+            <a:off x="5099265" y="4513211"/>
+            <a:ext cx="266821" cy="266821"/>
+          </a:xfrm>
+          <a:prstGeom prst="rect">
+            <a:avLst/>
+          </a:prstGeom>
+        </p:spPr>
+      </p:pic>
+      <p:sp>
+        <p:nvSpPr>
+          <p:cNvPr id="60" name="59 Rectángulo"/>
+          <p:cNvSpPr/>
+          <p:nvPr/>
+        </p:nvSpPr>
+        <p:spPr>
+          <a:xfrm>
+            <a:off x="990694" y="4712186"/>
+            <a:ext cx="3521605" cy="276999"/>
+          </a:xfrm>
+          <a:prstGeom prst="rect">
+            <a:avLst/>
+          </a:prstGeom>
+        </p:spPr>
+        <p:txBody>
+          <a:bodyPr wrap="none">
+            <a:spAutoFit/>
+          </a:bodyPr>
+          <a:lstStyle/>
+          <a:p>
+            <a:r>
+              <a:rPr lang="en-GB" sz="1200" dirty="0" smtClean="0"/>
+              <a:t>User selects which type wants to display from a list -&gt;</a:t>
+            </a:r>
+            <a:endParaRPr lang="es-ES" sz="1200" dirty="0"/>
+          </a:p>
+        </p:txBody>
+      </p:sp>
+      <p:sp>
+        <p:nvSpPr>
+          <p:cNvPr id="61" name="Rectangle 12">
+            <a:hlinkClick r:id="rId7" action="ppaction://hlinksldjump"/>
           </p:cNvPr>
           <p:cNvSpPr/>
           <p:nvPr/>
         </p:nvSpPr>
         <p:spPr>
           <a:xfrm>
-            <a:off x="5366084" y="3573972"/>
-            <a:ext cx="1477287" cy="370800"/>
+            <a:off x="2608254" y="2651551"/>
+            <a:ext cx="1843429" cy="370800"/>
           </a:xfrm>
           <a:prstGeom prst="rect">
             <a:avLst/>
@@ -9556,499 +10057,8 @@
           <a:p>
             <a:pPr algn="ctr"/>
             <a:r>
-              <a:rPr lang="en-GB" sz="1100" dirty="0" err="1" smtClean="0"/>
-              <a:t>Environrment</a:t>
-            </a:r>
-            <a:r>
               <a:rPr lang="en-GB" sz="1100" dirty="0" smtClean="0"/>
-              <a:t> state</a:t>
-            </a:r>
-          </a:p>
-        </p:txBody>
-      </p:sp>
-      <p:sp>
-        <p:nvSpPr>
-          <p:cNvPr id="39" name="Rectangle 12">
-            <a:hlinkClick r:id="rId5" action="ppaction://hlinksldjump"/>
-          </p:cNvPr>
-          <p:cNvSpPr/>
-          <p:nvPr/>
-        </p:nvSpPr>
-        <p:spPr>
-          <a:xfrm>
-            <a:off x="5382126" y="4239719"/>
-            <a:ext cx="1477287" cy="370800"/>
-          </a:xfrm>
-          <a:prstGeom prst="rect">
-            <a:avLst/>
-          </a:prstGeom>
-          <a:noFill/>
-          <a:ln>
-            <a:noFill/>
-          </a:ln>
-        </p:spPr>
-        <p:style>
-          <a:lnRef idx="2">
-            <a:schemeClr val="dk1"/>
-          </a:lnRef>
-          <a:fillRef idx="1">
-            <a:schemeClr val="lt1"/>
-          </a:fillRef>
-          <a:effectRef idx="0">
-            <a:schemeClr val="dk1"/>
-          </a:effectRef>
-          <a:fontRef idx="minor">
-            <a:schemeClr val="dk1"/>
-          </a:fontRef>
-        </p:style>
-        <p:txBody>
-          <a:bodyPr rtlCol="0" anchor="ctr"/>
-          <a:lstStyle/>
-          <a:p>
-            <a:pPr algn="ctr"/>
-            <a:r>
-              <a:rPr lang="en-GB" sz="1100" dirty="0" smtClean="0"/>
-              <a:t>Disaster specific information</a:t>
-            </a:r>
-          </a:p>
-        </p:txBody>
-      </p:sp>
-      <p:sp>
-        <p:nvSpPr>
-          <p:cNvPr id="40" name="Rectangle 12">
-            <a:hlinkClick r:id="rId5" action="ppaction://hlinksldjump"/>
-          </p:cNvPr>
-          <p:cNvSpPr/>
-          <p:nvPr/>
-        </p:nvSpPr>
-        <p:spPr>
-          <a:xfrm>
-            <a:off x="5358063" y="4913488"/>
-            <a:ext cx="1477287" cy="370800"/>
-          </a:xfrm>
-          <a:prstGeom prst="rect">
-            <a:avLst/>
-          </a:prstGeom>
-          <a:noFill/>
-          <a:ln>
-            <a:noFill/>
-          </a:ln>
-        </p:spPr>
-        <p:style>
-          <a:lnRef idx="2">
-            <a:schemeClr val="dk1"/>
-          </a:lnRef>
-          <a:fillRef idx="1">
-            <a:schemeClr val="lt1"/>
-          </a:fillRef>
-          <a:effectRef idx="0">
-            <a:schemeClr val="dk1"/>
-          </a:effectRef>
-          <a:fontRef idx="minor">
-            <a:schemeClr val="dk1"/>
-          </a:fontRef>
-        </p:style>
-        <p:txBody>
-          <a:bodyPr rtlCol="0" anchor="ctr"/>
-          <a:lstStyle/>
-          <a:p>
-            <a:pPr algn="ctr"/>
-            <a:r>
-              <a:rPr lang="en-GB" sz="1100" dirty="0" smtClean="0"/>
-              <a:t>Extra information</a:t>
-            </a:r>
-          </a:p>
-        </p:txBody>
-      </p:sp>
-      <p:pic>
-        <p:nvPicPr>
-          <p:cNvPr id="1026" name="Picture 2"/>
-          <p:cNvPicPr>
-            <a:picLocks noChangeAspect="1" noChangeArrowheads="1"/>
-          </p:cNvPicPr>
-          <p:nvPr/>
-        </p:nvPicPr>
-        <p:blipFill>
-          <a:blip r:embed="rId6" cstate="print"/>
-          <a:srcRect/>
-          <a:stretch>
-            <a:fillRect/>
-          </a:stretch>
-        </p:blipFill>
-        <p:spPr bwMode="auto">
-          <a:xfrm>
-            <a:off x="4819316" y="1179093"/>
-            <a:ext cx="372060" cy="347663"/>
-          </a:xfrm>
-          <a:prstGeom prst="rect">
-            <a:avLst/>
-          </a:prstGeom>
-          <a:noFill/>
-          <a:ln w="9525">
-            <a:noFill/>
-            <a:miter lim="800000"/>
-            <a:headEnd/>
-            <a:tailEnd/>
-          </a:ln>
-        </p:spPr>
-      </p:pic>
-      <p:sp>
-        <p:nvSpPr>
-          <p:cNvPr id="25" name="24 Rectángulo"/>
-          <p:cNvSpPr/>
-          <p:nvPr/>
-        </p:nvSpPr>
-        <p:spPr>
-          <a:xfrm>
-            <a:off x="4796589" y="1499938"/>
-            <a:ext cx="1981200" cy="1564104"/>
-          </a:xfrm>
-          <a:prstGeom prst="rect">
-            <a:avLst/>
-          </a:prstGeom>
-          <a:solidFill>
-            <a:schemeClr val="tx1"/>
-          </a:solidFill>
-          <a:ln>
-            <a:solidFill>
-              <a:schemeClr val="tx1">
-                <a:lumMod val="50000"/>
-                <a:lumOff val="50000"/>
-              </a:schemeClr>
-            </a:solidFill>
-          </a:ln>
-        </p:spPr>
-        <p:style>
-          <a:lnRef idx="2">
-            <a:schemeClr val="accent1">
-              <a:shade val="50000"/>
-            </a:schemeClr>
-          </a:lnRef>
-          <a:fillRef idx="1">
-            <a:schemeClr val="accent1"/>
-          </a:fillRef>
-          <a:effectRef idx="0">
-            <a:schemeClr val="accent1"/>
-          </a:effectRef>
-          <a:fontRef idx="minor">
-            <a:schemeClr val="lt1"/>
-          </a:fontRef>
-        </p:style>
-        <p:txBody>
-          <a:bodyPr rtlCol="0" anchor="ctr"/>
-          <a:lstStyle/>
-          <a:p>
-            <a:pPr algn="ctr"/>
-            <a:endParaRPr lang="es-ES"/>
-          </a:p>
-        </p:txBody>
-      </p:sp>
-      <p:sp>
-        <p:nvSpPr>
-          <p:cNvPr id="27" name="26 Rectángulo"/>
-          <p:cNvSpPr/>
-          <p:nvPr/>
-        </p:nvSpPr>
-        <p:spPr>
-          <a:xfrm>
-            <a:off x="4796589" y="1507959"/>
-            <a:ext cx="1981200" cy="521367"/>
-          </a:xfrm>
-          <a:prstGeom prst="rect">
-            <a:avLst/>
-          </a:prstGeom>
-          <a:solidFill>
-            <a:schemeClr val="tx1"/>
-          </a:solidFill>
-          <a:ln>
-            <a:solidFill>
-              <a:schemeClr val="tx1">
-                <a:lumMod val="50000"/>
-                <a:lumOff val="50000"/>
-              </a:schemeClr>
-            </a:solidFill>
-          </a:ln>
-        </p:spPr>
-        <p:style>
-          <a:lnRef idx="2">
-            <a:schemeClr val="accent1">
-              <a:shade val="50000"/>
-            </a:schemeClr>
-          </a:lnRef>
-          <a:fillRef idx="1">
-            <a:schemeClr val="accent1"/>
-          </a:fillRef>
-          <a:effectRef idx="0">
-            <a:schemeClr val="accent1"/>
-          </a:effectRef>
-          <a:fontRef idx="minor">
-            <a:schemeClr val="lt1"/>
-          </a:fontRef>
-        </p:style>
-        <p:txBody>
-          <a:bodyPr rtlCol="0" anchor="ctr"/>
-          <a:lstStyle/>
-          <a:p>
-            <a:pPr algn="ctr"/>
-            <a:endParaRPr lang="es-ES"/>
-          </a:p>
-        </p:txBody>
-      </p:sp>
-      <p:sp>
-        <p:nvSpPr>
-          <p:cNvPr id="28" name="27 Rectángulo">
-            <a:hlinkClick r:id="rId7" action="ppaction://hlinksldjump"/>
-          </p:cNvPr>
-          <p:cNvSpPr/>
-          <p:nvPr/>
-        </p:nvSpPr>
-        <p:spPr>
-          <a:xfrm>
-            <a:off x="4804610" y="2021306"/>
-            <a:ext cx="1981200" cy="521367"/>
-          </a:xfrm>
-          <a:prstGeom prst="rect">
-            <a:avLst/>
-          </a:prstGeom>
-          <a:solidFill>
-            <a:schemeClr val="tx1"/>
-          </a:solidFill>
-          <a:ln>
-            <a:solidFill>
-              <a:schemeClr val="tx1">
-                <a:lumMod val="50000"/>
-                <a:lumOff val="50000"/>
-              </a:schemeClr>
-            </a:solidFill>
-          </a:ln>
-        </p:spPr>
-        <p:style>
-          <a:lnRef idx="2">
-            <a:schemeClr val="accent1">
-              <a:shade val="50000"/>
-            </a:schemeClr>
-          </a:lnRef>
-          <a:fillRef idx="1">
-            <a:schemeClr val="accent1"/>
-          </a:fillRef>
-          <a:effectRef idx="0">
-            <a:schemeClr val="accent1"/>
-          </a:effectRef>
-          <a:fontRef idx="minor">
-            <a:schemeClr val="lt1"/>
-          </a:fontRef>
-        </p:style>
-        <p:txBody>
-          <a:bodyPr rtlCol="0" anchor="ctr"/>
-          <a:lstStyle/>
-          <a:p>
-            <a:pPr algn="ctr"/>
-            <a:endParaRPr lang="es-ES"/>
-          </a:p>
-        </p:txBody>
-      </p:sp>
-      <p:sp>
-        <p:nvSpPr>
-          <p:cNvPr id="31" name="30 Rectángulo">
-            <a:hlinkClick r:id="rId8" action="ppaction://hlinksldjump"/>
-          </p:cNvPr>
-          <p:cNvSpPr/>
-          <p:nvPr/>
-        </p:nvSpPr>
-        <p:spPr>
-          <a:xfrm>
-            <a:off x="4796589" y="2550696"/>
-            <a:ext cx="1981200" cy="521367"/>
-          </a:xfrm>
-          <a:prstGeom prst="rect">
-            <a:avLst/>
-          </a:prstGeom>
-          <a:solidFill>
-            <a:schemeClr val="tx1"/>
-          </a:solidFill>
-          <a:ln>
-            <a:solidFill>
-              <a:schemeClr val="tx1">
-                <a:lumMod val="50000"/>
-                <a:lumOff val="50000"/>
-              </a:schemeClr>
-            </a:solidFill>
-          </a:ln>
-        </p:spPr>
-        <p:style>
-          <a:lnRef idx="2">
-            <a:schemeClr val="accent1">
-              <a:shade val="50000"/>
-            </a:schemeClr>
-          </a:lnRef>
-          <a:fillRef idx="1">
-            <a:schemeClr val="accent1"/>
-          </a:fillRef>
-          <a:effectRef idx="0">
-            <a:schemeClr val="accent1"/>
-          </a:effectRef>
-          <a:fontRef idx="minor">
-            <a:schemeClr val="lt1"/>
-          </a:fontRef>
-        </p:style>
-        <p:txBody>
-          <a:bodyPr rtlCol="0" anchor="ctr"/>
-          <a:lstStyle/>
-          <a:p>
-            <a:pPr algn="ctr"/>
-            <a:endParaRPr lang="es-ES"/>
-          </a:p>
-        </p:txBody>
-      </p:sp>
-      <p:sp>
-        <p:nvSpPr>
-          <p:cNvPr id="35" name="Rectangle 12">
-            <a:hlinkClick r:id="rId5" action="ppaction://hlinksldjump"/>
-          </p:cNvPr>
-          <p:cNvSpPr/>
-          <p:nvPr/>
-        </p:nvSpPr>
-        <p:spPr>
-          <a:xfrm>
-            <a:off x="4884821" y="1608814"/>
-            <a:ext cx="1820779" cy="370800"/>
-          </a:xfrm>
-          <a:prstGeom prst="rect">
-            <a:avLst/>
-          </a:prstGeom>
-          <a:noFill/>
-          <a:ln>
-            <a:noFill/>
-          </a:ln>
-        </p:spPr>
-        <p:style>
-          <a:lnRef idx="2">
-            <a:schemeClr val="dk1"/>
-          </a:lnRef>
-          <a:fillRef idx="1">
-            <a:schemeClr val="lt1"/>
-          </a:fillRef>
-          <a:effectRef idx="0">
-            <a:schemeClr val="dk1"/>
-          </a:effectRef>
-          <a:fontRef idx="minor">
-            <a:schemeClr val="dk1"/>
-          </a:fontRef>
-        </p:style>
-        <p:txBody>
-          <a:bodyPr rtlCol="0" anchor="ctr"/>
-          <a:lstStyle/>
-          <a:p>
-            <a:pPr algn="ctr"/>
-            <a:r>
-              <a:rPr lang="en-GB" sz="1100" dirty="0" smtClean="0">
-                <a:solidFill>
-                  <a:schemeClr val="bg1"/>
-                </a:solidFill>
-              </a:rPr>
-              <a:t>Answer quiz</a:t>
-            </a:r>
-          </a:p>
-        </p:txBody>
-      </p:sp>
-      <p:sp>
-        <p:nvSpPr>
-          <p:cNvPr id="36" name="Rectangle 12">
-            <a:hlinkClick r:id="rId5" action="ppaction://hlinksldjump"/>
-          </p:cNvPr>
-          <p:cNvSpPr/>
-          <p:nvPr/>
-        </p:nvSpPr>
-        <p:spPr>
-          <a:xfrm>
-            <a:off x="4981074" y="2114140"/>
-            <a:ext cx="1403684" cy="370800"/>
-          </a:xfrm>
-          <a:prstGeom prst="rect">
-            <a:avLst/>
-          </a:prstGeom>
-          <a:noFill/>
-          <a:ln>
-            <a:noFill/>
-          </a:ln>
-        </p:spPr>
-        <p:style>
-          <a:lnRef idx="2">
-            <a:schemeClr val="dk1"/>
-          </a:lnRef>
-          <a:fillRef idx="1">
-            <a:schemeClr val="lt1"/>
-          </a:fillRef>
-          <a:effectRef idx="0">
-            <a:schemeClr val="dk1"/>
-          </a:effectRef>
-          <a:fontRef idx="minor">
-            <a:schemeClr val="dk1"/>
-          </a:fontRef>
-        </p:style>
-        <p:txBody>
-          <a:bodyPr rtlCol="0" anchor="ctr"/>
-          <a:lstStyle/>
-          <a:p>
-            <a:pPr algn="ctr"/>
-            <a:r>
-              <a:rPr lang="en-GB" sz="1100" dirty="0" smtClean="0">
-                <a:solidFill>
-                  <a:schemeClr val="bg1"/>
-                </a:solidFill>
-              </a:rPr>
-              <a:t>Map statistics</a:t>
-            </a:r>
-          </a:p>
-        </p:txBody>
-      </p:sp>
-      <p:sp>
-        <p:nvSpPr>
-          <p:cNvPr id="37" name="Rectangle 12">
-            <a:hlinkClick r:id="rId5" action="ppaction://hlinksldjump"/>
-          </p:cNvPr>
-          <p:cNvSpPr/>
-          <p:nvPr/>
-        </p:nvSpPr>
-        <p:spPr>
-          <a:xfrm>
-            <a:off x="4812631" y="2595404"/>
-            <a:ext cx="1820779" cy="370800"/>
-          </a:xfrm>
-          <a:prstGeom prst="rect">
-            <a:avLst/>
-          </a:prstGeom>
-          <a:noFill/>
-          <a:ln>
-            <a:noFill/>
-          </a:ln>
-        </p:spPr>
-        <p:style>
-          <a:lnRef idx="2">
-            <a:schemeClr val="dk1"/>
-          </a:lnRef>
-          <a:fillRef idx="1">
-            <a:schemeClr val="lt1"/>
-          </a:fillRef>
-          <a:effectRef idx="0">
-            <a:schemeClr val="dk1"/>
-          </a:effectRef>
-          <a:fontRef idx="minor">
-            <a:schemeClr val="dk1"/>
-          </a:fontRef>
-        </p:style>
-        <p:txBody>
-          <a:bodyPr rtlCol="0" anchor="ctr"/>
-          <a:lstStyle/>
-          <a:p>
-            <a:pPr algn="ctr"/>
-            <a:r>
-              <a:rPr lang="en-GB" sz="1100" dirty="0" smtClean="0">
-                <a:solidFill>
-                  <a:schemeClr val="bg1"/>
-                </a:solidFill>
-              </a:rPr>
-              <a:t>Disaster Survival tips</a:t>
+              <a:t>Swarm Pulse maps -&gt;</a:t>
             </a:r>
           </a:p>
         </p:txBody>
@@ -10056,7 +10066,7 @@
     </p:spTree>
     <p:extLst>
       <p:ext uri="{BB962C8B-B14F-4D97-AF65-F5344CB8AC3E}">
-        <p14:creationId xmlns="" xmlns:p14="http://schemas.microsoft.com/office/powerpoint/2010/main" val="283767647"/>
+        <p14:creationId xmlns:p14="http://schemas.microsoft.com/office/powerpoint/2010/main" xmlns="" val="283767647"/>
       </p:ext>
     </p:extLst>
   </p:cSld>
@@ -10064,7 +10074,7 @@
     <a:masterClrMapping/>
   </p:clrMapOvr>
   <mc:AlternateContent xmlns:mc="http://schemas.openxmlformats.org/markup-compatibility/2006">
-    <mc:Choice xmlns="" xmlns:p14="http://schemas.microsoft.com/office/powerpoint/2010/main" Requires="p14">
+    <mc:Choice xmlns:p14="http://schemas.microsoft.com/office/powerpoint/2010/main" xmlns="" Requires="p14">
       <p:transition spd="slow" p14:dur="2000" advClick="0"/>
     </mc:Choice>
     <mc:Fallback>
@@ -10124,428 +10134,16 @@
       </p:pic>
       <p:sp>
         <p:nvSpPr>
-          <p:cNvPr id="51" name="Rectangle 50"/>
-          <p:cNvSpPr/>
-          <p:nvPr/>
-        </p:nvSpPr>
-        <p:spPr>
-          <a:xfrm>
-            <a:off x="6578862" y="1813850"/>
-            <a:ext cx="1066800" cy="370800"/>
-          </a:xfrm>
-          <a:prstGeom prst="rect">
-            <a:avLst/>
-          </a:prstGeom>
-          <a:noFill/>
-          <a:ln>
-            <a:noFill/>
-          </a:ln>
-        </p:spPr>
-        <p:style>
-          <a:lnRef idx="2">
-            <a:schemeClr val="dk1"/>
-          </a:lnRef>
-          <a:fillRef idx="1">
-            <a:schemeClr val="lt1"/>
-          </a:fillRef>
-          <a:effectRef idx="0">
-            <a:schemeClr val="dk1"/>
-          </a:effectRef>
-          <a:fontRef idx="minor">
-            <a:schemeClr val="dk1"/>
-          </a:fontRef>
-        </p:style>
-        <p:txBody>
-          <a:bodyPr rtlCol="0" anchor="ctr"/>
-          <a:lstStyle/>
-          <a:p>
-            <a:pPr marL="171450" indent="-171450" algn="ctr">
-              <a:buFont typeface="Wingdings" panose="05000000000000000000" pitchFamily="2" charset="2"/>
-              <a:buChar char="ü"/>
-            </a:pPr>
-            <a:endParaRPr lang="en-US" sz="1100" dirty="0"/>
-          </a:p>
-        </p:txBody>
-      </p:sp>
-      <p:pic>
-        <p:nvPicPr>
-          <p:cNvPr id="62" name="Picture 61"/>
-          <p:cNvPicPr>
-            <a:picLocks noChangeAspect="1"/>
-          </p:cNvPicPr>
-          <p:nvPr/>
-        </p:nvPicPr>
-        <p:blipFill rotWithShape="1">
-          <a:blip r:embed="rId2" cstate="print"/>
-          <a:srcRect t="85496"/>
-          <a:stretch/>
-        </p:blipFill>
-        <p:spPr>
-          <a:xfrm>
-            <a:off x="4547970" y="5691187"/>
-            <a:ext cx="3096057" cy="924369"/>
-          </a:xfrm>
-          <a:prstGeom prst="rect">
-            <a:avLst/>
-          </a:prstGeom>
-        </p:spPr>
-      </p:pic>
-      <p:sp>
-        <p:nvSpPr>
-          <p:cNvPr id="65" name="Rectangle 64"/>
-          <p:cNvSpPr/>
-          <p:nvPr/>
-        </p:nvSpPr>
-        <p:spPr>
-          <a:xfrm>
-            <a:off x="5822950" y="5842000"/>
-            <a:ext cx="539750" cy="567918"/>
-          </a:xfrm>
-          <a:prstGeom prst="rect">
-            <a:avLst/>
-          </a:prstGeom>
-          <a:solidFill>
-            <a:schemeClr val="bg1">
-              <a:alpha val="0"/>
-            </a:schemeClr>
-          </a:solidFill>
-          <a:ln>
-            <a:solidFill>
-              <a:schemeClr val="bg1">
-                <a:alpha val="0"/>
-              </a:schemeClr>
-            </a:solidFill>
-          </a:ln>
-        </p:spPr>
-        <p:style>
-          <a:lnRef idx="2">
-            <a:schemeClr val="accent1">
-              <a:shade val="50000"/>
-            </a:schemeClr>
-          </a:lnRef>
-          <a:fillRef idx="1">
-            <a:schemeClr val="accent1"/>
-          </a:fillRef>
-          <a:effectRef idx="0">
-            <a:schemeClr val="accent1"/>
-          </a:effectRef>
-          <a:fontRef idx="minor">
-            <a:schemeClr val="lt1"/>
-          </a:fontRef>
-        </p:style>
-        <p:txBody>
-          <a:bodyPr rtlCol="0" anchor="ctr"/>
-          <a:lstStyle/>
-          <a:p>
-            <a:pPr algn="ctr"/>
-            <a:endParaRPr lang="en-US" dirty="0"/>
-          </a:p>
-        </p:txBody>
-      </p:sp>
-      <p:pic>
-        <p:nvPicPr>
-          <p:cNvPr id="1026" name="Picture 2"/>
-          <p:cNvPicPr>
-            <a:picLocks noChangeAspect="1" noChangeArrowheads="1"/>
-          </p:cNvPicPr>
-          <p:nvPr/>
-        </p:nvPicPr>
-        <p:blipFill>
-          <a:blip r:embed="rId3" cstate="print"/>
-          <a:srcRect/>
-          <a:stretch>
-            <a:fillRect/>
-          </a:stretch>
-        </p:blipFill>
-        <p:spPr bwMode="auto">
-          <a:xfrm>
-            <a:off x="4819316" y="1179093"/>
-            <a:ext cx="372060" cy="347663"/>
-          </a:xfrm>
-          <a:prstGeom prst="rect">
-            <a:avLst/>
-          </a:prstGeom>
-          <a:noFill/>
-          <a:ln w="9525">
-            <a:noFill/>
-            <a:miter lim="800000"/>
-            <a:headEnd/>
-            <a:tailEnd/>
-          </a:ln>
-        </p:spPr>
-      </p:pic>
-      <p:pic>
-        <p:nvPicPr>
-          <p:cNvPr id="2" name="Picture 2"/>
-          <p:cNvPicPr>
-            <a:picLocks noChangeAspect="1" noChangeArrowheads="1"/>
-          </p:cNvPicPr>
-          <p:nvPr/>
-        </p:nvPicPr>
-        <p:blipFill>
-          <a:blip r:embed="rId4" cstate="print"/>
-          <a:srcRect/>
-          <a:stretch>
-            <a:fillRect/>
-          </a:stretch>
-        </p:blipFill>
-        <p:spPr bwMode="auto">
-          <a:xfrm>
-            <a:off x="4965031" y="1942028"/>
-            <a:ext cx="2295712" cy="2132665"/>
-          </a:xfrm>
-          <a:prstGeom prst="rect">
-            <a:avLst/>
-          </a:prstGeom>
-          <a:noFill/>
-          <a:ln w="9525">
-            <a:noFill/>
-            <a:miter lim="800000"/>
-            <a:headEnd/>
-            <a:tailEnd/>
-          </a:ln>
-        </p:spPr>
-      </p:pic>
-      <p:sp>
-        <p:nvSpPr>
-          <p:cNvPr id="38" name="Rectangle 35">
-            <a:hlinkClick r:id="rId5" action="ppaction://hlinksldjump"/>
+          <p:cNvPr id="28" name="Rectangle 27">
+            <a:hlinkClick r:id="rId3" action="ppaction://hlinksldjump"/>
           </p:cNvPr>
           <p:cNvSpPr/>
           <p:nvPr/>
         </p:nvSpPr>
         <p:spPr>
           <a:xfrm>
-            <a:off x="4955649" y="4459706"/>
-            <a:ext cx="2263299" cy="336229"/>
-          </a:xfrm>
-          <a:prstGeom prst="rect">
-            <a:avLst/>
-          </a:prstGeom>
-          <a:ln/>
-        </p:spPr>
-        <p:style>
-          <a:lnRef idx="1">
-            <a:schemeClr val="accent1"/>
-          </a:lnRef>
-          <a:fillRef idx="2">
-            <a:schemeClr val="accent1"/>
-          </a:fillRef>
-          <a:effectRef idx="1">
-            <a:schemeClr val="accent1"/>
-          </a:effectRef>
-          <a:fontRef idx="minor">
-            <a:schemeClr val="dk1"/>
-          </a:fontRef>
-        </p:style>
-        <p:txBody>
-          <a:bodyPr rtlCol="0" anchor="ctr"/>
-          <a:lstStyle/>
-          <a:p>
-            <a:pPr algn="ctr"/>
-            <a:endParaRPr lang="en-US" dirty="0"/>
-          </a:p>
-        </p:txBody>
-      </p:sp>
-      <p:sp>
-        <p:nvSpPr>
-          <p:cNvPr id="41" name="Rectangle 36">
-            <a:hlinkClick r:id="rId6" action="ppaction://hlinksldjump"/>
-          </p:cNvPr>
-          <p:cNvSpPr/>
-          <p:nvPr/>
-        </p:nvSpPr>
-        <p:spPr>
-          <a:xfrm>
-            <a:off x="4940969" y="4836694"/>
-            <a:ext cx="2294020" cy="352926"/>
-          </a:xfrm>
-          <a:prstGeom prst="rect">
-            <a:avLst/>
-          </a:prstGeom>
-          <a:solidFill>
-            <a:srgbClr val="FBE29B"/>
-          </a:solidFill>
-          <a:ln w="19050">
-            <a:solidFill>
-              <a:srgbClr val="D8D8D8"/>
-            </a:solidFill>
-          </a:ln>
-        </p:spPr>
-        <p:style>
-          <a:lnRef idx="2">
-            <a:schemeClr val="accent1">
-              <a:shade val="50000"/>
-            </a:schemeClr>
-          </a:lnRef>
-          <a:fillRef idx="1003">
-            <a:schemeClr val="lt1"/>
-          </a:fillRef>
-          <a:effectRef idx="0">
-            <a:schemeClr val="accent1"/>
-          </a:effectRef>
-          <a:fontRef idx="minor">
-            <a:schemeClr val="lt1"/>
-          </a:fontRef>
-        </p:style>
-        <p:txBody>
-          <a:bodyPr rtlCol="0" anchor="ctr"/>
-          <a:lstStyle/>
-          <a:p>
-            <a:pPr algn="ctr"/>
-            <a:endParaRPr lang="en-US" dirty="0"/>
-          </a:p>
-        </p:txBody>
-      </p:sp>
-      <p:sp>
-        <p:nvSpPr>
-          <p:cNvPr id="42" name="41 Rectángulo"/>
-          <p:cNvSpPr/>
-          <p:nvPr/>
-        </p:nvSpPr>
-        <p:spPr>
-          <a:xfrm>
-            <a:off x="5330085" y="4206859"/>
-            <a:ext cx="567399" cy="276999"/>
-          </a:xfrm>
-          <a:prstGeom prst="rect">
-            <a:avLst/>
-          </a:prstGeom>
-        </p:spPr>
-        <p:txBody>
-          <a:bodyPr wrap="none">
-            <a:spAutoFit/>
-          </a:bodyPr>
-          <a:lstStyle/>
-          <a:p>
-            <a:r>
-              <a:rPr lang="en-GB" sz="1200" dirty="0" smtClean="0"/>
-              <a:t>Water</a:t>
-            </a:r>
-            <a:endParaRPr lang="es-ES" sz="1200" dirty="0"/>
-          </a:p>
-        </p:txBody>
-      </p:sp>
-      <p:sp>
-        <p:nvSpPr>
-          <p:cNvPr id="43" name="42 Rectángulo"/>
-          <p:cNvSpPr/>
-          <p:nvPr/>
-        </p:nvSpPr>
-        <p:spPr>
-          <a:xfrm>
-            <a:off x="5747178" y="4856565"/>
-            <a:ext cx="496739" cy="276999"/>
-          </a:xfrm>
-          <a:prstGeom prst="rect">
-            <a:avLst/>
-          </a:prstGeom>
-        </p:spPr>
-        <p:txBody>
-          <a:bodyPr wrap="none">
-            <a:spAutoFit/>
-          </a:bodyPr>
-          <a:lstStyle/>
-          <a:p>
-            <a:r>
-              <a:rPr lang="en-GB" sz="1200" dirty="0" smtClean="0"/>
-              <a:t>Food</a:t>
-            </a:r>
-            <a:endParaRPr lang="es-ES" sz="1200" dirty="0"/>
-          </a:p>
-        </p:txBody>
-      </p:sp>
-      <p:sp>
-        <p:nvSpPr>
-          <p:cNvPr id="44" name="Rectangle 36">
-            <a:hlinkClick r:id="rId6" action="ppaction://hlinksldjump"/>
-          </p:cNvPr>
-          <p:cNvSpPr/>
-          <p:nvPr/>
-        </p:nvSpPr>
-        <p:spPr>
-          <a:xfrm>
-            <a:off x="4950239" y="4104270"/>
-            <a:ext cx="2292771" cy="331372"/>
-          </a:xfrm>
-          <a:prstGeom prst="rect">
-            <a:avLst/>
-          </a:prstGeom>
-          <a:solidFill>
-            <a:srgbClr val="FF7C80"/>
-          </a:solidFill>
-          <a:ln w="19050">
-            <a:solidFill>
-              <a:srgbClr val="D8D8D8"/>
-            </a:solidFill>
-          </a:ln>
-        </p:spPr>
-        <p:style>
-          <a:lnRef idx="2">
-            <a:schemeClr val="accent1">
-              <a:shade val="50000"/>
-            </a:schemeClr>
-          </a:lnRef>
-          <a:fillRef idx="1003">
-            <a:schemeClr val="lt1"/>
-          </a:fillRef>
-          <a:effectRef idx="0">
-            <a:schemeClr val="accent1"/>
-          </a:effectRef>
-          <a:fontRef idx="minor">
-            <a:schemeClr val="lt1"/>
-          </a:fontRef>
-        </p:style>
-        <p:txBody>
-          <a:bodyPr rtlCol="0" anchor="ctr"/>
-          <a:lstStyle/>
-          <a:p>
-            <a:pPr algn="ctr"/>
-            <a:endParaRPr lang="en-US" dirty="0"/>
-          </a:p>
-        </p:txBody>
-      </p:sp>
-      <p:sp>
-        <p:nvSpPr>
-          <p:cNvPr id="46" name="45 Rectángulo"/>
-          <p:cNvSpPr/>
-          <p:nvPr/>
-        </p:nvSpPr>
-        <p:spPr>
-          <a:xfrm>
-            <a:off x="4872884" y="1583975"/>
-            <a:ext cx="2473434" cy="276999"/>
-          </a:xfrm>
-          <a:prstGeom prst="rect">
-            <a:avLst/>
-          </a:prstGeom>
-        </p:spPr>
-        <p:txBody>
-          <a:bodyPr wrap="none">
-            <a:spAutoFit/>
-          </a:bodyPr>
-          <a:lstStyle/>
-          <a:p>
-            <a:r>
-              <a:rPr lang="en-GB" sz="1200" dirty="0" smtClean="0"/>
-              <a:t>This map shows other people needs:</a:t>
-            </a:r>
-            <a:endParaRPr lang="es-ES" sz="1200" dirty="0"/>
-          </a:p>
-        </p:txBody>
-      </p:sp>
-      <p:sp>
-        <p:nvSpPr>
-          <p:cNvPr id="47" name="Rectangle 27">
-            <a:hlinkClick r:id="rId7" action="ppaction://hlinksldjump"/>
-          </p:cNvPr>
-          <p:cNvSpPr/>
-          <p:nvPr/>
-        </p:nvSpPr>
-        <p:spPr>
-          <a:xfrm>
-            <a:off x="4955649" y="5220589"/>
-            <a:ext cx="2271319" cy="321960"/>
+            <a:off x="4851375" y="4602966"/>
+            <a:ext cx="2585500" cy="684463"/>
           </a:xfrm>
           <a:prstGeom prst="rect">
             <a:avLst/>
@@ -10601,206 +10199,368 @@
       </p:sp>
       <p:sp>
         <p:nvSpPr>
-          <p:cNvPr id="48" name="47 Rectángulo"/>
-          <p:cNvSpPr/>
-          <p:nvPr/>
-        </p:nvSpPr>
-        <p:spPr>
-          <a:xfrm>
-            <a:off x="5739157" y="5257617"/>
-            <a:ext cx="827471" cy="276999"/>
-          </a:xfrm>
-          <a:prstGeom prst="rect">
-            <a:avLst/>
-          </a:prstGeom>
-        </p:spPr>
-        <p:txBody>
-          <a:bodyPr wrap="none">
+          <p:cNvPr id="48" name="TextBox 47"/>
+          <p:cNvSpPr txBox="1"/>
+          <p:nvPr/>
+        </p:nvSpPr>
+        <p:spPr>
+          <a:xfrm>
+            <a:off x="4805929" y="1164929"/>
+            <a:ext cx="2585214" cy="369332"/>
+          </a:xfrm>
+          <a:prstGeom prst="rect">
+            <a:avLst/>
+          </a:prstGeom>
+          <a:solidFill>
+            <a:schemeClr val="accent2"/>
+          </a:solidFill>
+        </p:spPr>
+        <p:txBody>
+          <a:bodyPr wrap="square" rtlCol="0">
             <a:spAutoFit/>
           </a:bodyPr>
           <a:lstStyle/>
           <a:p>
-            <a:r>
-              <a:rPr lang="en-GB" sz="1200" dirty="0" smtClean="0"/>
-              <a:t>Medicines</a:t>
-            </a:r>
-            <a:endParaRPr lang="es-ES" sz="1200" dirty="0"/>
-          </a:p>
-        </p:txBody>
-      </p:sp>
-      <p:sp>
-        <p:nvSpPr>
-          <p:cNvPr id="49" name="48 Rectángulo"/>
-          <p:cNvSpPr/>
-          <p:nvPr/>
-        </p:nvSpPr>
-        <p:spPr>
-          <a:xfrm>
-            <a:off x="5731135" y="4519682"/>
-            <a:ext cx="567399" cy="276999"/>
-          </a:xfrm>
-          <a:prstGeom prst="rect">
-            <a:avLst/>
-          </a:prstGeom>
-        </p:spPr>
-        <p:txBody>
-          <a:bodyPr wrap="none">
-            <a:spAutoFit/>
-          </a:bodyPr>
-          <a:lstStyle/>
-          <a:p>
-            <a:r>
-              <a:rPr lang="en-GB" sz="1200" dirty="0" smtClean="0"/>
-              <a:t>Water</a:t>
-            </a:r>
-            <a:endParaRPr lang="es-ES" sz="1200" dirty="0"/>
-          </a:p>
-        </p:txBody>
-      </p:sp>
-      <p:sp>
-        <p:nvSpPr>
-          <p:cNvPr id="50" name="49 Rectángulo"/>
-          <p:cNvSpPr/>
-          <p:nvPr/>
-        </p:nvSpPr>
-        <p:spPr>
-          <a:xfrm>
-            <a:off x="5707072" y="4150712"/>
-            <a:ext cx="1059457" cy="276999"/>
-          </a:xfrm>
-          <a:prstGeom prst="rect">
-            <a:avLst/>
-          </a:prstGeom>
-        </p:spPr>
-        <p:txBody>
-          <a:bodyPr wrap="none">
-            <a:spAutoFit/>
-          </a:bodyPr>
-          <a:lstStyle/>
-          <a:p>
-            <a:r>
-              <a:rPr lang="en-GB" sz="1200" dirty="0" smtClean="0"/>
-              <a:t>Urgent rescue</a:t>
-            </a:r>
-            <a:endParaRPr lang="es-ES" sz="1200" dirty="0"/>
+            <a:pPr algn="ctr"/>
+            <a:r>
+              <a:rPr lang="en-GB" dirty="0" smtClean="0">
+                <a:solidFill>
+                  <a:schemeClr val="bg1"/>
+                </a:solidFill>
+              </a:rPr>
+              <a:t>Survival Tips</a:t>
+            </a:r>
+            <a:endParaRPr lang="en-US" dirty="0">
+              <a:solidFill>
+                <a:schemeClr val="bg1"/>
+              </a:solidFill>
+            </a:endParaRPr>
+          </a:p>
+        </p:txBody>
+      </p:sp>
+      <p:sp>
+        <p:nvSpPr>
+          <p:cNvPr id="13" name="Rectangle 12">
+            <a:hlinkClick r:id="rId3" action="ppaction://hlinksldjump"/>
+          </p:cNvPr>
+          <p:cNvSpPr/>
+          <p:nvPr/>
+        </p:nvSpPr>
+        <p:spPr>
+          <a:xfrm>
+            <a:off x="5592086" y="4753067"/>
+            <a:ext cx="1066800" cy="370800"/>
+          </a:xfrm>
+          <a:prstGeom prst="rect">
+            <a:avLst/>
+          </a:prstGeom>
+          <a:noFill/>
+          <a:ln>
+            <a:noFill/>
+          </a:ln>
+        </p:spPr>
+        <p:style>
+          <a:lnRef idx="2">
+            <a:schemeClr val="dk1"/>
+          </a:lnRef>
+          <a:fillRef idx="1">
+            <a:schemeClr val="lt1"/>
+          </a:fillRef>
+          <a:effectRef idx="0">
+            <a:schemeClr val="dk1"/>
+          </a:effectRef>
+          <a:fontRef idx="minor">
+            <a:schemeClr val="dk1"/>
+          </a:fontRef>
+        </p:style>
+        <p:txBody>
+          <a:bodyPr rtlCol="0" anchor="ctr"/>
+          <a:lstStyle/>
+          <a:p>
+            <a:pPr algn="ctr"/>
+            <a:r>
+              <a:rPr lang="en-GB" sz="1100" dirty="0" smtClean="0"/>
+              <a:t>Earthquake</a:t>
+            </a:r>
+          </a:p>
+        </p:txBody>
+      </p:sp>
+      <p:sp>
+        <p:nvSpPr>
+          <p:cNvPr id="36" name="Rectangle 35">
+            <a:hlinkClick r:id="rId4" action="ppaction://hlinksldjump"/>
+          </p:cNvPr>
+          <p:cNvSpPr/>
+          <p:nvPr/>
+        </p:nvSpPr>
+        <p:spPr>
+          <a:xfrm>
+            <a:off x="4803249" y="2378924"/>
+            <a:ext cx="2585500" cy="684463"/>
+          </a:xfrm>
+          <a:prstGeom prst="rect">
+            <a:avLst/>
+          </a:prstGeom>
+          <a:ln/>
+        </p:spPr>
+        <p:style>
+          <a:lnRef idx="1">
+            <a:schemeClr val="accent1"/>
+          </a:lnRef>
+          <a:fillRef idx="2">
+            <a:schemeClr val="accent1"/>
+          </a:fillRef>
+          <a:effectRef idx="1">
+            <a:schemeClr val="accent1"/>
+          </a:effectRef>
+          <a:fontRef idx="minor">
+            <a:schemeClr val="dk1"/>
+          </a:fontRef>
+        </p:style>
+        <p:txBody>
+          <a:bodyPr rtlCol="0" anchor="ctr"/>
+          <a:lstStyle/>
+          <a:p>
+            <a:pPr algn="ctr"/>
+            <a:endParaRPr lang="en-US" dirty="0"/>
+          </a:p>
+        </p:txBody>
+      </p:sp>
+      <p:sp>
+        <p:nvSpPr>
+          <p:cNvPr id="25" name="Rectangle 24"/>
+          <p:cNvSpPr/>
+          <p:nvPr/>
+        </p:nvSpPr>
+        <p:spPr>
+          <a:xfrm>
+            <a:off x="5496447" y="2535757"/>
+            <a:ext cx="954239" cy="370800"/>
+          </a:xfrm>
+          <a:prstGeom prst="rect">
+            <a:avLst/>
+          </a:prstGeom>
+          <a:noFill/>
+          <a:ln>
+            <a:noFill/>
+          </a:ln>
+        </p:spPr>
+        <p:style>
+          <a:lnRef idx="2">
+            <a:schemeClr val="dk1"/>
+          </a:lnRef>
+          <a:fillRef idx="1">
+            <a:schemeClr val="lt1"/>
+          </a:fillRef>
+          <a:effectRef idx="0">
+            <a:schemeClr val="dk1"/>
+          </a:effectRef>
+          <a:fontRef idx="minor">
+            <a:schemeClr val="dk1"/>
+          </a:fontRef>
+        </p:style>
+        <p:txBody>
+          <a:bodyPr rtlCol="0" anchor="ctr"/>
+          <a:lstStyle/>
+          <a:p>
+            <a:pPr algn="ctr"/>
+            <a:r>
+              <a:rPr lang="en-GB" sz="1100" dirty="0" smtClean="0"/>
+              <a:t>Tsunami</a:t>
+            </a:r>
+            <a:endParaRPr lang="en-US" sz="1100" dirty="0"/>
+          </a:p>
+        </p:txBody>
+      </p:sp>
+      <p:sp>
+        <p:nvSpPr>
+          <p:cNvPr id="37" name="Rectangle 36">
+            <a:hlinkClick r:id="rId4" action="ppaction://hlinksldjump"/>
+          </p:cNvPr>
+          <p:cNvSpPr/>
+          <p:nvPr/>
+        </p:nvSpPr>
+        <p:spPr>
+          <a:xfrm>
+            <a:off x="4813882" y="3117680"/>
+            <a:ext cx="2585500" cy="684463"/>
+          </a:xfrm>
+          <a:prstGeom prst="rect">
+            <a:avLst/>
+          </a:prstGeom>
+          <a:solidFill>
+            <a:srgbClr val="FF7C80"/>
+          </a:solidFill>
+          <a:ln w="19050">
+            <a:solidFill>
+              <a:srgbClr val="D8D8D8"/>
+            </a:solidFill>
+          </a:ln>
+        </p:spPr>
+        <p:style>
+          <a:lnRef idx="2">
+            <a:schemeClr val="accent1">
+              <a:shade val="50000"/>
+            </a:schemeClr>
+          </a:lnRef>
+          <a:fillRef idx="1003">
+            <a:schemeClr val="lt1"/>
+          </a:fillRef>
+          <a:effectRef idx="0">
+            <a:schemeClr val="accent1"/>
+          </a:effectRef>
+          <a:fontRef idx="minor">
+            <a:schemeClr val="lt1"/>
+          </a:fontRef>
+        </p:style>
+        <p:txBody>
+          <a:bodyPr rtlCol="0" anchor="ctr"/>
+          <a:lstStyle/>
+          <a:p>
+            <a:pPr algn="ctr"/>
+            <a:endParaRPr lang="en-US" dirty="0"/>
+          </a:p>
+        </p:txBody>
+      </p:sp>
+      <p:sp>
+        <p:nvSpPr>
+          <p:cNvPr id="38" name="Rectangle 37"/>
+          <p:cNvSpPr/>
+          <p:nvPr/>
+        </p:nvSpPr>
+        <p:spPr>
+          <a:xfrm>
+            <a:off x="5630188" y="3261541"/>
+            <a:ext cx="1066800" cy="370800"/>
+          </a:xfrm>
+          <a:prstGeom prst="rect">
+            <a:avLst/>
+          </a:prstGeom>
+          <a:noFill/>
+          <a:ln>
+            <a:noFill/>
+          </a:ln>
+        </p:spPr>
+        <p:style>
+          <a:lnRef idx="2">
+            <a:schemeClr val="dk1"/>
+          </a:lnRef>
+          <a:fillRef idx="1">
+            <a:schemeClr val="lt1"/>
+          </a:fillRef>
+          <a:effectRef idx="0">
+            <a:schemeClr val="dk1"/>
+          </a:effectRef>
+          <a:fontRef idx="minor">
+            <a:schemeClr val="dk1"/>
+          </a:fontRef>
+        </p:style>
+        <p:txBody>
+          <a:bodyPr rtlCol="0" anchor="ctr"/>
+          <a:lstStyle/>
+          <a:p>
+            <a:pPr algn="ctr"/>
+            <a:r>
+              <a:rPr lang="en-GB" sz="1100" dirty="0" smtClean="0"/>
+              <a:t>Terrorist attack</a:t>
+            </a:r>
+            <a:endParaRPr lang="en-US" sz="1100" dirty="0"/>
+          </a:p>
+        </p:txBody>
+      </p:sp>
+      <p:sp>
+        <p:nvSpPr>
+          <p:cNvPr id="51" name="Rectangle 50"/>
+          <p:cNvSpPr/>
+          <p:nvPr/>
+        </p:nvSpPr>
+        <p:spPr>
+          <a:xfrm>
+            <a:off x="6578862" y="1813850"/>
+            <a:ext cx="1066800" cy="370800"/>
+          </a:xfrm>
+          <a:prstGeom prst="rect">
+            <a:avLst/>
+          </a:prstGeom>
+          <a:noFill/>
+          <a:ln>
+            <a:noFill/>
+          </a:ln>
+        </p:spPr>
+        <p:style>
+          <a:lnRef idx="2">
+            <a:schemeClr val="dk1"/>
+          </a:lnRef>
+          <a:fillRef idx="1">
+            <a:schemeClr val="lt1"/>
+          </a:fillRef>
+          <a:effectRef idx="0">
+            <a:schemeClr val="dk1"/>
+          </a:effectRef>
+          <a:fontRef idx="minor">
+            <a:schemeClr val="dk1"/>
+          </a:fontRef>
+        </p:style>
+        <p:txBody>
+          <a:bodyPr rtlCol="0" anchor="ctr"/>
+          <a:lstStyle/>
+          <a:p>
+            <a:pPr marL="171450" indent="-171450" algn="ctr">
+              <a:buFont typeface="Wingdings" panose="05000000000000000000" pitchFamily="2" charset="2"/>
+              <a:buChar char="ü"/>
+            </a:pPr>
+            <a:endParaRPr lang="en-US" sz="1100" dirty="0"/>
           </a:p>
         </p:txBody>
       </p:sp>
       <p:pic>
         <p:nvPicPr>
-          <p:cNvPr id="52" name="51 Imagen" descr="food.png"/>
+          <p:cNvPr id="62" name="Picture 61"/>
           <p:cNvPicPr>
             <a:picLocks noChangeAspect="1"/>
           </p:cNvPicPr>
           <p:nvPr/>
         </p:nvPicPr>
-        <p:blipFill>
-          <a:blip r:embed="rId8" cstate="print"/>
-          <a:stretch>
-            <a:fillRect/>
-          </a:stretch>
+        <p:blipFill rotWithShape="1">
+          <a:blip r:embed="rId2" cstate="print"/>
+          <a:srcRect t="85496"/>
+          <a:stretch/>
         </p:blipFill>
         <p:spPr>
           <a:xfrm>
-            <a:off x="5123574" y="4887227"/>
-            <a:ext cx="243839" cy="243839"/>
+            <a:off x="4547970" y="5691187"/>
+            <a:ext cx="3096057" cy="924369"/>
           </a:xfrm>
           <a:prstGeom prst="rect">
             <a:avLst/>
           </a:prstGeom>
         </p:spPr>
       </p:pic>
-      <p:pic>
-        <p:nvPicPr>
-          <p:cNvPr id="53" name="52 Imagen" descr="medicines.png"/>
-          <p:cNvPicPr>
-            <a:picLocks noChangeAspect="1"/>
-          </p:cNvPicPr>
-          <p:nvPr/>
-        </p:nvPicPr>
-        <p:blipFill>
-          <a:blip r:embed="rId9" cstate="print"/>
-          <a:stretch>
-            <a:fillRect/>
-          </a:stretch>
-        </p:blipFill>
-        <p:spPr>
-          <a:xfrm>
-            <a:off x="5141494" y="5277853"/>
-            <a:ext cx="223525" cy="223525"/>
-          </a:xfrm>
-          <a:prstGeom prst="rect">
-            <a:avLst/>
-          </a:prstGeom>
-        </p:spPr>
-      </p:pic>
-      <p:pic>
-        <p:nvPicPr>
-          <p:cNvPr id="54" name="53 Imagen" descr="urgent.png"/>
-          <p:cNvPicPr>
-            <a:picLocks noChangeAspect="1"/>
-          </p:cNvPicPr>
-          <p:nvPr/>
-        </p:nvPicPr>
-        <p:blipFill>
-          <a:blip r:embed="rId10" cstate="print"/>
-          <a:stretch>
-            <a:fillRect/>
-          </a:stretch>
-        </p:blipFill>
-        <p:spPr>
-          <a:xfrm>
-            <a:off x="5090969" y="4173104"/>
-            <a:ext cx="218968" cy="218968"/>
-          </a:xfrm>
-          <a:prstGeom prst="rect">
-            <a:avLst/>
-          </a:prstGeom>
-        </p:spPr>
-      </p:pic>
-      <p:pic>
-        <p:nvPicPr>
-          <p:cNvPr id="55" name="54 Imagen" descr="water.png"/>
-          <p:cNvPicPr>
-            <a:picLocks noChangeAspect="1"/>
-          </p:cNvPicPr>
-          <p:nvPr/>
-        </p:nvPicPr>
-        <p:blipFill>
-          <a:blip r:embed="rId11" cstate="print"/>
-          <a:stretch>
-            <a:fillRect/>
-          </a:stretch>
-        </p:blipFill>
-        <p:spPr>
-          <a:xfrm>
-            <a:off x="5917411" y="2839453"/>
-            <a:ext cx="280222" cy="280222"/>
-          </a:xfrm>
-          <a:prstGeom prst="rect">
-            <a:avLst/>
-          </a:prstGeom>
-        </p:spPr>
-      </p:pic>
-      <p:sp>
-        <p:nvSpPr>
-          <p:cNvPr id="56" name="55 Rectángulo"/>
-          <p:cNvSpPr/>
-          <p:nvPr/>
-        </p:nvSpPr>
-        <p:spPr>
-          <a:xfrm>
-            <a:off x="5702968" y="2160671"/>
-            <a:ext cx="1114927" cy="446171"/>
+      <p:sp>
+        <p:nvSpPr>
+          <p:cNvPr id="65" name="Rectangle 64"/>
+          <p:cNvSpPr/>
+          <p:nvPr/>
+        </p:nvSpPr>
+        <p:spPr>
+          <a:xfrm>
+            <a:off x="5822950" y="5842000"/>
+            <a:ext cx="539750" cy="567918"/>
           </a:xfrm>
           <a:prstGeom prst="rect">
             <a:avLst/>
           </a:prstGeom>
           <a:solidFill>
-            <a:schemeClr val="bg1"/>
+            <a:schemeClr val="bg1">
+              <a:alpha val="0"/>
+            </a:schemeClr>
           </a:solidFill>
           <a:ln>
-            <a:noFill/>
+            <a:solidFill>
+              <a:schemeClr val="bg1">
+                <a:alpha val="0"/>
+              </a:schemeClr>
+            </a:solidFill>
           </a:ln>
         </p:spPr>
         <p:style>
@@ -10824,104 +10584,141 @@
           <a:lstStyle/>
           <a:p>
             <a:pPr algn="ctr"/>
-            <a:endParaRPr lang="es-ES" dirty="0"/>
-          </a:p>
-        </p:txBody>
-      </p:sp>
-      <p:sp>
-        <p:nvSpPr>
-          <p:cNvPr id="57" name="56 Rectángulo"/>
-          <p:cNvSpPr/>
-          <p:nvPr/>
-        </p:nvSpPr>
-        <p:spPr>
-          <a:xfrm>
-            <a:off x="5907599" y="2257745"/>
-            <a:ext cx="567399" cy="276999"/>
-          </a:xfrm>
-          <a:prstGeom prst="rect">
-            <a:avLst/>
-          </a:prstGeom>
-        </p:spPr>
-        <p:txBody>
-          <a:bodyPr wrap="none">
-            <a:spAutoFit/>
-          </a:bodyPr>
-          <a:lstStyle/>
-          <a:p>
-            <a:r>
-              <a:rPr lang="en-GB" sz="1200" dirty="0" smtClean="0"/>
-              <a:t>Water</a:t>
-            </a:r>
-            <a:endParaRPr lang="es-ES" sz="1200" dirty="0"/>
+            <a:endParaRPr lang="en-US" dirty="0"/>
           </a:p>
         </p:txBody>
       </p:sp>
       <p:pic>
         <p:nvPicPr>
-          <p:cNvPr id="58" name="57 Imagen" descr="water.png"/>
+          <p:cNvPr id="27" name="26 Imagen" descr="earthquake.png"/>
           <p:cNvPicPr>
             <a:picLocks noChangeAspect="1"/>
           </p:cNvPicPr>
           <p:nvPr/>
         </p:nvPicPr>
         <p:blipFill>
-          <a:blip r:embed="rId12" cstate="print"/>
+          <a:blip r:embed="rId5" cstate="print"/>
           <a:stretch>
             <a:fillRect/>
           </a:stretch>
         </p:blipFill>
         <p:spPr>
           <a:xfrm>
-            <a:off x="5099265" y="4513211"/>
-            <a:ext cx="266821" cy="266821"/>
+            <a:off x="4969979" y="4692875"/>
+            <a:ext cx="520246" cy="520246"/>
           </a:xfrm>
           <a:prstGeom prst="rect">
             <a:avLst/>
           </a:prstGeom>
         </p:spPr>
       </p:pic>
-      <p:sp>
-        <p:nvSpPr>
-          <p:cNvPr id="60" name="59 Rectángulo"/>
-          <p:cNvSpPr/>
-          <p:nvPr/>
-        </p:nvSpPr>
-        <p:spPr>
-          <a:xfrm>
-            <a:off x="990694" y="4712186"/>
-            <a:ext cx="3521605" cy="276999"/>
-          </a:xfrm>
-          <a:prstGeom prst="rect">
-            <a:avLst/>
-          </a:prstGeom>
-        </p:spPr>
-        <p:txBody>
-          <a:bodyPr wrap="none">
-            <a:spAutoFit/>
-          </a:bodyPr>
-          <a:lstStyle/>
-          <a:p>
-            <a:r>
-              <a:rPr lang="en-GB" sz="1200" dirty="0" smtClean="0"/>
-              <a:t>User selects which type wants to display from a list -&gt;</a:t>
-            </a:r>
-            <a:endParaRPr lang="es-ES" sz="1200" dirty="0"/>
-          </a:p>
-        </p:txBody>
-      </p:sp>
-      <p:sp>
-        <p:nvSpPr>
-          <p:cNvPr id="61" name="Rectangle 12">
-            <a:hlinkClick r:id="rId7" action="ppaction://hlinksldjump"/>
+      <p:pic>
+        <p:nvPicPr>
+          <p:cNvPr id="31" name="30 Imagen" descr="wave-512.png"/>
+          <p:cNvPicPr>
+            <a:picLocks noChangeAspect="1"/>
+          </p:cNvPicPr>
+          <p:nvPr/>
+        </p:nvPicPr>
+        <p:blipFill>
+          <a:blip r:embed="rId6" cstate="print"/>
+          <a:stretch>
+            <a:fillRect/>
+          </a:stretch>
+        </p:blipFill>
+        <p:spPr>
+          <a:xfrm>
+            <a:off x="4906336" y="2433083"/>
+            <a:ext cx="548166" cy="601330"/>
+          </a:xfrm>
+          <a:prstGeom prst="rect">
+            <a:avLst/>
+          </a:prstGeom>
+        </p:spPr>
+      </p:pic>
+      <p:pic>
+        <p:nvPicPr>
+          <p:cNvPr id="35" name="34 Imagen" descr="bomb.png"/>
+          <p:cNvPicPr>
+            <a:picLocks noChangeAspect="1"/>
+          </p:cNvPicPr>
+          <p:nvPr/>
+        </p:nvPicPr>
+        <p:blipFill>
+          <a:blip r:embed="rId7" cstate="print"/>
+          <a:stretch>
+            <a:fillRect/>
+          </a:stretch>
+        </p:blipFill>
+        <p:spPr>
+          <a:xfrm>
+            <a:off x="4937064" y="3178530"/>
+            <a:ext cx="537535" cy="537535"/>
+          </a:xfrm>
+          <a:prstGeom prst="rect">
+            <a:avLst/>
+          </a:prstGeom>
+        </p:spPr>
+      </p:pic>
+      <p:sp>
+        <p:nvSpPr>
+          <p:cNvPr id="16" name="Rectangle 27">
+            <a:hlinkClick r:id="rId3" action="ppaction://hlinksldjump"/>
           </p:cNvPr>
           <p:cNvSpPr/>
           <p:nvPr/>
         </p:nvSpPr>
         <p:spPr>
           <a:xfrm>
-            <a:off x="2608254" y="2651551"/>
-            <a:ext cx="1843429" cy="370800"/>
+            <a:off x="4827312" y="3865029"/>
+            <a:ext cx="2585500" cy="684463"/>
+          </a:xfrm>
+          <a:prstGeom prst="rect">
+            <a:avLst/>
+          </a:prstGeom>
+          <a:solidFill>
+            <a:schemeClr val="tx2">
+              <a:lumMod val="40000"/>
+              <a:lumOff val="60000"/>
+            </a:schemeClr>
+          </a:solidFill>
+          <a:ln/>
+        </p:spPr>
+        <p:style>
+          <a:lnRef idx="1">
+            <a:schemeClr val="accent6"/>
+          </a:lnRef>
+          <a:fillRef idx="2">
+            <a:schemeClr val="accent6"/>
+          </a:fillRef>
+          <a:effectRef idx="1">
+            <a:schemeClr val="accent6"/>
+          </a:effectRef>
+          <a:fontRef idx="minor">
+            <a:schemeClr val="dk1"/>
+          </a:fontRef>
+        </p:style>
+        <p:txBody>
+          <a:bodyPr rtlCol="0" anchor="ctr"/>
+          <a:lstStyle/>
+          <a:p>
+            <a:pPr algn="ctr"/>
+            <a:endParaRPr lang="en-US" dirty="0"/>
+          </a:p>
+        </p:txBody>
+      </p:sp>
+      <p:sp>
+        <p:nvSpPr>
+          <p:cNvPr id="17" name="Rectangle 12">
+            <a:hlinkClick r:id="rId3" action="ppaction://hlinksldjump"/>
+          </p:cNvPr>
+          <p:cNvSpPr/>
+          <p:nvPr/>
+        </p:nvSpPr>
+        <p:spPr>
+          <a:xfrm>
+            <a:off x="5568023" y="4015130"/>
+            <a:ext cx="1066800" cy="370800"/>
           </a:xfrm>
           <a:prstGeom prst="rect">
             <a:avLst/>
@@ -10952,15 +10749,132 @@
             <a:pPr algn="ctr"/>
             <a:r>
               <a:rPr lang="en-GB" sz="1100" dirty="0" smtClean="0"/>
-              <a:t>Swarm Pulse maps -&gt;</a:t>
-            </a:r>
+              <a:t>Tornado</a:t>
+            </a:r>
+          </a:p>
+        </p:txBody>
+      </p:sp>
+      <p:pic>
+        <p:nvPicPr>
+          <p:cNvPr id="18" name="17 Imagen" descr="tornado.png"/>
+          <p:cNvPicPr>
+            <a:picLocks noChangeAspect="1"/>
+          </p:cNvPicPr>
+          <p:nvPr/>
+        </p:nvPicPr>
+        <p:blipFill>
+          <a:blip r:embed="rId8" cstate="print"/>
+          <a:stretch>
+            <a:fillRect/>
+          </a:stretch>
+        </p:blipFill>
+        <p:spPr>
+          <a:xfrm>
+            <a:off x="4922296" y="3978441"/>
+            <a:ext cx="557072" cy="496579"/>
+          </a:xfrm>
+          <a:prstGeom prst="rect">
+            <a:avLst/>
+          </a:prstGeom>
+        </p:spPr>
+      </p:pic>
+      <p:sp>
+        <p:nvSpPr>
+          <p:cNvPr id="20" name="Rectangle 35">
+            <a:hlinkClick r:id="rId3" action="ppaction://hlinksldjump"/>
+          </p:cNvPr>
+          <p:cNvSpPr/>
+          <p:nvPr/>
+        </p:nvSpPr>
+        <p:spPr>
+          <a:xfrm>
+            <a:off x="4827313" y="1592861"/>
+            <a:ext cx="2560077" cy="701160"/>
+          </a:xfrm>
+          <a:prstGeom prst="rect">
+            <a:avLst/>
+          </a:prstGeom>
+          <a:solidFill>
+            <a:schemeClr val="accent2">
+              <a:lumMod val="40000"/>
+              <a:lumOff val="60000"/>
+            </a:schemeClr>
+          </a:solidFill>
+          <a:ln/>
+        </p:spPr>
+        <p:style>
+          <a:lnRef idx="1">
+            <a:schemeClr val="accent1"/>
+          </a:lnRef>
+          <a:fillRef idx="2">
+            <a:schemeClr val="accent1"/>
+          </a:fillRef>
+          <a:effectRef idx="1">
+            <a:schemeClr val="accent1"/>
+          </a:effectRef>
+          <a:fontRef idx="minor">
+            <a:schemeClr val="dk1"/>
+          </a:fontRef>
+        </p:style>
+        <p:txBody>
+          <a:bodyPr rtlCol="0" anchor="ctr"/>
+          <a:lstStyle/>
+          <a:p>
+            <a:pPr algn="ctr"/>
+            <a:endParaRPr lang="en-US" dirty="0"/>
+          </a:p>
+        </p:txBody>
+      </p:sp>
+      <p:sp>
+        <p:nvSpPr>
+          <p:cNvPr id="21" name="Rectangle 24"/>
+          <p:cNvSpPr/>
+          <p:nvPr/>
+        </p:nvSpPr>
+        <p:spPr>
+          <a:xfrm>
+            <a:off x="5183626" y="1765736"/>
+            <a:ext cx="1778648" cy="370800"/>
+          </a:xfrm>
+          <a:prstGeom prst="rect">
+            <a:avLst/>
+          </a:prstGeom>
+          <a:noFill/>
+          <a:ln>
+            <a:noFill/>
+          </a:ln>
+        </p:spPr>
+        <p:style>
+          <a:lnRef idx="2">
+            <a:schemeClr val="dk1"/>
+          </a:lnRef>
+          <a:fillRef idx="1">
+            <a:schemeClr val="lt1"/>
+          </a:fillRef>
+          <a:effectRef idx="0">
+            <a:schemeClr val="dk1"/>
+          </a:effectRef>
+          <a:fontRef idx="minor">
+            <a:schemeClr val="dk1"/>
+          </a:fontRef>
+        </p:style>
+        <p:txBody>
+          <a:bodyPr rtlCol="0" anchor="ctr"/>
+          <a:lstStyle/>
+          <a:p>
+            <a:pPr algn="ctr"/>
+            <a:r>
+              <a:rPr lang="en-GB" sz="1100" dirty="0" smtClean="0"/>
+              <a:t>General preparation for any emergency</a:t>
+            </a:r>
+            <a:endParaRPr lang="en-US" sz="1100" dirty="0"/>
           </a:p>
         </p:txBody>
       </p:sp>
     </p:spTree>
     <p:extLst>
       <p:ext uri="{BB962C8B-B14F-4D97-AF65-F5344CB8AC3E}">
-        <p14:creationId xmlns="" xmlns:p14="http://schemas.microsoft.com/office/powerpoint/2010/main" val="283767647"/>
+        <p14:creationId xmlns:p14="http://schemas.microsoft.com/office/powerpoint/2010/main" xmlns="" val="283767647"/>
       </p:ext>
     </p:extLst>
   </p:cSld>
@@ -10968,7 +10882,7 @@
     <a:masterClrMapping/>
   </p:clrMapOvr>
   <mc:AlternateContent xmlns:mc="http://schemas.openxmlformats.org/markup-compatibility/2006">
-    <mc:Choice xmlns="" xmlns:p14="http://schemas.microsoft.com/office/powerpoint/2010/main" Requires="p14">
+    <mc:Choice xmlns:p14="http://schemas.microsoft.com/office/powerpoint/2010/main" xmlns="" Requires="p14">
       <p:transition spd="slow" p14:dur="2000" advClick="0"/>
     </mc:Choice>
     <mc:Fallback>
@@ -10986,814 +10900,6 @@
 </file>
 
 <file path=ppt/slides/slide5.xml><?xml version="1.0" encoding="utf-8"?>
-<p:sld xmlns:a="http://schemas.openxmlformats.org/drawingml/2006/main" xmlns:r="http://schemas.openxmlformats.org/officeDocument/2006/relationships" xmlns:p="http://schemas.openxmlformats.org/presentationml/2006/main">
-  <p:cSld>
-    <p:spTree>
-      <p:nvGrpSpPr>
-        <p:cNvPr id="1" name=""/>
-        <p:cNvGrpSpPr/>
-        <p:nvPr/>
-      </p:nvGrpSpPr>
-      <p:grpSpPr>
-        <a:xfrm>
-          <a:off x="0" y="0"/>
-          <a:ext cx="0" cy="0"/>
-          <a:chOff x="0" y="0"/>
-          <a:chExt cx="0" cy="0"/>
-        </a:xfrm>
-      </p:grpSpPr>
-      <p:pic>
-        <p:nvPicPr>
-          <p:cNvPr id="6" name="Picture 5"/>
-          <p:cNvPicPr>
-            <a:picLocks noChangeAspect="1"/>
-          </p:cNvPicPr>
-          <p:nvPr/>
-        </p:nvPicPr>
-        <p:blipFill>
-          <a:blip r:embed="rId2" cstate="print"/>
-          <a:stretch>
-            <a:fillRect/>
-          </a:stretch>
-        </p:blipFill>
-        <p:spPr>
-          <a:xfrm>
-            <a:off x="4547971" y="242443"/>
-            <a:ext cx="3096057" cy="6373114"/>
-          </a:xfrm>
-          <a:prstGeom prst="rect">
-            <a:avLst/>
-          </a:prstGeom>
-        </p:spPr>
-      </p:pic>
-      <p:sp>
-        <p:nvSpPr>
-          <p:cNvPr id="28" name="Rectangle 27">
-            <a:hlinkClick r:id="rId3" action="ppaction://hlinksldjump"/>
-          </p:cNvPr>
-          <p:cNvSpPr/>
-          <p:nvPr/>
-        </p:nvSpPr>
-        <p:spPr>
-          <a:xfrm>
-            <a:off x="4851375" y="4602966"/>
-            <a:ext cx="2585500" cy="684463"/>
-          </a:xfrm>
-          <a:prstGeom prst="rect">
-            <a:avLst/>
-          </a:prstGeom>
-          <a:gradFill>
-            <a:gsLst>
-              <a:gs pos="0">
-                <a:schemeClr val="accent6">
-                  <a:lumMod val="60000"/>
-                  <a:lumOff val="40000"/>
-                </a:schemeClr>
-              </a:gs>
-              <a:gs pos="50000">
-                <a:schemeClr val="accent6">
-                  <a:lumMod val="105000"/>
-                  <a:satMod val="103000"/>
-                  <a:tint val="73000"/>
-                </a:schemeClr>
-              </a:gs>
-              <a:gs pos="100000">
-                <a:schemeClr val="accent6">
-                  <a:lumMod val="105000"/>
-                  <a:satMod val="109000"/>
-                  <a:tint val="81000"/>
-                </a:schemeClr>
-              </a:gs>
-            </a:gsLst>
-          </a:gradFill>
-          <a:ln/>
-        </p:spPr>
-        <p:style>
-          <a:lnRef idx="1">
-            <a:schemeClr val="accent6"/>
-          </a:lnRef>
-          <a:fillRef idx="2">
-            <a:schemeClr val="accent6"/>
-          </a:fillRef>
-          <a:effectRef idx="1">
-            <a:schemeClr val="accent6"/>
-          </a:effectRef>
-          <a:fontRef idx="minor">
-            <a:schemeClr val="dk1"/>
-          </a:fontRef>
-        </p:style>
-        <p:txBody>
-          <a:bodyPr rtlCol="0" anchor="ctr"/>
-          <a:lstStyle/>
-          <a:p>
-            <a:pPr algn="ctr"/>
-            <a:endParaRPr lang="en-US" dirty="0"/>
-          </a:p>
-        </p:txBody>
-      </p:sp>
-      <p:sp>
-        <p:nvSpPr>
-          <p:cNvPr id="48" name="TextBox 47"/>
-          <p:cNvSpPr txBox="1"/>
-          <p:nvPr/>
-        </p:nvSpPr>
-        <p:spPr>
-          <a:xfrm>
-            <a:off x="4805929" y="1164929"/>
-            <a:ext cx="2585214" cy="369332"/>
-          </a:xfrm>
-          <a:prstGeom prst="rect">
-            <a:avLst/>
-          </a:prstGeom>
-          <a:solidFill>
-            <a:schemeClr val="accent2"/>
-          </a:solidFill>
-        </p:spPr>
-        <p:txBody>
-          <a:bodyPr wrap="square" rtlCol="0">
-            <a:spAutoFit/>
-          </a:bodyPr>
-          <a:lstStyle/>
-          <a:p>
-            <a:pPr algn="ctr"/>
-            <a:r>
-              <a:rPr lang="en-GB" dirty="0" smtClean="0">
-                <a:solidFill>
-                  <a:schemeClr val="bg1"/>
-                </a:solidFill>
-              </a:rPr>
-              <a:t>Survival Tips</a:t>
-            </a:r>
-            <a:endParaRPr lang="en-US" dirty="0">
-              <a:solidFill>
-                <a:schemeClr val="bg1"/>
-              </a:solidFill>
-            </a:endParaRPr>
-          </a:p>
-        </p:txBody>
-      </p:sp>
-      <p:sp>
-        <p:nvSpPr>
-          <p:cNvPr id="13" name="Rectangle 12">
-            <a:hlinkClick r:id="rId3" action="ppaction://hlinksldjump"/>
-          </p:cNvPr>
-          <p:cNvSpPr/>
-          <p:nvPr/>
-        </p:nvSpPr>
-        <p:spPr>
-          <a:xfrm>
-            <a:off x="5592086" y="4753067"/>
-            <a:ext cx="1066800" cy="370800"/>
-          </a:xfrm>
-          <a:prstGeom prst="rect">
-            <a:avLst/>
-          </a:prstGeom>
-          <a:noFill/>
-          <a:ln>
-            <a:noFill/>
-          </a:ln>
-        </p:spPr>
-        <p:style>
-          <a:lnRef idx="2">
-            <a:schemeClr val="dk1"/>
-          </a:lnRef>
-          <a:fillRef idx="1">
-            <a:schemeClr val="lt1"/>
-          </a:fillRef>
-          <a:effectRef idx="0">
-            <a:schemeClr val="dk1"/>
-          </a:effectRef>
-          <a:fontRef idx="minor">
-            <a:schemeClr val="dk1"/>
-          </a:fontRef>
-        </p:style>
-        <p:txBody>
-          <a:bodyPr rtlCol="0" anchor="ctr"/>
-          <a:lstStyle/>
-          <a:p>
-            <a:pPr algn="ctr"/>
-            <a:r>
-              <a:rPr lang="en-GB" sz="1100" dirty="0" smtClean="0"/>
-              <a:t>Earthquake</a:t>
-            </a:r>
-          </a:p>
-        </p:txBody>
-      </p:sp>
-      <p:sp>
-        <p:nvSpPr>
-          <p:cNvPr id="36" name="Rectangle 35">
-            <a:hlinkClick r:id="rId4" action="ppaction://hlinksldjump"/>
-          </p:cNvPr>
-          <p:cNvSpPr/>
-          <p:nvPr/>
-        </p:nvSpPr>
-        <p:spPr>
-          <a:xfrm>
-            <a:off x="4803249" y="2378924"/>
-            <a:ext cx="2585500" cy="684463"/>
-          </a:xfrm>
-          <a:prstGeom prst="rect">
-            <a:avLst/>
-          </a:prstGeom>
-          <a:ln/>
-        </p:spPr>
-        <p:style>
-          <a:lnRef idx="1">
-            <a:schemeClr val="accent1"/>
-          </a:lnRef>
-          <a:fillRef idx="2">
-            <a:schemeClr val="accent1"/>
-          </a:fillRef>
-          <a:effectRef idx="1">
-            <a:schemeClr val="accent1"/>
-          </a:effectRef>
-          <a:fontRef idx="minor">
-            <a:schemeClr val="dk1"/>
-          </a:fontRef>
-        </p:style>
-        <p:txBody>
-          <a:bodyPr rtlCol="0" anchor="ctr"/>
-          <a:lstStyle/>
-          <a:p>
-            <a:pPr algn="ctr"/>
-            <a:endParaRPr lang="en-US" dirty="0"/>
-          </a:p>
-        </p:txBody>
-      </p:sp>
-      <p:sp>
-        <p:nvSpPr>
-          <p:cNvPr id="25" name="Rectangle 24"/>
-          <p:cNvSpPr/>
-          <p:nvPr/>
-        </p:nvSpPr>
-        <p:spPr>
-          <a:xfrm>
-            <a:off x="5496447" y="2535757"/>
-            <a:ext cx="954239" cy="370800"/>
-          </a:xfrm>
-          <a:prstGeom prst="rect">
-            <a:avLst/>
-          </a:prstGeom>
-          <a:noFill/>
-          <a:ln>
-            <a:noFill/>
-          </a:ln>
-        </p:spPr>
-        <p:style>
-          <a:lnRef idx="2">
-            <a:schemeClr val="dk1"/>
-          </a:lnRef>
-          <a:fillRef idx="1">
-            <a:schemeClr val="lt1"/>
-          </a:fillRef>
-          <a:effectRef idx="0">
-            <a:schemeClr val="dk1"/>
-          </a:effectRef>
-          <a:fontRef idx="minor">
-            <a:schemeClr val="dk1"/>
-          </a:fontRef>
-        </p:style>
-        <p:txBody>
-          <a:bodyPr rtlCol="0" anchor="ctr"/>
-          <a:lstStyle/>
-          <a:p>
-            <a:pPr algn="ctr"/>
-            <a:r>
-              <a:rPr lang="en-GB" sz="1100" dirty="0" smtClean="0"/>
-              <a:t>Tsunami</a:t>
-            </a:r>
-            <a:endParaRPr lang="en-US" sz="1100" dirty="0"/>
-          </a:p>
-        </p:txBody>
-      </p:sp>
-      <p:sp>
-        <p:nvSpPr>
-          <p:cNvPr id="37" name="Rectangle 36">
-            <a:hlinkClick r:id="rId4" action="ppaction://hlinksldjump"/>
-          </p:cNvPr>
-          <p:cNvSpPr/>
-          <p:nvPr/>
-        </p:nvSpPr>
-        <p:spPr>
-          <a:xfrm>
-            <a:off x="4813882" y="3117680"/>
-            <a:ext cx="2585500" cy="684463"/>
-          </a:xfrm>
-          <a:prstGeom prst="rect">
-            <a:avLst/>
-          </a:prstGeom>
-          <a:solidFill>
-            <a:srgbClr val="FF7C80"/>
-          </a:solidFill>
-          <a:ln w="19050">
-            <a:solidFill>
-              <a:srgbClr val="D8D8D8"/>
-            </a:solidFill>
-          </a:ln>
-        </p:spPr>
-        <p:style>
-          <a:lnRef idx="2">
-            <a:schemeClr val="accent1">
-              <a:shade val="50000"/>
-            </a:schemeClr>
-          </a:lnRef>
-          <a:fillRef idx="1003">
-            <a:schemeClr val="lt1"/>
-          </a:fillRef>
-          <a:effectRef idx="0">
-            <a:schemeClr val="accent1"/>
-          </a:effectRef>
-          <a:fontRef idx="minor">
-            <a:schemeClr val="lt1"/>
-          </a:fontRef>
-        </p:style>
-        <p:txBody>
-          <a:bodyPr rtlCol="0" anchor="ctr"/>
-          <a:lstStyle/>
-          <a:p>
-            <a:pPr algn="ctr"/>
-            <a:endParaRPr lang="en-US" dirty="0"/>
-          </a:p>
-        </p:txBody>
-      </p:sp>
-      <p:sp>
-        <p:nvSpPr>
-          <p:cNvPr id="38" name="Rectangle 37"/>
-          <p:cNvSpPr/>
-          <p:nvPr/>
-        </p:nvSpPr>
-        <p:spPr>
-          <a:xfrm>
-            <a:off x="5630188" y="3261541"/>
-            <a:ext cx="1066800" cy="370800"/>
-          </a:xfrm>
-          <a:prstGeom prst="rect">
-            <a:avLst/>
-          </a:prstGeom>
-          <a:noFill/>
-          <a:ln>
-            <a:noFill/>
-          </a:ln>
-        </p:spPr>
-        <p:style>
-          <a:lnRef idx="2">
-            <a:schemeClr val="dk1"/>
-          </a:lnRef>
-          <a:fillRef idx="1">
-            <a:schemeClr val="lt1"/>
-          </a:fillRef>
-          <a:effectRef idx="0">
-            <a:schemeClr val="dk1"/>
-          </a:effectRef>
-          <a:fontRef idx="minor">
-            <a:schemeClr val="dk1"/>
-          </a:fontRef>
-        </p:style>
-        <p:txBody>
-          <a:bodyPr rtlCol="0" anchor="ctr"/>
-          <a:lstStyle/>
-          <a:p>
-            <a:pPr algn="ctr"/>
-            <a:r>
-              <a:rPr lang="en-GB" sz="1100" dirty="0" smtClean="0"/>
-              <a:t>Terrorist attack</a:t>
-            </a:r>
-            <a:endParaRPr lang="en-US" sz="1100" dirty="0"/>
-          </a:p>
-        </p:txBody>
-      </p:sp>
-      <p:sp>
-        <p:nvSpPr>
-          <p:cNvPr id="51" name="Rectangle 50"/>
-          <p:cNvSpPr/>
-          <p:nvPr/>
-        </p:nvSpPr>
-        <p:spPr>
-          <a:xfrm>
-            <a:off x="6578862" y="1813850"/>
-            <a:ext cx="1066800" cy="370800"/>
-          </a:xfrm>
-          <a:prstGeom prst="rect">
-            <a:avLst/>
-          </a:prstGeom>
-          <a:noFill/>
-          <a:ln>
-            <a:noFill/>
-          </a:ln>
-        </p:spPr>
-        <p:style>
-          <a:lnRef idx="2">
-            <a:schemeClr val="dk1"/>
-          </a:lnRef>
-          <a:fillRef idx="1">
-            <a:schemeClr val="lt1"/>
-          </a:fillRef>
-          <a:effectRef idx="0">
-            <a:schemeClr val="dk1"/>
-          </a:effectRef>
-          <a:fontRef idx="minor">
-            <a:schemeClr val="dk1"/>
-          </a:fontRef>
-        </p:style>
-        <p:txBody>
-          <a:bodyPr rtlCol="0" anchor="ctr"/>
-          <a:lstStyle/>
-          <a:p>
-            <a:pPr marL="171450" indent="-171450" algn="ctr">
-              <a:buFont typeface="Wingdings" panose="05000000000000000000" pitchFamily="2" charset="2"/>
-              <a:buChar char="ü"/>
-            </a:pPr>
-            <a:endParaRPr lang="en-US" sz="1100" dirty="0"/>
-          </a:p>
-        </p:txBody>
-      </p:sp>
-      <p:pic>
-        <p:nvPicPr>
-          <p:cNvPr id="62" name="Picture 61"/>
-          <p:cNvPicPr>
-            <a:picLocks noChangeAspect="1"/>
-          </p:cNvPicPr>
-          <p:nvPr/>
-        </p:nvPicPr>
-        <p:blipFill rotWithShape="1">
-          <a:blip r:embed="rId2" cstate="print"/>
-          <a:srcRect t="85496"/>
-          <a:stretch/>
-        </p:blipFill>
-        <p:spPr>
-          <a:xfrm>
-            <a:off x="4547970" y="5691187"/>
-            <a:ext cx="3096057" cy="924369"/>
-          </a:xfrm>
-          <a:prstGeom prst="rect">
-            <a:avLst/>
-          </a:prstGeom>
-        </p:spPr>
-      </p:pic>
-      <p:sp>
-        <p:nvSpPr>
-          <p:cNvPr id="65" name="Rectangle 64"/>
-          <p:cNvSpPr/>
-          <p:nvPr/>
-        </p:nvSpPr>
-        <p:spPr>
-          <a:xfrm>
-            <a:off x="5822950" y="5842000"/>
-            <a:ext cx="539750" cy="567918"/>
-          </a:xfrm>
-          <a:prstGeom prst="rect">
-            <a:avLst/>
-          </a:prstGeom>
-          <a:solidFill>
-            <a:schemeClr val="bg1">
-              <a:alpha val="0"/>
-            </a:schemeClr>
-          </a:solidFill>
-          <a:ln>
-            <a:solidFill>
-              <a:schemeClr val="bg1">
-                <a:alpha val="0"/>
-              </a:schemeClr>
-            </a:solidFill>
-          </a:ln>
-        </p:spPr>
-        <p:style>
-          <a:lnRef idx="2">
-            <a:schemeClr val="accent1">
-              <a:shade val="50000"/>
-            </a:schemeClr>
-          </a:lnRef>
-          <a:fillRef idx="1">
-            <a:schemeClr val="accent1"/>
-          </a:fillRef>
-          <a:effectRef idx="0">
-            <a:schemeClr val="accent1"/>
-          </a:effectRef>
-          <a:fontRef idx="minor">
-            <a:schemeClr val="lt1"/>
-          </a:fontRef>
-        </p:style>
-        <p:txBody>
-          <a:bodyPr rtlCol="0" anchor="ctr"/>
-          <a:lstStyle/>
-          <a:p>
-            <a:pPr algn="ctr"/>
-            <a:endParaRPr lang="en-US" dirty="0"/>
-          </a:p>
-        </p:txBody>
-      </p:sp>
-      <p:pic>
-        <p:nvPicPr>
-          <p:cNvPr id="27" name="26 Imagen" descr="earthquake.png"/>
-          <p:cNvPicPr>
-            <a:picLocks noChangeAspect="1"/>
-          </p:cNvPicPr>
-          <p:nvPr/>
-        </p:nvPicPr>
-        <p:blipFill>
-          <a:blip r:embed="rId5" cstate="print"/>
-          <a:stretch>
-            <a:fillRect/>
-          </a:stretch>
-        </p:blipFill>
-        <p:spPr>
-          <a:xfrm>
-            <a:off x="4969979" y="4692875"/>
-            <a:ext cx="520246" cy="520246"/>
-          </a:xfrm>
-          <a:prstGeom prst="rect">
-            <a:avLst/>
-          </a:prstGeom>
-        </p:spPr>
-      </p:pic>
-      <p:pic>
-        <p:nvPicPr>
-          <p:cNvPr id="31" name="30 Imagen" descr="wave-512.png"/>
-          <p:cNvPicPr>
-            <a:picLocks noChangeAspect="1"/>
-          </p:cNvPicPr>
-          <p:nvPr/>
-        </p:nvPicPr>
-        <p:blipFill>
-          <a:blip r:embed="rId6" cstate="print"/>
-          <a:stretch>
-            <a:fillRect/>
-          </a:stretch>
-        </p:blipFill>
-        <p:spPr>
-          <a:xfrm>
-            <a:off x="4906336" y="2433083"/>
-            <a:ext cx="548166" cy="601330"/>
-          </a:xfrm>
-          <a:prstGeom prst="rect">
-            <a:avLst/>
-          </a:prstGeom>
-        </p:spPr>
-      </p:pic>
-      <p:pic>
-        <p:nvPicPr>
-          <p:cNvPr id="35" name="34 Imagen" descr="bomb.png"/>
-          <p:cNvPicPr>
-            <a:picLocks noChangeAspect="1"/>
-          </p:cNvPicPr>
-          <p:nvPr/>
-        </p:nvPicPr>
-        <p:blipFill>
-          <a:blip r:embed="rId7" cstate="print"/>
-          <a:stretch>
-            <a:fillRect/>
-          </a:stretch>
-        </p:blipFill>
-        <p:spPr>
-          <a:xfrm>
-            <a:off x="4937064" y="3178530"/>
-            <a:ext cx="537535" cy="537535"/>
-          </a:xfrm>
-          <a:prstGeom prst="rect">
-            <a:avLst/>
-          </a:prstGeom>
-        </p:spPr>
-      </p:pic>
-      <p:sp>
-        <p:nvSpPr>
-          <p:cNvPr id="16" name="Rectangle 27">
-            <a:hlinkClick r:id="rId3" action="ppaction://hlinksldjump"/>
-          </p:cNvPr>
-          <p:cNvSpPr/>
-          <p:nvPr/>
-        </p:nvSpPr>
-        <p:spPr>
-          <a:xfrm>
-            <a:off x="4827312" y="3865029"/>
-            <a:ext cx="2585500" cy="684463"/>
-          </a:xfrm>
-          <a:prstGeom prst="rect">
-            <a:avLst/>
-          </a:prstGeom>
-          <a:solidFill>
-            <a:schemeClr val="tx2">
-              <a:lumMod val="40000"/>
-              <a:lumOff val="60000"/>
-            </a:schemeClr>
-          </a:solidFill>
-          <a:ln/>
-        </p:spPr>
-        <p:style>
-          <a:lnRef idx="1">
-            <a:schemeClr val="accent6"/>
-          </a:lnRef>
-          <a:fillRef idx="2">
-            <a:schemeClr val="accent6"/>
-          </a:fillRef>
-          <a:effectRef idx="1">
-            <a:schemeClr val="accent6"/>
-          </a:effectRef>
-          <a:fontRef idx="minor">
-            <a:schemeClr val="dk1"/>
-          </a:fontRef>
-        </p:style>
-        <p:txBody>
-          <a:bodyPr rtlCol="0" anchor="ctr"/>
-          <a:lstStyle/>
-          <a:p>
-            <a:pPr algn="ctr"/>
-            <a:endParaRPr lang="en-US" dirty="0"/>
-          </a:p>
-        </p:txBody>
-      </p:sp>
-      <p:sp>
-        <p:nvSpPr>
-          <p:cNvPr id="17" name="Rectangle 12">
-            <a:hlinkClick r:id="rId3" action="ppaction://hlinksldjump"/>
-          </p:cNvPr>
-          <p:cNvSpPr/>
-          <p:nvPr/>
-        </p:nvSpPr>
-        <p:spPr>
-          <a:xfrm>
-            <a:off x="5568023" y="4015130"/>
-            <a:ext cx="1066800" cy="370800"/>
-          </a:xfrm>
-          <a:prstGeom prst="rect">
-            <a:avLst/>
-          </a:prstGeom>
-          <a:noFill/>
-          <a:ln>
-            <a:noFill/>
-          </a:ln>
-        </p:spPr>
-        <p:style>
-          <a:lnRef idx="2">
-            <a:schemeClr val="dk1"/>
-          </a:lnRef>
-          <a:fillRef idx="1">
-            <a:schemeClr val="lt1"/>
-          </a:fillRef>
-          <a:effectRef idx="0">
-            <a:schemeClr val="dk1"/>
-          </a:effectRef>
-          <a:fontRef idx="minor">
-            <a:schemeClr val="dk1"/>
-          </a:fontRef>
-        </p:style>
-        <p:txBody>
-          <a:bodyPr rtlCol="0" anchor="ctr"/>
-          <a:lstStyle/>
-          <a:p>
-            <a:pPr algn="ctr"/>
-            <a:r>
-              <a:rPr lang="en-GB" sz="1100" dirty="0" smtClean="0"/>
-              <a:t>Tornado</a:t>
-            </a:r>
-          </a:p>
-        </p:txBody>
-      </p:sp>
-      <p:pic>
-        <p:nvPicPr>
-          <p:cNvPr id="18" name="17 Imagen" descr="tornado.png"/>
-          <p:cNvPicPr>
-            <a:picLocks noChangeAspect="1"/>
-          </p:cNvPicPr>
-          <p:nvPr/>
-        </p:nvPicPr>
-        <p:blipFill>
-          <a:blip r:embed="rId8" cstate="print"/>
-          <a:stretch>
-            <a:fillRect/>
-          </a:stretch>
-        </p:blipFill>
-        <p:spPr>
-          <a:xfrm>
-            <a:off x="4922296" y="3978441"/>
-            <a:ext cx="557072" cy="496579"/>
-          </a:xfrm>
-          <a:prstGeom prst="rect">
-            <a:avLst/>
-          </a:prstGeom>
-        </p:spPr>
-      </p:pic>
-      <p:sp>
-        <p:nvSpPr>
-          <p:cNvPr id="20" name="Rectangle 35">
-            <a:hlinkClick r:id="rId3" action="ppaction://hlinksldjump"/>
-          </p:cNvPr>
-          <p:cNvSpPr/>
-          <p:nvPr/>
-        </p:nvSpPr>
-        <p:spPr>
-          <a:xfrm>
-            <a:off x="4827313" y="1592861"/>
-            <a:ext cx="2560077" cy="701160"/>
-          </a:xfrm>
-          <a:prstGeom prst="rect">
-            <a:avLst/>
-          </a:prstGeom>
-          <a:solidFill>
-            <a:schemeClr val="accent2">
-              <a:lumMod val="40000"/>
-              <a:lumOff val="60000"/>
-            </a:schemeClr>
-          </a:solidFill>
-          <a:ln/>
-        </p:spPr>
-        <p:style>
-          <a:lnRef idx="1">
-            <a:schemeClr val="accent1"/>
-          </a:lnRef>
-          <a:fillRef idx="2">
-            <a:schemeClr val="accent1"/>
-          </a:fillRef>
-          <a:effectRef idx="1">
-            <a:schemeClr val="accent1"/>
-          </a:effectRef>
-          <a:fontRef idx="minor">
-            <a:schemeClr val="dk1"/>
-          </a:fontRef>
-        </p:style>
-        <p:txBody>
-          <a:bodyPr rtlCol="0" anchor="ctr"/>
-          <a:lstStyle/>
-          <a:p>
-            <a:pPr algn="ctr"/>
-            <a:endParaRPr lang="en-US" dirty="0"/>
-          </a:p>
-        </p:txBody>
-      </p:sp>
-      <p:sp>
-        <p:nvSpPr>
-          <p:cNvPr id="21" name="Rectangle 24"/>
-          <p:cNvSpPr/>
-          <p:nvPr/>
-        </p:nvSpPr>
-        <p:spPr>
-          <a:xfrm>
-            <a:off x="5183626" y="1765736"/>
-            <a:ext cx="1778648" cy="370800"/>
-          </a:xfrm>
-          <a:prstGeom prst="rect">
-            <a:avLst/>
-          </a:prstGeom>
-          <a:noFill/>
-          <a:ln>
-            <a:noFill/>
-          </a:ln>
-        </p:spPr>
-        <p:style>
-          <a:lnRef idx="2">
-            <a:schemeClr val="dk1"/>
-          </a:lnRef>
-          <a:fillRef idx="1">
-            <a:schemeClr val="lt1"/>
-          </a:fillRef>
-          <a:effectRef idx="0">
-            <a:schemeClr val="dk1"/>
-          </a:effectRef>
-          <a:fontRef idx="minor">
-            <a:schemeClr val="dk1"/>
-          </a:fontRef>
-        </p:style>
-        <p:txBody>
-          <a:bodyPr rtlCol="0" anchor="ctr"/>
-          <a:lstStyle/>
-          <a:p>
-            <a:pPr algn="ctr"/>
-            <a:r>
-              <a:rPr lang="en-GB" sz="1100" dirty="0" smtClean="0"/>
-              <a:t>General preparation for any emergency</a:t>
-            </a:r>
-            <a:endParaRPr lang="en-US" sz="1100" dirty="0"/>
-          </a:p>
-        </p:txBody>
-      </p:sp>
-    </p:spTree>
-    <p:extLst>
-      <p:ext uri="{BB962C8B-B14F-4D97-AF65-F5344CB8AC3E}">
-        <p14:creationId xmlns="" xmlns:p14="http://schemas.microsoft.com/office/powerpoint/2010/main" val="283767647"/>
-      </p:ext>
-    </p:extLst>
-  </p:cSld>
-  <p:clrMapOvr>
-    <a:masterClrMapping/>
-  </p:clrMapOvr>
-  <mc:AlternateContent xmlns:mc="http://schemas.openxmlformats.org/markup-compatibility/2006">
-    <mc:Choice xmlns="" xmlns:p14="http://schemas.microsoft.com/office/powerpoint/2010/main" Requires="p14">
-      <p:transition spd="slow" p14:dur="2000" advClick="0"/>
-    </mc:Choice>
-    <mc:Fallback>
-      <p:transition spd="slow" advClick="0"/>
-    </mc:Fallback>
-  </mc:AlternateContent>
-  <p:timing>
-    <p:tnLst>
-      <p:par>
-        <p:cTn id="1" dur="indefinite" restart="never" nodeType="tmRoot"/>
-      </p:par>
-    </p:tnLst>
-  </p:timing>
-</p:sld>
-</file>
-
-<file path=ppt/slides/slide6.xml><?xml version="1.0" encoding="utf-8"?>
 <p:sld xmlns:a="http://schemas.openxmlformats.org/drawingml/2006/main" xmlns:r="http://schemas.openxmlformats.org/officeDocument/2006/relationships" xmlns:p="http://schemas.openxmlformats.org/presentationml/2006/main">
   <p:cSld>
     <p:spTree>
@@ -12534,7 +11640,7 @@
     </p:spTree>
     <p:extLst>
       <p:ext uri="{BB962C8B-B14F-4D97-AF65-F5344CB8AC3E}">
-        <p14:creationId xmlns="" xmlns:p14="http://schemas.microsoft.com/office/powerpoint/2010/main" val="283767647"/>
+        <p14:creationId xmlns:p14="http://schemas.microsoft.com/office/powerpoint/2010/main" xmlns="" val="283767647"/>
       </p:ext>
     </p:extLst>
   </p:cSld>
@@ -12542,7 +11648,7 @@
     <a:masterClrMapping/>
   </p:clrMapOvr>
   <mc:AlternateContent xmlns:mc="http://schemas.openxmlformats.org/markup-compatibility/2006">
-    <mc:Choice xmlns="" xmlns:p14="http://schemas.microsoft.com/office/powerpoint/2010/main" Requires="p14">
+    <mc:Choice xmlns:p14="http://schemas.microsoft.com/office/powerpoint/2010/main" xmlns="" Requires="p14">
       <p:transition spd="slow" p14:dur="2000" advClick="0"/>
     </mc:Choice>
     <mc:Fallback>
@@ -12559,7 +11665,7 @@
 </p:sld>
 </file>
 
-<file path=ppt/slides/slide7.xml><?xml version="1.0" encoding="utf-8"?>
+<file path=ppt/slides/slide6.xml><?xml version="1.0" encoding="utf-8"?>
 <p:sld xmlns:a="http://schemas.openxmlformats.org/drawingml/2006/main" xmlns:r="http://schemas.openxmlformats.org/officeDocument/2006/relationships" xmlns:p="http://schemas.openxmlformats.org/presentationml/2006/main">
   <p:cSld>
     <p:spTree>
@@ -13464,7 +12570,7 @@
     </p:spTree>
     <p:extLst>
       <p:ext uri="{BB962C8B-B14F-4D97-AF65-F5344CB8AC3E}">
-        <p14:creationId xmlns="" xmlns:p14="http://schemas.microsoft.com/office/powerpoint/2010/main" val="283767647"/>
+        <p14:creationId xmlns:p14="http://schemas.microsoft.com/office/powerpoint/2010/main" xmlns="" val="283767647"/>
       </p:ext>
     </p:extLst>
   </p:cSld>
@@ -13472,7 +12578,7 @@
     <a:masterClrMapping/>
   </p:clrMapOvr>
   <mc:AlternateContent xmlns:mc="http://schemas.openxmlformats.org/markup-compatibility/2006">
-    <mc:Choice xmlns="" xmlns:p14="http://schemas.microsoft.com/office/powerpoint/2010/main" Requires="p14">
+    <mc:Choice xmlns:p14="http://schemas.microsoft.com/office/powerpoint/2010/main" xmlns="" Requires="p14">
       <p:transition spd="slow" p14:dur="2000" advClick="0"/>
     </mc:Choice>
     <mc:Fallback>
@@ -13489,7 +12595,7 @@
 </p:sld>
 </file>
 
-<file path=ppt/slides/slide8.xml><?xml version="1.0" encoding="utf-8"?>
+<file path=ppt/slides/slide7.xml><?xml version="1.0" encoding="utf-8"?>
 <p:sld xmlns:a="http://schemas.openxmlformats.org/drawingml/2006/main" xmlns:r="http://schemas.openxmlformats.org/officeDocument/2006/relationships" xmlns:p="http://schemas.openxmlformats.org/presentationml/2006/main">
   <p:cSld>
     <p:spTree>
@@ -14400,7 +13506,7 @@
     </p:spTree>
     <p:extLst>
       <p:ext uri="{BB962C8B-B14F-4D97-AF65-F5344CB8AC3E}">
-        <p14:creationId xmlns="" xmlns:p14="http://schemas.microsoft.com/office/powerpoint/2010/main" val="283767647"/>
+        <p14:creationId xmlns:p14="http://schemas.microsoft.com/office/powerpoint/2010/main" xmlns="" val="283767647"/>
       </p:ext>
     </p:extLst>
   </p:cSld>
@@ -14408,7 +13514,831 @@
     <a:masterClrMapping/>
   </p:clrMapOvr>
   <mc:AlternateContent xmlns:mc="http://schemas.openxmlformats.org/markup-compatibility/2006">
-    <mc:Choice xmlns="" xmlns:p14="http://schemas.microsoft.com/office/powerpoint/2010/main" Requires="p14">
+    <mc:Choice xmlns:p14="http://schemas.microsoft.com/office/powerpoint/2010/main" xmlns="" Requires="p14">
+      <p:transition spd="slow" p14:dur="2000" advClick="0"/>
+    </mc:Choice>
+    <mc:Fallback>
+      <p:transition spd="slow" advClick="0"/>
+    </mc:Fallback>
+  </mc:AlternateContent>
+  <p:timing>
+    <p:tnLst>
+      <p:par>
+        <p:cTn id="1" dur="indefinite" restart="never" nodeType="tmRoot"/>
+      </p:par>
+    </p:tnLst>
+  </p:timing>
+</p:sld>
+</file>
+
+<file path=ppt/slides/slide8.xml><?xml version="1.0" encoding="utf-8"?>
+<p:sld xmlns:a="http://schemas.openxmlformats.org/drawingml/2006/main" xmlns:r="http://schemas.openxmlformats.org/officeDocument/2006/relationships" xmlns:p="http://schemas.openxmlformats.org/presentationml/2006/main">
+  <p:cSld>
+    <p:spTree>
+      <p:nvGrpSpPr>
+        <p:cNvPr id="1" name=""/>
+        <p:cNvGrpSpPr/>
+        <p:nvPr/>
+      </p:nvGrpSpPr>
+      <p:grpSpPr>
+        <a:xfrm>
+          <a:off x="0" y="0"/>
+          <a:ext cx="0" cy="0"/>
+          <a:chOff x="0" y="0"/>
+          <a:chExt cx="0" cy="0"/>
+        </a:xfrm>
+      </p:grpSpPr>
+      <p:pic>
+        <p:nvPicPr>
+          <p:cNvPr id="6" name="Picture 5"/>
+          <p:cNvPicPr>
+            <a:picLocks noChangeAspect="1"/>
+          </p:cNvPicPr>
+          <p:nvPr/>
+        </p:nvPicPr>
+        <p:blipFill>
+          <a:blip r:embed="rId2" cstate="print"/>
+          <a:stretch>
+            <a:fillRect/>
+          </a:stretch>
+        </p:blipFill>
+        <p:spPr>
+          <a:xfrm>
+            <a:off x="4547971" y="242443"/>
+            <a:ext cx="3096057" cy="6373114"/>
+          </a:xfrm>
+          <a:prstGeom prst="rect">
+            <a:avLst/>
+          </a:prstGeom>
+        </p:spPr>
+      </p:pic>
+      <p:sp>
+        <p:nvSpPr>
+          <p:cNvPr id="28" name="Rectangle 27"/>
+          <p:cNvSpPr/>
+          <p:nvPr/>
+        </p:nvSpPr>
+        <p:spPr>
+          <a:xfrm>
+            <a:off x="4803248" y="1515608"/>
+            <a:ext cx="2618278" cy="398254"/>
+          </a:xfrm>
+          <a:prstGeom prst="rect">
+            <a:avLst/>
+          </a:prstGeom>
+          <a:solidFill>
+            <a:srgbClr val="FF5B5B"/>
+          </a:solidFill>
+          <a:ln>
+            <a:solidFill>
+              <a:schemeClr val="tx1"/>
+            </a:solidFill>
+          </a:ln>
+        </p:spPr>
+        <p:style>
+          <a:lnRef idx="1">
+            <a:schemeClr val="accent6"/>
+          </a:lnRef>
+          <a:fillRef idx="2">
+            <a:schemeClr val="accent6"/>
+          </a:fillRef>
+          <a:effectRef idx="1">
+            <a:schemeClr val="accent6"/>
+          </a:effectRef>
+          <a:fontRef idx="minor">
+            <a:schemeClr val="dk1"/>
+          </a:fontRef>
+        </p:style>
+        <p:txBody>
+          <a:bodyPr rtlCol="0" anchor="ctr"/>
+          <a:lstStyle/>
+          <a:p>
+            <a:pPr algn="ctr"/>
+            <a:endParaRPr lang="en-US" dirty="0"/>
+          </a:p>
+        </p:txBody>
+      </p:sp>
+      <p:sp>
+        <p:nvSpPr>
+          <p:cNvPr id="48" name="TextBox 47"/>
+          <p:cNvSpPr txBox="1"/>
+          <p:nvPr/>
+        </p:nvSpPr>
+        <p:spPr>
+          <a:xfrm>
+            <a:off x="4813300" y="1175561"/>
+            <a:ext cx="2628900" cy="369332"/>
+          </a:xfrm>
+          <a:prstGeom prst="rect">
+            <a:avLst/>
+          </a:prstGeom>
+          <a:solidFill>
+            <a:schemeClr val="accent2"/>
+          </a:solidFill>
+        </p:spPr>
+        <p:txBody>
+          <a:bodyPr wrap="square" rtlCol="0">
+            <a:spAutoFit/>
+          </a:bodyPr>
+          <a:lstStyle/>
+          <a:p>
+            <a:pPr algn="ctr"/>
+            <a:r>
+              <a:rPr lang="en-GB" dirty="0" smtClean="0">
+                <a:solidFill>
+                  <a:schemeClr val="bg1"/>
+                </a:solidFill>
+              </a:rPr>
+              <a:t>Survive</a:t>
+            </a:r>
+            <a:endParaRPr lang="en-US" dirty="0">
+              <a:solidFill>
+                <a:schemeClr val="bg1"/>
+              </a:solidFill>
+            </a:endParaRPr>
+          </a:p>
+        </p:txBody>
+      </p:sp>
+      <p:sp>
+        <p:nvSpPr>
+          <p:cNvPr id="13" name="Rectangle 12"/>
+          <p:cNvSpPr/>
+          <p:nvPr/>
+        </p:nvSpPr>
+        <p:spPr>
+          <a:xfrm>
+            <a:off x="5594201" y="1549335"/>
+            <a:ext cx="1066800" cy="370800"/>
+          </a:xfrm>
+          <a:prstGeom prst="rect">
+            <a:avLst/>
+          </a:prstGeom>
+          <a:noFill/>
+          <a:ln>
+            <a:noFill/>
+          </a:ln>
+        </p:spPr>
+        <p:style>
+          <a:lnRef idx="2">
+            <a:schemeClr val="dk1"/>
+          </a:lnRef>
+          <a:fillRef idx="1">
+            <a:schemeClr val="lt1"/>
+          </a:fillRef>
+          <a:effectRef idx="0">
+            <a:schemeClr val="dk1"/>
+          </a:effectRef>
+          <a:fontRef idx="minor">
+            <a:schemeClr val="dk1"/>
+          </a:fontRef>
+        </p:style>
+        <p:txBody>
+          <a:bodyPr rtlCol="0" anchor="ctr"/>
+          <a:lstStyle/>
+          <a:p>
+            <a:pPr algn="ctr"/>
+            <a:r>
+              <a:rPr lang="en-GB" sz="1100" dirty="0" smtClean="0"/>
+              <a:t>Basic needs</a:t>
+            </a:r>
+            <a:endParaRPr lang="en-US" sz="1100" dirty="0"/>
+          </a:p>
+        </p:txBody>
+      </p:sp>
+      <p:sp>
+        <p:nvSpPr>
+          <p:cNvPr id="51" name="Rectangle 50"/>
+          <p:cNvSpPr/>
+          <p:nvPr/>
+        </p:nvSpPr>
+        <p:spPr>
+          <a:xfrm>
+            <a:off x="6515067" y="1803218"/>
+            <a:ext cx="1066800" cy="370800"/>
+          </a:xfrm>
+          <a:prstGeom prst="rect">
+            <a:avLst/>
+          </a:prstGeom>
+          <a:noFill/>
+          <a:ln>
+            <a:noFill/>
+          </a:ln>
+        </p:spPr>
+        <p:style>
+          <a:lnRef idx="2">
+            <a:schemeClr val="dk1"/>
+          </a:lnRef>
+          <a:fillRef idx="1">
+            <a:schemeClr val="lt1"/>
+          </a:fillRef>
+          <a:effectRef idx="0">
+            <a:schemeClr val="dk1"/>
+          </a:effectRef>
+          <a:fontRef idx="minor">
+            <a:schemeClr val="dk1"/>
+          </a:fontRef>
+        </p:style>
+        <p:txBody>
+          <a:bodyPr rtlCol="0" anchor="ctr"/>
+          <a:lstStyle/>
+          <a:p>
+            <a:pPr marL="171450" indent="-171450" algn="ctr">
+              <a:buFont typeface="Wingdings" panose="05000000000000000000" pitchFamily="2" charset="2"/>
+              <a:buChar char="ü"/>
+            </a:pPr>
+            <a:endParaRPr lang="en-US" sz="1100" dirty="0"/>
+          </a:p>
+        </p:txBody>
+      </p:sp>
+      <p:pic>
+        <p:nvPicPr>
+          <p:cNvPr id="62" name="Picture 61"/>
+          <p:cNvPicPr>
+            <a:picLocks noChangeAspect="1"/>
+          </p:cNvPicPr>
+          <p:nvPr/>
+        </p:nvPicPr>
+        <p:blipFill rotWithShape="1">
+          <a:blip r:embed="rId2" cstate="print"/>
+          <a:srcRect t="85496"/>
+          <a:stretch/>
+        </p:blipFill>
+        <p:spPr>
+          <a:xfrm>
+            <a:off x="4547970" y="5691187"/>
+            <a:ext cx="3096057" cy="924369"/>
+          </a:xfrm>
+          <a:prstGeom prst="rect">
+            <a:avLst/>
+          </a:prstGeom>
+        </p:spPr>
+      </p:pic>
+      <p:sp>
+        <p:nvSpPr>
+          <p:cNvPr id="65" name="Rectangle 64">
+            <a:hlinkClick r:id="rId3" action="ppaction://hlinksldjump"/>
+          </p:cNvPr>
+          <p:cNvSpPr/>
+          <p:nvPr/>
+        </p:nvSpPr>
+        <p:spPr>
+          <a:xfrm>
+            <a:off x="5822950" y="5842000"/>
+            <a:ext cx="539750" cy="567918"/>
+          </a:xfrm>
+          <a:prstGeom prst="rect">
+            <a:avLst/>
+          </a:prstGeom>
+          <a:solidFill>
+            <a:schemeClr val="bg1">
+              <a:alpha val="0"/>
+            </a:schemeClr>
+          </a:solidFill>
+          <a:ln>
+            <a:solidFill>
+              <a:schemeClr val="bg1">
+                <a:alpha val="0"/>
+              </a:schemeClr>
+            </a:solidFill>
+          </a:ln>
+        </p:spPr>
+        <p:style>
+          <a:lnRef idx="2">
+            <a:schemeClr val="accent1">
+              <a:shade val="50000"/>
+            </a:schemeClr>
+          </a:lnRef>
+          <a:fillRef idx="1">
+            <a:schemeClr val="accent1"/>
+          </a:fillRef>
+          <a:effectRef idx="0">
+            <a:schemeClr val="accent1"/>
+          </a:effectRef>
+          <a:fontRef idx="minor">
+            <a:schemeClr val="lt1"/>
+          </a:fontRef>
+        </p:style>
+        <p:txBody>
+          <a:bodyPr rtlCol="0" anchor="ctr"/>
+          <a:lstStyle/>
+          <a:p>
+            <a:pPr algn="ctr"/>
+            <a:endParaRPr lang="en-US" dirty="0"/>
+          </a:p>
+        </p:txBody>
+      </p:sp>
+      <p:sp>
+        <p:nvSpPr>
+          <p:cNvPr id="17" name="Rectangle 33"/>
+          <p:cNvSpPr/>
+          <p:nvPr/>
+        </p:nvSpPr>
+        <p:spPr>
+          <a:xfrm>
+            <a:off x="4819981" y="1937923"/>
+            <a:ext cx="2580280" cy="3774559"/>
+          </a:xfrm>
+          <a:prstGeom prst="rect">
+            <a:avLst/>
+          </a:prstGeom>
+          <a:solidFill>
+            <a:schemeClr val="bg1"/>
+          </a:solidFill>
+          <a:ln>
+            <a:solidFill>
+              <a:schemeClr val="tx1"/>
+            </a:solidFill>
+          </a:ln>
+        </p:spPr>
+        <p:style>
+          <a:lnRef idx="2">
+            <a:schemeClr val="accent1">
+              <a:shade val="50000"/>
+            </a:schemeClr>
+          </a:lnRef>
+          <a:fillRef idx="1">
+            <a:schemeClr val="accent1"/>
+          </a:fillRef>
+          <a:effectRef idx="0">
+            <a:schemeClr val="accent1"/>
+          </a:effectRef>
+          <a:fontRef idx="minor">
+            <a:schemeClr val="lt1"/>
+          </a:fontRef>
+        </p:style>
+        <p:txBody>
+          <a:bodyPr rtlCol="0" anchor="ctr"/>
+          <a:lstStyle/>
+          <a:p>
+            <a:pPr marL="171450" indent="-171450" algn="ctr">
+              <a:buFont typeface="Wingdings" panose="05000000000000000000" pitchFamily="2" charset="2"/>
+              <a:buChar char="ü"/>
+            </a:pPr>
+            <a:r>
+              <a:rPr lang="en-GB" dirty="0" smtClean="0"/>
+              <a:t> </a:t>
+            </a:r>
+            <a:endParaRPr lang="en-US" dirty="0"/>
+          </a:p>
+        </p:txBody>
+      </p:sp>
+      <p:sp>
+        <p:nvSpPr>
+          <p:cNvPr id="18" name="Rectangle 33"/>
+          <p:cNvSpPr/>
+          <p:nvPr/>
+        </p:nvSpPr>
+        <p:spPr>
+          <a:xfrm>
+            <a:off x="7070651" y="2083981"/>
+            <a:ext cx="159488" cy="148856"/>
+          </a:xfrm>
+          <a:prstGeom prst="rect">
+            <a:avLst/>
+          </a:prstGeom>
+          <a:solidFill>
+            <a:schemeClr val="bg1"/>
+          </a:solidFill>
+          <a:ln>
+            <a:solidFill>
+              <a:schemeClr val="tx1"/>
+            </a:solidFill>
+          </a:ln>
+        </p:spPr>
+        <p:style>
+          <a:lnRef idx="2">
+            <a:schemeClr val="accent1">
+              <a:shade val="50000"/>
+            </a:schemeClr>
+          </a:lnRef>
+          <a:fillRef idx="1">
+            <a:schemeClr val="accent1"/>
+          </a:fillRef>
+          <a:effectRef idx="0">
+            <a:schemeClr val="accent1"/>
+          </a:effectRef>
+          <a:fontRef idx="minor">
+            <a:schemeClr val="lt1"/>
+          </a:fontRef>
+        </p:style>
+        <p:txBody>
+          <a:bodyPr rtlCol="0" anchor="ctr"/>
+          <a:lstStyle/>
+          <a:p>
+            <a:pPr algn="ctr"/>
+            <a:endParaRPr lang="en-US" dirty="0">
+              <a:solidFill>
+                <a:schemeClr val="tx1"/>
+              </a:solidFill>
+            </a:endParaRPr>
+          </a:p>
+        </p:txBody>
+      </p:sp>
+      <p:sp>
+        <p:nvSpPr>
+          <p:cNvPr id="19" name="Rectangle 12"/>
+          <p:cNvSpPr/>
+          <p:nvPr/>
+        </p:nvSpPr>
+        <p:spPr>
+          <a:xfrm>
+            <a:off x="4757153" y="2008951"/>
+            <a:ext cx="1650441" cy="370800"/>
+          </a:xfrm>
+          <a:prstGeom prst="rect">
+            <a:avLst/>
+          </a:prstGeom>
+          <a:noFill/>
+          <a:ln>
+            <a:noFill/>
+          </a:ln>
+        </p:spPr>
+        <p:style>
+          <a:lnRef idx="2">
+            <a:schemeClr val="dk1"/>
+          </a:lnRef>
+          <a:fillRef idx="1">
+            <a:schemeClr val="lt1"/>
+          </a:fillRef>
+          <a:effectRef idx="0">
+            <a:schemeClr val="dk1"/>
+          </a:effectRef>
+          <a:fontRef idx="minor">
+            <a:schemeClr val="dk1"/>
+          </a:fontRef>
+        </p:style>
+        <p:txBody>
+          <a:bodyPr rtlCol="0" anchor="ctr"/>
+          <a:lstStyle/>
+          <a:p>
+            <a:pPr algn="ctr"/>
+            <a:r>
+              <a:rPr lang="es-ES" sz="1100" dirty="0" err="1" smtClean="0"/>
+              <a:t>Add</a:t>
+            </a:r>
+            <a:r>
+              <a:rPr lang="es-ES" sz="1100" dirty="0" smtClean="0"/>
+              <a:t> </a:t>
+            </a:r>
+            <a:r>
+              <a:rPr lang="es-ES" sz="1100" dirty="0" err="1" smtClean="0"/>
+              <a:t>question</a:t>
+            </a:r>
+            <a:endParaRPr lang="en-US" sz="1100" dirty="0"/>
+          </a:p>
+        </p:txBody>
+      </p:sp>
+      <p:sp>
+        <p:nvSpPr>
+          <p:cNvPr id="20" name="Rectangle 33"/>
+          <p:cNvSpPr/>
+          <p:nvPr/>
+        </p:nvSpPr>
+        <p:spPr>
+          <a:xfrm>
+            <a:off x="7074195" y="2395869"/>
+            <a:ext cx="159488" cy="148856"/>
+          </a:xfrm>
+          <a:prstGeom prst="rect">
+            <a:avLst/>
+          </a:prstGeom>
+          <a:solidFill>
+            <a:schemeClr val="bg1"/>
+          </a:solidFill>
+          <a:ln>
+            <a:solidFill>
+              <a:schemeClr val="tx1"/>
+            </a:solidFill>
+          </a:ln>
+        </p:spPr>
+        <p:style>
+          <a:lnRef idx="2">
+            <a:schemeClr val="accent1">
+              <a:shade val="50000"/>
+            </a:schemeClr>
+          </a:lnRef>
+          <a:fillRef idx="1">
+            <a:schemeClr val="accent1"/>
+          </a:fillRef>
+          <a:effectRef idx="0">
+            <a:schemeClr val="accent1"/>
+          </a:effectRef>
+          <a:fontRef idx="minor">
+            <a:schemeClr val="lt1"/>
+          </a:fontRef>
+        </p:style>
+        <p:txBody>
+          <a:bodyPr rtlCol="0" anchor="ctr"/>
+          <a:lstStyle/>
+          <a:p>
+            <a:pPr algn="ctr"/>
+            <a:endParaRPr lang="en-US" dirty="0">
+              <a:solidFill>
+                <a:schemeClr val="tx1"/>
+              </a:solidFill>
+            </a:endParaRPr>
+          </a:p>
+        </p:txBody>
+      </p:sp>
+      <p:sp>
+        <p:nvSpPr>
+          <p:cNvPr id="21" name="Rectangle 33"/>
+          <p:cNvSpPr/>
+          <p:nvPr/>
+        </p:nvSpPr>
+        <p:spPr>
+          <a:xfrm>
+            <a:off x="7074196" y="2682948"/>
+            <a:ext cx="159488" cy="148856"/>
+          </a:xfrm>
+          <a:prstGeom prst="rect">
+            <a:avLst/>
+          </a:prstGeom>
+          <a:solidFill>
+            <a:schemeClr val="bg1"/>
+          </a:solidFill>
+          <a:ln>
+            <a:solidFill>
+              <a:schemeClr val="tx1"/>
+            </a:solidFill>
+          </a:ln>
+        </p:spPr>
+        <p:style>
+          <a:lnRef idx="2">
+            <a:schemeClr val="accent1">
+              <a:shade val="50000"/>
+            </a:schemeClr>
+          </a:lnRef>
+          <a:fillRef idx="1">
+            <a:schemeClr val="accent1"/>
+          </a:fillRef>
+          <a:effectRef idx="0">
+            <a:schemeClr val="accent1"/>
+          </a:effectRef>
+          <a:fontRef idx="minor">
+            <a:schemeClr val="lt1"/>
+          </a:fontRef>
+        </p:style>
+        <p:txBody>
+          <a:bodyPr rtlCol="0" anchor="ctr"/>
+          <a:lstStyle/>
+          <a:p>
+            <a:pPr algn="ctr"/>
+            <a:endParaRPr lang="en-US" dirty="0">
+              <a:solidFill>
+                <a:schemeClr val="tx1"/>
+              </a:solidFill>
+            </a:endParaRPr>
+          </a:p>
+        </p:txBody>
+      </p:sp>
+      <p:sp>
+        <p:nvSpPr>
+          <p:cNvPr id="26" name="25 Rectángulo"/>
+          <p:cNvSpPr/>
+          <p:nvPr/>
+        </p:nvSpPr>
+        <p:spPr>
+          <a:xfrm>
+            <a:off x="7046284" y="2290872"/>
+            <a:ext cx="244549" cy="369332"/>
+          </a:xfrm>
+          <a:prstGeom prst="rect">
+            <a:avLst/>
+          </a:prstGeom>
+        </p:spPr>
+        <p:txBody>
+          <a:bodyPr wrap="square">
+            <a:spAutoFit/>
+          </a:bodyPr>
+          <a:lstStyle/>
+          <a:p>
+            <a:pPr marL="171450" indent="-171450" algn="ctr">
+              <a:buFont typeface="Wingdings" panose="05000000000000000000" pitchFamily="2" charset="2"/>
+              <a:buChar char="ü"/>
+            </a:pPr>
+            <a:r>
+              <a:rPr lang="en-GB" dirty="0" smtClean="0"/>
+              <a:t> </a:t>
+            </a:r>
+            <a:endParaRPr lang="en-US" dirty="0"/>
+          </a:p>
+        </p:txBody>
+      </p:sp>
+      <p:sp>
+        <p:nvSpPr>
+          <p:cNvPr id="32" name="Rectangle 12"/>
+          <p:cNvSpPr/>
+          <p:nvPr/>
+        </p:nvSpPr>
+        <p:spPr>
+          <a:xfrm>
+            <a:off x="4755398" y="2280329"/>
+            <a:ext cx="1658102" cy="370800"/>
+          </a:xfrm>
+          <a:prstGeom prst="rect">
+            <a:avLst/>
+          </a:prstGeom>
+          <a:noFill/>
+          <a:ln>
+            <a:noFill/>
+          </a:ln>
+        </p:spPr>
+        <p:style>
+          <a:lnRef idx="2">
+            <a:schemeClr val="dk1"/>
+          </a:lnRef>
+          <a:fillRef idx="1">
+            <a:schemeClr val="lt1"/>
+          </a:fillRef>
+          <a:effectRef idx="0">
+            <a:schemeClr val="dk1"/>
+          </a:effectRef>
+          <a:fontRef idx="minor">
+            <a:schemeClr val="dk1"/>
+          </a:fontRef>
+        </p:style>
+        <p:txBody>
+          <a:bodyPr rtlCol="0" anchor="ctr"/>
+          <a:lstStyle/>
+          <a:p>
+            <a:pPr algn="ctr"/>
+            <a:r>
+              <a:rPr lang="es-ES" sz="1100" dirty="0" err="1" smtClean="0"/>
+              <a:t>Add</a:t>
+            </a:r>
+            <a:r>
+              <a:rPr lang="es-ES" sz="1100" dirty="0" smtClean="0"/>
+              <a:t> </a:t>
+            </a:r>
+            <a:r>
+              <a:rPr lang="es-ES" sz="1100" dirty="0" err="1" smtClean="0"/>
+              <a:t>question</a:t>
+            </a:r>
+            <a:endParaRPr lang="en-US" sz="1100" dirty="0"/>
+          </a:p>
+        </p:txBody>
+      </p:sp>
+      <p:sp>
+        <p:nvSpPr>
+          <p:cNvPr id="33" name="Rectangle 12"/>
+          <p:cNvSpPr/>
+          <p:nvPr/>
+        </p:nvSpPr>
+        <p:spPr>
+          <a:xfrm>
+            <a:off x="4625323" y="2566079"/>
+            <a:ext cx="1948597" cy="370800"/>
+          </a:xfrm>
+          <a:prstGeom prst="rect">
+            <a:avLst/>
+          </a:prstGeom>
+          <a:noFill/>
+          <a:ln>
+            <a:noFill/>
+          </a:ln>
+        </p:spPr>
+        <p:style>
+          <a:lnRef idx="2">
+            <a:schemeClr val="dk1"/>
+          </a:lnRef>
+          <a:fillRef idx="1">
+            <a:schemeClr val="lt1"/>
+          </a:fillRef>
+          <a:effectRef idx="0">
+            <a:schemeClr val="dk1"/>
+          </a:effectRef>
+          <a:fontRef idx="minor">
+            <a:schemeClr val="dk1"/>
+          </a:fontRef>
+        </p:style>
+        <p:txBody>
+          <a:bodyPr rtlCol="0" anchor="ctr"/>
+          <a:lstStyle/>
+          <a:p>
+            <a:pPr algn="ctr"/>
+            <a:r>
+              <a:rPr lang="es-ES" sz="1100" dirty="0" err="1" smtClean="0"/>
+              <a:t>Add</a:t>
+            </a:r>
+            <a:r>
+              <a:rPr lang="es-ES" sz="1100" dirty="0" smtClean="0"/>
+              <a:t> </a:t>
+            </a:r>
+            <a:r>
+              <a:rPr lang="es-ES" sz="1100" dirty="0" err="1" smtClean="0"/>
+              <a:t>question</a:t>
+            </a:r>
+            <a:endParaRPr lang="en-US" sz="1100" dirty="0"/>
+          </a:p>
+        </p:txBody>
+      </p:sp>
+      <p:sp>
+        <p:nvSpPr>
+          <p:cNvPr id="81" name="Rectangle 27">
+            <a:hlinkClick r:id="rId3" action="ppaction://hlinksldjump"/>
+          </p:cNvPr>
+          <p:cNvSpPr/>
+          <p:nvPr/>
+        </p:nvSpPr>
+        <p:spPr>
+          <a:xfrm>
+            <a:off x="4820653" y="5382126"/>
+            <a:ext cx="2574758" cy="293610"/>
+          </a:xfrm>
+          <a:prstGeom prst="rect">
+            <a:avLst/>
+          </a:prstGeom>
+          <a:solidFill>
+            <a:srgbClr val="FF5B5B"/>
+          </a:solidFill>
+          <a:ln>
+            <a:solidFill>
+              <a:schemeClr val="tx1"/>
+            </a:solidFill>
+          </a:ln>
+        </p:spPr>
+        <p:style>
+          <a:lnRef idx="1">
+            <a:schemeClr val="accent6"/>
+          </a:lnRef>
+          <a:fillRef idx="2">
+            <a:schemeClr val="accent6"/>
+          </a:fillRef>
+          <a:effectRef idx="1">
+            <a:schemeClr val="accent6"/>
+          </a:effectRef>
+          <a:fontRef idx="minor">
+            <a:schemeClr val="dk1"/>
+          </a:fontRef>
+        </p:style>
+        <p:txBody>
+          <a:bodyPr rtlCol="0" anchor="ctr"/>
+          <a:lstStyle/>
+          <a:p>
+            <a:pPr algn="ctr"/>
+            <a:endParaRPr lang="en-US" dirty="0"/>
+          </a:p>
+        </p:txBody>
+      </p:sp>
+      <p:sp>
+        <p:nvSpPr>
+          <p:cNvPr id="67" name="Rectangle 12"/>
+          <p:cNvSpPr/>
+          <p:nvPr/>
+        </p:nvSpPr>
+        <p:spPr>
+          <a:xfrm>
+            <a:off x="5257317" y="5335272"/>
+            <a:ext cx="1664852" cy="370800"/>
+          </a:xfrm>
+          <a:prstGeom prst="rect">
+            <a:avLst/>
+          </a:prstGeom>
+          <a:noFill/>
+          <a:ln>
+            <a:noFill/>
+          </a:ln>
+        </p:spPr>
+        <p:style>
+          <a:lnRef idx="2">
+            <a:schemeClr val="dk1"/>
+          </a:lnRef>
+          <a:fillRef idx="1">
+            <a:schemeClr val="lt1"/>
+          </a:fillRef>
+          <a:effectRef idx="0">
+            <a:schemeClr val="dk1"/>
+          </a:effectRef>
+          <a:fontRef idx="minor">
+            <a:schemeClr val="dk1"/>
+          </a:fontRef>
+        </p:style>
+        <p:txBody>
+          <a:bodyPr rtlCol="0" anchor="ctr"/>
+          <a:lstStyle/>
+          <a:p>
+            <a:pPr algn="ctr"/>
+            <a:r>
+              <a:rPr lang="en-GB" sz="1100" dirty="0" smtClean="0"/>
+              <a:t>Send </a:t>
+            </a:r>
+            <a:endParaRPr lang="en-US" sz="1100" dirty="0"/>
+          </a:p>
+        </p:txBody>
+      </p:sp>
+    </p:spTree>
+    <p:extLst>
+      <p:ext uri="{BB962C8B-B14F-4D97-AF65-F5344CB8AC3E}">
+        <p14:creationId xmlns:p14="http://schemas.microsoft.com/office/powerpoint/2010/main" xmlns="" val="283767647"/>
+      </p:ext>
+    </p:extLst>
+  </p:cSld>
+  <p:clrMapOvr>
+    <a:masterClrMapping/>
+  </p:clrMapOvr>
+  <mc:AlternateContent xmlns:mc="http://schemas.openxmlformats.org/markup-compatibility/2006">
+    <mc:Choice xmlns:p14="http://schemas.microsoft.com/office/powerpoint/2010/main" xmlns="" Requires="p14">
       <p:transition spd="slow" p14:dur="2000" advClick="0"/>
     </mc:Choice>
     <mc:Fallback>
@@ -14474,14 +14404,14 @@
         </p:nvSpPr>
         <p:spPr>
           <a:xfrm>
-            <a:off x="4803248" y="1515608"/>
+            <a:off x="4827311" y="1507587"/>
             <a:ext cx="2618278" cy="398254"/>
           </a:xfrm>
           <a:prstGeom prst="rect">
             <a:avLst/>
           </a:prstGeom>
           <a:solidFill>
-            <a:srgbClr val="FF5B5B"/>
+            <a:srgbClr val="FDC199"/>
           </a:solidFill>
           <a:ln>
             <a:solidFill>
@@ -14561,8 +14491,8 @@
         </p:nvSpPr>
         <p:spPr>
           <a:xfrm>
-            <a:off x="5594201" y="1549335"/>
-            <a:ext cx="1066800" cy="370800"/>
+            <a:off x="5449821" y="1549335"/>
+            <a:ext cx="1432241" cy="370800"/>
           </a:xfrm>
           <a:prstGeom prst="rect">
             <a:avLst/>
@@ -14593,7 +14523,7 @@
             <a:pPr algn="ctr"/>
             <a:r>
               <a:rPr lang="en-GB" sz="1100" dirty="0" smtClean="0"/>
-              <a:t>Basic needs</a:t>
+              <a:t>Supporting needs</a:t>
             </a:r>
             <a:endParaRPr lang="en-US" sz="1100" dirty="0"/>
           </a:p>
@@ -14729,7 +14659,7 @@
         </p:nvSpPr>
         <p:spPr>
           <a:xfrm>
-            <a:off x="4819981" y="1937923"/>
+            <a:off x="4819981" y="1913860"/>
             <a:ext cx="2580280" cy="3774559"/>
           </a:xfrm>
           <a:prstGeom prst="rect">
@@ -14830,60 +14760,6 @@
       </p:sp>
       <p:sp>
         <p:nvSpPr>
-          <p:cNvPr id="19" name="Rectangle 12"/>
-          <p:cNvSpPr/>
-          <p:nvPr/>
-        </p:nvSpPr>
-        <p:spPr>
-          <a:xfrm>
-            <a:off x="4757153" y="2008951"/>
-            <a:ext cx="1650441" cy="370800"/>
-          </a:xfrm>
-          <a:prstGeom prst="rect">
-            <a:avLst/>
-          </a:prstGeom>
-          <a:noFill/>
-          <a:ln>
-            <a:noFill/>
-          </a:ln>
-        </p:spPr>
-        <p:style>
-          <a:lnRef idx="2">
-            <a:schemeClr val="dk1"/>
-          </a:lnRef>
-          <a:fillRef idx="1">
-            <a:schemeClr val="lt1"/>
-          </a:fillRef>
-          <a:effectRef idx="0">
-            <a:schemeClr val="dk1"/>
-          </a:effectRef>
-          <a:fontRef idx="minor">
-            <a:schemeClr val="dk1"/>
-          </a:fontRef>
-        </p:style>
-        <p:txBody>
-          <a:bodyPr rtlCol="0" anchor="ctr"/>
-          <a:lstStyle/>
-          <a:p>
-            <a:pPr algn="ctr"/>
-            <a:r>
-              <a:rPr lang="es-ES" sz="1100" dirty="0" err="1" smtClean="0"/>
-              <a:t>Add</a:t>
-            </a:r>
-            <a:r>
-              <a:rPr lang="es-ES" sz="1100" dirty="0" smtClean="0"/>
-              <a:t> </a:t>
-            </a:r>
-            <a:r>
-              <a:rPr lang="es-ES" sz="1100" dirty="0" err="1" smtClean="0"/>
-              <a:t>question</a:t>
-            </a:r>
-            <a:endParaRPr lang="en-US" sz="1100" dirty="0"/>
-          </a:p>
-        </p:txBody>
-      </p:sp>
-      <p:sp>
-        <p:nvSpPr>
           <p:cNvPr id="20" name="Rectangle 33"/>
           <p:cNvSpPr/>
           <p:nvPr/>
@@ -15021,114 +14897,6 @@
       </p:sp>
       <p:sp>
         <p:nvSpPr>
-          <p:cNvPr id="32" name="Rectangle 12"/>
-          <p:cNvSpPr/>
-          <p:nvPr/>
-        </p:nvSpPr>
-        <p:spPr>
-          <a:xfrm>
-            <a:off x="4755398" y="2280329"/>
-            <a:ext cx="1658102" cy="370800"/>
-          </a:xfrm>
-          <a:prstGeom prst="rect">
-            <a:avLst/>
-          </a:prstGeom>
-          <a:noFill/>
-          <a:ln>
-            <a:noFill/>
-          </a:ln>
-        </p:spPr>
-        <p:style>
-          <a:lnRef idx="2">
-            <a:schemeClr val="dk1"/>
-          </a:lnRef>
-          <a:fillRef idx="1">
-            <a:schemeClr val="lt1"/>
-          </a:fillRef>
-          <a:effectRef idx="0">
-            <a:schemeClr val="dk1"/>
-          </a:effectRef>
-          <a:fontRef idx="minor">
-            <a:schemeClr val="dk1"/>
-          </a:fontRef>
-        </p:style>
-        <p:txBody>
-          <a:bodyPr rtlCol="0" anchor="ctr"/>
-          <a:lstStyle/>
-          <a:p>
-            <a:pPr algn="ctr"/>
-            <a:r>
-              <a:rPr lang="es-ES" sz="1100" dirty="0" err="1" smtClean="0"/>
-              <a:t>Add</a:t>
-            </a:r>
-            <a:r>
-              <a:rPr lang="es-ES" sz="1100" dirty="0" smtClean="0"/>
-              <a:t> </a:t>
-            </a:r>
-            <a:r>
-              <a:rPr lang="es-ES" sz="1100" dirty="0" err="1" smtClean="0"/>
-              <a:t>question</a:t>
-            </a:r>
-            <a:endParaRPr lang="en-US" sz="1100" dirty="0"/>
-          </a:p>
-        </p:txBody>
-      </p:sp>
-      <p:sp>
-        <p:nvSpPr>
-          <p:cNvPr id="33" name="Rectangle 12"/>
-          <p:cNvSpPr/>
-          <p:nvPr/>
-        </p:nvSpPr>
-        <p:spPr>
-          <a:xfrm>
-            <a:off x="4625323" y="2566079"/>
-            <a:ext cx="1948597" cy="370800"/>
-          </a:xfrm>
-          <a:prstGeom prst="rect">
-            <a:avLst/>
-          </a:prstGeom>
-          <a:noFill/>
-          <a:ln>
-            <a:noFill/>
-          </a:ln>
-        </p:spPr>
-        <p:style>
-          <a:lnRef idx="2">
-            <a:schemeClr val="dk1"/>
-          </a:lnRef>
-          <a:fillRef idx="1">
-            <a:schemeClr val="lt1"/>
-          </a:fillRef>
-          <a:effectRef idx="0">
-            <a:schemeClr val="dk1"/>
-          </a:effectRef>
-          <a:fontRef idx="minor">
-            <a:schemeClr val="dk1"/>
-          </a:fontRef>
-        </p:style>
-        <p:txBody>
-          <a:bodyPr rtlCol="0" anchor="ctr"/>
-          <a:lstStyle/>
-          <a:p>
-            <a:pPr algn="ctr"/>
-            <a:r>
-              <a:rPr lang="es-ES" sz="1100" dirty="0" err="1" smtClean="0"/>
-              <a:t>Add</a:t>
-            </a:r>
-            <a:r>
-              <a:rPr lang="es-ES" sz="1100" dirty="0" smtClean="0"/>
-              <a:t> </a:t>
-            </a:r>
-            <a:r>
-              <a:rPr lang="es-ES" sz="1100" dirty="0" err="1" smtClean="0"/>
-              <a:t>question</a:t>
-            </a:r>
-            <a:endParaRPr lang="en-US" sz="1100" dirty="0"/>
-          </a:p>
-        </p:txBody>
-      </p:sp>
-      <p:sp>
-        <p:nvSpPr>
           <p:cNvPr id="81" name="Rectangle 27">
             <a:hlinkClick r:id="rId3" action="ppaction://hlinksldjump"/>
           </p:cNvPr>
@@ -15144,7 +14912,7 @@
             <a:avLst/>
           </a:prstGeom>
           <a:solidFill>
-            <a:srgbClr val="FF5B5B"/>
+            <a:srgbClr val="FDC199"/>
           </a:solidFill>
           <a:ln>
             <a:solidFill>
@@ -15221,10 +14989,172 @@
           </a:p>
         </p:txBody>
       </p:sp>
+      <p:sp>
+        <p:nvSpPr>
+          <p:cNvPr id="22" name="Rectangle 12"/>
+          <p:cNvSpPr/>
+          <p:nvPr/>
+        </p:nvSpPr>
+        <p:spPr>
+          <a:xfrm>
+            <a:off x="4757153" y="2008951"/>
+            <a:ext cx="1650441" cy="370800"/>
+          </a:xfrm>
+          <a:prstGeom prst="rect">
+            <a:avLst/>
+          </a:prstGeom>
+          <a:noFill/>
+          <a:ln>
+            <a:noFill/>
+          </a:ln>
+        </p:spPr>
+        <p:style>
+          <a:lnRef idx="2">
+            <a:schemeClr val="dk1"/>
+          </a:lnRef>
+          <a:fillRef idx="1">
+            <a:schemeClr val="lt1"/>
+          </a:fillRef>
+          <a:effectRef idx="0">
+            <a:schemeClr val="dk1"/>
+          </a:effectRef>
+          <a:fontRef idx="minor">
+            <a:schemeClr val="dk1"/>
+          </a:fontRef>
+        </p:style>
+        <p:txBody>
+          <a:bodyPr rtlCol="0" anchor="ctr"/>
+          <a:lstStyle/>
+          <a:p>
+            <a:pPr algn="ctr"/>
+            <a:r>
+              <a:rPr lang="es-ES" sz="1100" dirty="0" err="1" smtClean="0"/>
+              <a:t>Add</a:t>
+            </a:r>
+            <a:r>
+              <a:rPr lang="es-ES" sz="1100" dirty="0" smtClean="0"/>
+              <a:t> </a:t>
+            </a:r>
+            <a:r>
+              <a:rPr lang="es-ES" sz="1100" dirty="0" err="1" smtClean="0"/>
+              <a:t>question</a:t>
+            </a:r>
+            <a:endParaRPr lang="en-US" sz="1100" dirty="0"/>
+          </a:p>
+        </p:txBody>
+      </p:sp>
+      <p:sp>
+        <p:nvSpPr>
+          <p:cNvPr id="23" name="Rectangle 12"/>
+          <p:cNvSpPr/>
+          <p:nvPr/>
+        </p:nvSpPr>
+        <p:spPr>
+          <a:xfrm>
+            <a:off x="4755398" y="2280329"/>
+            <a:ext cx="1658102" cy="370800"/>
+          </a:xfrm>
+          <a:prstGeom prst="rect">
+            <a:avLst/>
+          </a:prstGeom>
+          <a:noFill/>
+          <a:ln>
+            <a:noFill/>
+          </a:ln>
+        </p:spPr>
+        <p:style>
+          <a:lnRef idx="2">
+            <a:schemeClr val="dk1"/>
+          </a:lnRef>
+          <a:fillRef idx="1">
+            <a:schemeClr val="lt1"/>
+          </a:fillRef>
+          <a:effectRef idx="0">
+            <a:schemeClr val="dk1"/>
+          </a:effectRef>
+          <a:fontRef idx="minor">
+            <a:schemeClr val="dk1"/>
+          </a:fontRef>
+        </p:style>
+        <p:txBody>
+          <a:bodyPr rtlCol="0" anchor="ctr"/>
+          <a:lstStyle/>
+          <a:p>
+            <a:pPr algn="ctr"/>
+            <a:r>
+              <a:rPr lang="es-ES" sz="1100" dirty="0" err="1" smtClean="0"/>
+              <a:t>Add</a:t>
+            </a:r>
+            <a:r>
+              <a:rPr lang="es-ES" sz="1100" dirty="0" smtClean="0"/>
+              <a:t> </a:t>
+            </a:r>
+            <a:r>
+              <a:rPr lang="es-ES" sz="1100" dirty="0" err="1" smtClean="0"/>
+              <a:t>question</a:t>
+            </a:r>
+            <a:endParaRPr lang="en-US" sz="1100" dirty="0"/>
+          </a:p>
+        </p:txBody>
+      </p:sp>
+      <p:sp>
+        <p:nvSpPr>
+          <p:cNvPr id="24" name="Rectangle 12"/>
+          <p:cNvSpPr/>
+          <p:nvPr/>
+        </p:nvSpPr>
+        <p:spPr>
+          <a:xfrm>
+            <a:off x="4625323" y="2566079"/>
+            <a:ext cx="1948597" cy="370800"/>
+          </a:xfrm>
+          <a:prstGeom prst="rect">
+            <a:avLst/>
+          </a:prstGeom>
+          <a:noFill/>
+          <a:ln>
+            <a:noFill/>
+          </a:ln>
+        </p:spPr>
+        <p:style>
+          <a:lnRef idx="2">
+            <a:schemeClr val="dk1"/>
+          </a:lnRef>
+          <a:fillRef idx="1">
+            <a:schemeClr val="lt1"/>
+          </a:fillRef>
+          <a:effectRef idx="0">
+            <a:schemeClr val="dk1"/>
+          </a:effectRef>
+          <a:fontRef idx="minor">
+            <a:schemeClr val="dk1"/>
+          </a:fontRef>
+        </p:style>
+        <p:txBody>
+          <a:bodyPr rtlCol="0" anchor="ctr"/>
+          <a:lstStyle/>
+          <a:p>
+            <a:pPr algn="ctr"/>
+            <a:r>
+              <a:rPr lang="es-ES" sz="1100" dirty="0" err="1" smtClean="0"/>
+              <a:t>Add</a:t>
+            </a:r>
+            <a:r>
+              <a:rPr lang="es-ES" sz="1100" dirty="0" smtClean="0"/>
+              <a:t> </a:t>
+            </a:r>
+            <a:r>
+              <a:rPr lang="es-ES" sz="1100" dirty="0" err="1" smtClean="0"/>
+              <a:t>question</a:t>
+            </a:r>
+            <a:endParaRPr lang="en-US" sz="1100" dirty="0"/>
+          </a:p>
+        </p:txBody>
+      </p:sp>
     </p:spTree>
     <p:extLst>
       <p:ext uri="{BB962C8B-B14F-4D97-AF65-F5344CB8AC3E}">
-        <p14:creationId xmlns="" xmlns:p14="http://schemas.microsoft.com/office/powerpoint/2010/main" val="283767647"/>
+        <p14:creationId xmlns:p14="http://schemas.microsoft.com/office/powerpoint/2010/main" xmlns="" val="283767647"/>
       </p:ext>
     </p:extLst>
   </p:cSld>
@@ -15232,7 +15162,7 @@
     <a:masterClrMapping/>
   </p:clrMapOvr>
   <mc:AlternateContent xmlns:mc="http://schemas.openxmlformats.org/markup-compatibility/2006">
-    <mc:Choice xmlns="" xmlns:p14="http://schemas.microsoft.com/office/powerpoint/2010/main" Requires="p14">
+    <mc:Choice xmlns:p14="http://schemas.microsoft.com/office/powerpoint/2010/main" xmlns="" Requires="p14">
       <p:transition spd="slow" p14:dur="2000" advClick="0"/>
     </mc:Choice>
     <mc:Fallback>
@@ -15538,7 +15468,7 @@
   <a:extraClrSchemeLst/>
   <a:extLst>
     <a:ext uri="{05A4C25C-085E-4340-85A3-A5531E510DB2}">
-      <thm15:themeFamily xmlns="" xmlns:thm15="http://schemas.microsoft.com/office/thememl/2012/main" name="Office Theme" id="{62F939B6-93AF-4DB8-9C6B-D6C7DFDC589F}" vid="{4A3C46E8-61CC-4603-A589-7422A47A8E4A}"/>
+      <thm15:themeFamily xmlns:thm15="http://schemas.microsoft.com/office/thememl/2012/main" xmlns="" name="Office Theme" id="{62F939B6-93AF-4DB8-9C6B-D6C7DFDC589F}" vid="{4A3C46E8-61CC-4603-A589-7422A47A8E4A}"/>
     </a:ext>
   </a:extLst>
 </a:theme>

--- a/Docs/Survive Axon Demo v2.pptx
+++ b/Docs/Survive Axon Demo v2.pptx
@@ -116,7 +116,7 @@
   </p:defaultTextStyle>
   <p:extLst>
     <p:ext uri="{EFAFB233-063F-42B5-8137-9DF3F51BA10A}">
-      <p15:sldGuideLst xmlns:p15="http://schemas.microsoft.com/office/powerpoint/2012/main" xmlns=""/>
+      <p15:sldGuideLst xmlns="" xmlns:p15="http://schemas.microsoft.com/office/powerpoint/2012/main"/>
     </p:ext>
   </p:extLst>
 </p:presentation>
@@ -127,7 +127,7 @@
   <p:cmAuthor id="1" name="Patrick M" initials="PM" lastIdx="1" clrIdx="0">
     <p:extLst>
       <p:ext uri="{19B8F6BF-5375-455C-9EA6-DF929625EA0E}">
-        <p15:presenceInfo xmlns:p15="http://schemas.microsoft.com/office/powerpoint/2012/main" xmlns="" userId="293365ab57c4ddb0" providerId="Windows Live"/>
+        <p15:presenceInfo xmlns="" xmlns:p15="http://schemas.microsoft.com/office/powerpoint/2012/main" userId="293365ab57c4ddb0" providerId="Windows Live"/>
       </p:ext>
     </p:extLst>
   </p:cmAuthor>
@@ -264,7 +264,7 @@
             <a:fld id="{37724C19-980F-4321-AACF-69E1510F1043}" type="datetimeFigureOut">
               <a:rPr lang="en-US" smtClean="0"/>
               <a:pPr/>
-              <a:t>11/21/2016</a:t>
+              <a:t>12/14/2016</a:t>
             </a:fld>
             <a:endParaRPr lang="en-US" dirty="0"/>
           </a:p>
@@ -316,7 +316,7 @@
     </p:spTree>
     <p:extLst>
       <p:ext uri="{BB962C8B-B14F-4D97-AF65-F5344CB8AC3E}">
-        <p14:creationId xmlns:p14="http://schemas.microsoft.com/office/powerpoint/2010/main" xmlns="" val="4276609490"/>
+        <p14:creationId xmlns="" xmlns:p14="http://schemas.microsoft.com/office/powerpoint/2010/main" val="4276609490"/>
       </p:ext>
     </p:extLst>
   </p:cSld>
@@ -434,7 +434,7 @@
             <a:fld id="{37724C19-980F-4321-AACF-69E1510F1043}" type="datetimeFigureOut">
               <a:rPr lang="en-US" smtClean="0"/>
               <a:pPr/>
-              <a:t>11/21/2016</a:t>
+              <a:t>12/14/2016</a:t>
             </a:fld>
             <a:endParaRPr lang="en-US" dirty="0"/>
           </a:p>
@@ -486,7 +486,7 @@
     </p:spTree>
     <p:extLst>
       <p:ext uri="{BB962C8B-B14F-4D97-AF65-F5344CB8AC3E}">
-        <p14:creationId xmlns:p14="http://schemas.microsoft.com/office/powerpoint/2010/main" xmlns="" val="1177722305"/>
+        <p14:creationId xmlns="" xmlns:p14="http://schemas.microsoft.com/office/powerpoint/2010/main" val="1177722305"/>
       </p:ext>
     </p:extLst>
   </p:cSld>
@@ -614,7 +614,7 @@
             <a:fld id="{37724C19-980F-4321-AACF-69E1510F1043}" type="datetimeFigureOut">
               <a:rPr lang="en-US" smtClean="0"/>
               <a:pPr/>
-              <a:t>11/21/2016</a:t>
+              <a:t>12/14/2016</a:t>
             </a:fld>
             <a:endParaRPr lang="en-US" dirty="0"/>
           </a:p>
@@ -666,7 +666,7 @@
     </p:spTree>
     <p:extLst>
       <p:ext uri="{BB962C8B-B14F-4D97-AF65-F5344CB8AC3E}">
-        <p14:creationId xmlns:p14="http://schemas.microsoft.com/office/powerpoint/2010/main" xmlns="" val="3097804831"/>
+        <p14:creationId xmlns="" xmlns:p14="http://schemas.microsoft.com/office/powerpoint/2010/main" val="3097804831"/>
       </p:ext>
     </p:extLst>
   </p:cSld>
@@ -784,7 +784,7 @@
             <a:fld id="{37724C19-980F-4321-AACF-69E1510F1043}" type="datetimeFigureOut">
               <a:rPr lang="en-US" smtClean="0"/>
               <a:pPr/>
-              <a:t>11/21/2016</a:t>
+              <a:t>12/14/2016</a:t>
             </a:fld>
             <a:endParaRPr lang="en-US" dirty="0"/>
           </a:p>
@@ -836,7 +836,7 @@
     </p:spTree>
     <p:extLst>
       <p:ext uri="{BB962C8B-B14F-4D97-AF65-F5344CB8AC3E}">
-        <p14:creationId xmlns:p14="http://schemas.microsoft.com/office/powerpoint/2010/main" xmlns="" val="137394816"/>
+        <p14:creationId xmlns="" xmlns:p14="http://schemas.microsoft.com/office/powerpoint/2010/main" val="137394816"/>
       </p:ext>
     </p:extLst>
   </p:cSld>
@@ -1031,7 +1031,7 @@
             <a:fld id="{37724C19-980F-4321-AACF-69E1510F1043}" type="datetimeFigureOut">
               <a:rPr lang="en-US" smtClean="0"/>
               <a:pPr/>
-              <a:t>11/21/2016</a:t>
+              <a:t>12/14/2016</a:t>
             </a:fld>
             <a:endParaRPr lang="en-US" dirty="0"/>
           </a:p>
@@ -1083,7 +1083,7 @@
     </p:spTree>
     <p:extLst>
       <p:ext uri="{BB962C8B-B14F-4D97-AF65-F5344CB8AC3E}">
-        <p14:creationId xmlns:p14="http://schemas.microsoft.com/office/powerpoint/2010/main" xmlns="" val="3748074609"/>
+        <p14:creationId xmlns="" xmlns:p14="http://schemas.microsoft.com/office/powerpoint/2010/main" val="3748074609"/>
       </p:ext>
     </p:extLst>
   </p:cSld>
@@ -1262,7 +1262,7 @@
             <a:fld id="{37724C19-980F-4321-AACF-69E1510F1043}" type="datetimeFigureOut">
               <a:rPr lang="en-US" smtClean="0"/>
               <a:pPr/>
-              <a:t>11/21/2016</a:t>
+              <a:t>12/14/2016</a:t>
             </a:fld>
             <a:endParaRPr lang="en-US" dirty="0"/>
           </a:p>
@@ -1314,7 +1314,7 @@
     </p:spTree>
     <p:extLst>
       <p:ext uri="{BB962C8B-B14F-4D97-AF65-F5344CB8AC3E}">
-        <p14:creationId xmlns:p14="http://schemas.microsoft.com/office/powerpoint/2010/main" xmlns="" val="1654182424"/>
+        <p14:creationId xmlns="" xmlns:p14="http://schemas.microsoft.com/office/powerpoint/2010/main" val="1654182424"/>
       </p:ext>
     </p:extLst>
   </p:cSld>
@@ -1628,7 +1628,7 @@
             <a:fld id="{37724C19-980F-4321-AACF-69E1510F1043}" type="datetimeFigureOut">
               <a:rPr lang="en-US" smtClean="0"/>
               <a:pPr/>
-              <a:t>11/21/2016</a:t>
+              <a:t>12/14/2016</a:t>
             </a:fld>
             <a:endParaRPr lang="en-US" dirty="0"/>
           </a:p>
@@ -1680,7 +1680,7 @@
     </p:spTree>
     <p:extLst>
       <p:ext uri="{BB962C8B-B14F-4D97-AF65-F5344CB8AC3E}">
-        <p14:creationId xmlns:p14="http://schemas.microsoft.com/office/powerpoint/2010/main" xmlns="" val="4245890323"/>
+        <p14:creationId xmlns="" xmlns:p14="http://schemas.microsoft.com/office/powerpoint/2010/main" val="4245890323"/>
       </p:ext>
     </p:extLst>
   </p:cSld>
@@ -1747,7 +1747,7 @@
             <a:fld id="{37724C19-980F-4321-AACF-69E1510F1043}" type="datetimeFigureOut">
               <a:rPr lang="en-US" smtClean="0"/>
               <a:pPr/>
-              <a:t>11/21/2016</a:t>
+              <a:t>12/14/2016</a:t>
             </a:fld>
             <a:endParaRPr lang="en-US" dirty="0"/>
           </a:p>
@@ -1799,7 +1799,7 @@
     </p:spTree>
     <p:extLst>
       <p:ext uri="{BB962C8B-B14F-4D97-AF65-F5344CB8AC3E}">
-        <p14:creationId xmlns:p14="http://schemas.microsoft.com/office/powerpoint/2010/main" xmlns="" val="4136871283"/>
+        <p14:creationId xmlns="" xmlns:p14="http://schemas.microsoft.com/office/powerpoint/2010/main" val="4136871283"/>
       </p:ext>
     </p:extLst>
   </p:cSld>
@@ -1844,7 +1844,7 @@
             <a:fld id="{37724C19-980F-4321-AACF-69E1510F1043}" type="datetimeFigureOut">
               <a:rPr lang="en-US" smtClean="0"/>
               <a:pPr/>
-              <a:t>11/21/2016</a:t>
+              <a:t>12/14/2016</a:t>
             </a:fld>
             <a:endParaRPr lang="en-US" dirty="0"/>
           </a:p>
@@ -1896,7 +1896,7 @@
     </p:spTree>
     <p:extLst>
       <p:ext uri="{BB962C8B-B14F-4D97-AF65-F5344CB8AC3E}">
-        <p14:creationId xmlns:p14="http://schemas.microsoft.com/office/powerpoint/2010/main" xmlns="" val="2409841877"/>
+        <p14:creationId xmlns="" xmlns:p14="http://schemas.microsoft.com/office/powerpoint/2010/main" val="2409841877"/>
       </p:ext>
     </p:extLst>
   </p:cSld>
@@ -2121,7 +2121,7 @@
             <a:fld id="{37724C19-980F-4321-AACF-69E1510F1043}" type="datetimeFigureOut">
               <a:rPr lang="en-US" smtClean="0"/>
               <a:pPr/>
-              <a:t>11/21/2016</a:t>
+              <a:t>12/14/2016</a:t>
             </a:fld>
             <a:endParaRPr lang="en-US" dirty="0"/>
           </a:p>
@@ -2173,7 +2173,7 @@
     </p:spTree>
     <p:extLst>
       <p:ext uri="{BB962C8B-B14F-4D97-AF65-F5344CB8AC3E}">
-        <p14:creationId xmlns:p14="http://schemas.microsoft.com/office/powerpoint/2010/main" xmlns="" val="827629637"/>
+        <p14:creationId xmlns="" xmlns:p14="http://schemas.microsoft.com/office/powerpoint/2010/main" val="827629637"/>
       </p:ext>
     </p:extLst>
   </p:cSld>
@@ -2375,7 +2375,7 @@
             <a:fld id="{37724C19-980F-4321-AACF-69E1510F1043}" type="datetimeFigureOut">
               <a:rPr lang="en-US" smtClean="0"/>
               <a:pPr/>
-              <a:t>11/21/2016</a:t>
+              <a:t>12/14/2016</a:t>
             </a:fld>
             <a:endParaRPr lang="en-US" dirty="0"/>
           </a:p>
@@ -2427,7 +2427,7 @@
     </p:spTree>
     <p:extLst>
       <p:ext uri="{BB962C8B-B14F-4D97-AF65-F5344CB8AC3E}">
-        <p14:creationId xmlns:p14="http://schemas.microsoft.com/office/powerpoint/2010/main" xmlns="" val="3514816148"/>
+        <p14:creationId xmlns="" xmlns:p14="http://schemas.microsoft.com/office/powerpoint/2010/main" val="3514816148"/>
       </p:ext>
     </p:extLst>
   </p:cSld>
@@ -2588,7 +2588,7 @@
             <a:fld id="{37724C19-980F-4321-AACF-69E1510F1043}" type="datetimeFigureOut">
               <a:rPr lang="en-US" smtClean="0"/>
               <a:pPr/>
-              <a:t>11/21/2016</a:t>
+              <a:t>12/14/2016</a:t>
             </a:fld>
             <a:endParaRPr lang="en-US" dirty="0"/>
           </a:p>
@@ -2676,7 +2676,7 @@
     </p:spTree>
     <p:extLst>
       <p:ext uri="{BB962C8B-B14F-4D97-AF65-F5344CB8AC3E}">
-        <p14:creationId xmlns:p14="http://schemas.microsoft.com/office/powerpoint/2010/main" xmlns="" val="4213530645"/>
+        <p14:creationId xmlns="" xmlns:p14="http://schemas.microsoft.com/office/powerpoint/2010/main" val="4213530645"/>
       </p:ext>
     </p:extLst>
   </p:cSld>
@@ -3829,7 +3829,7 @@
         </p:blipFill>
         <p:spPr bwMode="auto">
           <a:xfrm>
-            <a:off x="4819316" y="1179093"/>
+            <a:off x="7023897" y="1179093"/>
             <a:ext cx="372060" cy="347663"/>
           </a:xfrm>
           <a:prstGeom prst="rect">
@@ -3894,7 +3894,7 @@
     </p:spTree>
     <p:extLst>
       <p:ext uri="{BB962C8B-B14F-4D97-AF65-F5344CB8AC3E}">
-        <p14:creationId xmlns:p14="http://schemas.microsoft.com/office/powerpoint/2010/main" xmlns="" val="283767647"/>
+        <p14:creationId xmlns="" xmlns:p14="http://schemas.microsoft.com/office/powerpoint/2010/main" val="283767647"/>
       </p:ext>
     </p:extLst>
   </p:cSld>
@@ -3902,7 +3902,7 @@
     <a:masterClrMapping/>
   </p:clrMapOvr>
   <mc:AlternateContent xmlns:mc="http://schemas.openxmlformats.org/markup-compatibility/2006">
-    <mc:Choice xmlns:p14="http://schemas.microsoft.com/office/powerpoint/2010/main" xmlns="" Requires="p14">
+    <mc:Choice xmlns="" xmlns:p14="http://schemas.microsoft.com/office/powerpoint/2010/main" Requires="p14">
       <p:transition spd="slow" p14:dur="2000" advClick="0"/>
     </mc:Choice>
     <mc:Fallback>
@@ -5615,7 +5615,7 @@
     </p:spTree>
     <p:extLst>
       <p:ext uri="{BB962C8B-B14F-4D97-AF65-F5344CB8AC3E}">
-        <p14:creationId xmlns:p14="http://schemas.microsoft.com/office/powerpoint/2010/main" xmlns="" val="283767647"/>
+        <p14:creationId xmlns="" xmlns:p14="http://schemas.microsoft.com/office/powerpoint/2010/main" val="283767647"/>
       </p:ext>
     </p:extLst>
   </p:cSld>
@@ -5623,7 +5623,7 @@
     <a:masterClrMapping/>
   </p:clrMapOvr>
   <mc:AlternateContent xmlns:mc="http://schemas.openxmlformats.org/markup-compatibility/2006">
-    <mc:Choice xmlns:p14="http://schemas.microsoft.com/office/powerpoint/2010/main" xmlns="" Requires="p14">
+    <mc:Choice xmlns="" xmlns:p14="http://schemas.microsoft.com/office/powerpoint/2010/main" Requires="p14">
       <p:transition spd="slow" p14:dur="2000" advClick="0"/>
     </mc:Choice>
     <mc:Fallback>
@@ -7759,7 +7759,7 @@
     </p:spTree>
     <p:extLst>
       <p:ext uri="{BB962C8B-B14F-4D97-AF65-F5344CB8AC3E}">
-        <p14:creationId xmlns:p14="http://schemas.microsoft.com/office/powerpoint/2010/main" xmlns="" val="283767647"/>
+        <p14:creationId xmlns="" xmlns:p14="http://schemas.microsoft.com/office/powerpoint/2010/main" val="283767647"/>
       </p:ext>
     </p:extLst>
   </p:cSld>
@@ -7767,7 +7767,7 @@
     <a:masterClrMapping/>
   </p:clrMapOvr>
   <mc:AlternateContent xmlns:mc="http://schemas.openxmlformats.org/markup-compatibility/2006">
-    <mc:Choice xmlns:p14="http://schemas.microsoft.com/office/powerpoint/2010/main" xmlns="" Requires="p14">
+    <mc:Choice xmlns="" xmlns:p14="http://schemas.microsoft.com/office/powerpoint/2010/main" Requires="p14">
       <p:transition spd="slow" p14:dur="2000" advClick="0"/>
     </mc:Choice>
     <mc:Fallback>
@@ -8783,7 +8783,7 @@
         </p:blipFill>
         <p:spPr bwMode="auto">
           <a:xfrm>
-            <a:off x="4819316" y="1179093"/>
+            <a:off x="7061475" y="1166567"/>
             <a:ext cx="372060" cy="347663"/>
           </a:xfrm>
           <a:prstGeom prst="rect">
@@ -8800,14 +8800,14 @@
       </p:pic>
       <p:sp>
         <p:nvSpPr>
-          <p:cNvPr id="25" name="24 Rectángulo"/>
-          <p:cNvSpPr/>
-          <p:nvPr/>
-        </p:nvSpPr>
-        <p:spPr>
-          <a:xfrm>
-            <a:off x="4796589" y="1499938"/>
-            <a:ext cx="1981200" cy="1564104"/>
+          <p:cNvPr id="27" name="26 Rectángulo"/>
+          <p:cNvSpPr/>
+          <p:nvPr/>
+        </p:nvSpPr>
+        <p:spPr>
+          <a:xfrm>
+            <a:off x="5385313" y="1495433"/>
+            <a:ext cx="1981200" cy="521367"/>
           </a:xfrm>
           <a:prstGeom prst="rect">
             <a:avLst/>
@@ -8851,13 +8851,15 @@
       </p:sp>
       <p:sp>
         <p:nvSpPr>
-          <p:cNvPr id="27" name="26 Rectángulo"/>
-          <p:cNvSpPr/>
-          <p:nvPr/>
-        </p:nvSpPr>
-        <p:spPr>
-          <a:xfrm>
-            <a:off x="4796589" y="1507959"/>
+          <p:cNvPr id="28" name="27 Rectángulo">
+            <a:hlinkClick r:id="rId7" action="ppaction://hlinksldjump"/>
+          </p:cNvPr>
+          <p:cNvSpPr/>
+          <p:nvPr/>
+        </p:nvSpPr>
+        <p:spPr>
+          <a:xfrm>
+            <a:off x="5368281" y="2021306"/>
             <a:ext cx="1981200" cy="521367"/>
           </a:xfrm>
           <a:prstGeom prst="rect">
@@ -8902,15 +8904,15 @@
       </p:sp>
       <p:sp>
         <p:nvSpPr>
-          <p:cNvPr id="28" name="27 Rectángulo">
-            <a:hlinkClick r:id="rId7" action="ppaction://hlinksldjump"/>
+          <p:cNvPr id="31" name="30 Rectángulo">
+            <a:hlinkClick r:id="rId8" action="ppaction://hlinksldjump"/>
           </p:cNvPr>
           <p:cNvSpPr/>
           <p:nvPr/>
         </p:nvSpPr>
         <p:spPr>
           <a:xfrm>
-            <a:off x="4804610" y="2021306"/>
+            <a:off x="5360260" y="2550696"/>
             <a:ext cx="1981200" cy="521367"/>
           </a:xfrm>
           <a:prstGeom prst="rect">
@@ -8955,7 +8957,173 @@
       </p:sp>
       <p:sp>
         <p:nvSpPr>
-          <p:cNvPr id="31" name="30 Rectángulo">
+          <p:cNvPr id="35" name="Rectangle 12">
+            <a:hlinkClick r:id="rId5" action="ppaction://hlinksldjump"/>
+          </p:cNvPr>
+          <p:cNvSpPr/>
+          <p:nvPr/>
+        </p:nvSpPr>
+        <p:spPr>
+          <a:xfrm>
+            <a:off x="5448492" y="1608814"/>
+            <a:ext cx="1820779" cy="370800"/>
+          </a:xfrm>
+          <a:prstGeom prst="rect">
+            <a:avLst/>
+          </a:prstGeom>
+          <a:noFill/>
+          <a:ln>
+            <a:noFill/>
+          </a:ln>
+        </p:spPr>
+        <p:style>
+          <a:lnRef idx="2">
+            <a:schemeClr val="dk1"/>
+          </a:lnRef>
+          <a:fillRef idx="1">
+            <a:schemeClr val="lt1"/>
+          </a:fillRef>
+          <a:effectRef idx="0">
+            <a:schemeClr val="dk1"/>
+          </a:effectRef>
+          <a:fontRef idx="minor">
+            <a:schemeClr val="dk1"/>
+          </a:fontRef>
+        </p:style>
+        <p:txBody>
+          <a:bodyPr rtlCol="0" anchor="ctr"/>
+          <a:lstStyle/>
+          <a:p>
+            <a:pPr algn="ctr"/>
+            <a:r>
+              <a:rPr lang="en-GB" sz="1100" dirty="0" smtClean="0">
+                <a:solidFill>
+                  <a:schemeClr val="bg1"/>
+                </a:solidFill>
+              </a:rPr>
+              <a:t>Quiz</a:t>
+            </a:r>
+            <a:endParaRPr lang="en-GB" sz="1100" dirty="0" smtClean="0">
+              <a:solidFill>
+                <a:schemeClr val="bg1"/>
+              </a:solidFill>
+            </a:endParaRPr>
+          </a:p>
+        </p:txBody>
+      </p:sp>
+      <p:sp>
+        <p:nvSpPr>
+          <p:cNvPr id="36" name="Rectangle 12">
+            <a:hlinkClick r:id="rId5" action="ppaction://hlinksldjump"/>
+          </p:cNvPr>
+          <p:cNvSpPr/>
+          <p:nvPr/>
+        </p:nvSpPr>
+        <p:spPr>
+          <a:xfrm>
+            <a:off x="5657479" y="2114140"/>
+            <a:ext cx="1403684" cy="370800"/>
+          </a:xfrm>
+          <a:prstGeom prst="rect">
+            <a:avLst/>
+          </a:prstGeom>
+          <a:noFill/>
+          <a:ln>
+            <a:noFill/>
+          </a:ln>
+        </p:spPr>
+        <p:style>
+          <a:lnRef idx="2">
+            <a:schemeClr val="dk1"/>
+          </a:lnRef>
+          <a:fillRef idx="1">
+            <a:schemeClr val="lt1"/>
+          </a:fillRef>
+          <a:effectRef idx="0">
+            <a:schemeClr val="dk1"/>
+          </a:effectRef>
+          <a:fontRef idx="minor">
+            <a:schemeClr val="dk1"/>
+          </a:fontRef>
+        </p:style>
+        <p:txBody>
+          <a:bodyPr rtlCol="0" anchor="ctr"/>
+          <a:lstStyle/>
+          <a:p>
+            <a:pPr algn="ctr"/>
+            <a:r>
+              <a:rPr lang="en-GB" sz="1100" dirty="0" smtClean="0">
+                <a:solidFill>
+                  <a:schemeClr val="bg1"/>
+                </a:solidFill>
+              </a:rPr>
+              <a:t>Map statistics</a:t>
+            </a:r>
+          </a:p>
+        </p:txBody>
+      </p:sp>
+      <p:sp>
+        <p:nvSpPr>
+          <p:cNvPr id="37" name="Rectangle 12">
+            <a:hlinkClick r:id="rId5" action="ppaction://hlinksldjump"/>
+          </p:cNvPr>
+          <p:cNvSpPr/>
+          <p:nvPr/>
+        </p:nvSpPr>
+        <p:spPr>
+          <a:xfrm>
+            <a:off x="5413880" y="2595404"/>
+            <a:ext cx="1820779" cy="370800"/>
+          </a:xfrm>
+          <a:prstGeom prst="rect">
+            <a:avLst/>
+          </a:prstGeom>
+          <a:noFill/>
+          <a:ln>
+            <a:noFill/>
+          </a:ln>
+        </p:spPr>
+        <p:style>
+          <a:lnRef idx="2">
+            <a:schemeClr val="dk1"/>
+          </a:lnRef>
+          <a:fillRef idx="1">
+            <a:schemeClr val="lt1"/>
+          </a:fillRef>
+          <a:effectRef idx="0">
+            <a:schemeClr val="dk1"/>
+          </a:effectRef>
+          <a:fontRef idx="minor">
+            <a:schemeClr val="dk1"/>
+          </a:fontRef>
+        </p:style>
+        <p:txBody>
+          <a:bodyPr rtlCol="0" anchor="ctr"/>
+          <a:lstStyle/>
+          <a:p>
+            <a:pPr algn="ctr"/>
+            <a:r>
+              <a:rPr lang="en-GB" sz="1100" dirty="0" smtClean="0">
+                <a:solidFill>
+                  <a:schemeClr val="bg1"/>
+                </a:solidFill>
+              </a:rPr>
+              <a:t>Survival </a:t>
+            </a:r>
+            <a:r>
+              <a:rPr lang="en-GB" sz="1100" dirty="0" smtClean="0">
+                <a:solidFill>
+                  <a:schemeClr val="bg1"/>
+                </a:solidFill>
+              </a:rPr>
+              <a:t>tips</a:t>
+            </a:r>
+          </a:p>
+        </p:txBody>
+      </p:sp>
+      <p:sp>
+        <p:nvSpPr>
+          <p:cNvPr id="38" name="37 Rectángulo">
             <a:hlinkClick r:id="rId8" action="ppaction://hlinksldjump"/>
           </p:cNvPr>
           <p:cNvSpPr/>
@@ -8963,7 +9131,7 @@
         </p:nvSpPr>
         <p:spPr>
           <a:xfrm>
-            <a:off x="4796589" y="2550696"/>
+            <a:off x="5387400" y="3041298"/>
             <a:ext cx="1981200" cy="521367"/>
           </a:xfrm>
           <a:prstGeom prst="rect">
@@ -9008,7 +9176,7 @@
       </p:sp>
       <p:sp>
         <p:nvSpPr>
-          <p:cNvPr id="35" name="Rectangle 12">
+          <p:cNvPr id="42" name="Rectangle 12">
             <a:hlinkClick r:id="rId5" action="ppaction://hlinksldjump"/>
           </p:cNvPr>
           <p:cNvSpPr/>
@@ -9016,7 +9184,7 @@
         </p:nvSpPr>
         <p:spPr>
           <a:xfrm>
-            <a:off x="4884821" y="1608814"/>
+            <a:off x="5428494" y="3098532"/>
             <a:ext cx="1820779" cy="370800"/>
           </a:xfrm>
           <a:prstGeom prst="rect">
@@ -9052,117 +9220,20 @@
                   <a:schemeClr val="bg1"/>
                 </a:solidFill>
               </a:rPr>
-              <a:t>Answer quiz</a:t>
-            </a:r>
-          </a:p>
-        </p:txBody>
-      </p:sp>
-      <p:sp>
-        <p:nvSpPr>
-          <p:cNvPr id="36" name="Rectangle 12">
-            <a:hlinkClick r:id="rId5" action="ppaction://hlinksldjump"/>
-          </p:cNvPr>
-          <p:cNvSpPr/>
-          <p:nvPr/>
-        </p:nvSpPr>
-        <p:spPr>
-          <a:xfrm>
-            <a:off x="4981074" y="2114140"/>
-            <a:ext cx="1403684" cy="370800"/>
-          </a:xfrm>
-          <a:prstGeom prst="rect">
-            <a:avLst/>
-          </a:prstGeom>
-          <a:noFill/>
-          <a:ln>
-            <a:noFill/>
-          </a:ln>
-        </p:spPr>
-        <p:style>
-          <a:lnRef idx="2">
-            <a:schemeClr val="dk1"/>
-          </a:lnRef>
-          <a:fillRef idx="1">
-            <a:schemeClr val="lt1"/>
-          </a:fillRef>
-          <a:effectRef idx="0">
-            <a:schemeClr val="dk1"/>
-          </a:effectRef>
-          <a:fontRef idx="minor">
-            <a:schemeClr val="dk1"/>
-          </a:fontRef>
-        </p:style>
-        <p:txBody>
-          <a:bodyPr rtlCol="0" anchor="ctr"/>
-          <a:lstStyle/>
-          <a:p>
-            <a:pPr algn="ctr"/>
-            <a:r>
-              <a:rPr lang="en-GB" sz="1100" dirty="0" smtClean="0">
-                <a:solidFill>
-                  <a:schemeClr val="bg1"/>
-                </a:solidFill>
-              </a:rPr>
-              <a:t>Map statistics</a:t>
-            </a:r>
-          </a:p>
-        </p:txBody>
-      </p:sp>
-      <p:sp>
-        <p:nvSpPr>
-          <p:cNvPr id="37" name="Rectangle 12">
-            <a:hlinkClick r:id="rId5" action="ppaction://hlinksldjump"/>
-          </p:cNvPr>
-          <p:cNvSpPr/>
-          <p:nvPr/>
-        </p:nvSpPr>
-        <p:spPr>
-          <a:xfrm>
-            <a:off x="4812631" y="2595404"/>
-            <a:ext cx="1820779" cy="370800"/>
-          </a:xfrm>
-          <a:prstGeom prst="rect">
-            <a:avLst/>
-          </a:prstGeom>
-          <a:noFill/>
-          <a:ln>
-            <a:noFill/>
-          </a:ln>
-        </p:spPr>
-        <p:style>
-          <a:lnRef idx="2">
-            <a:schemeClr val="dk1"/>
-          </a:lnRef>
-          <a:fillRef idx="1">
-            <a:schemeClr val="lt1"/>
-          </a:fillRef>
-          <a:effectRef idx="0">
-            <a:schemeClr val="dk1"/>
-          </a:effectRef>
-          <a:fontRef idx="minor">
-            <a:schemeClr val="dk1"/>
-          </a:fontRef>
-        </p:style>
-        <p:txBody>
-          <a:bodyPr rtlCol="0" anchor="ctr"/>
-          <a:lstStyle/>
-          <a:p>
-            <a:pPr algn="ctr"/>
-            <a:r>
-              <a:rPr lang="en-GB" sz="1100" dirty="0" smtClean="0">
-                <a:solidFill>
-                  <a:schemeClr val="bg1"/>
-                </a:solidFill>
-              </a:rPr>
-              <a:t>Disaster Survival tips</a:t>
-            </a:r>
+              <a:t>Settings</a:t>
+            </a:r>
+            <a:endParaRPr lang="en-GB" sz="1100" dirty="0" smtClean="0">
+              <a:solidFill>
+                <a:schemeClr val="bg1"/>
+              </a:solidFill>
+            </a:endParaRPr>
           </a:p>
         </p:txBody>
       </p:sp>
     </p:spTree>
     <p:extLst>
       <p:ext uri="{BB962C8B-B14F-4D97-AF65-F5344CB8AC3E}">
-        <p14:creationId xmlns:p14="http://schemas.microsoft.com/office/powerpoint/2010/main" xmlns="" val="283767647"/>
+        <p14:creationId xmlns="" xmlns:p14="http://schemas.microsoft.com/office/powerpoint/2010/main" val="283767647"/>
       </p:ext>
     </p:extLst>
   </p:cSld>
@@ -9170,7 +9241,7 @@
     <a:masterClrMapping/>
   </p:clrMapOvr>
   <mc:AlternateContent xmlns:mc="http://schemas.openxmlformats.org/markup-compatibility/2006">
-    <mc:Choice xmlns:p14="http://schemas.microsoft.com/office/powerpoint/2010/main" xmlns="" Requires="p14">
+    <mc:Choice xmlns="" xmlns:p14="http://schemas.microsoft.com/office/powerpoint/2010/main" Requires="p14">
       <p:transition spd="slow" p14:dur="2000" advClick="0"/>
     </mc:Choice>
     <mc:Fallback>
@@ -10066,7 +10137,7 @@
     </p:spTree>
     <p:extLst>
       <p:ext uri="{BB962C8B-B14F-4D97-AF65-F5344CB8AC3E}">
-        <p14:creationId xmlns:p14="http://schemas.microsoft.com/office/powerpoint/2010/main" xmlns="" val="283767647"/>
+        <p14:creationId xmlns="" xmlns:p14="http://schemas.microsoft.com/office/powerpoint/2010/main" val="283767647"/>
       </p:ext>
     </p:extLst>
   </p:cSld>
@@ -10074,7 +10145,7 @@
     <a:masterClrMapping/>
   </p:clrMapOvr>
   <mc:AlternateContent xmlns:mc="http://schemas.openxmlformats.org/markup-compatibility/2006">
-    <mc:Choice xmlns:p14="http://schemas.microsoft.com/office/powerpoint/2010/main" xmlns="" Requires="p14">
+    <mc:Choice xmlns="" xmlns:p14="http://schemas.microsoft.com/office/powerpoint/2010/main" Requires="p14">
       <p:transition spd="slow" p14:dur="2000" advClick="0"/>
     </mc:Choice>
     <mc:Fallback>
@@ -10874,7 +10945,7 @@
     </p:spTree>
     <p:extLst>
       <p:ext uri="{BB962C8B-B14F-4D97-AF65-F5344CB8AC3E}">
-        <p14:creationId xmlns:p14="http://schemas.microsoft.com/office/powerpoint/2010/main" xmlns="" val="283767647"/>
+        <p14:creationId xmlns="" xmlns:p14="http://schemas.microsoft.com/office/powerpoint/2010/main" val="283767647"/>
       </p:ext>
     </p:extLst>
   </p:cSld>
@@ -10882,7 +10953,7 @@
     <a:masterClrMapping/>
   </p:clrMapOvr>
   <mc:AlternateContent xmlns:mc="http://schemas.openxmlformats.org/markup-compatibility/2006">
-    <mc:Choice xmlns:p14="http://schemas.microsoft.com/office/powerpoint/2010/main" xmlns="" Requires="p14">
+    <mc:Choice xmlns="" xmlns:p14="http://schemas.microsoft.com/office/powerpoint/2010/main" Requires="p14">
       <p:transition spd="slow" p14:dur="2000" advClick="0"/>
     </mc:Choice>
     <mc:Fallback>
@@ -11640,7 +11711,7 @@
     </p:spTree>
     <p:extLst>
       <p:ext uri="{BB962C8B-B14F-4D97-AF65-F5344CB8AC3E}">
-        <p14:creationId xmlns:p14="http://schemas.microsoft.com/office/powerpoint/2010/main" xmlns="" val="283767647"/>
+        <p14:creationId xmlns="" xmlns:p14="http://schemas.microsoft.com/office/powerpoint/2010/main" val="283767647"/>
       </p:ext>
     </p:extLst>
   </p:cSld>
@@ -11648,7 +11719,7 @@
     <a:masterClrMapping/>
   </p:clrMapOvr>
   <mc:AlternateContent xmlns:mc="http://schemas.openxmlformats.org/markup-compatibility/2006">
-    <mc:Choice xmlns:p14="http://schemas.microsoft.com/office/powerpoint/2010/main" xmlns="" Requires="p14">
+    <mc:Choice xmlns="" xmlns:p14="http://schemas.microsoft.com/office/powerpoint/2010/main" Requires="p14">
       <p:transition spd="slow" p14:dur="2000" advClick="0"/>
     </mc:Choice>
     <mc:Fallback>
@@ -12570,7 +12641,7 @@
     </p:spTree>
     <p:extLst>
       <p:ext uri="{BB962C8B-B14F-4D97-AF65-F5344CB8AC3E}">
-        <p14:creationId xmlns:p14="http://schemas.microsoft.com/office/powerpoint/2010/main" xmlns="" val="283767647"/>
+        <p14:creationId xmlns="" xmlns:p14="http://schemas.microsoft.com/office/powerpoint/2010/main" val="283767647"/>
       </p:ext>
     </p:extLst>
   </p:cSld>
@@ -12578,7 +12649,7 @@
     <a:masterClrMapping/>
   </p:clrMapOvr>
   <mc:AlternateContent xmlns:mc="http://schemas.openxmlformats.org/markup-compatibility/2006">
-    <mc:Choice xmlns:p14="http://schemas.microsoft.com/office/powerpoint/2010/main" xmlns="" Requires="p14">
+    <mc:Choice xmlns="" xmlns:p14="http://schemas.microsoft.com/office/powerpoint/2010/main" Requires="p14">
       <p:transition spd="slow" p14:dur="2000" advClick="0"/>
     </mc:Choice>
     <mc:Fallback>
@@ -13506,7 +13577,7 @@
     </p:spTree>
     <p:extLst>
       <p:ext uri="{BB962C8B-B14F-4D97-AF65-F5344CB8AC3E}">
-        <p14:creationId xmlns:p14="http://schemas.microsoft.com/office/powerpoint/2010/main" xmlns="" val="283767647"/>
+        <p14:creationId xmlns="" xmlns:p14="http://schemas.microsoft.com/office/powerpoint/2010/main" val="283767647"/>
       </p:ext>
     </p:extLst>
   </p:cSld>
@@ -13514,7 +13585,7 @@
     <a:masterClrMapping/>
   </p:clrMapOvr>
   <mc:AlternateContent xmlns:mc="http://schemas.openxmlformats.org/markup-compatibility/2006">
-    <mc:Choice xmlns:p14="http://schemas.microsoft.com/office/powerpoint/2010/main" xmlns="" Requires="p14">
+    <mc:Choice xmlns="" xmlns:p14="http://schemas.microsoft.com/office/powerpoint/2010/main" Requires="p14">
       <p:transition spd="slow" p14:dur="2000" advClick="0"/>
     </mc:Choice>
     <mc:Fallback>
@@ -14330,7 +14401,7 @@
     </p:spTree>
     <p:extLst>
       <p:ext uri="{BB962C8B-B14F-4D97-AF65-F5344CB8AC3E}">
-        <p14:creationId xmlns:p14="http://schemas.microsoft.com/office/powerpoint/2010/main" xmlns="" val="283767647"/>
+        <p14:creationId xmlns="" xmlns:p14="http://schemas.microsoft.com/office/powerpoint/2010/main" val="283767647"/>
       </p:ext>
     </p:extLst>
   </p:cSld>
@@ -14338,7 +14409,7 @@
     <a:masterClrMapping/>
   </p:clrMapOvr>
   <mc:AlternateContent xmlns:mc="http://schemas.openxmlformats.org/markup-compatibility/2006">
-    <mc:Choice xmlns:p14="http://schemas.microsoft.com/office/powerpoint/2010/main" xmlns="" Requires="p14">
+    <mc:Choice xmlns="" xmlns:p14="http://schemas.microsoft.com/office/powerpoint/2010/main" Requires="p14">
       <p:transition spd="slow" p14:dur="2000" advClick="0"/>
     </mc:Choice>
     <mc:Fallback>
@@ -15154,7 +15225,7 @@
     </p:spTree>
     <p:extLst>
       <p:ext uri="{BB962C8B-B14F-4D97-AF65-F5344CB8AC3E}">
-        <p14:creationId xmlns:p14="http://schemas.microsoft.com/office/powerpoint/2010/main" xmlns="" val="283767647"/>
+        <p14:creationId xmlns="" xmlns:p14="http://schemas.microsoft.com/office/powerpoint/2010/main" val="283767647"/>
       </p:ext>
     </p:extLst>
   </p:cSld>
@@ -15162,7 +15233,7 @@
     <a:masterClrMapping/>
   </p:clrMapOvr>
   <mc:AlternateContent xmlns:mc="http://schemas.openxmlformats.org/markup-compatibility/2006">
-    <mc:Choice xmlns:p14="http://schemas.microsoft.com/office/powerpoint/2010/main" xmlns="" Requires="p14">
+    <mc:Choice xmlns="" xmlns:p14="http://schemas.microsoft.com/office/powerpoint/2010/main" Requires="p14">
       <p:transition spd="slow" p14:dur="2000" advClick="0"/>
     </mc:Choice>
     <mc:Fallback>
@@ -15468,7 +15539,7 @@
   <a:extraClrSchemeLst/>
   <a:extLst>
     <a:ext uri="{05A4C25C-085E-4340-85A3-A5531E510DB2}">
-      <thm15:themeFamily xmlns:thm15="http://schemas.microsoft.com/office/thememl/2012/main" xmlns="" name="Office Theme" id="{62F939B6-93AF-4DB8-9C6B-D6C7DFDC589F}" vid="{4A3C46E8-61CC-4603-A589-7422A47A8E4A}"/>
+      <thm15:themeFamily xmlns="" xmlns:thm15="http://schemas.microsoft.com/office/thememl/2012/main" name="Office Theme" id="{62F939B6-93AF-4DB8-9C6B-D6C7DFDC589F}" vid="{4A3C46E8-61CC-4603-A589-7422A47A8E4A}"/>
     </a:ext>
   </a:extLst>
 </a:theme>
